--- a/Slides/02_EDUC_6050_2018.pptx
+++ b/Slides/02_EDUC_6050_2018.pptx
@@ -5,17 +5,26 @@
     <p:sldMasterId id="2147483648" r:id="rId1"/>
   </p:sldMasterIdLst>
   <p:notesMasterIdLst>
-    <p:notesMasterId r:id="rId10"/>
+    <p:notesMasterId r:id="rId19"/>
   </p:notesMasterIdLst>
   <p:sldIdLst>
     <p:sldId id="256" r:id="rId2"/>
     <p:sldId id="257" r:id="rId3"/>
     <p:sldId id="258" r:id="rId4"/>
     <p:sldId id="291" r:id="rId5"/>
-    <p:sldId id="259" r:id="rId6"/>
-    <p:sldId id="292" r:id="rId7"/>
-    <p:sldId id="289" r:id="rId8"/>
-    <p:sldId id="290" r:id="rId9"/>
+    <p:sldId id="294" r:id="rId6"/>
+    <p:sldId id="295" r:id="rId7"/>
+    <p:sldId id="293" r:id="rId8"/>
+    <p:sldId id="292" r:id="rId9"/>
+    <p:sldId id="296" r:id="rId10"/>
+    <p:sldId id="297" r:id="rId11"/>
+    <p:sldId id="300" r:id="rId12"/>
+    <p:sldId id="301" r:id="rId13"/>
+    <p:sldId id="259" r:id="rId14"/>
+    <p:sldId id="298" r:id="rId15"/>
+    <p:sldId id="299" r:id="rId16"/>
+    <p:sldId id="289" r:id="rId17"/>
+    <p:sldId id="290" r:id="rId18"/>
   </p:sldIdLst>
   <p:sldSz cx="12192000" cy="6858000"/>
   <p:notesSz cx="6858000" cy="9144000"/>
@@ -204,7 +213,7 @@
           <a:p>
             <a:fld id="{E2EB8C27-4EA0-7247-87A3-872976A07B51}" type="datetimeFigureOut">
               <a:rPr lang="en-US" smtClean="0"/>
-              <a:t>12/29/17</a:t>
+              <a:t>1/4/18</a:t>
             </a:fld>
             <a:endParaRPr lang="en-US"/>
           </a:p>
@@ -687,7 +696,7 @@
           <a:p>
             <a:fld id="{6B54304B-BE7E-0B46-811C-93731445F83C}" type="datetimeFigureOut">
               <a:rPr lang="en-US" smtClean="0"/>
-              <a:t>12/29/17</a:t>
+              <a:t>1/4/18</a:t>
             </a:fld>
             <a:endParaRPr lang="en-US"/>
           </a:p>
@@ -857,7 +866,7 @@
           <a:p>
             <a:fld id="{6B54304B-BE7E-0B46-811C-93731445F83C}" type="datetimeFigureOut">
               <a:rPr lang="en-US" smtClean="0"/>
-              <a:t>12/29/17</a:t>
+              <a:t>1/4/18</a:t>
             </a:fld>
             <a:endParaRPr lang="en-US"/>
           </a:p>
@@ -1037,7 +1046,7 @@
           <a:p>
             <a:fld id="{6B54304B-BE7E-0B46-811C-93731445F83C}" type="datetimeFigureOut">
               <a:rPr lang="en-US" smtClean="0"/>
-              <a:t>12/29/17</a:t>
+              <a:t>1/4/18</a:t>
             </a:fld>
             <a:endParaRPr lang="en-US"/>
           </a:p>
@@ -1207,7 +1216,7 @@
           <a:p>
             <a:fld id="{6B54304B-BE7E-0B46-811C-93731445F83C}" type="datetimeFigureOut">
               <a:rPr lang="en-US" smtClean="0"/>
-              <a:t>12/29/17</a:t>
+              <a:t>1/4/18</a:t>
             </a:fld>
             <a:endParaRPr lang="en-US"/>
           </a:p>
@@ -1453,7 +1462,7 @@
           <a:p>
             <a:fld id="{6B54304B-BE7E-0B46-811C-93731445F83C}" type="datetimeFigureOut">
               <a:rPr lang="en-US" smtClean="0"/>
-              <a:t>12/29/17</a:t>
+              <a:t>1/4/18</a:t>
             </a:fld>
             <a:endParaRPr lang="en-US"/>
           </a:p>
@@ -1685,7 +1694,7 @@
           <a:p>
             <a:fld id="{6B54304B-BE7E-0B46-811C-93731445F83C}" type="datetimeFigureOut">
               <a:rPr lang="en-US" smtClean="0"/>
-              <a:t>12/29/17</a:t>
+              <a:t>1/4/18</a:t>
             </a:fld>
             <a:endParaRPr lang="en-US"/>
           </a:p>
@@ -2052,7 +2061,7 @@
           <a:p>
             <a:fld id="{6B54304B-BE7E-0B46-811C-93731445F83C}" type="datetimeFigureOut">
               <a:rPr lang="en-US" smtClean="0"/>
-              <a:t>12/29/17</a:t>
+              <a:t>1/4/18</a:t>
             </a:fld>
             <a:endParaRPr lang="en-US"/>
           </a:p>
@@ -2170,7 +2179,7 @@
           <a:p>
             <a:fld id="{6B54304B-BE7E-0B46-811C-93731445F83C}" type="datetimeFigureOut">
               <a:rPr lang="en-US" smtClean="0"/>
-              <a:t>12/29/17</a:t>
+              <a:t>1/4/18</a:t>
             </a:fld>
             <a:endParaRPr lang="en-US"/>
           </a:p>
@@ -2265,7 +2274,7 @@
           <a:p>
             <a:fld id="{6B54304B-BE7E-0B46-811C-93731445F83C}" type="datetimeFigureOut">
               <a:rPr lang="en-US" smtClean="0"/>
-              <a:t>12/29/17</a:t>
+              <a:t>1/4/18</a:t>
             </a:fld>
             <a:endParaRPr lang="en-US"/>
           </a:p>
@@ -2542,7 +2551,7 @@
           <a:p>
             <a:fld id="{6B54304B-BE7E-0B46-811C-93731445F83C}" type="datetimeFigureOut">
               <a:rPr lang="en-US" smtClean="0"/>
-              <a:t>12/29/17</a:t>
+              <a:t>1/4/18</a:t>
             </a:fld>
             <a:endParaRPr lang="en-US"/>
           </a:p>
@@ -2795,7 +2804,7 @@
           <a:p>
             <a:fld id="{6B54304B-BE7E-0B46-811C-93731445F83C}" type="datetimeFigureOut">
               <a:rPr lang="en-US" smtClean="0"/>
-              <a:t>12/29/17</a:t>
+              <a:t>1/4/18</a:t>
             </a:fld>
             <a:endParaRPr lang="en-US"/>
           </a:p>
@@ -3008,7 +3017,7 @@
           <a:p>
             <a:fld id="{6B54304B-BE7E-0B46-811C-93731445F83C}" type="datetimeFigureOut">
               <a:rPr lang="en-US" smtClean="0"/>
-              <a:t>12/29/17</a:t>
+              <a:t>1/4/18</a:t>
             </a:fld>
             <a:endParaRPr lang="en-US"/>
           </a:p>
@@ -3514,14 +3523,6 @@
               </a:rPr>
               <a:t>2</a:t>
             </a:r>
-            <a:endParaRPr lang="en-US" sz="3600" b="1" dirty="0">
-              <a:solidFill>
-                <a:schemeClr val="accent3"/>
-              </a:solidFill>
-              <a:latin typeface="Consolas" charset="0"/>
-              <a:ea typeface="Consolas" charset="0"/>
-              <a:cs typeface="Consolas" charset="0"/>
-            </a:endParaRPr>
           </a:p>
         </p:txBody>
       </p:sp>
@@ -3576,7 +3577,7 @@
                 <a:ea typeface="Consolas" charset="0"/>
                 <a:cs typeface="Consolas" charset="0"/>
               </a:rPr>
-              <a:t>Engaging | Applied | Useful</a:t>
+              <a:t>Finding clarity using data</a:t>
             </a:r>
             <a:endParaRPr lang="en-US" sz="3200" dirty="0">
               <a:solidFill>
@@ -3593,6 +3594,1532 @@
     <p:extLst>
       <p:ext uri="{BB962C8B-B14F-4D97-AF65-F5344CB8AC3E}">
         <p14:creationId xmlns:p14="http://schemas.microsoft.com/office/powerpoint/2010/main" val="641206487"/>
+      </p:ext>
+    </p:extLst>
+  </p:cSld>
+  <p:clrMapOvr>
+    <a:masterClrMapping/>
+  </p:clrMapOvr>
+  <p:timing>
+    <p:tnLst>
+      <p:par>
+        <p:cTn id="1" dur="indefinite" restart="never" nodeType="tmRoot"/>
+      </p:par>
+    </p:tnLst>
+  </p:timing>
+</p:sld>
+</file>
+
+<file path=ppt/slides/slide10.xml><?xml version="1.0" encoding="utf-8"?>
+<p:sld xmlns:a="http://schemas.openxmlformats.org/drawingml/2006/main" xmlns:r="http://schemas.openxmlformats.org/officeDocument/2006/relationships" xmlns:p="http://schemas.openxmlformats.org/presentationml/2006/main">
+  <p:cSld>
+    <p:spTree>
+      <p:nvGrpSpPr>
+        <p:cNvPr id="1" name=""/>
+        <p:cNvGrpSpPr/>
+        <p:nvPr/>
+      </p:nvGrpSpPr>
+      <p:grpSpPr>
+        <a:xfrm>
+          <a:off x="0" y="0"/>
+          <a:ext cx="0" cy="0"/>
+          <a:chOff x="0" y="0"/>
+          <a:chExt cx="0" cy="0"/>
+        </a:xfrm>
+      </p:grpSpPr>
+      <p:sp>
+        <p:nvSpPr>
+          <p:cNvPr id="2" name="Title 1"/>
+          <p:cNvSpPr>
+            <a:spLocks noGrp="1"/>
+          </p:cNvSpPr>
+          <p:nvPr>
+            <p:ph type="title"/>
+          </p:nvPr>
+        </p:nvSpPr>
+        <p:spPr/>
+        <p:txBody>
+          <a:bodyPr/>
+          <a:lstStyle/>
+          <a:p>
+            <a:r>
+              <a:rPr lang="en-US" b="1" dirty="0" smtClean="0">
+                <a:latin typeface="Consolas" charset="0"/>
+                <a:ea typeface="Consolas" charset="0"/>
+                <a:cs typeface="Consolas" charset="0"/>
+              </a:rPr>
+              <a:t>The Vocabulary of Statistics</a:t>
+            </a:r>
+            <a:endParaRPr lang="en-US" b="1" dirty="0">
+              <a:latin typeface="Consolas" charset="0"/>
+              <a:ea typeface="Consolas" charset="0"/>
+              <a:cs typeface="Consolas" charset="0"/>
+            </a:endParaRPr>
+          </a:p>
+        </p:txBody>
+      </p:sp>
+      <p:sp>
+        <p:nvSpPr>
+          <p:cNvPr id="4" name="TextBox 3"/>
+          <p:cNvSpPr txBox="1"/>
+          <p:nvPr/>
+        </p:nvSpPr>
+        <p:spPr>
+          <a:xfrm>
+            <a:off x="838200" y="2104258"/>
+            <a:ext cx="4269886" cy="1446550"/>
+          </a:xfrm>
+          <a:prstGeom prst="rect">
+            <a:avLst/>
+          </a:prstGeom>
+          <a:solidFill>
+            <a:schemeClr val="accent6">
+              <a:lumMod val="20000"/>
+              <a:lumOff val="80000"/>
+            </a:schemeClr>
+          </a:solidFill>
+          <a:ln>
+            <a:solidFill>
+              <a:schemeClr val="accent6"/>
+            </a:solidFill>
+          </a:ln>
+        </p:spPr>
+        <p:txBody>
+          <a:bodyPr wrap="square" rtlCol="0">
+            <a:spAutoFit/>
+          </a:bodyPr>
+          <a:lstStyle/>
+          <a:p>
+            <a:pPr algn="ctr"/>
+            <a:r>
+              <a:rPr lang="en-US" sz="4400" b="1" dirty="0" smtClean="0">
+                <a:solidFill>
+                  <a:schemeClr val="accent6"/>
+                </a:solidFill>
+                <a:latin typeface="Consolas" charset="0"/>
+                <a:ea typeface="Consolas" charset="0"/>
+                <a:cs typeface="Consolas" charset="0"/>
+              </a:rPr>
+              <a:t>Independent Variables</a:t>
+            </a:r>
+          </a:p>
+        </p:txBody>
+      </p:sp>
+      <p:sp>
+        <p:nvSpPr>
+          <p:cNvPr id="3" name="Rectangle 2"/>
+          <p:cNvSpPr/>
+          <p:nvPr/>
+        </p:nvSpPr>
+        <p:spPr>
+          <a:xfrm>
+            <a:off x="6596743" y="2104258"/>
+            <a:ext cx="5001986" cy="1446550"/>
+          </a:xfrm>
+          <a:prstGeom prst="rect">
+            <a:avLst/>
+          </a:prstGeom>
+          <a:solidFill>
+            <a:schemeClr val="accent1">
+              <a:lumMod val="20000"/>
+              <a:lumOff val="80000"/>
+            </a:schemeClr>
+          </a:solidFill>
+          <a:ln>
+            <a:solidFill>
+              <a:schemeClr val="accent1"/>
+            </a:solidFill>
+          </a:ln>
+        </p:spPr>
+        <p:txBody>
+          <a:bodyPr wrap="square">
+            <a:spAutoFit/>
+          </a:bodyPr>
+          <a:lstStyle/>
+          <a:p>
+            <a:pPr algn="ctr"/>
+            <a:r>
+              <a:rPr lang="en-US" sz="4400" b="1" dirty="0" smtClean="0">
+                <a:solidFill>
+                  <a:schemeClr val="accent1"/>
+                </a:solidFill>
+                <a:latin typeface="Consolas" charset="0"/>
+                <a:ea typeface="Consolas" charset="0"/>
+                <a:cs typeface="Consolas" charset="0"/>
+              </a:rPr>
+              <a:t>Dependent</a:t>
+            </a:r>
+          </a:p>
+          <a:p>
+            <a:pPr algn="ctr"/>
+            <a:r>
+              <a:rPr lang="en-US" sz="4400" b="1" dirty="0" smtClean="0">
+                <a:solidFill>
+                  <a:schemeClr val="accent1"/>
+                </a:solidFill>
+                <a:latin typeface="Consolas" charset="0"/>
+                <a:ea typeface="Consolas" charset="0"/>
+                <a:cs typeface="Consolas" charset="0"/>
+              </a:rPr>
+              <a:t>Variables</a:t>
+            </a:r>
+            <a:endParaRPr lang="en-US" sz="4400" b="1" dirty="0">
+              <a:solidFill>
+                <a:schemeClr val="accent1"/>
+              </a:solidFill>
+              <a:latin typeface="Consolas" charset="0"/>
+              <a:ea typeface="Consolas" charset="0"/>
+              <a:cs typeface="Consolas" charset="0"/>
+            </a:endParaRPr>
+          </a:p>
+        </p:txBody>
+      </p:sp>
+      <p:cxnSp>
+        <p:nvCxnSpPr>
+          <p:cNvPr id="8" name="Straight Arrow Connector 7"/>
+          <p:cNvCxnSpPr/>
+          <p:nvPr/>
+        </p:nvCxnSpPr>
+        <p:spPr>
+          <a:xfrm>
+            <a:off x="5355771" y="2827533"/>
+            <a:ext cx="1077686" cy="0"/>
+          </a:xfrm>
+          <a:prstGeom prst="straightConnector1">
+            <a:avLst/>
+          </a:prstGeom>
+          <a:ln w="76200">
+            <a:solidFill>
+              <a:schemeClr val="tx2"/>
+            </a:solidFill>
+            <a:tailEnd type="triangle"/>
+          </a:ln>
+        </p:spPr>
+        <p:style>
+          <a:lnRef idx="1">
+            <a:schemeClr val="accent1"/>
+          </a:lnRef>
+          <a:fillRef idx="0">
+            <a:schemeClr val="accent1"/>
+          </a:fillRef>
+          <a:effectRef idx="0">
+            <a:schemeClr val="accent1"/>
+          </a:effectRef>
+          <a:fontRef idx="minor">
+            <a:schemeClr val="tx1"/>
+          </a:fontRef>
+        </p:style>
+      </p:cxnSp>
+      <p:sp>
+        <p:nvSpPr>
+          <p:cNvPr id="10" name="Rectangle 9"/>
+          <p:cNvSpPr/>
+          <p:nvPr/>
+        </p:nvSpPr>
+        <p:spPr>
+          <a:xfrm>
+            <a:off x="444936" y="3849725"/>
+            <a:ext cx="5056414" cy="2431435"/>
+          </a:xfrm>
+          <a:prstGeom prst="rect">
+            <a:avLst/>
+          </a:prstGeom>
+        </p:spPr>
+        <p:txBody>
+          <a:bodyPr wrap="square">
+            <a:spAutoFit/>
+          </a:bodyPr>
+          <a:lstStyle/>
+          <a:p>
+            <a:pPr algn="ctr"/>
+            <a:r>
+              <a:rPr lang="en-US" sz="2800" dirty="0" smtClean="0">
+                <a:solidFill>
+                  <a:schemeClr val="accent6"/>
+                </a:solidFill>
+                <a:latin typeface="Consolas" charset="0"/>
+                <a:ea typeface="Consolas" charset="0"/>
+                <a:cs typeface="Consolas" charset="0"/>
+              </a:rPr>
+              <a:t>“predictors” or “IV”</a:t>
+            </a:r>
+          </a:p>
+          <a:p>
+            <a:pPr algn="ctr"/>
+            <a:endParaRPr lang="en-US" sz="1200" dirty="0" smtClean="0">
+              <a:solidFill>
+                <a:schemeClr val="accent6"/>
+              </a:solidFill>
+              <a:latin typeface="Consolas" charset="0"/>
+              <a:ea typeface="Consolas" charset="0"/>
+              <a:cs typeface="Consolas" charset="0"/>
+            </a:endParaRPr>
+          </a:p>
+          <a:p>
+            <a:pPr algn="ctr"/>
+            <a:r>
+              <a:rPr lang="en-US" sz="2800" dirty="0" smtClean="0">
+                <a:solidFill>
+                  <a:schemeClr val="accent6"/>
+                </a:solidFill>
+                <a:latin typeface="Consolas" charset="0"/>
+                <a:ea typeface="Consolas" charset="0"/>
+                <a:cs typeface="Consolas" charset="0"/>
+              </a:rPr>
+              <a:t>These are the variables that we think are causing or influencing the outcome</a:t>
+            </a:r>
+            <a:endParaRPr lang="en-US" sz="2800" dirty="0"/>
+          </a:p>
+        </p:txBody>
+      </p:sp>
+      <p:sp>
+        <p:nvSpPr>
+          <p:cNvPr id="11" name="Rectangle 10"/>
+          <p:cNvSpPr/>
+          <p:nvPr/>
+        </p:nvSpPr>
+        <p:spPr>
+          <a:xfrm>
+            <a:off x="6569529" y="3849724"/>
+            <a:ext cx="5056414" cy="2431435"/>
+          </a:xfrm>
+          <a:prstGeom prst="rect">
+            <a:avLst/>
+          </a:prstGeom>
+        </p:spPr>
+        <p:txBody>
+          <a:bodyPr wrap="square">
+            <a:spAutoFit/>
+          </a:bodyPr>
+          <a:lstStyle/>
+          <a:p>
+            <a:pPr algn="ctr"/>
+            <a:r>
+              <a:rPr lang="en-US" sz="2800" dirty="0" smtClean="0">
+                <a:solidFill>
+                  <a:schemeClr val="accent1"/>
+                </a:solidFill>
+                <a:latin typeface="Consolas" charset="0"/>
+                <a:ea typeface="Consolas" charset="0"/>
+                <a:cs typeface="Consolas" charset="0"/>
+              </a:rPr>
+              <a:t>“outcomes” or “DV”</a:t>
+            </a:r>
+          </a:p>
+          <a:p>
+            <a:pPr algn="ctr"/>
+            <a:endParaRPr lang="en-US" sz="1200" dirty="0" smtClean="0">
+              <a:solidFill>
+                <a:schemeClr val="accent1"/>
+              </a:solidFill>
+              <a:latin typeface="Consolas" charset="0"/>
+              <a:ea typeface="Consolas" charset="0"/>
+              <a:cs typeface="Consolas" charset="0"/>
+            </a:endParaRPr>
+          </a:p>
+          <a:p>
+            <a:pPr algn="ctr"/>
+            <a:r>
+              <a:rPr lang="en-US" sz="2800" dirty="0" smtClean="0">
+                <a:solidFill>
+                  <a:schemeClr val="accent1"/>
+                </a:solidFill>
+                <a:latin typeface="Consolas" charset="0"/>
+                <a:ea typeface="Consolas" charset="0"/>
+                <a:cs typeface="Consolas" charset="0"/>
+              </a:rPr>
+              <a:t>These are the variables that we think are caused by an independent variable</a:t>
+            </a:r>
+            <a:endParaRPr lang="en-US" sz="2800" dirty="0">
+              <a:solidFill>
+                <a:schemeClr val="accent1"/>
+              </a:solidFill>
+            </a:endParaRPr>
+          </a:p>
+        </p:txBody>
+      </p:sp>
+    </p:spTree>
+    <p:extLst>
+      <p:ext uri="{BB962C8B-B14F-4D97-AF65-F5344CB8AC3E}">
+        <p14:creationId xmlns:p14="http://schemas.microsoft.com/office/powerpoint/2010/main" val="1939777723"/>
+      </p:ext>
+    </p:extLst>
+  </p:cSld>
+  <p:clrMapOvr>
+    <a:masterClrMapping/>
+  </p:clrMapOvr>
+  <p:timing>
+    <p:tnLst>
+      <p:par>
+        <p:cTn id="1" dur="indefinite" restart="never" nodeType="tmRoot"/>
+      </p:par>
+    </p:tnLst>
+  </p:timing>
+</p:sld>
+</file>
+
+<file path=ppt/slides/slide11.xml><?xml version="1.0" encoding="utf-8"?>
+<p:sld xmlns:a="http://schemas.openxmlformats.org/drawingml/2006/main" xmlns:r="http://schemas.openxmlformats.org/officeDocument/2006/relationships" xmlns:p="http://schemas.openxmlformats.org/presentationml/2006/main">
+  <p:cSld>
+    <p:spTree>
+      <p:nvGrpSpPr>
+        <p:cNvPr id="1" name=""/>
+        <p:cNvGrpSpPr/>
+        <p:nvPr/>
+      </p:nvGrpSpPr>
+      <p:grpSpPr>
+        <a:xfrm>
+          <a:off x="0" y="0"/>
+          <a:ext cx="0" cy="0"/>
+          <a:chOff x="0" y="0"/>
+          <a:chExt cx="0" cy="0"/>
+        </a:xfrm>
+      </p:grpSpPr>
+      <p:sp>
+        <p:nvSpPr>
+          <p:cNvPr id="2" name="Title 1"/>
+          <p:cNvSpPr>
+            <a:spLocks noGrp="1"/>
+          </p:cNvSpPr>
+          <p:nvPr>
+            <p:ph type="title"/>
+          </p:nvPr>
+        </p:nvSpPr>
+        <p:spPr/>
+        <p:txBody>
+          <a:bodyPr/>
+          <a:lstStyle/>
+          <a:p>
+            <a:r>
+              <a:rPr lang="en-US" b="1" dirty="0" smtClean="0">
+                <a:latin typeface="Consolas" charset="0"/>
+                <a:ea typeface="Consolas" charset="0"/>
+                <a:cs typeface="Consolas" charset="0"/>
+              </a:rPr>
+              <a:t>The Vocabulary of Statistics</a:t>
+            </a:r>
+            <a:endParaRPr lang="en-US" b="1" dirty="0">
+              <a:latin typeface="Consolas" charset="0"/>
+              <a:ea typeface="Consolas" charset="0"/>
+              <a:cs typeface="Consolas" charset="0"/>
+            </a:endParaRPr>
+          </a:p>
+        </p:txBody>
+      </p:sp>
+      <p:sp>
+        <p:nvSpPr>
+          <p:cNvPr id="4" name="TextBox 3"/>
+          <p:cNvSpPr txBox="1"/>
+          <p:nvPr/>
+        </p:nvSpPr>
+        <p:spPr>
+          <a:xfrm>
+            <a:off x="838200" y="1850988"/>
+            <a:ext cx="10515600" cy="1446550"/>
+          </a:xfrm>
+          <a:prstGeom prst="rect">
+            <a:avLst/>
+          </a:prstGeom>
+          <a:noFill/>
+          <a:ln>
+            <a:noFill/>
+          </a:ln>
+        </p:spPr>
+        <p:txBody>
+          <a:bodyPr wrap="square" rtlCol="0">
+            <a:spAutoFit/>
+          </a:bodyPr>
+          <a:lstStyle/>
+          <a:p>
+            <a:r>
+              <a:rPr lang="en-US" sz="4400" b="1" dirty="0" smtClean="0">
+                <a:solidFill>
+                  <a:schemeClr val="accent3"/>
+                </a:solidFill>
+                <a:latin typeface="Consolas" charset="0"/>
+                <a:ea typeface="Consolas" charset="0"/>
+                <a:cs typeface="Consolas" charset="0"/>
+              </a:rPr>
+              <a:t>Hypothesis Testing </a:t>
+            </a:r>
+            <a:r>
+              <a:rPr lang="en-US" sz="4400" b="1" smtClean="0">
+                <a:solidFill>
+                  <a:schemeClr val="accent3"/>
+                </a:solidFill>
+                <a:latin typeface="Consolas" charset="0"/>
+                <a:ea typeface="Consolas" charset="0"/>
+                <a:cs typeface="Consolas" charset="0"/>
+              </a:rPr>
+              <a:t>(Inferential Statistics)</a:t>
+            </a:r>
+            <a:endParaRPr lang="en-US" sz="4400" b="1" dirty="0" smtClean="0">
+              <a:solidFill>
+                <a:schemeClr val="accent3"/>
+              </a:solidFill>
+              <a:latin typeface="Consolas" charset="0"/>
+              <a:ea typeface="Consolas" charset="0"/>
+              <a:cs typeface="Consolas" charset="0"/>
+            </a:endParaRPr>
+          </a:p>
+        </p:txBody>
+      </p:sp>
+      <p:sp>
+        <p:nvSpPr>
+          <p:cNvPr id="10" name="Rectangle 9"/>
+          <p:cNvSpPr/>
+          <p:nvPr/>
+        </p:nvSpPr>
+        <p:spPr>
+          <a:xfrm>
+            <a:off x="838200" y="3437690"/>
+            <a:ext cx="8109857" cy="523220"/>
+          </a:xfrm>
+          <a:prstGeom prst="rect">
+            <a:avLst/>
+          </a:prstGeom>
+        </p:spPr>
+        <p:txBody>
+          <a:bodyPr wrap="square">
+            <a:spAutoFit/>
+          </a:bodyPr>
+          <a:lstStyle/>
+          <a:p>
+            <a:r>
+              <a:rPr lang="en-US" sz="2800" b="1" dirty="0" smtClean="0">
+                <a:solidFill>
+                  <a:schemeClr val="accent6"/>
+                </a:solidFill>
+                <a:latin typeface="Consolas" charset="0"/>
+                <a:ea typeface="Consolas" charset="0"/>
+                <a:cs typeface="Consolas" charset="0"/>
+              </a:rPr>
+              <a:t>Null Hypothesis </a:t>
+            </a:r>
+            <a:r>
+              <a:rPr lang="en-US" sz="2800" b="1" smtClean="0">
+                <a:solidFill>
+                  <a:schemeClr val="accent6"/>
+                </a:solidFill>
+                <a:latin typeface="Consolas" charset="0"/>
+                <a:ea typeface="Consolas" charset="0"/>
+                <a:cs typeface="Consolas" charset="0"/>
+              </a:rPr>
+              <a:t>Significance Testing</a:t>
+            </a:r>
+            <a:endParaRPr lang="en-US" sz="2800" b="1" dirty="0" smtClean="0">
+              <a:solidFill>
+                <a:schemeClr val="accent6"/>
+              </a:solidFill>
+              <a:latin typeface="Consolas" charset="0"/>
+              <a:ea typeface="Consolas" charset="0"/>
+              <a:cs typeface="Consolas" charset="0"/>
+            </a:endParaRPr>
+          </a:p>
+        </p:txBody>
+      </p:sp>
+      <p:sp>
+        <p:nvSpPr>
+          <p:cNvPr id="9" name="Rectangle 8"/>
+          <p:cNvSpPr/>
+          <p:nvPr/>
+        </p:nvSpPr>
+        <p:spPr>
+          <a:xfrm>
+            <a:off x="838200" y="4308547"/>
+            <a:ext cx="10515600" cy="1384995"/>
+          </a:xfrm>
+          <a:prstGeom prst="rect">
+            <a:avLst/>
+          </a:prstGeom>
+        </p:spPr>
+        <p:txBody>
+          <a:bodyPr wrap="square">
+            <a:spAutoFit/>
+          </a:bodyPr>
+          <a:lstStyle/>
+          <a:p>
+            <a:r>
+              <a:rPr lang="en-US" sz="2800" b="1" dirty="0" smtClean="0">
+                <a:solidFill>
+                  <a:schemeClr val="tx2"/>
+                </a:solidFill>
+                <a:latin typeface="Consolas" charset="0"/>
+                <a:ea typeface="Consolas" charset="0"/>
+                <a:cs typeface="Consolas" charset="0"/>
+              </a:rPr>
+              <a:t>Gives us an idea about what the population may look like based on our sample (accounts for </a:t>
+            </a:r>
+            <a:r>
+              <a:rPr lang="en-US" sz="2800" b="1" dirty="0" smtClean="0">
+                <a:solidFill>
+                  <a:schemeClr val="accent2"/>
+                </a:solidFill>
+                <a:latin typeface="Consolas" charset="0"/>
+                <a:ea typeface="Consolas" charset="0"/>
+                <a:cs typeface="Consolas" charset="0"/>
+              </a:rPr>
+              <a:t>sampling error</a:t>
+            </a:r>
+            <a:r>
+              <a:rPr lang="en-US" sz="2800" b="1" dirty="0" smtClean="0">
+                <a:solidFill>
+                  <a:schemeClr val="tx2"/>
+                </a:solidFill>
+                <a:latin typeface="Consolas" charset="0"/>
+                <a:ea typeface="Consolas" charset="0"/>
+                <a:cs typeface="Consolas" charset="0"/>
+              </a:rPr>
+              <a:t>)</a:t>
+            </a:r>
+          </a:p>
+        </p:txBody>
+      </p:sp>
+    </p:spTree>
+    <p:extLst>
+      <p:ext uri="{BB962C8B-B14F-4D97-AF65-F5344CB8AC3E}">
+        <p14:creationId xmlns:p14="http://schemas.microsoft.com/office/powerpoint/2010/main" val="610484343"/>
+      </p:ext>
+    </p:extLst>
+  </p:cSld>
+  <p:clrMapOvr>
+    <a:masterClrMapping/>
+  </p:clrMapOvr>
+  <p:timing>
+    <p:tnLst>
+      <p:par>
+        <p:cTn id="1" dur="indefinite" restart="never" nodeType="tmRoot"/>
+      </p:par>
+    </p:tnLst>
+  </p:timing>
+</p:sld>
+</file>
+
+<file path=ppt/slides/slide12.xml><?xml version="1.0" encoding="utf-8"?>
+<p:sld xmlns:a="http://schemas.openxmlformats.org/drawingml/2006/main" xmlns:r="http://schemas.openxmlformats.org/officeDocument/2006/relationships" xmlns:p="http://schemas.openxmlformats.org/presentationml/2006/main">
+  <p:cSld>
+    <p:spTree>
+      <p:nvGrpSpPr>
+        <p:cNvPr id="1" name=""/>
+        <p:cNvGrpSpPr/>
+        <p:nvPr/>
+      </p:nvGrpSpPr>
+      <p:grpSpPr>
+        <a:xfrm>
+          <a:off x="0" y="0"/>
+          <a:ext cx="0" cy="0"/>
+          <a:chOff x="0" y="0"/>
+          <a:chExt cx="0" cy="0"/>
+        </a:xfrm>
+      </p:grpSpPr>
+      <p:sp>
+        <p:nvSpPr>
+          <p:cNvPr id="2" name="Title 1"/>
+          <p:cNvSpPr>
+            <a:spLocks noGrp="1"/>
+          </p:cNvSpPr>
+          <p:nvPr>
+            <p:ph type="title"/>
+          </p:nvPr>
+        </p:nvSpPr>
+        <p:spPr/>
+        <p:txBody>
+          <a:bodyPr/>
+          <a:lstStyle/>
+          <a:p>
+            <a:r>
+              <a:rPr lang="en-US" b="1" dirty="0" smtClean="0">
+                <a:latin typeface="Consolas" charset="0"/>
+                <a:ea typeface="Consolas" charset="0"/>
+                <a:cs typeface="Consolas" charset="0"/>
+              </a:rPr>
+              <a:t>The Vocabulary of Statistics</a:t>
+            </a:r>
+            <a:endParaRPr lang="en-US" b="1" dirty="0">
+              <a:latin typeface="Consolas" charset="0"/>
+              <a:ea typeface="Consolas" charset="0"/>
+              <a:cs typeface="Consolas" charset="0"/>
+            </a:endParaRPr>
+          </a:p>
+        </p:txBody>
+      </p:sp>
+      <p:sp>
+        <p:nvSpPr>
+          <p:cNvPr id="4" name="TextBox 3"/>
+          <p:cNvSpPr txBox="1"/>
+          <p:nvPr/>
+        </p:nvSpPr>
+        <p:spPr>
+          <a:xfrm>
+            <a:off x="838200" y="1850988"/>
+            <a:ext cx="10515600" cy="769441"/>
+          </a:xfrm>
+          <a:prstGeom prst="rect">
+            <a:avLst/>
+          </a:prstGeom>
+          <a:noFill/>
+          <a:ln>
+            <a:noFill/>
+          </a:ln>
+        </p:spPr>
+        <p:txBody>
+          <a:bodyPr wrap="square" rtlCol="0">
+            <a:spAutoFit/>
+          </a:bodyPr>
+          <a:lstStyle/>
+          <a:p>
+            <a:r>
+              <a:rPr lang="en-US" sz="4400" b="1" dirty="0" smtClean="0">
+                <a:solidFill>
+                  <a:schemeClr val="accent3"/>
+                </a:solidFill>
+                <a:latin typeface="Consolas" charset="0"/>
+                <a:ea typeface="Consolas" charset="0"/>
+                <a:cs typeface="Consolas" charset="0"/>
+              </a:rPr>
+              <a:t>Effect Sizes</a:t>
+            </a:r>
+          </a:p>
+        </p:txBody>
+      </p:sp>
+      <p:sp>
+        <p:nvSpPr>
+          <p:cNvPr id="9" name="Rectangle 8"/>
+          <p:cNvSpPr/>
+          <p:nvPr/>
+        </p:nvSpPr>
+        <p:spPr>
+          <a:xfrm>
+            <a:off x="838200" y="3100232"/>
+            <a:ext cx="10515600" cy="1384995"/>
+          </a:xfrm>
+          <a:prstGeom prst="rect">
+            <a:avLst/>
+          </a:prstGeom>
+        </p:spPr>
+        <p:txBody>
+          <a:bodyPr wrap="square">
+            <a:spAutoFit/>
+          </a:bodyPr>
+          <a:lstStyle/>
+          <a:p>
+            <a:r>
+              <a:rPr lang="en-US" sz="2800" b="1" dirty="0" smtClean="0">
+                <a:solidFill>
+                  <a:schemeClr val="tx2"/>
+                </a:solidFill>
+                <a:latin typeface="Consolas" charset="0"/>
+                <a:ea typeface="Consolas" charset="0"/>
+                <a:cs typeface="Consolas" charset="0"/>
+              </a:rPr>
+              <a:t>Gives us an idea about what the population may look like based on our sample (accounts for </a:t>
+            </a:r>
+            <a:r>
+              <a:rPr lang="en-US" sz="2800" b="1" dirty="0" smtClean="0">
+                <a:solidFill>
+                  <a:schemeClr val="accent2"/>
+                </a:solidFill>
+                <a:latin typeface="Consolas" charset="0"/>
+                <a:ea typeface="Consolas" charset="0"/>
+                <a:cs typeface="Consolas" charset="0"/>
+              </a:rPr>
+              <a:t>sampling error</a:t>
+            </a:r>
+            <a:r>
+              <a:rPr lang="en-US" sz="2800" b="1" dirty="0" smtClean="0">
+                <a:solidFill>
+                  <a:schemeClr val="tx2"/>
+                </a:solidFill>
+                <a:latin typeface="Consolas" charset="0"/>
+                <a:ea typeface="Consolas" charset="0"/>
+                <a:cs typeface="Consolas" charset="0"/>
+              </a:rPr>
+              <a:t>)</a:t>
+            </a:r>
+          </a:p>
+        </p:txBody>
+      </p:sp>
+    </p:spTree>
+    <p:extLst>
+      <p:ext uri="{BB962C8B-B14F-4D97-AF65-F5344CB8AC3E}">
+        <p14:creationId xmlns:p14="http://schemas.microsoft.com/office/powerpoint/2010/main" val="7901000"/>
+      </p:ext>
+    </p:extLst>
+  </p:cSld>
+  <p:clrMapOvr>
+    <a:masterClrMapping/>
+  </p:clrMapOvr>
+  <p:timing>
+    <p:tnLst>
+      <p:par>
+        <p:cTn id="1" dur="indefinite" restart="never" nodeType="tmRoot"/>
+      </p:par>
+    </p:tnLst>
+  </p:timing>
+</p:sld>
+</file>
+
+<file path=ppt/slides/slide13.xml><?xml version="1.0" encoding="utf-8"?>
+<p:sld xmlns:a="http://schemas.openxmlformats.org/drawingml/2006/main" xmlns:r="http://schemas.openxmlformats.org/officeDocument/2006/relationships" xmlns:p="http://schemas.openxmlformats.org/presentationml/2006/main">
+  <p:cSld>
+    <p:spTree>
+      <p:nvGrpSpPr>
+        <p:cNvPr id="1" name=""/>
+        <p:cNvGrpSpPr/>
+        <p:nvPr/>
+      </p:nvGrpSpPr>
+      <p:grpSpPr>
+        <a:xfrm>
+          <a:off x="0" y="0"/>
+          <a:ext cx="0" cy="0"/>
+          <a:chOff x="0" y="0"/>
+          <a:chExt cx="0" cy="0"/>
+        </a:xfrm>
+      </p:grpSpPr>
+      <p:sp>
+        <p:nvSpPr>
+          <p:cNvPr id="2" name="Title 1"/>
+          <p:cNvSpPr>
+            <a:spLocks noGrp="1"/>
+          </p:cNvSpPr>
+          <p:nvPr>
+            <p:ph type="title"/>
+          </p:nvPr>
+        </p:nvSpPr>
+        <p:spPr/>
+        <p:txBody>
+          <a:bodyPr/>
+          <a:lstStyle/>
+          <a:p>
+            <a:r>
+              <a:rPr lang="en-US" b="1" dirty="0" smtClean="0">
+                <a:latin typeface="Consolas" charset="0"/>
+                <a:ea typeface="Consolas" charset="0"/>
+                <a:cs typeface="Consolas" charset="0"/>
+              </a:rPr>
+              <a:t>Why Learn Statistics?</a:t>
+            </a:r>
+            <a:endParaRPr lang="en-US" b="1" dirty="0">
+              <a:latin typeface="Consolas" charset="0"/>
+              <a:ea typeface="Consolas" charset="0"/>
+              <a:cs typeface="Consolas" charset="0"/>
+            </a:endParaRPr>
+          </a:p>
+        </p:txBody>
+      </p:sp>
+      <p:sp>
+        <p:nvSpPr>
+          <p:cNvPr id="4" name="TextBox 3"/>
+          <p:cNvSpPr txBox="1"/>
+          <p:nvPr/>
+        </p:nvSpPr>
+        <p:spPr>
+          <a:xfrm>
+            <a:off x="838199" y="1800565"/>
+            <a:ext cx="10967357" cy="1446550"/>
+          </a:xfrm>
+          <a:prstGeom prst="rect">
+            <a:avLst/>
+          </a:prstGeom>
+          <a:noFill/>
+        </p:spPr>
+        <p:txBody>
+          <a:bodyPr wrap="square" rtlCol="0">
+            <a:spAutoFit/>
+          </a:bodyPr>
+          <a:lstStyle/>
+          <a:p>
+            <a:r>
+              <a:rPr lang="en-US" sz="4400" b="1" dirty="0" smtClean="0">
+                <a:solidFill>
+                  <a:schemeClr val="accent3"/>
+                </a:solidFill>
+                <a:latin typeface="Consolas" charset="0"/>
+                <a:ea typeface="Consolas" charset="0"/>
+                <a:cs typeface="Consolas" charset="0"/>
+              </a:rPr>
+              <a:t>Simply: the understanding of data using summaries and probability</a:t>
+            </a:r>
+          </a:p>
+        </p:txBody>
+      </p:sp>
+      <p:sp>
+        <p:nvSpPr>
+          <p:cNvPr id="5" name="TextBox 4"/>
+          <p:cNvSpPr txBox="1"/>
+          <p:nvPr/>
+        </p:nvSpPr>
+        <p:spPr>
+          <a:xfrm>
+            <a:off x="838200" y="3606007"/>
+            <a:ext cx="10967356" cy="1446550"/>
+          </a:xfrm>
+          <a:prstGeom prst="rect">
+            <a:avLst/>
+          </a:prstGeom>
+          <a:noFill/>
+        </p:spPr>
+        <p:txBody>
+          <a:bodyPr wrap="square" rtlCol="0">
+            <a:spAutoFit/>
+          </a:bodyPr>
+          <a:lstStyle/>
+          <a:p>
+            <a:r>
+              <a:rPr lang="en-US" sz="4400" b="1" dirty="0" smtClean="0">
+                <a:solidFill>
+                  <a:schemeClr val="tx2"/>
+                </a:solidFill>
+                <a:latin typeface="Consolas" charset="0"/>
+                <a:ea typeface="Consolas" charset="0"/>
+                <a:cs typeface="Consolas" charset="0"/>
+              </a:rPr>
+              <a:t>A </a:t>
+            </a:r>
+            <a:r>
+              <a:rPr lang="en-US" sz="4400" b="1" dirty="0" smtClean="0">
+                <a:solidFill>
+                  <a:schemeClr val="accent6"/>
+                </a:solidFill>
+                <a:latin typeface="Consolas" charset="0"/>
+                <a:ea typeface="Consolas" charset="0"/>
+                <a:cs typeface="Consolas" charset="0"/>
+              </a:rPr>
+              <a:t>statistic</a:t>
+            </a:r>
+            <a:r>
+              <a:rPr lang="en-US" sz="4400" b="1" dirty="0" smtClean="0">
+                <a:solidFill>
+                  <a:schemeClr val="tx2"/>
+                </a:solidFill>
+                <a:latin typeface="Consolas" charset="0"/>
+                <a:ea typeface="Consolas" charset="0"/>
+                <a:cs typeface="Consolas" charset="0"/>
+              </a:rPr>
+              <a:t> is some sort of summary of the data</a:t>
+            </a:r>
+          </a:p>
+        </p:txBody>
+      </p:sp>
+      <p:sp>
+        <p:nvSpPr>
+          <p:cNvPr id="7" name="TextBox 6"/>
+          <p:cNvSpPr txBox="1"/>
+          <p:nvPr/>
+        </p:nvSpPr>
+        <p:spPr>
+          <a:xfrm>
+            <a:off x="838200" y="5815871"/>
+            <a:ext cx="10515600" cy="584775"/>
+          </a:xfrm>
+          <a:prstGeom prst="rect">
+            <a:avLst/>
+          </a:prstGeom>
+          <a:noFill/>
+        </p:spPr>
+        <p:txBody>
+          <a:bodyPr wrap="square" rtlCol="0">
+            <a:spAutoFit/>
+          </a:bodyPr>
+          <a:lstStyle/>
+          <a:p>
+            <a:r>
+              <a:rPr lang="en-US" sz="3200" b="1" dirty="0" smtClean="0">
+                <a:solidFill>
+                  <a:schemeClr val="tx2"/>
+                </a:solidFill>
+                <a:latin typeface="Consolas" charset="0"/>
+                <a:ea typeface="Consolas" charset="0"/>
+                <a:cs typeface="Consolas" charset="0"/>
+              </a:rPr>
+              <a:t>The </a:t>
+            </a:r>
+            <a:r>
+              <a:rPr lang="en-US" sz="3200" b="1" dirty="0" smtClean="0">
+                <a:solidFill>
+                  <a:schemeClr val="accent2"/>
+                </a:solidFill>
+                <a:latin typeface="Consolas" charset="0"/>
+                <a:ea typeface="Consolas" charset="0"/>
+                <a:cs typeface="Consolas" charset="0"/>
+              </a:rPr>
+              <a:t>average</a:t>
+            </a:r>
+            <a:r>
+              <a:rPr lang="en-US" sz="3200" b="1" dirty="0" smtClean="0">
+                <a:solidFill>
+                  <a:schemeClr val="tx2"/>
+                </a:solidFill>
+                <a:latin typeface="Consolas" charset="0"/>
+                <a:ea typeface="Consolas" charset="0"/>
+                <a:cs typeface="Consolas" charset="0"/>
+              </a:rPr>
+              <a:t> is a statistic</a:t>
+            </a:r>
+          </a:p>
+        </p:txBody>
+      </p:sp>
+    </p:spTree>
+    <p:extLst>
+      <p:ext uri="{BB962C8B-B14F-4D97-AF65-F5344CB8AC3E}">
+        <p14:creationId xmlns:p14="http://schemas.microsoft.com/office/powerpoint/2010/main" val="2002727311"/>
+      </p:ext>
+    </p:extLst>
+  </p:cSld>
+  <p:clrMapOvr>
+    <a:masterClrMapping/>
+  </p:clrMapOvr>
+  <p:timing>
+    <p:tnLst>
+      <p:par>
+        <p:cTn id="1" dur="indefinite" restart="never" nodeType="tmRoot"/>
+      </p:par>
+    </p:tnLst>
+  </p:timing>
+</p:sld>
+</file>
+
+<file path=ppt/slides/slide14.xml><?xml version="1.0" encoding="utf-8"?>
+<p:sld xmlns:a="http://schemas.openxmlformats.org/drawingml/2006/main" xmlns:r="http://schemas.openxmlformats.org/officeDocument/2006/relationships" xmlns:p="http://schemas.openxmlformats.org/presentationml/2006/main">
+  <p:cSld>
+    <p:spTree>
+      <p:nvGrpSpPr>
+        <p:cNvPr id="1" name=""/>
+        <p:cNvGrpSpPr/>
+        <p:nvPr/>
+      </p:nvGrpSpPr>
+      <p:grpSpPr>
+        <a:xfrm>
+          <a:off x="0" y="0"/>
+          <a:ext cx="0" cy="0"/>
+          <a:chOff x="0" y="0"/>
+          <a:chExt cx="0" cy="0"/>
+        </a:xfrm>
+      </p:grpSpPr>
+      <p:sp>
+        <p:nvSpPr>
+          <p:cNvPr id="5" name="TextBox 4"/>
+          <p:cNvSpPr txBox="1"/>
+          <p:nvPr/>
+        </p:nvSpPr>
+        <p:spPr>
+          <a:xfrm>
+            <a:off x="658586" y="2560978"/>
+            <a:ext cx="10967356" cy="1323439"/>
+          </a:xfrm>
+          <a:prstGeom prst="rect">
+            <a:avLst/>
+          </a:prstGeom>
+          <a:noFill/>
+        </p:spPr>
+        <p:txBody>
+          <a:bodyPr wrap="square" rtlCol="0">
+            <a:spAutoFit/>
+          </a:bodyPr>
+          <a:lstStyle/>
+          <a:p>
+            <a:pPr algn="ctr"/>
+            <a:r>
+              <a:rPr lang="en-US" sz="8000" b="1" smtClean="0">
+                <a:solidFill>
+                  <a:schemeClr val="accent6"/>
+                </a:solidFill>
+                <a:latin typeface="Consolas" charset="0"/>
+                <a:ea typeface="Consolas" charset="0"/>
+                <a:cs typeface="Consolas" charset="0"/>
+              </a:rPr>
+              <a:t>Break Time</a:t>
+            </a:r>
+            <a:endParaRPr lang="en-US" sz="8000" b="1" dirty="0" smtClean="0">
+              <a:solidFill>
+                <a:schemeClr val="accent6"/>
+              </a:solidFill>
+              <a:latin typeface="Consolas" charset="0"/>
+              <a:ea typeface="Consolas" charset="0"/>
+              <a:cs typeface="Consolas" charset="0"/>
+            </a:endParaRPr>
+          </a:p>
+        </p:txBody>
+      </p:sp>
+    </p:spTree>
+    <p:extLst>
+      <p:ext uri="{BB962C8B-B14F-4D97-AF65-F5344CB8AC3E}">
+        <p14:creationId xmlns:p14="http://schemas.microsoft.com/office/powerpoint/2010/main" val="1581108796"/>
+      </p:ext>
+    </p:extLst>
+  </p:cSld>
+  <p:clrMapOvr>
+    <a:masterClrMapping/>
+  </p:clrMapOvr>
+  <p:timing>
+    <p:tnLst>
+      <p:par>
+        <p:cTn id="1" dur="indefinite" restart="never" nodeType="tmRoot"/>
+      </p:par>
+    </p:tnLst>
+  </p:timing>
+</p:sld>
+</file>
+
+<file path=ppt/slides/slide15.xml><?xml version="1.0" encoding="utf-8"?>
+<p:sld xmlns:a="http://schemas.openxmlformats.org/drawingml/2006/main" xmlns:r="http://schemas.openxmlformats.org/officeDocument/2006/relationships" xmlns:p="http://schemas.openxmlformats.org/presentationml/2006/main">
+  <p:cSld>
+    <p:spTree>
+      <p:nvGrpSpPr>
+        <p:cNvPr id="1" name=""/>
+        <p:cNvGrpSpPr/>
+        <p:nvPr/>
+      </p:nvGrpSpPr>
+      <p:grpSpPr>
+        <a:xfrm>
+          <a:off x="0" y="0"/>
+          <a:ext cx="0" cy="0"/>
+          <a:chOff x="0" y="0"/>
+          <a:chExt cx="0" cy="0"/>
+        </a:xfrm>
+      </p:grpSpPr>
+      <p:sp>
+        <p:nvSpPr>
+          <p:cNvPr id="2" name="Title 1"/>
+          <p:cNvSpPr>
+            <a:spLocks noGrp="1"/>
+          </p:cNvSpPr>
+          <p:nvPr>
+            <p:ph type="title"/>
+          </p:nvPr>
+        </p:nvSpPr>
+        <p:spPr/>
+        <p:txBody>
+          <a:bodyPr/>
+          <a:lstStyle/>
+          <a:p>
+            <a:r>
+              <a:rPr lang="en-US" b="1" dirty="0" smtClean="0">
+                <a:latin typeface="Consolas" charset="0"/>
+                <a:ea typeface="Consolas" charset="0"/>
+                <a:cs typeface="Consolas" charset="0"/>
+              </a:rPr>
+              <a:t>Why Learn Statistics?</a:t>
+            </a:r>
+            <a:endParaRPr lang="en-US" b="1" dirty="0">
+              <a:latin typeface="Consolas" charset="0"/>
+              <a:ea typeface="Consolas" charset="0"/>
+              <a:cs typeface="Consolas" charset="0"/>
+            </a:endParaRPr>
+          </a:p>
+        </p:txBody>
+      </p:sp>
+      <p:sp>
+        <p:nvSpPr>
+          <p:cNvPr id="4" name="TextBox 3"/>
+          <p:cNvSpPr txBox="1"/>
+          <p:nvPr/>
+        </p:nvSpPr>
+        <p:spPr>
+          <a:xfrm>
+            <a:off x="838199" y="1800565"/>
+            <a:ext cx="10967357" cy="1446550"/>
+          </a:xfrm>
+          <a:prstGeom prst="rect">
+            <a:avLst/>
+          </a:prstGeom>
+          <a:noFill/>
+        </p:spPr>
+        <p:txBody>
+          <a:bodyPr wrap="square" rtlCol="0">
+            <a:spAutoFit/>
+          </a:bodyPr>
+          <a:lstStyle/>
+          <a:p>
+            <a:r>
+              <a:rPr lang="en-US" sz="4400" b="1" dirty="0" smtClean="0">
+                <a:solidFill>
+                  <a:schemeClr val="accent3"/>
+                </a:solidFill>
+                <a:latin typeface="Consolas" charset="0"/>
+                <a:ea typeface="Consolas" charset="0"/>
+                <a:cs typeface="Consolas" charset="0"/>
+              </a:rPr>
+              <a:t>Simply: the understanding of data using summaries and probability</a:t>
+            </a:r>
+          </a:p>
+        </p:txBody>
+      </p:sp>
+      <p:sp>
+        <p:nvSpPr>
+          <p:cNvPr id="5" name="TextBox 4"/>
+          <p:cNvSpPr txBox="1"/>
+          <p:nvPr/>
+        </p:nvSpPr>
+        <p:spPr>
+          <a:xfrm>
+            <a:off x="838200" y="3606007"/>
+            <a:ext cx="10967356" cy="1446550"/>
+          </a:xfrm>
+          <a:prstGeom prst="rect">
+            <a:avLst/>
+          </a:prstGeom>
+          <a:noFill/>
+        </p:spPr>
+        <p:txBody>
+          <a:bodyPr wrap="square" rtlCol="0">
+            <a:spAutoFit/>
+          </a:bodyPr>
+          <a:lstStyle/>
+          <a:p>
+            <a:r>
+              <a:rPr lang="en-US" sz="4400" b="1" dirty="0" smtClean="0">
+                <a:solidFill>
+                  <a:schemeClr val="tx2"/>
+                </a:solidFill>
+                <a:latin typeface="Consolas" charset="0"/>
+                <a:ea typeface="Consolas" charset="0"/>
+                <a:cs typeface="Consolas" charset="0"/>
+              </a:rPr>
+              <a:t>A </a:t>
+            </a:r>
+            <a:r>
+              <a:rPr lang="en-US" sz="4400" b="1" dirty="0" smtClean="0">
+                <a:solidFill>
+                  <a:schemeClr val="accent6"/>
+                </a:solidFill>
+                <a:latin typeface="Consolas" charset="0"/>
+                <a:ea typeface="Consolas" charset="0"/>
+                <a:cs typeface="Consolas" charset="0"/>
+              </a:rPr>
+              <a:t>statistic</a:t>
+            </a:r>
+            <a:r>
+              <a:rPr lang="en-US" sz="4400" b="1" dirty="0" smtClean="0">
+                <a:solidFill>
+                  <a:schemeClr val="tx2"/>
+                </a:solidFill>
+                <a:latin typeface="Consolas" charset="0"/>
+                <a:ea typeface="Consolas" charset="0"/>
+                <a:cs typeface="Consolas" charset="0"/>
+              </a:rPr>
+              <a:t> is some sort of summary of the data</a:t>
+            </a:r>
+          </a:p>
+        </p:txBody>
+      </p:sp>
+      <p:sp>
+        <p:nvSpPr>
+          <p:cNvPr id="7" name="TextBox 6"/>
+          <p:cNvSpPr txBox="1"/>
+          <p:nvPr/>
+        </p:nvSpPr>
+        <p:spPr>
+          <a:xfrm>
+            <a:off x="838200" y="5815871"/>
+            <a:ext cx="10515600" cy="584775"/>
+          </a:xfrm>
+          <a:prstGeom prst="rect">
+            <a:avLst/>
+          </a:prstGeom>
+          <a:noFill/>
+        </p:spPr>
+        <p:txBody>
+          <a:bodyPr wrap="square" rtlCol="0">
+            <a:spAutoFit/>
+          </a:bodyPr>
+          <a:lstStyle/>
+          <a:p>
+            <a:r>
+              <a:rPr lang="en-US" sz="3200" b="1" dirty="0" smtClean="0">
+                <a:solidFill>
+                  <a:schemeClr val="tx2"/>
+                </a:solidFill>
+                <a:latin typeface="Consolas" charset="0"/>
+                <a:ea typeface="Consolas" charset="0"/>
+                <a:cs typeface="Consolas" charset="0"/>
+              </a:rPr>
+              <a:t>The </a:t>
+            </a:r>
+            <a:r>
+              <a:rPr lang="en-US" sz="3200" b="1" dirty="0" smtClean="0">
+                <a:solidFill>
+                  <a:schemeClr val="accent2"/>
+                </a:solidFill>
+                <a:latin typeface="Consolas" charset="0"/>
+                <a:ea typeface="Consolas" charset="0"/>
+                <a:cs typeface="Consolas" charset="0"/>
+              </a:rPr>
+              <a:t>average</a:t>
+            </a:r>
+            <a:r>
+              <a:rPr lang="en-US" sz="3200" b="1" dirty="0" smtClean="0">
+                <a:solidFill>
+                  <a:schemeClr val="tx2"/>
+                </a:solidFill>
+                <a:latin typeface="Consolas" charset="0"/>
+                <a:ea typeface="Consolas" charset="0"/>
+                <a:cs typeface="Consolas" charset="0"/>
+              </a:rPr>
+              <a:t> is a statistic</a:t>
+            </a:r>
+          </a:p>
+        </p:txBody>
+      </p:sp>
+    </p:spTree>
+    <p:extLst>
+      <p:ext uri="{BB962C8B-B14F-4D97-AF65-F5344CB8AC3E}">
+        <p14:creationId xmlns:p14="http://schemas.microsoft.com/office/powerpoint/2010/main" val="2002804161"/>
+      </p:ext>
+    </p:extLst>
+  </p:cSld>
+  <p:clrMapOvr>
+    <a:masterClrMapping/>
+  </p:clrMapOvr>
+  <p:timing>
+    <p:tnLst>
+      <p:par>
+        <p:cTn id="1" dur="indefinite" restart="never" nodeType="tmRoot"/>
+      </p:par>
+    </p:tnLst>
+  </p:timing>
+</p:sld>
+</file>
+
+<file path=ppt/slides/slide16.xml><?xml version="1.0" encoding="utf-8"?>
+<p:sld xmlns:a="http://schemas.openxmlformats.org/drawingml/2006/main" xmlns:r="http://schemas.openxmlformats.org/officeDocument/2006/relationships" xmlns:p="http://schemas.openxmlformats.org/presentationml/2006/main">
+  <p:cSld>
+    <p:spTree>
+      <p:nvGrpSpPr>
+        <p:cNvPr id="1" name=""/>
+        <p:cNvGrpSpPr/>
+        <p:nvPr/>
+      </p:nvGrpSpPr>
+      <p:grpSpPr>
+        <a:xfrm>
+          <a:off x="0" y="0"/>
+          <a:ext cx="0" cy="0"/>
+          <a:chOff x="0" y="0"/>
+          <a:chExt cx="0" cy="0"/>
+        </a:xfrm>
+      </p:grpSpPr>
+      <p:sp>
+        <p:nvSpPr>
+          <p:cNvPr id="4" name="Rectangle 3"/>
+          <p:cNvSpPr/>
+          <p:nvPr/>
+        </p:nvSpPr>
+        <p:spPr>
+          <a:xfrm>
+            <a:off x="408214" y="2754477"/>
+            <a:ext cx="11413671" cy="1446550"/>
+          </a:xfrm>
+          <a:prstGeom prst="rect">
+            <a:avLst/>
+          </a:prstGeom>
+        </p:spPr>
+        <p:txBody>
+          <a:bodyPr wrap="square">
+            <a:spAutoFit/>
+          </a:bodyPr>
+          <a:lstStyle/>
+          <a:p>
+            <a:pPr algn="ctr"/>
+            <a:r>
+              <a:rPr lang="en-US" sz="8800" b="1" dirty="0" smtClean="0">
+                <a:solidFill>
+                  <a:schemeClr val="accent3"/>
+                </a:solidFill>
+                <a:latin typeface="Consolas" charset="0"/>
+                <a:ea typeface="Consolas" charset="0"/>
+                <a:cs typeface="Consolas" charset="0"/>
+              </a:rPr>
+              <a:t>Questions?</a:t>
+            </a:r>
+            <a:endParaRPr lang="en-US" sz="8800" dirty="0">
+              <a:solidFill>
+                <a:schemeClr val="accent3"/>
+              </a:solidFill>
+            </a:endParaRPr>
+          </a:p>
+        </p:txBody>
+      </p:sp>
+    </p:spTree>
+    <p:extLst>
+      <p:ext uri="{BB962C8B-B14F-4D97-AF65-F5344CB8AC3E}">
+        <p14:creationId xmlns:p14="http://schemas.microsoft.com/office/powerpoint/2010/main" val="693437782"/>
+      </p:ext>
+    </p:extLst>
+  </p:cSld>
+  <p:clrMapOvr>
+    <a:masterClrMapping/>
+  </p:clrMapOvr>
+  <p:timing>
+    <p:tnLst>
+      <p:par>
+        <p:cTn id="1" dur="indefinite" restart="never" nodeType="tmRoot"/>
+      </p:par>
+    </p:tnLst>
+  </p:timing>
+</p:sld>
+</file>
+
+<file path=ppt/slides/slide17.xml><?xml version="1.0" encoding="utf-8"?>
+<p:sld xmlns:a="http://schemas.openxmlformats.org/drawingml/2006/main" xmlns:r="http://schemas.openxmlformats.org/officeDocument/2006/relationships" xmlns:p="http://schemas.openxmlformats.org/presentationml/2006/main">
+  <p:cSld>
+    <p:spTree>
+      <p:nvGrpSpPr>
+        <p:cNvPr id="1" name=""/>
+        <p:cNvGrpSpPr/>
+        <p:nvPr/>
+      </p:nvGrpSpPr>
+      <p:grpSpPr>
+        <a:xfrm>
+          <a:off x="0" y="0"/>
+          <a:ext cx="0" cy="0"/>
+          <a:chOff x="0" y="0"/>
+          <a:chExt cx="0" cy="0"/>
+        </a:xfrm>
+      </p:grpSpPr>
+      <p:sp>
+        <p:nvSpPr>
+          <p:cNvPr id="4" name="Rectangle 3"/>
+          <p:cNvSpPr/>
+          <p:nvPr/>
+        </p:nvSpPr>
+        <p:spPr>
+          <a:xfrm>
+            <a:off x="571499" y="354177"/>
+            <a:ext cx="11413671" cy="1446550"/>
+          </a:xfrm>
+          <a:prstGeom prst="rect">
+            <a:avLst/>
+          </a:prstGeom>
+        </p:spPr>
+        <p:txBody>
+          <a:bodyPr wrap="square">
+            <a:spAutoFit/>
+          </a:bodyPr>
+          <a:lstStyle/>
+          <a:p>
+            <a:r>
+              <a:rPr lang="en-US" sz="8800" b="1" dirty="0" smtClean="0">
+                <a:solidFill>
+                  <a:schemeClr val="tx2"/>
+                </a:solidFill>
+                <a:latin typeface="Consolas" charset="0"/>
+                <a:ea typeface="Consolas" charset="0"/>
+                <a:cs typeface="Consolas" charset="0"/>
+              </a:rPr>
+              <a:t>Next week:</a:t>
+            </a:r>
+            <a:endParaRPr lang="en-US" sz="8800" dirty="0">
+              <a:solidFill>
+                <a:schemeClr val="tx2"/>
+              </a:solidFill>
+            </a:endParaRPr>
+          </a:p>
+        </p:txBody>
+      </p:sp>
+      <p:sp>
+        <p:nvSpPr>
+          <p:cNvPr id="3" name="Rectangle 2"/>
+          <p:cNvSpPr/>
+          <p:nvPr/>
+        </p:nvSpPr>
+        <p:spPr>
+          <a:xfrm>
+            <a:off x="865411" y="2404885"/>
+            <a:ext cx="10825845" cy="3231654"/>
+          </a:xfrm>
+          <a:prstGeom prst="rect">
+            <a:avLst/>
+          </a:prstGeom>
+        </p:spPr>
+        <p:txBody>
+          <a:bodyPr wrap="square">
+            <a:spAutoFit/>
+          </a:bodyPr>
+          <a:lstStyle/>
+          <a:p>
+            <a:pPr marL="742950" indent="-742950">
+              <a:buFont typeface="+mj-lt"/>
+              <a:buAutoNum type="arabicPeriod"/>
+            </a:pPr>
+            <a:r>
+              <a:rPr lang="en-US" sz="4000" dirty="0">
+                <a:solidFill>
+                  <a:schemeClr val="accent3"/>
+                </a:solidFill>
+                <a:latin typeface="Consolas" charset="0"/>
+                <a:ea typeface="Consolas" charset="0"/>
+                <a:cs typeface="Consolas" charset="0"/>
+              </a:rPr>
+              <a:t>Statistics terminology </a:t>
+            </a:r>
+            <a:r>
+              <a:rPr lang="en-US" sz="2800" dirty="0">
+                <a:solidFill>
+                  <a:schemeClr val="accent3"/>
+                </a:solidFill>
+                <a:latin typeface="Consolas" charset="0"/>
+                <a:ea typeface="Consolas" charset="0"/>
+                <a:cs typeface="Consolas" charset="0"/>
+              </a:rPr>
+              <a:t>(Hypothesis, IV and DV, Measurement, Validity and Reliability, Correlation and Experimentation, Distributions, Central Tendency and Variability) </a:t>
+            </a:r>
+            <a:endParaRPr lang="en-US" sz="4000" dirty="0">
+              <a:solidFill>
+                <a:schemeClr val="accent3"/>
+              </a:solidFill>
+              <a:latin typeface="Consolas" charset="0"/>
+              <a:ea typeface="Consolas" charset="0"/>
+              <a:cs typeface="Consolas" charset="0"/>
+            </a:endParaRPr>
+          </a:p>
+          <a:p>
+            <a:pPr marL="742950" indent="-742950">
+              <a:buFont typeface="+mj-lt"/>
+              <a:buAutoNum type="arabicPeriod"/>
+            </a:pPr>
+            <a:r>
+              <a:rPr lang="en-US" sz="4000" dirty="0" smtClean="0">
+                <a:solidFill>
+                  <a:schemeClr val="accent3"/>
+                </a:solidFill>
+                <a:latin typeface="Consolas" charset="0"/>
+                <a:ea typeface="Consolas" charset="0"/>
+                <a:cs typeface="Consolas" charset="0"/>
+              </a:rPr>
+              <a:t>Chapters 1, 2, and 3 in Book</a:t>
+            </a:r>
+          </a:p>
+          <a:p>
+            <a:pPr marL="742950" indent="-742950">
+              <a:buFont typeface="+mj-lt"/>
+              <a:buAutoNum type="arabicPeriod"/>
+            </a:pPr>
+            <a:r>
+              <a:rPr lang="en-US" sz="4000" dirty="0" smtClean="0">
+                <a:solidFill>
+                  <a:schemeClr val="accent3"/>
+                </a:solidFill>
+                <a:latin typeface="Consolas" charset="0"/>
+                <a:ea typeface="Consolas" charset="0"/>
+                <a:cs typeface="Consolas" charset="0"/>
+              </a:rPr>
+              <a:t>Start looking for articles</a:t>
+            </a:r>
+            <a:endParaRPr lang="en-US" sz="4000" dirty="0">
+              <a:solidFill>
+                <a:schemeClr val="accent3"/>
+              </a:solidFill>
+              <a:latin typeface="Consolas" charset="0"/>
+              <a:ea typeface="Consolas" charset="0"/>
+              <a:cs typeface="Consolas" charset="0"/>
+            </a:endParaRPr>
+          </a:p>
+        </p:txBody>
+      </p:sp>
+    </p:spTree>
+    <p:extLst>
+      <p:ext uri="{BB962C8B-B14F-4D97-AF65-F5344CB8AC3E}">
+        <p14:creationId xmlns:p14="http://schemas.microsoft.com/office/powerpoint/2010/main" val="368682267"/>
       </p:ext>
     </p:extLst>
   </p:cSld>
@@ -3679,8 +5206,8 @@
         </p:nvSpPr>
         <p:spPr>
           <a:xfrm>
-            <a:off x="1194631" y="2894742"/>
-            <a:ext cx="9633860" cy="3477875"/>
+            <a:off x="1194630" y="2894742"/>
+            <a:ext cx="10315687" cy="3477875"/>
           </a:xfrm>
           <a:prstGeom prst="rect">
             <a:avLst/>
@@ -3786,7 +5313,7 @@
               <a:t>Intro to </a:t>
             </a:r>
             <a:r>
-              <a:rPr lang="en-US" sz="4400" dirty="0" err="1" smtClean="0">
+              <a:rPr lang="en-US" sz="4400" dirty="0" smtClean="0">
                 <a:solidFill>
                   <a:schemeClr val="accent3"/>
                 </a:solidFill>
@@ -3796,14 +5323,6 @@
               </a:rPr>
               <a:t>Jamovi</a:t>
             </a:r>
-            <a:endParaRPr lang="en-US" sz="4400" dirty="0" smtClean="0">
-              <a:solidFill>
-                <a:schemeClr val="accent3"/>
-              </a:solidFill>
-              <a:latin typeface="Consolas" charset="0"/>
-              <a:ea typeface="Consolas" charset="0"/>
-              <a:cs typeface="Consolas" charset="0"/>
-            </a:endParaRPr>
           </a:p>
         </p:txBody>
       </p:sp>
@@ -3883,8 +5402,8 @@
         </p:nvSpPr>
         <p:spPr>
           <a:xfrm>
-            <a:off x="3716983" y="2955472"/>
-            <a:ext cx="4758034" cy="1200329"/>
+            <a:off x="922147" y="2857501"/>
+            <a:ext cx="10347705" cy="1200329"/>
           </a:xfrm>
           <a:prstGeom prst="rect">
             <a:avLst/>
@@ -3898,7 +5417,7 @@
           <a:lstStyle/>
           <a:p>
             <a:r>
-              <a:rPr lang="en-US" sz="7200" b="1" dirty="0" smtClean="0">
+              <a:rPr lang="en-US" sz="7200" b="1" smtClean="0">
                 <a:solidFill>
                   <a:schemeClr val="accent3"/>
                 </a:solidFill>
@@ -3907,7 +5426,7 @@
                 <a:cs typeface="Consolas" charset="0"/>
                 <a:hlinkClick r:id="rId2" tooltip="R for Data Science"/>
               </a:rPr>
-              <a:t>Tidy Data</a:t>
+              <a:t>Data in Spreadsheets</a:t>
             </a:r>
             <a:endParaRPr lang="en-US" sz="7200" b="1" dirty="0">
               <a:solidFill>
@@ -3969,19 +5488,29 @@
         </p:nvSpPr>
         <p:spPr>
           <a:xfrm>
-            <a:off x="870858" y="2487840"/>
-            <a:ext cx="10515600" cy="1325563"/>
+            <a:off x="870858" y="1965326"/>
+            <a:ext cx="10515600" cy="3912960"/>
           </a:xfrm>
         </p:spPr>
         <p:txBody>
           <a:bodyPr>
-            <a:normAutofit/>
+            <a:noAutofit/>
           </a:bodyPr>
           <a:lstStyle/>
           <a:p>
-            <a:pPr algn="ctr"/>
-            <a:r>
-              <a:rPr lang="en-US" sz="6000" b="1" dirty="0" smtClean="0">
+            <a:r>
+              <a:rPr lang="en-US" b="1" dirty="0" smtClean="0">
+                <a:solidFill>
+                  <a:schemeClr val="tx2"/>
+                </a:solidFill>
+                <a:latin typeface="Consolas" charset="0"/>
+                <a:ea typeface="Consolas" charset="0"/>
+                <a:cs typeface="Consolas" charset="0"/>
+              </a:rPr>
+              <a:t>2 Be </a:t>
+            </a:r>
+            <a:r>
+              <a:rPr lang="en-US" b="1" dirty="0" smtClean="0">
                 <a:solidFill>
                   <a:schemeClr val="accent6"/>
                 </a:solidFill>
@@ -3989,11 +5518,271 @@
                 <a:ea typeface="Consolas" charset="0"/>
                 <a:cs typeface="Consolas" charset="0"/>
               </a:rPr>
-              <a:t>Exercises with tidy data</a:t>
-            </a:r>
-            <a:endParaRPr lang="en-US" sz="6000" b="1" dirty="0">
+              <a:t>Consistent</a:t>
+            </a:r>
+            <a:r>
+              <a:rPr lang="en-US" b="1" dirty="0" smtClean="0">
+                <a:solidFill>
+                  <a:schemeClr val="tx2"/>
+                </a:solidFill>
+                <a:latin typeface="Consolas" charset="0"/>
+                <a:ea typeface="Consolas" charset="0"/>
+                <a:cs typeface="Consolas" charset="0"/>
+              </a:rPr>
+              <a:t/>
+            </a:r>
+            <a:br>
+              <a:rPr lang="en-US" b="1" dirty="0" smtClean="0">
+                <a:solidFill>
+                  <a:schemeClr val="tx2"/>
+                </a:solidFill>
+                <a:latin typeface="Consolas" charset="0"/>
+                <a:ea typeface="Consolas" charset="0"/>
+                <a:cs typeface="Consolas" charset="0"/>
+              </a:rPr>
+            </a:br>
+            <a:r>
+              <a:rPr lang="en-US" b="1" dirty="0">
+                <a:solidFill>
+                  <a:schemeClr val="tx2"/>
+                </a:solidFill>
+                <a:latin typeface="Consolas" charset="0"/>
+                <a:ea typeface="Consolas" charset="0"/>
+                <a:cs typeface="Consolas" charset="0"/>
+              </a:rPr>
+              <a:t>3 Choose </a:t>
+            </a:r>
+            <a:r>
+              <a:rPr lang="en-US" b="1" dirty="0">
+                <a:solidFill>
+                  <a:schemeClr val="accent3"/>
+                </a:solidFill>
+                <a:latin typeface="Consolas" charset="0"/>
+                <a:ea typeface="Consolas" charset="0"/>
+                <a:cs typeface="Consolas" charset="0"/>
+              </a:rPr>
+              <a:t>good names </a:t>
+            </a:r>
+            <a:r>
+              <a:rPr lang="en-US" b="1" dirty="0">
+                <a:solidFill>
+                  <a:schemeClr val="tx2"/>
+                </a:solidFill>
+                <a:latin typeface="Consolas" charset="0"/>
+                <a:ea typeface="Consolas" charset="0"/>
+                <a:cs typeface="Consolas" charset="0"/>
+              </a:rPr>
+              <a:t>for things </a:t>
+            </a:r>
+            <a:br>
+              <a:rPr lang="en-US" b="1" dirty="0">
+                <a:solidFill>
+                  <a:schemeClr val="tx2"/>
+                </a:solidFill>
+                <a:latin typeface="Consolas" charset="0"/>
+                <a:ea typeface="Consolas" charset="0"/>
+                <a:cs typeface="Consolas" charset="0"/>
+              </a:rPr>
+            </a:br>
+            <a:r>
+              <a:rPr lang="en-US" b="1" dirty="0">
+                <a:solidFill>
+                  <a:schemeClr val="tx2"/>
+                </a:solidFill>
+                <a:latin typeface="Consolas" charset="0"/>
+                <a:ea typeface="Consolas" charset="0"/>
+                <a:cs typeface="Consolas" charset="0"/>
+              </a:rPr>
+              <a:t>4 Write dates as YYYY-MM-DD </a:t>
+            </a:r>
+            <a:br>
+              <a:rPr lang="en-US" b="1" dirty="0">
+                <a:solidFill>
+                  <a:schemeClr val="tx2"/>
+                </a:solidFill>
+                <a:latin typeface="Consolas" charset="0"/>
+                <a:ea typeface="Consolas" charset="0"/>
+                <a:cs typeface="Consolas" charset="0"/>
+              </a:rPr>
+            </a:br>
+            <a:r>
+              <a:rPr lang="en-US" b="1" dirty="0" smtClean="0">
+                <a:solidFill>
+                  <a:schemeClr val="tx2"/>
+                </a:solidFill>
+                <a:latin typeface="Consolas" charset="0"/>
+                <a:ea typeface="Consolas" charset="0"/>
+                <a:cs typeface="Consolas" charset="0"/>
+              </a:rPr>
+              <a:t>6 </a:t>
+            </a:r>
+            <a:r>
+              <a:rPr lang="en-US" b="1" dirty="0">
+                <a:solidFill>
+                  <a:schemeClr val="tx2"/>
+                </a:solidFill>
+                <a:latin typeface="Consolas" charset="0"/>
+                <a:ea typeface="Consolas" charset="0"/>
+                <a:cs typeface="Consolas" charset="0"/>
+              </a:rPr>
+              <a:t>Put just </a:t>
+            </a:r>
+            <a:r>
+              <a:rPr lang="en-US" b="1" dirty="0">
+                <a:solidFill>
+                  <a:schemeClr val="accent2"/>
+                </a:solidFill>
+                <a:latin typeface="Consolas" charset="0"/>
+                <a:ea typeface="Consolas" charset="0"/>
+                <a:cs typeface="Consolas" charset="0"/>
+              </a:rPr>
+              <a:t>one thing in a cell </a:t>
+            </a:r>
+            <a:br>
+              <a:rPr lang="en-US" b="1" dirty="0">
+                <a:solidFill>
+                  <a:schemeClr val="accent2"/>
+                </a:solidFill>
+                <a:latin typeface="Consolas" charset="0"/>
+                <a:ea typeface="Consolas" charset="0"/>
+                <a:cs typeface="Consolas" charset="0"/>
+              </a:rPr>
+            </a:br>
+            <a:r>
+              <a:rPr lang="en-US" b="1" dirty="0" smtClean="0">
+                <a:solidFill>
+                  <a:schemeClr val="tx2"/>
+                </a:solidFill>
+                <a:latin typeface="Consolas" charset="0"/>
+                <a:ea typeface="Consolas" charset="0"/>
+                <a:cs typeface="Consolas" charset="0"/>
+              </a:rPr>
+              <a:t>7 </a:t>
+            </a:r>
+            <a:r>
+              <a:rPr lang="en-US" b="1" dirty="0">
+                <a:solidFill>
+                  <a:schemeClr val="tx2"/>
+                </a:solidFill>
+                <a:latin typeface="Consolas" charset="0"/>
+                <a:ea typeface="Consolas" charset="0"/>
+                <a:cs typeface="Consolas" charset="0"/>
+              </a:rPr>
+              <a:t>Make it a </a:t>
+            </a:r>
+            <a:r>
+              <a:rPr lang="en-US" b="1" dirty="0">
+                <a:solidFill>
+                  <a:schemeClr val="accent1"/>
+                </a:solidFill>
+                <a:latin typeface="Consolas" charset="0"/>
+                <a:ea typeface="Consolas" charset="0"/>
+                <a:cs typeface="Consolas" charset="0"/>
+              </a:rPr>
+              <a:t>rectangle</a:t>
+            </a:r>
+            <a:r>
+              <a:rPr lang="en-US" b="1" dirty="0">
+                <a:solidFill>
+                  <a:schemeClr val="tx2"/>
+                </a:solidFill>
+                <a:latin typeface="Consolas" charset="0"/>
+                <a:ea typeface="Consolas" charset="0"/>
+                <a:cs typeface="Consolas" charset="0"/>
+              </a:rPr>
+              <a:t> </a:t>
+            </a:r>
+            <a:br>
+              <a:rPr lang="en-US" b="1" dirty="0">
+                <a:solidFill>
+                  <a:schemeClr val="tx2"/>
+                </a:solidFill>
+                <a:latin typeface="Consolas" charset="0"/>
+                <a:ea typeface="Consolas" charset="0"/>
+                <a:cs typeface="Consolas" charset="0"/>
+              </a:rPr>
+            </a:br>
+            <a:r>
+              <a:rPr lang="en-US" b="1" dirty="0" smtClean="0">
+                <a:solidFill>
+                  <a:schemeClr val="tx2"/>
+                </a:solidFill>
+                <a:latin typeface="Consolas" charset="0"/>
+                <a:ea typeface="Consolas" charset="0"/>
+                <a:cs typeface="Consolas" charset="0"/>
+              </a:rPr>
+              <a:t>8 </a:t>
+            </a:r>
+            <a:r>
+              <a:rPr lang="en-US" b="1" dirty="0">
+                <a:solidFill>
+                  <a:schemeClr val="tx2"/>
+                </a:solidFill>
+                <a:latin typeface="Consolas" charset="0"/>
+                <a:ea typeface="Consolas" charset="0"/>
+                <a:cs typeface="Consolas" charset="0"/>
+              </a:rPr>
+              <a:t>Create a </a:t>
+            </a:r>
+            <a:r>
+              <a:rPr lang="en-US" b="1" dirty="0">
+                <a:solidFill>
+                  <a:schemeClr val="accent5"/>
+                </a:solidFill>
+                <a:latin typeface="Consolas" charset="0"/>
+                <a:ea typeface="Consolas" charset="0"/>
+                <a:cs typeface="Consolas" charset="0"/>
+              </a:rPr>
+              <a:t>data dictionary </a:t>
+            </a:r>
+            <a:endParaRPr lang="en-US" b="1" dirty="0">
               <a:solidFill>
-                <a:schemeClr val="accent6"/>
+                <a:schemeClr val="accent5"/>
+              </a:solidFill>
+              <a:latin typeface="Consolas" charset="0"/>
+              <a:ea typeface="Consolas" charset="0"/>
+              <a:cs typeface="Consolas" charset="0"/>
+            </a:endParaRPr>
+          </a:p>
+        </p:txBody>
+      </p:sp>
+      <p:sp>
+        <p:nvSpPr>
+          <p:cNvPr id="3" name="TextBox 2"/>
+          <p:cNvSpPr txBox="1"/>
+          <p:nvPr/>
+        </p:nvSpPr>
+        <p:spPr>
+          <a:xfrm>
+            <a:off x="870858" y="391886"/>
+            <a:ext cx="7814960" cy="923330"/>
+          </a:xfrm>
+          <a:prstGeom prst="rect">
+            <a:avLst/>
+          </a:prstGeom>
+          <a:noFill/>
+        </p:spPr>
+        <p:txBody>
+          <a:bodyPr wrap="none" rtlCol="0">
+            <a:spAutoFit/>
+          </a:bodyPr>
+          <a:lstStyle/>
+          <a:p>
+            <a:r>
+              <a:rPr lang="en-US" sz="5400" b="1" dirty="0" smtClean="0">
+                <a:solidFill>
+                  <a:schemeClr val="accent3"/>
+                </a:solidFill>
+                <a:latin typeface="Consolas" charset="0"/>
+                <a:ea typeface="Consolas" charset="0"/>
+                <a:cs typeface="Consolas" charset="0"/>
+                <a:hlinkClick r:id="rId2" tooltip="R for Data Science"/>
+              </a:rPr>
+              <a:t>Data in Spreadsheets</a:t>
+            </a:r>
+            <a:endParaRPr lang="en-US" sz="5400" b="1" dirty="0">
+              <a:solidFill>
+                <a:schemeClr val="accent3"/>
               </a:solidFill>
               <a:latin typeface="Consolas" charset="0"/>
               <a:ea typeface="Consolas" charset="0"/>
@@ -4039,56 +5828,112 @@
           <a:chExt cx="0" cy="0"/>
         </a:xfrm>
       </p:grpSpPr>
-      <p:pic>
-        <p:nvPicPr>
-          <p:cNvPr id="6" name="Picture 5"/>
-          <p:cNvPicPr>
-            <a:picLocks noChangeAspect="1"/>
-          </p:cNvPicPr>
+      <p:sp>
+        <p:nvSpPr>
+          <p:cNvPr id="2" name="Title 1"/>
+          <p:cNvSpPr>
+            <a:spLocks noGrp="1"/>
+          </p:cNvSpPr>
+          <p:nvPr>
+            <p:ph type="title"/>
+          </p:nvPr>
+        </p:nvSpPr>
+        <p:spPr>
+          <a:xfrm>
+            <a:off x="838200" y="2095954"/>
+            <a:ext cx="10515600" cy="1325563"/>
+          </a:xfrm>
+        </p:spPr>
+        <p:txBody>
+          <a:bodyPr>
+            <a:noAutofit/>
+          </a:bodyPr>
+          <a:lstStyle/>
+          <a:p>
+            <a:r>
+              <a:rPr lang="en-US" b="1" dirty="0" smtClean="0">
+                <a:solidFill>
+                  <a:schemeClr val="accent6"/>
+                </a:solidFill>
+                <a:latin typeface="Consolas" charset="0"/>
+                <a:ea typeface="Consolas" charset="0"/>
+                <a:cs typeface="Consolas" charset="0"/>
+              </a:rPr>
+              <a:t>Statistics</a:t>
+            </a:r>
+            <a:r>
+              <a:rPr lang="en-US" b="1" dirty="0" smtClean="0">
+                <a:solidFill>
+                  <a:schemeClr val="accent4"/>
+                </a:solidFill>
+                <a:latin typeface="Consolas" charset="0"/>
+                <a:ea typeface="Consolas" charset="0"/>
+                <a:cs typeface="Consolas" charset="0"/>
+              </a:rPr>
+              <a:t> helps us understand our </a:t>
+            </a:r>
+            <a:r>
+              <a:rPr lang="en-US" b="1" dirty="0" smtClean="0">
+                <a:solidFill>
+                  <a:schemeClr val="tx2"/>
+                </a:solidFill>
+                <a:latin typeface="Consolas" charset="0"/>
+                <a:ea typeface="Consolas" charset="0"/>
+                <a:cs typeface="Consolas" charset="0"/>
+              </a:rPr>
+              <a:t>data</a:t>
+            </a:r>
+            <a:endParaRPr lang="en-US" b="1" dirty="0">
+              <a:solidFill>
+                <a:schemeClr val="tx2"/>
+              </a:solidFill>
+              <a:latin typeface="Consolas" charset="0"/>
+              <a:ea typeface="Consolas" charset="0"/>
+              <a:cs typeface="Consolas" charset="0"/>
+            </a:endParaRPr>
+          </a:p>
+        </p:txBody>
+      </p:sp>
+      <p:sp>
+        <p:nvSpPr>
+          <p:cNvPr id="3" name="Title 1"/>
+          <p:cNvSpPr txBox="1">
+            <a:spLocks/>
+          </p:cNvSpPr>
           <p:nvPr/>
-        </p:nvPicPr>
-        <p:blipFill>
-          <a:blip r:embed="rId2">
-            <a:extLst>
-              <a:ext uri="{BEBA8EAE-BF5A-486C-A8C5-ECC9F3942E4B}">
-                <a14:imgProps xmlns:a14="http://schemas.microsoft.com/office/drawing/2010/main">
-                  <a14:imgLayer r:embed="rId3">
-                    <a14:imgEffect>
-                      <a14:artisticLineDrawing/>
-                    </a14:imgEffect>
-                  </a14:imgLayer>
-                </a14:imgProps>
-              </a:ext>
-            </a:extLst>
-          </a:blip>
-          <a:stretch>
-            <a:fillRect/>
-          </a:stretch>
-        </p:blipFill>
+        </p:nvSpPr>
         <p:spPr>
           <a:xfrm>
-            <a:off x="5459186" y="0"/>
-            <a:ext cx="6858000" cy="6858000"/>
+            <a:off x="838200" y="365125"/>
+            <a:ext cx="10515600" cy="1325563"/>
           </a:xfrm>
           <a:prstGeom prst="rect">
             <a:avLst/>
           </a:prstGeom>
         </p:spPr>
-      </p:pic>
-      <p:sp>
-        <p:nvSpPr>
-          <p:cNvPr id="2" name="Title 1"/>
-          <p:cNvSpPr>
-            <a:spLocks noGrp="1"/>
-          </p:cNvSpPr>
-          <p:nvPr>
-            <p:ph type="title"/>
-          </p:nvPr>
-        </p:nvSpPr>
-        <p:spPr/>
-        <p:txBody>
-          <a:bodyPr/>
-          <a:lstStyle/>
+        <p:txBody>
+          <a:bodyPr vert="horz" lIns="91440" tIns="45720" rIns="91440" bIns="45720" rtlCol="0" anchor="ctr">
+            <a:normAutofit/>
+          </a:bodyPr>
+          <a:lstStyle>
+            <a:lvl1pPr algn="l" defTabSz="914400" rtl="0" eaLnBrk="1" latinLnBrk="0" hangingPunct="1">
+              <a:lnSpc>
+                <a:spcPct val="90000"/>
+              </a:lnSpc>
+              <a:spcBef>
+                <a:spcPct val="0"/>
+              </a:spcBef>
+              <a:buNone/>
+              <a:defRPr sz="4400" kern="1200">
+                <a:solidFill>
+                  <a:schemeClr val="tx1"/>
+                </a:solidFill>
+                <a:latin typeface="+mj-lt"/>
+                <a:ea typeface="+mj-ea"/>
+                <a:cs typeface="+mj-cs"/>
+              </a:defRPr>
+            </a:lvl1pPr>
+          </a:lstStyle>
           <a:p>
             <a:r>
               <a:rPr lang="en-US" b="1" dirty="0" smtClean="0">
@@ -4096,7 +5941,7 @@
                 <a:ea typeface="Consolas" charset="0"/>
                 <a:cs typeface="Consolas" charset="0"/>
               </a:rPr>
-              <a:t>Statistics</a:t>
+              <a:t>Data and Statistics </a:t>
             </a:r>
             <a:endParaRPr lang="en-US" b="1" dirty="0">
               <a:latin typeface="Consolas" charset="0"/>
@@ -4106,181 +5951,10 @@
           </a:p>
         </p:txBody>
       </p:sp>
-      <p:sp>
-        <p:nvSpPr>
-          <p:cNvPr id="4" name="TextBox 3"/>
-          <p:cNvSpPr txBox="1"/>
-          <p:nvPr/>
-        </p:nvSpPr>
-        <p:spPr>
-          <a:xfrm>
-            <a:off x="838199" y="1800565"/>
-            <a:ext cx="10967357" cy="1446550"/>
-          </a:xfrm>
-          <a:prstGeom prst="rect">
-            <a:avLst/>
-          </a:prstGeom>
-          <a:noFill/>
-        </p:spPr>
-        <p:txBody>
-          <a:bodyPr wrap="square" rtlCol="0">
-            <a:spAutoFit/>
-          </a:bodyPr>
-          <a:lstStyle/>
-          <a:p>
-            <a:r>
-              <a:rPr lang="en-US" sz="4400" b="1" dirty="0" smtClean="0">
-                <a:solidFill>
-                  <a:schemeClr val="accent3"/>
-                </a:solidFill>
-                <a:latin typeface="Consolas" charset="0"/>
-                <a:ea typeface="Consolas" charset="0"/>
-                <a:cs typeface="Consolas" charset="0"/>
-              </a:rPr>
-              <a:t>Simply: the understanding of data using summaries </a:t>
-            </a:r>
-            <a:r>
-              <a:rPr lang="en-US" sz="4400" b="1" smtClean="0">
-                <a:solidFill>
-                  <a:schemeClr val="accent3"/>
-                </a:solidFill>
-                <a:latin typeface="Consolas" charset="0"/>
-                <a:ea typeface="Consolas" charset="0"/>
-                <a:cs typeface="Consolas" charset="0"/>
-              </a:rPr>
-              <a:t>and probability</a:t>
-            </a:r>
-            <a:endParaRPr lang="en-US" sz="4400" b="1" dirty="0" smtClean="0">
-              <a:solidFill>
-                <a:schemeClr val="accent3"/>
-              </a:solidFill>
-              <a:latin typeface="Consolas" charset="0"/>
-              <a:ea typeface="Consolas" charset="0"/>
-              <a:cs typeface="Consolas" charset="0"/>
-            </a:endParaRPr>
-          </a:p>
-        </p:txBody>
-      </p:sp>
-      <p:sp>
-        <p:nvSpPr>
-          <p:cNvPr id="5" name="TextBox 4"/>
-          <p:cNvSpPr txBox="1"/>
-          <p:nvPr/>
-        </p:nvSpPr>
-        <p:spPr>
-          <a:xfrm>
-            <a:off x="838200" y="3606007"/>
-            <a:ext cx="10967356" cy="1446550"/>
-          </a:xfrm>
-          <a:prstGeom prst="rect">
-            <a:avLst/>
-          </a:prstGeom>
-          <a:noFill/>
-        </p:spPr>
-        <p:txBody>
-          <a:bodyPr wrap="square" rtlCol="0">
-            <a:spAutoFit/>
-          </a:bodyPr>
-          <a:lstStyle/>
-          <a:p>
-            <a:r>
-              <a:rPr lang="en-US" sz="4400" b="1" dirty="0" smtClean="0">
-                <a:solidFill>
-                  <a:schemeClr val="tx2"/>
-                </a:solidFill>
-                <a:latin typeface="Consolas" charset="0"/>
-                <a:ea typeface="Consolas" charset="0"/>
-                <a:cs typeface="Consolas" charset="0"/>
-              </a:rPr>
-              <a:t>A </a:t>
-            </a:r>
-            <a:r>
-              <a:rPr lang="en-US" sz="4400" b="1" dirty="0" smtClean="0">
-                <a:solidFill>
-                  <a:schemeClr val="accent6"/>
-                </a:solidFill>
-                <a:latin typeface="Consolas" charset="0"/>
-                <a:ea typeface="Consolas" charset="0"/>
-                <a:cs typeface="Consolas" charset="0"/>
-              </a:rPr>
-              <a:t>statistic</a:t>
-            </a:r>
-            <a:r>
-              <a:rPr lang="en-US" sz="4400" b="1" dirty="0" smtClean="0">
-                <a:solidFill>
-                  <a:schemeClr val="tx2"/>
-                </a:solidFill>
-                <a:latin typeface="Consolas" charset="0"/>
-                <a:ea typeface="Consolas" charset="0"/>
-                <a:cs typeface="Consolas" charset="0"/>
-              </a:rPr>
-              <a:t> is some sort of summary of the data</a:t>
-            </a:r>
-          </a:p>
-        </p:txBody>
-      </p:sp>
-      <p:sp>
-        <p:nvSpPr>
-          <p:cNvPr id="7" name="TextBox 6"/>
-          <p:cNvSpPr txBox="1"/>
-          <p:nvPr/>
-        </p:nvSpPr>
-        <p:spPr>
-          <a:xfrm>
-            <a:off x="838200" y="5815871"/>
-            <a:ext cx="10515600" cy="584775"/>
-          </a:xfrm>
-          <a:prstGeom prst="rect">
-            <a:avLst/>
-          </a:prstGeom>
-          <a:noFill/>
-        </p:spPr>
-        <p:txBody>
-          <a:bodyPr wrap="square" rtlCol="0">
-            <a:spAutoFit/>
-          </a:bodyPr>
-          <a:lstStyle/>
-          <a:p>
-            <a:r>
-              <a:rPr lang="en-US" sz="3200" b="1" dirty="0" smtClean="0">
-                <a:solidFill>
-                  <a:schemeClr val="tx2"/>
-                </a:solidFill>
-                <a:latin typeface="Consolas" charset="0"/>
-                <a:ea typeface="Consolas" charset="0"/>
-                <a:cs typeface="Consolas" charset="0"/>
-              </a:rPr>
-              <a:t>The </a:t>
-            </a:r>
-            <a:r>
-              <a:rPr lang="en-US" sz="3200" b="1" dirty="0" smtClean="0">
-                <a:solidFill>
-                  <a:schemeClr val="accent2"/>
-                </a:solidFill>
-                <a:latin typeface="Consolas" charset="0"/>
-                <a:ea typeface="Consolas" charset="0"/>
-                <a:cs typeface="Consolas" charset="0"/>
-              </a:rPr>
-              <a:t>average</a:t>
-            </a:r>
-            <a:r>
-              <a:rPr lang="en-US" sz="3200" b="1" dirty="0" smtClean="0">
-                <a:solidFill>
-                  <a:schemeClr val="tx2"/>
-                </a:solidFill>
-                <a:latin typeface="Consolas" charset="0"/>
-                <a:ea typeface="Consolas" charset="0"/>
-                <a:cs typeface="Consolas" charset="0"/>
-              </a:rPr>
-              <a:t> is a statistic</a:t>
-            </a:r>
-          </a:p>
-        </p:txBody>
-      </p:sp>
     </p:spTree>
     <p:extLst>
       <p:ext uri="{BB962C8B-B14F-4D97-AF65-F5344CB8AC3E}">
-        <p14:creationId xmlns:p14="http://schemas.microsoft.com/office/powerpoint/2010/main" val="2002727311"/>
+        <p14:creationId xmlns:p14="http://schemas.microsoft.com/office/powerpoint/2010/main" val="19019319"/>
       </p:ext>
     </p:extLst>
   </p:cSld>
@@ -4324,18 +5998,110 @@
             <p:ph type="title"/>
           </p:nvPr>
         </p:nvSpPr>
-        <p:spPr/>
-        <p:txBody>
-          <a:bodyPr/>
+        <p:spPr>
+          <a:xfrm>
+            <a:off x="838200" y="2095954"/>
+            <a:ext cx="10515600" cy="1325563"/>
+          </a:xfrm>
+        </p:spPr>
+        <p:txBody>
+          <a:bodyPr>
+            <a:noAutofit/>
+          </a:bodyPr>
           <a:lstStyle/>
           <a:p>
             <a:r>
               <a:rPr lang="en-US" b="1" dirty="0" smtClean="0">
+                <a:solidFill>
+                  <a:schemeClr val="accent6"/>
+                </a:solidFill>
                 <a:latin typeface="Consolas" charset="0"/>
                 <a:ea typeface="Consolas" charset="0"/>
                 <a:cs typeface="Consolas" charset="0"/>
               </a:rPr>
               <a:t>Statistics</a:t>
+            </a:r>
+            <a:r>
+              <a:rPr lang="en-US" b="1" dirty="0" smtClean="0">
+                <a:solidFill>
+                  <a:schemeClr val="accent4"/>
+                </a:solidFill>
+                <a:latin typeface="Consolas" charset="0"/>
+                <a:ea typeface="Consolas" charset="0"/>
+                <a:cs typeface="Consolas" charset="0"/>
+              </a:rPr>
+              <a:t> helps us understand our </a:t>
+            </a:r>
+            <a:r>
+              <a:rPr lang="en-US" b="1" dirty="0" smtClean="0">
+                <a:solidFill>
+                  <a:schemeClr val="tx2"/>
+                </a:solidFill>
+                <a:latin typeface="Consolas" charset="0"/>
+                <a:ea typeface="Consolas" charset="0"/>
+                <a:cs typeface="Consolas" charset="0"/>
+              </a:rPr>
+              <a:t>data</a:t>
+            </a:r>
+            <a:endParaRPr lang="en-US" b="1" dirty="0">
+              <a:solidFill>
+                <a:schemeClr val="tx2"/>
+              </a:solidFill>
+              <a:latin typeface="Consolas" charset="0"/>
+              <a:ea typeface="Consolas" charset="0"/>
+              <a:cs typeface="Consolas" charset="0"/>
+            </a:endParaRPr>
+          </a:p>
+        </p:txBody>
+      </p:sp>
+      <p:sp>
+        <p:nvSpPr>
+          <p:cNvPr id="3" name="Title 1"/>
+          <p:cNvSpPr txBox="1">
+            <a:spLocks/>
+          </p:cNvSpPr>
+          <p:nvPr/>
+        </p:nvSpPr>
+        <p:spPr>
+          <a:xfrm>
+            <a:off x="838200" y="365125"/>
+            <a:ext cx="10515600" cy="1325563"/>
+          </a:xfrm>
+          <a:prstGeom prst="rect">
+            <a:avLst/>
+          </a:prstGeom>
+        </p:spPr>
+        <p:txBody>
+          <a:bodyPr vert="horz" lIns="91440" tIns="45720" rIns="91440" bIns="45720" rtlCol="0" anchor="ctr">
+            <a:normAutofit/>
+          </a:bodyPr>
+          <a:lstStyle>
+            <a:lvl1pPr algn="l" defTabSz="914400" rtl="0" eaLnBrk="1" latinLnBrk="0" hangingPunct="1">
+              <a:lnSpc>
+                <a:spcPct val="90000"/>
+              </a:lnSpc>
+              <a:spcBef>
+                <a:spcPct val="0"/>
+              </a:spcBef>
+              <a:buNone/>
+              <a:defRPr sz="4400" kern="1200">
+                <a:solidFill>
+                  <a:schemeClr val="tx1"/>
+                </a:solidFill>
+                <a:latin typeface="+mj-lt"/>
+                <a:ea typeface="+mj-ea"/>
+                <a:cs typeface="+mj-cs"/>
+              </a:defRPr>
+            </a:lvl1pPr>
+          </a:lstStyle>
+          <a:p>
+            <a:r>
+              <a:rPr lang="en-US" b="1" dirty="0" smtClean="0">
+                <a:latin typeface="Consolas" charset="0"/>
+                <a:ea typeface="Consolas" charset="0"/>
+                <a:cs typeface="Consolas" charset="0"/>
+              </a:rPr>
+              <a:t>Data and Statistics </a:t>
             </a:r>
             <a:endParaRPr lang="en-US" b="1" dirty="0">
               <a:latin typeface="Consolas" charset="0"/>
@@ -4345,46 +6111,207 @@
           </a:p>
         </p:txBody>
       </p:sp>
-      <p:sp>
-        <p:nvSpPr>
-          <p:cNvPr id="4" name="TextBox 3"/>
-          <p:cNvSpPr txBox="1"/>
+      <p:cxnSp>
+        <p:nvCxnSpPr>
+          <p:cNvPr id="5" name="Straight Arrow Connector 4"/>
+          <p:cNvCxnSpPr/>
           <p:nvPr/>
-        </p:nvSpPr>
+        </p:nvCxnSpPr>
+        <p:spPr>
+          <a:xfrm flipH="1">
+            <a:off x="4294414" y="3421517"/>
+            <a:ext cx="1191986" cy="1199469"/>
+          </a:xfrm>
+          <a:prstGeom prst="straightConnector1">
+            <a:avLst/>
+          </a:prstGeom>
+          <a:ln w="76200">
+            <a:tailEnd type="triangle"/>
+          </a:ln>
+        </p:spPr>
+        <p:style>
+          <a:lnRef idx="1">
+            <a:schemeClr val="accent1"/>
+          </a:lnRef>
+          <a:fillRef idx="0">
+            <a:schemeClr val="accent1"/>
+          </a:fillRef>
+          <a:effectRef idx="0">
+            <a:schemeClr val="accent1"/>
+          </a:effectRef>
+          <a:fontRef idx="minor">
+            <a:schemeClr val="tx1"/>
+          </a:fontRef>
+        </p:style>
+      </p:cxnSp>
+      <p:cxnSp>
+        <p:nvCxnSpPr>
+          <p:cNvPr id="6" name="Straight Arrow Connector 5"/>
+          <p:cNvCxnSpPr/>
+          <p:nvPr/>
+        </p:nvCxnSpPr>
         <p:spPr>
           <a:xfrm>
-            <a:off x="838200" y="1910443"/>
-            <a:ext cx="10758073" cy="769441"/>
+            <a:off x="6776357" y="3421517"/>
+            <a:ext cx="1077686" cy="1199469"/>
+          </a:xfrm>
+          <a:prstGeom prst="straightConnector1">
+            <a:avLst/>
+          </a:prstGeom>
+          <a:ln w="76200">
+            <a:solidFill>
+              <a:schemeClr val="accent2"/>
+            </a:solidFill>
+            <a:tailEnd type="triangle"/>
+          </a:ln>
+        </p:spPr>
+        <p:style>
+          <a:lnRef idx="1">
+            <a:schemeClr val="accent1"/>
+          </a:lnRef>
+          <a:fillRef idx="0">
+            <a:schemeClr val="accent1"/>
+          </a:fillRef>
+          <a:effectRef idx="0">
+            <a:schemeClr val="accent1"/>
+          </a:effectRef>
+          <a:fontRef idx="minor">
+            <a:schemeClr val="tx1"/>
+          </a:fontRef>
+        </p:style>
+      </p:cxnSp>
+      <p:sp>
+        <p:nvSpPr>
+          <p:cNvPr id="18" name="Title 1"/>
+          <p:cNvSpPr txBox="1">
+            <a:spLocks/>
+          </p:cNvSpPr>
+          <p:nvPr/>
+        </p:nvSpPr>
+        <p:spPr>
+          <a:xfrm>
+            <a:off x="1055914" y="4747079"/>
+            <a:ext cx="4430486" cy="1768475"/>
           </a:xfrm>
           <a:prstGeom prst="rect">
             <a:avLst/>
           </a:prstGeom>
-          <a:noFill/>
-        </p:spPr>
-        <p:txBody>
-          <a:bodyPr wrap="none" rtlCol="0">
-            <a:spAutoFit/>
+        </p:spPr>
+        <p:txBody>
+          <a:bodyPr vert="horz" lIns="91440" tIns="45720" rIns="91440" bIns="45720" rtlCol="0" anchor="ctr">
+            <a:noAutofit/>
           </a:bodyPr>
-          <a:lstStyle/>
-          <a:p>
-            <a:r>
-              <a:rPr lang="en-US" sz="4400" b="1" dirty="0" smtClean="0">
-                <a:solidFill>
-                  <a:schemeClr val="accent3"/>
-                </a:solidFill>
-                <a:latin typeface="Consolas" charset="0"/>
-                <a:ea typeface="Consolas" charset="0"/>
-                <a:cs typeface="Consolas" charset="0"/>
-              </a:rPr>
-              <a:t>More on the overview of statistics</a:t>
-            </a:r>
+          <a:lstStyle>
+            <a:lvl1pPr algn="l" defTabSz="914400" rtl="0" eaLnBrk="1" latinLnBrk="0" hangingPunct="1">
+              <a:lnSpc>
+                <a:spcPct val="90000"/>
+              </a:lnSpc>
+              <a:spcBef>
+                <a:spcPct val="0"/>
+              </a:spcBef>
+              <a:buNone/>
+              <a:defRPr sz="4400" kern="1200">
+                <a:solidFill>
+                  <a:schemeClr val="tx1"/>
+                </a:solidFill>
+                <a:latin typeface="+mj-lt"/>
+                <a:ea typeface="+mj-ea"/>
+                <a:cs typeface="+mj-cs"/>
+              </a:defRPr>
+            </a:lvl1pPr>
+          </a:lstStyle>
+          <a:p>
+            <a:pPr algn="ctr"/>
+            <a:r>
+              <a:rPr lang="en-US" sz="3600" b="1" dirty="0" smtClean="0">
+                <a:solidFill>
+                  <a:schemeClr val="accent1"/>
+                </a:solidFill>
+                <a:latin typeface="Consolas" charset="0"/>
+                <a:ea typeface="Consolas" charset="0"/>
+                <a:cs typeface="Consolas" charset="0"/>
+              </a:rPr>
+              <a:t>Summarize the data easily</a:t>
+            </a:r>
+            <a:endParaRPr lang="en-US" sz="3600" b="1" dirty="0">
+              <a:solidFill>
+                <a:schemeClr val="accent1"/>
+              </a:solidFill>
+              <a:latin typeface="Consolas" charset="0"/>
+              <a:ea typeface="Consolas" charset="0"/>
+              <a:cs typeface="Consolas" charset="0"/>
+            </a:endParaRPr>
+          </a:p>
+        </p:txBody>
+      </p:sp>
+      <p:sp>
+        <p:nvSpPr>
+          <p:cNvPr id="19" name="Title 1"/>
+          <p:cNvSpPr txBox="1">
+            <a:spLocks/>
+          </p:cNvSpPr>
+          <p:nvPr/>
+        </p:nvSpPr>
+        <p:spPr>
+          <a:xfrm>
+            <a:off x="6357257" y="4747079"/>
+            <a:ext cx="4996543" cy="1768475"/>
+          </a:xfrm>
+          <a:prstGeom prst="rect">
+            <a:avLst/>
+          </a:prstGeom>
+        </p:spPr>
+        <p:txBody>
+          <a:bodyPr vert="horz" lIns="91440" tIns="45720" rIns="91440" bIns="45720" rtlCol="0" anchor="ctr">
+            <a:noAutofit/>
+          </a:bodyPr>
+          <a:lstStyle>
+            <a:lvl1pPr algn="l" defTabSz="914400" rtl="0" eaLnBrk="1" latinLnBrk="0" hangingPunct="1">
+              <a:lnSpc>
+                <a:spcPct val="90000"/>
+              </a:lnSpc>
+              <a:spcBef>
+                <a:spcPct val="0"/>
+              </a:spcBef>
+              <a:buNone/>
+              <a:defRPr sz="4400" kern="1200">
+                <a:solidFill>
+                  <a:schemeClr val="tx1"/>
+                </a:solidFill>
+                <a:latin typeface="+mj-lt"/>
+                <a:ea typeface="+mj-ea"/>
+                <a:cs typeface="+mj-cs"/>
+              </a:defRPr>
+            </a:lvl1pPr>
+          </a:lstStyle>
+          <a:p>
+            <a:pPr algn="ctr"/>
+            <a:r>
+              <a:rPr lang="en-US" sz="3600" b="1" dirty="0" smtClean="0">
+                <a:solidFill>
+                  <a:schemeClr val="accent2"/>
+                </a:solidFill>
+                <a:latin typeface="Consolas" charset="0"/>
+                <a:ea typeface="Consolas" charset="0"/>
+                <a:cs typeface="Consolas" charset="0"/>
+              </a:rPr>
+              <a:t>Ask questions about what the data mean</a:t>
+            </a:r>
+            <a:endParaRPr lang="en-US" sz="3600" b="1" dirty="0">
+              <a:solidFill>
+                <a:schemeClr val="accent2"/>
+              </a:solidFill>
+              <a:latin typeface="Consolas" charset="0"/>
+              <a:ea typeface="Consolas" charset="0"/>
+              <a:cs typeface="Consolas" charset="0"/>
+            </a:endParaRPr>
           </a:p>
         </p:txBody>
       </p:sp>
     </p:spTree>
     <p:extLst>
       <p:ext uri="{BB962C8B-B14F-4D97-AF65-F5344CB8AC3E}">
-        <p14:creationId xmlns:p14="http://schemas.microsoft.com/office/powerpoint/2010/main" val="16807"/>
+        <p14:creationId xmlns:p14="http://schemas.microsoft.com/office/powerpoint/2010/main" val="380990233"/>
       </p:ext>
     </p:extLst>
   </p:cSld>
@@ -4404,6 +6331,14 @@
 <file path=ppt/slides/slide7.xml><?xml version="1.0" encoding="utf-8"?>
 <p:sld xmlns:a="http://schemas.openxmlformats.org/drawingml/2006/main" xmlns:r="http://schemas.openxmlformats.org/officeDocument/2006/relationships" xmlns:p="http://schemas.openxmlformats.org/presentationml/2006/main">
   <p:cSld>
+    <p:bg>
+      <p:bgPr>
+        <a:solidFill>
+          <a:srgbClr val="F9F9FD"/>
+        </a:solidFill>
+        <a:effectLst/>
+      </p:bgPr>
+    </p:bg>
     <p:spTree>
       <p:nvGrpSpPr>
         <p:cNvPr id="1" name=""/>
@@ -4418,51 +6353,209 @@
           <a:chExt cx="0" cy="0"/>
         </a:xfrm>
       </p:grpSpPr>
-      <p:sp>
-        <p:nvSpPr>
-          <p:cNvPr id="4" name="Rectangle 3"/>
-          <p:cNvSpPr/>
+      <p:pic>
+        <p:nvPicPr>
+          <p:cNvPr id="6" name="Picture 5"/>
+          <p:cNvPicPr>
+            <a:picLocks noChangeAspect="1"/>
+          </p:cNvPicPr>
           <p:nvPr/>
-        </p:nvSpPr>
+        </p:nvPicPr>
+        <p:blipFill>
+          <a:blip r:embed="rId2">
+            <a:alphaModFix amt="58000"/>
+            <a:extLst>
+              <a:ext uri="{BEBA8EAE-BF5A-486C-A8C5-ECC9F3942E4B}">
+                <a14:imgProps xmlns:a14="http://schemas.microsoft.com/office/drawing/2010/main">
+                  <a14:imgLayer r:embed="rId3">
+                    <a14:imgEffect>
+                      <a14:artisticLineDrawing/>
+                    </a14:imgEffect>
+                  </a14:imgLayer>
+                </a14:imgProps>
+              </a:ext>
+            </a:extLst>
+          </a:blip>
+          <a:stretch>
+            <a:fillRect/>
+          </a:stretch>
+        </p:blipFill>
         <p:spPr>
           <a:xfrm>
-            <a:off x="408214" y="2754477"/>
-            <a:ext cx="11413671" cy="1446550"/>
+            <a:off x="5459186" y="0"/>
+            <a:ext cx="6858000" cy="6858000"/>
           </a:xfrm>
           <a:prstGeom prst="rect">
             <a:avLst/>
           </a:prstGeom>
         </p:spPr>
-        <p:txBody>
-          <a:bodyPr wrap="square">
+      </p:pic>
+      <p:sp>
+        <p:nvSpPr>
+          <p:cNvPr id="2" name="Title 1"/>
+          <p:cNvSpPr>
+            <a:spLocks noGrp="1"/>
+          </p:cNvSpPr>
+          <p:nvPr>
+            <p:ph type="title"/>
+          </p:nvPr>
+        </p:nvSpPr>
+        <p:spPr/>
+        <p:txBody>
+          <a:bodyPr/>
+          <a:lstStyle/>
+          <a:p>
+            <a:r>
+              <a:rPr lang="en-US" b="1" dirty="0" smtClean="0">
+                <a:latin typeface="Consolas" charset="0"/>
+                <a:ea typeface="Consolas" charset="0"/>
+                <a:cs typeface="Consolas" charset="0"/>
+              </a:rPr>
+              <a:t>Statistics</a:t>
+            </a:r>
+            <a:endParaRPr lang="en-US" b="1" dirty="0">
+              <a:latin typeface="Consolas" charset="0"/>
+              <a:ea typeface="Consolas" charset="0"/>
+              <a:cs typeface="Consolas" charset="0"/>
+            </a:endParaRPr>
+          </a:p>
+        </p:txBody>
+      </p:sp>
+      <p:sp>
+        <p:nvSpPr>
+          <p:cNvPr id="5" name="TextBox 4"/>
+          <p:cNvSpPr txBox="1"/>
+          <p:nvPr/>
+        </p:nvSpPr>
+        <p:spPr>
+          <a:xfrm>
+            <a:off x="838200" y="1842522"/>
+            <a:ext cx="10967356" cy="1446550"/>
+          </a:xfrm>
+          <a:prstGeom prst="rect">
+            <a:avLst/>
+          </a:prstGeom>
+          <a:noFill/>
+        </p:spPr>
+        <p:txBody>
+          <a:bodyPr wrap="square" rtlCol="0">
             <a:spAutoFit/>
           </a:bodyPr>
           <a:lstStyle/>
           <a:p>
-            <a:pPr algn="ctr"/>
-            <a:r>
-              <a:rPr lang="en-US" sz="8800" b="1" dirty="0" smtClean="0">
-                <a:solidFill>
-                  <a:schemeClr val="accent3"/>
-                </a:solidFill>
-                <a:latin typeface="Consolas" charset="0"/>
-                <a:ea typeface="Consolas" charset="0"/>
-                <a:cs typeface="Consolas" charset="0"/>
-              </a:rPr>
-              <a:t>Questions?</a:t>
-            </a:r>
-            <a:endParaRPr lang="en-US" sz="8800" dirty="0">
-              <a:solidFill>
-                <a:schemeClr val="accent3"/>
-              </a:solidFill>
-            </a:endParaRPr>
+            <a:r>
+              <a:rPr lang="en-US" sz="4400" b="1" dirty="0" smtClean="0">
+                <a:solidFill>
+                  <a:schemeClr val="tx2"/>
+                </a:solidFill>
+                <a:latin typeface="Consolas" charset="0"/>
+                <a:ea typeface="Consolas" charset="0"/>
+                <a:cs typeface="Consolas" charset="0"/>
+              </a:rPr>
+              <a:t>A </a:t>
+            </a:r>
+            <a:r>
+              <a:rPr lang="en-US" sz="4400" b="1" dirty="0" smtClean="0">
+                <a:solidFill>
+                  <a:schemeClr val="accent6"/>
+                </a:solidFill>
+                <a:latin typeface="Consolas" charset="0"/>
+                <a:ea typeface="Consolas" charset="0"/>
+                <a:cs typeface="Consolas" charset="0"/>
+              </a:rPr>
+              <a:t>statistic</a:t>
+            </a:r>
+            <a:r>
+              <a:rPr lang="en-US" sz="4400" b="1" dirty="0" smtClean="0">
+                <a:solidFill>
+                  <a:schemeClr val="tx2"/>
+                </a:solidFill>
+                <a:latin typeface="Consolas" charset="0"/>
+                <a:ea typeface="Consolas" charset="0"/>
+                <a:cs typeface="Consolas" charset="0"/>
+              </a:rPr>
+              <a:t> is some sort of summary of the data</a:t>
+            </a:r>
+          </a:p>
+        </p:txBody>
+      </p:sp>
+      <p:sp>
+        <p:nvSpPr>
+          <p:cNvPr id="7" name="TextBox 6"/>
+          <p:cNvSpPr txBox="1"/>
+          <p:nvPr/>
+        </p:nvSpPr>
+        <p:spPr>
+          <a:xfrm>
+            <a:off x="838200" y="3919374"/>
+            <a:ext cx="10515600" cy="769441"/>
+          </a:xfrm>
+          <a:prstGeom prst="rect">
+            <a:avLst/>
+          </a:prstGeom>
+          <a:noFill/>
+        </p:spPr>
+        <p:txBody>
+          <a:bodyPr wrap="square" rtlCol="0">
+            <a:spAutoFit/>
+          </a:bodyPr>
+          <a:lstStyle/>
+          <a:p>
+            <a:pPr marL="571500" indent="-571500">
+              <a:buFont typeface="Arial" charset="0"/>
+              <a:buChar char="•"/>
+            </a:pPr>
+            <a:r>
+              <a:rPr lang="en-US" sz="4400" b="1" dirty="0" smtClean="0">
+                <a:solidFill>
+                  <a:schemeClr val="tx2"/>
+                </a:solidFill>
+                <a:latin typeface="Consolas" charset="0"/>
+                <a:ea typeface="Consolas" charset="0"/>
+                <a:cs typeface="Consolas" charset="0"/>
+              </a:rPr>
+              <a:t>The </a:t>
+            </a:r>
+            <a:r>
+              <a:rPr lang="en-US" sz="4400" b="1" dirty="0" smtClean="0">
+                <a:solidFill>
+                  <a:schemeClr val="accent2"/>
+                </a:solidFill>
+                <a:latin typeface="Consolas" charset="0"/>
+                <a:ea typeface="Consolas" charset="0"/>
+                <a:cs typeface="Consolas" charset="0"/>
+              </a:rPr>
+              <a:t>average</a:t>
+            </a:r>
+            <a:r>
+              <a:rPr lang="en-US" sz="4400" b="1" dirty="0" smtClean="0">
+                <a:solidFill>
+                  <a:schemeClr val="tx2"/>
+                </a:solidFill>
+                <a:latin typeface="Consolas" charset="0"/>
+                <a:ea typeface="Consolas" charset="0"/>
+                <a:cs typeface="Consolas" charset="0"/>
+              </a:rPr>
+              <a:t> is a </a:t>
+            </a:r>
+            <a:r>
+              <a:rPr lang="en-US" sz="4400" b="1" dirty="0" smtClean="0">
+                <a:solidFill>
+                  <a:schemeClr val="tx2"/>
+                </a:solidFill>
+                <a:latin typeface="Consolas" charset="0"/>
+                <a:ea typeface="Consolas" charset="0"/>
+                <a:cs typeface="Consolas" charset="0"/>
+              </a:rPr>
+              <a:t>statistic</a:t>
+            </a:r>
           </a:p>
         </p:txBody>
       </p:sp>
     </p:spTree>
     <p:extLst>
       <p:ext uri="{BB962C8B-B14F-4D97-AF65-F5344CB8AC3E}">
-        <p14:creationId xmlns:p14="http://schemas.microsoft.com/office/powerpoint/2010/main" val="693437782"/>
+        <p14:creationId xmlns:p14="http://schemas.microsoft.com/office/powerpoint/2010/main" val="630447290"/>
       </p:ext>
     </p:extLst>
   </p:cSld>
@@ -4498,71 +6591,387 @@
       </p:grpSpPr>
       <p:sp>
         <p:nvSpPr>
-          <p:cNvPr id="4" name="Rectangle 3"/>
+          <p:cNvPr id="8" name="Oval 7"/>
           <p:cNvSpPr/>
           <p:nvPr/>
         </p:nvSpPr>
         <p:spPr>
           <a:xfrm>
-            <a:off x="571499" y="354177"/>
-            <a:ext cx="11413671" cy="1446550"/>
+            <a:off x="1474977" y="1690688"/>
+            <a:ext cx="9290958" cy="4620985"/>
+          </a:xfrm>
+          <a:prstGeom prst="ellipse">
+            <a:avLst/>
+          </a:prstGeom>
+          <a:solidFill>
+            <a:schemeClr val="accent1">
+              <a:lumMod val="20000"/>
+              <a:lumOff val="80000"/>
+            </a:schemeClr>
+          </a:solidFill>
+          <a:ln w="57150">
+            <a:solidFill>
+              <a:schemeClr val="accent1"/>
+            </a:solidFill>
+          </a:ln>
+        </p:spPr>
+        <p:style>
+          <a:lnRef idx="2">
+            <a:schemeClr val="accent1">
+              <a:shade val="50000"/>
+            </a:schemeClr>
+          </a:lnRef>
+          <a:fillRef idx="1">
+            <a:schemeClr val="accent1"/>
+          </a:fillRef>
+          <a:effectRef idx="0">
+            <a:schemeClr val="accent1"/>
+          </a:effectRef>
+          <a:fontRef idx="minor">
+            <a:schemeClr val="lt1"/>
+          </a:fontRef>
+        </p:style>
+        <p:txBody>
+          <a:bodyPr rtlCol="0" anchor="ctr"/>
+          <a:lstStyle/>
+          <a:p>
+            <a:pPr algn="ctr"/>
+            <a:endParaRPr lang="en-US"/>
+          </a:p>
+        </p:txBody>
+      </p:sp>
+      <p:sp>
+        <p:nvSpPr>
+          <p:cNvPr id="2" name="Title 1"/>
+          <p:cNvSpPr>
+            <a:spLocks noGrp="1"/>
+          </p:cNvSpPr>
+          <p:nvPr>
+            <p:ph type="title"/>
+          </p:nvPr>
+        </p:nvSpPr>
+        <p:spPr/>
+        <p:txBody>
+          <a:bodyPr/>
+          <a:lstStyle/>
+          <a:p>
+            <a:r>
+              <a:rPr lang="en-US" b="1" dirty="0" smtClean="0">
+                <a:latin typeface="Consolas" charset="0"/>
+                <a:ea typeface="Consolas" charset="0"/>
+                <a:cs typeface="Consolas" charset="0"/>
+              </a:rPr>
+              <a:t>The Vocabulary of Statistics</a:t>
+            </a:r>
+            <a:endParaRPr lang="en-US" b="1" dirty="0">
+              <a:latin typeface="Consolas" charset="0"/>
+              <a:ea typeface="Consolas" charset="0"/>
+              <a:cs typeface="Consolas" charset="0"/>
+            </a:endParaRPr>
+          </a:p>
+        </p:txBody>
+      </p:sp>
+      <p:sp>
+        <p:nvSpPr>
+          <p:cNvPr id="9" name="Oval 8"/>
+          <p:cNvSpPr/>
+          <p:nvPr/>
+        </p:nvSpPr>
+        <p:spPr>
+          <a:xfrm>
+            <a:off x="6302829" y="2940250"/>
+            <a:ext cx="3690257" cy="2121863"/>
+          </a:xfrm>
+          <a:prstGeom prst="ellipse">
+            <a:avLst/>
+          </a:prstGeom>
+          <a:solidFill>
+            <a:schemeClr val="accent6">
+              <a:lumMod val="20000"/>
+              <a:lumOff val="80000"/>
+            </a:schemeClr>
+          </a:solidFill>
+          <a:ln w="57150">
+            <a:solidFill>
+              <a:schemeClr val="accent6"/>
+            </a:solidFill>
+          </a:ln>
+        </p:spPr>
+        <p:style>
+          <a:lnRef idx="2">
+            <a:schemeClr val="accent1">
+              <a:shade val="50000"/>
+            </a:schemeClr>
+          </a:lnRef>
+          <a:fillRef idx="1">
+            <a:schemeClr val="accent1"/>
+          </a:fillRef>
+          <a:effectRef idx="0">
+            <a:schemeClr val="accent1"/>
+          </a:effectRef>
+          <a:fontRef idx="minor">
+            <a:schemeClr val="lt1"/>
+          </a:fontRef>
+        </p:style>
+        <p:txBody>
+          <a:bodyPr rtlCol="0" anchor="ctr"/>
+          <a:lstStyle/>
+          <a:p>
+            <a:pPr algn="ctr"/>
+            <a:endParaRPr lang="en-US"/>
+          </a:p>
+        </p:txBody>
+      </p:sp>
+      <p:sp>
+        <p:nvSpPr>
+          <p:cNvPr id="3" name="Rectangle 2"/>
+          <p:cNvSpPr/>
+          <p:nvPr/>
+        </p:nvSpPr>
+        <p:spPr>
+          <a:xfrm>
+            <a:off x="2825964" y="2876694"/>
+            <a:ext cx="3294492" cy="769441"/>
           </a:xfrm>
           <a:prstGeom prst="rect">
             <a:avLst/>
           </a:prstGeom>
         </p:spPr>
         <p:txBody>
+          <a:bodyPr wrap="none">
+            <a:spAutoFit/>
+          </a:bodyPr>
+          <a:lstStyle/>
+          <a:p>
+            <a:r>
+              <a:rPr lang="en-US" sz="4400" b="1" dirty="0" smtClean="0">
+                <a:solidFill>
+                  <a:schemeClr val="accent1"/>
+                </a:solidFill>
+                <a:latin typeface="Consolas" charset="0"/>
+                <a:ea typeface="Consolas" charset="0"/>
+                <a:cs typeface="Consolas" charset="0"/>
+              </a:rPr>
+              <a:t>Population</a:t>
+            </a:r>
+            <a:endParaRPr lang="en-US" sz="4400" b="1" dirty="0">
+              <a:solidFill>
+                <a:schemeClr val="accent1"/>
+              </a:solidFill>
+              <a:latin typeface="Consolas" charset="0"/>
+              <a:ea typeface="Consolas" charset="0"/>
+              <a:cs typeface="Consolas" charset="0"/>
+            </a:endParaRPr>
+          </a:p>
+        </p:txBody>
+      </p:sp>
+      <p:sp>
+        <p:nvSpPr>
+          <p:cNvPr id="4" name="TextBox 3"/>
+          <p:cNvSpPr txBox="1"/>
+          <p:nvPr/>
+        </p:nvSpPr>
+        <p:spPr>
+          <a:xfrm>
+            <a:off x="7122676" y="3616459"/>
+            <a:ext cx="2050561" cy="769441"/>
+          </a:xfrm>
+          <a:prstGeom prst="rect">
+            <a:avLst/>
+          </a:prstGeom>
+          <a:noFill/>
+        </p:spPr>
+        <p:txBody>
+          <a:bodyPr wrap="none" rtlCol="0">
+            <a:spAutoFit/>
+          </a:bodyPr>
+          <a:lstStyle/>
+          <a:p>
+            <a:r>
+              <a:rPr lang="en-US" sz="4400" b="1" dirty="0" smtClean="0">
+                <a:solidFill>
+                  <a:schemeClr val="accent6"/>
+                </a:solidFill>
+                <a:latin typeface="Consolas" charset="0"/>
+                <a:ea typeface="Consolas" charset="0"/>
+                <a:cs typeface="Consolas" charset="0"/>
+              </a:rPr>
+              <a:t>Sample</a:t>
+            </a:r>
+          </a:p>
+        </p:txBody>
+      </p:sp>
+    </p:spTree>
+    <p:extLst>
+      <p:ext uri="{BB962C8B-B14F-4D97-AF65-F5344CB8AC3E}">
+        <p14:creationId xmlns:p14="http://schemas.microsoft.com/office/powerpoint/2010/main" val="16807"/>
+      </p:ext>
+    </p:extLst>
+  </p:cSld>
+  <p:clrMapOvr>
+    <a:masterClrMapping/>
+  </p:clrMapOvr>
+  <p:timing>
+    <p:tnLst>
+      <p:par>
+        <p:cTn id="1" dur="indefinite" restart="never" nodeType="tmRoot"/>
+      </p:par>
+    </p:tnLst>
+  </p:timing>
+</p:sld>
+</file>
+
+<file path=ppt/slides/slide9.xml><?xml version="1.0" encoding="utf-8"?>
+<p:sld xmlns:a="http://schemas.openxmlformats.org/drawingml/2006/main" xmlns:r="http://schemas.openxmlformats.org/officeDocument/2006/relationships" xmlns:p="http://schemas.openxmlformats.org/presentationml/2006/main">
+  <p:cSld>
+    <p:spTree>
+      <p:nvGrpSpPr>
+        <p:cNvPr id="1" name=""/>
+        <p:cNvGrpSpPr/>
+        <p:nvPr/>
+      </p:nvGrpSpPr>
+      <p:grpSpPr>
+        <a:xfrm>
+          <a:off x="0" y="0"/>
+          <a:ext cx="0" cy="0"/>
+          <a:chOff x="0" y="0"/>
+          <a:chExt cx="0" cy="0"/>
+        </a:xfrm>
+      </p:grpSpPr>
+      <p:sp>
+        <p:nvSpPr>
+          <p:cNvPr id="2" name="Title 1"/>
+          <p:cNvSpPr>
+            <a:spLocks noGrp="1"/>
+          </p:cNvSpPr>
+          <p:nvPr>
+            <p:ph type="title"/>
+          </p:nvPr>
+        </p:nvSpPr>
+        <p:spPr/>
+        <p:txBody>
+          <a:bodyPr/>
+          <a:lstStyle/>
+          <a:p>
+            <a:r>
+              <a:rPr lang="en-US" b="1" dirty="0" smtClean="0">
+                <a:latin typeface="Consolas" charset="0"/>
+                <a:ea typeface="Consolas" charset="0"/>
+                <a:cs typeface="Consolas" charset="0"/>
+              </a:rPr>
+              <a:t>The Vocabulary of Statistics</a:t>
+            </a:r>
+            <a:endParaRPr lang="en-US" b="1" dirty="0">
+              <a:latin typeface="Consolas" charset="0"/>
+              <a:ea typeface="Consolas" charset="0"/>
+              <a:cs typeface="Consolas" charset="0"/>
+            </a:endParaRPr>
+          </a:p>
+        </p:txBody>
+      </p:sp>
+      <p:sp>
+        <p:nvSpPr>
+          <p:cNvPr id="4" name="TextBox 3"/>
+          <p:cNvSpPr txBox="1"/>
+          <p:nvPr/>
+        </p:nvSpPr>
+        <p:spPr>
+          <a:xfrm>
+            <a:off x="576942" y="2255100"/>
+            <a:ext cx="7026282" cy="769441"/>
+          </a:xfrm>
+          <a:prstGeom prst="rect">
+            <a:avLst/>
+          </a:prstGeom>
+          <a:noFill/>
+        </p:spPr>
+        <p:txBody>
+          <a:bodyPr wrap="none" rtlCol="0">
+            <a:spAutoFit/>
+          </a:bodyPr>
+          <a:lstStyle/>
+          <a:p>
+            <a:r>
+              <a:rPr lang="en-US" sz="4400" b="1" dirty="0" smtClean="0">
+                <a:solidFill>
+                  <a:schemeClr val="accent3"/>
+                </a:solidFill>
+                <a:latin typeface="Consolas" charset="0"/>
+                <a:ea typeface="Consolas" charset="0"/>
+                <a:cs typeface="Consolas" charset="0"/>
+              </a:rPr>
+              <a:t>Descriptive Statistics</a:t>
+            </a:r>
+          </a:p>
+        </p:txBody>
+      </p:sp>
+      <p:sp>
+        <p:nvSpPr>
+          <p:cNvPr id="3" name="Rectangle 2"/>
+          <p:cNvSpPr/>
+          <p:nvPr/>
+        </p:nvSpPr>
+        <p:spPr>
+          <a:xfrm>
+            <a:off x="4327518" y="4403663"/>
+            <a:ext cx="7026282" cy="769441"/>
+          </a:xfrm>
+          <a:prstGeom prst="rect">
+            <a:avLst/>
+          </a:prstGeom>
+        </p:spPr>
+        <p:txBody>
+          <a:bodyPr wrap="none">
+            <a:spAutoFit/>
+          </a:bodyPr>
+          <a:lstStyle/>
+          <a:p>
+            <a:r>
+              <a:rPr lang="en-US" sz="4400" b="1">
+                <a:solidFill>
+                  <a:schemeClr val="accent2"/>
+                </a:solidFill>
+                <a:latin typeface="Consolas" charset="0"/>
+                <a:ea typeface="Consolas" charset="0"/>
+                <a:cs typeface="Consolas" charset="0"/>
+              </a:rPr>
+              <a:t>Inferential Statistics</a:t>
+            </a:r>
+            <a:endParaRPr lang="en-US" sz="4400" b="1" dirty="0">
+              <a:solidFill>
+                <a:schemeClr val="accent2"/>
+              </a:solidFill>
+              <a:latin typeface="Consolas" charset="0"/>
+              <a:ea typeface="Consolas" charset="0"/>
+              <a:cs typeface="Consolas" charset="0"/>
+            </a:endParaRPr>
+          </a:p>
+        </p:txBody>
+      </p:sp>
+      <p:sp>
+        <p:nvSpPr>
+          <p:cNvPr id="5" name="Rectangle 4"/>
+          <p:cNvSpPr/>
+          <p:nvPr/>
+        </p:nvSpPr>
+        <p:spPr>
+          <a:xfrm>
+            <a:off x="1462121" y="3024541"/>
+            <a:ext cx="5255923" cy="954107"/>
+          </a:xfrm>
+          <a:prstGeom prst="rect">
+            <a:avLst/>
+          </a:prstGeom>
+        </p:spPr>
+        <p:txBody>
           <a:bodyPr wrap="square">
             <a:spAutoFit/>
           </a:bodyPr>
           <a:lstStyle/>
           <a:p>
-            <a:r>
-              <a:rPr lang="en-US" sz="8800" b="1" dirty="0" smtClean="0">
-                <a:solidFill>
-                  <a:schemeClr val="tx2"/>
-                </a:solidFill>
-                <a:latin typeface="Consolas" charset="0"/>
-                <a:ea typeface="Consolas" charset="0"/>
-                <a:cs typeface="Consolas" charset="0"/>
-              </a:rPr>
-              <a:t>Next week:</a:t>
-            </a:r>
-            <a:endParaRPr lang="en-US" sz="8800" dirty="0">
-              <a:solidFill>
-                <a:schemeClr val="tx2"/>
-              </a:solidFill>
-            </a:endParaRPr>
-          </a:p>
-        </p:txBody>
-      </p:sp>
-      <p:sp>
-        <p:nvSpPr>
-          <p:cNvPr id="3" name="Rectangle 2"/>
-          <p:cNvSpPr/>
-          <p:nvPr/>
-        </p:nvSpPr>
-        <p:spPr>
-          <a:xfrm>
-            <a:off x="865411" y="2404885"/>
-            <a:ext cx="10825845" cy="3231654"/>
-          </a:xfrm>
-          <a:prstGeom prst="rect">
-            <a:avLst/>
-          </a:prstGeom>
-        </p:spPr>
-        <p:txBody>
-          <a:bodyPr wrap="square">
-            <a:spAutoFit/>
-          </a:bodyPr>
-          <a:lstStyle/>
-          <a:p>
-            <a:pPr marL="742950" indent="-742950">
-              <a:buFont typeface="+mj-lt"/>
-              <a:buAutoNum type="arabicPeriod"/>
-            </a:pPr>
-            <a:r>
-              <a:rPr lang="en-US" sz="4000" dirty="0">
+            <a:pPr algn="ctr"/>
+            <a:r>
+              <a:rPr lang="en-US" sz="2800" b="1" dirty="0" smtClean="0">
                 <a:solidFill>
                   <a:schemeClr val="accent3"/>
                 </a:solidFill>
@@ -4570,20 +6979,9 @@
                 <a:ea typeface="Consolas" charset="0"/>
                 <a:cs typeface="Consolas" charset="0"/>
               </a:rPr>
-              <a:t>Statistics terminology </a:t>
-            </a:r>
-            <a:r>
-              <a:rPr lang="en-US" sz="2800" dirty="0">
-                <a:solidFill>
-                  <a:schemeClr val="accent3"/>
-                </a:solidFill>
-                <a:latin typeface="Consolas" charset="0"/>
-                <a:ea typeface="Consolas" charset="0"/>
-                <a:cs typeface="Consolas" charset="0"/>
-              </a:rPr>
-              <a:t>(Hypothesis, IV and DV, Measurement, Validity and Reliability, Correlation and Experimentation, Distributions, Central Tendency and Variability) </a:t>
-            </a:r>
-            <a:endParaRPr lang="en-US" sz="4000" dirty="0">
+              <a:t>Describing the data that you have (your sample)</a:t>
+            </a:r>
+            <a:endParaRPr lang="en-US" sz="2800" b="1" dirty="0">
               <a:solidFill>
                 <a:schemeClr val="accent3"/>
               </a:solidFill>
@@ -4592,42 +6990,44 @@
               <a:cs typeface="Consolas" charset="0"/>
             </a:endParaRPr>
           </a:p>
-          <a:p>
-            <a:pPr marL="742950" indent="-742950">
-              <a:buFont typeface="+mj-lt"/>
-              <a:buAutoNum type="arabicPeriod"/>
-            </a:pPr>
-            <a:r>
-              <a:rPr lang="en-US" sz="4000" dirty="0" smtClean="0">
-                <a:solidFill>
-                  <a:schemeClr val="accent3"/>
-                </a:solidFill>
-                <a:latin typeface="Consolas" charset="0"/>
-                <a:ea typeface="Consolas" charset="0"/>
-                <a:cs typeface="Consolas" charset="0"/>
-              </a:rPr>
-              <a:t>Chapters 1, 2, and 3 in Book</a:t>
-            </a:r>
-          </a:p>
-          <a:p>
-            <a:pPr marL="742950" indent="-742950">
-              <a:buFont typeface="+mj-lt"/>
-              <a:buAutoNum type="arabicPeriod"/>
-            </a:pPr>
-            <a:r>
-              <a:rPr lang="en-US" sz="4000" dirty="0" smtClean="0">
-                <a:solidFill>
-                  <a:schemeClr val="accent3"/>
-                </a:solidFill>
-                <a:latin typeface="Consolas" charset="0"/>
-                <a:ea typeface="Consolas" charset="0"/>
-                <a:cs typeface="Consolas" charset="0"/>
-              </a:rPr>
-              <a:t>Start looking for articles</a:t>
-            </a:r>
-            <a:endParaRPr lang="en-US" sz="4000" dirty="0">
+        </p:txBody>
+      </p:sp>
+      <p:sp>
+        <p:nvSpPr>
+          <p:cNvPr id="6" name="Rectangle 5"/>
+          <p:cNvSpPr/>
+          <p:nvPr/>
+        </p:nvSpPr>
+        <p:spPr>
+          <a:xfrm>
+            <a:off x="4846828" y="5173104"/>
+            <a:ext cx="5987661" cy="954107"/>
+          </a:xfrm>
+          <a:prstGeom prst="rect">
+            <a:avLst/>
+          </a:prstGeom>
+        </p:spPr>
+        <p:txBody>
+          <a:bodyPr wrap="square">
+            <a:spAutoFit/>
+          </a:bodyPr>
+          <a:lstStyle/>
+          <a:p>
+            <a:pPr algn="ctr"/>
+            <a:r>
+              <a:rPr lang="en-US" sz="2800" b="1" dirty="0" smtClean="0">
+                <a:solidFill>
+                  <a:schemeClr val="accent2"/>
+                </a:solidFill>
+                <a:latin typeface="Consolas" charset="0"/>
+                <a:ea typeface="Consolas" charset="0"/>
+                <a:cs typeface="Consolas" charset="0"/>
+              </a:rPr>
+              <a:t>Understanding what your data say about the population</a:t>
+            </a:r>
+            <a:endParaRPr lang="en-US" sz="2800" b="1" dirty="0">
               <a:solidFill>
-                <a:schemeClr val="accent3"/>
+                <a:schemeClr val="accent2"/>
               </a:solidFill>
               <a:latin typeface="Consolas" charset="0"/>
               <a:ea typeface="Consolas" charset="0"/>
@@ -4639,7 +7039,7 @@
     </p:spTree>
     <p:extLst>
       <p:ext uri="{BB962C8B-B14F-4D97-AF65-F5344CB8AC3E}">
-        <p14:creationId xmlns:p14="http://schemas.microsoft.com/office/powerpoint/2010/main" val="368682267"/>
+        <p14:creationId xmlns:p14="http://schemas.microsoft.com/office/powerpoint/2010/main" val="1747978356"/>
       </p:ext>
     </p:extLst>
   </p:cSld>

--- a/Slides/02_EDUC_6050_2018.pptx
+++ b/Slides/02_EDUC_6050_2018.pptx
@@ -5,7 +5,7 @@
     <p:sldMasterId id="2147483648" r:id="rId1"/>
   </p:sldMasterIdLst>
   <p:notesMasterIdLst>
-    <p:notesMasterId r:id="rId19"/>
+    <p:notesMasterId r:id="rId34"/>
   </p:notesMasterIdLst>
   <p:sldIdLst>
     <p:sldId id="256" r:id="rId2"/>
@@ -19,12 +19,27 @@
     <p:sldId id="296" r:id="rId10"/>
     <p:sldId id="297" r:id="rId11"/>
     <p:sldId id="300" r:id="rId12"/>
-    <p:sldId id="301" r:id="rId13"/>
-    <p:sldId id="259" r:id="rId14"/>
-    <p:sldId id="298" r:id="rId15"/>
+    <p:sldId id="302" r:id="rId13"/>
+    <p:sldId id="298" r:id="rId14"/>
+    <p:sldId id="259" r:id="rId15"/>
     <p:sldId id="299" r:id="rId16"/>
-    <p:sldId id="289" r:id="rId17"/>
-    <p:sldId id="290" r:id="rId18"/>
+    <p:sldId id="304" r:id="rId17"/>
+    <p:sldId id="303" r:id="rId18"/>
+    <p:sldId id="305" r:id="rId19"/>
+    <p:sldId id="306" r:id="rId20"/>
+    <p:sldId id="307" r:id="rId21"/>
+    <p:sldId id="308" r:id="rId22"/>
+    <p:sldId id="310" r:id="rId23"/>
+    <p:sldId id="309" r:id="rId24"/>
+    <p:sldId id="311" r:id="rId25"/>
+    <p:sldId id="312" r:id="rId26"/>
+    <p:sldId id="313" r:id="rId27"/>
+    <p:sldId id="316" r:id="rId28"/>
+    <p:sldId id="314" r:id="rId29"/>
+    <p:sldId id="318" r:id="rId30"/>
+    <p:sldId id="315" r:id="rId31"/>
+    <p:sldId id="289" r:id="rId32"/>
+    <p:sldId id="290" r:id="rId33"/>
   </p:sldIdLst>
   <p:sldSz cx="12192000" cy="6858000"/>
   <p:notesSz cx="6858000" cy="9144000"/>
@@ -213,7 +228,7 @@
           <a:p>
             <a:fld id="{E2EB8C27-4EA0-7247-87A3-872976A07B51}" type="datetimeFigureOut">
               <a:rPr lang="en-US" smtClean="0"/>
-              <a:t>1/4/18</a:t>
+              <a:t>1/5/18</a:t>
             </a:fld>
             <a:endParaRPr lang="en-US"/>
           </a:p>
@@ -565,6 +580,1576 @@
 </p:notes>
 </file>
 
+<file path=ppt/notesSlides/notesSlide10.xml><?xml version="1.0" encoding="utf-8"?>
+<p:notes xmlns:a="http://schemas.openxmlformats.org/drawingml/2006/main" xmlns:r="http://schemas.openxmlformats.org/officeDocument/2006/relationships" xmlns:p="http://schemas.openxmlformats.org/presentationml/2006/main">
+  <p:cSld>
+    <p:spTree>
+      <p:nvGrpSpPr>
+        <p:cNvPr id="1" name=""/>
+        <p:cNvGrpSpPr/>
+        <p:nvPr/>
+      </p:nvGrpSpPr>
+      <p:grpSpPr>
+        <a:xfrm>
+          <a:off x="0" y="0"/>
+          <a:ext cx="0" cy="0"/>
+          <a:chOff x="0" y="0"/>
+          <a:chExt cx="0" cy="0"/>
+        </a:xfrm>
+      </p:grpSpPr>
+      <p:sp>
+        <p:nvSpPr>
+          <p:cNvPr id="2" name="Slide Image Placeholder 1"/>
+          <p:cNvSpPr>
+            <a:spLocks noGrp="1" noRot="1" noChangeAspect="1"/>
+          </p:cNvSpPr>
+          <p:nvPr>
+            <p:ph type="sldImg"/>
+          </p:nvPr>
+        </p:nvSpPr>
+        <p:spPr/>
+      </p:sp>
+      <p:sp>
+        <p:nvSpPr>
+          <p:cNvPr id="3" name="Notes Placeholder 2"/>
+          <p:cNvSpPr>
+            <a:spLocks noGrp="1"/>
+          </p:cNvSpPr>
+          <p:nvPr>
+            <p:ph type="body" idx="1"/>
+          </p:nvPr>
+        </p:nvSpPr>
+        <p:spPr/>
+        <p:txBody>
+          <a:bodyPr/>
+          <a:lstStyle/>
+          <a:p>
+            <a:r>
+              <a:rPr lang="en-US" dirty="0" smtClean="0"/>
+              <a:t>My personal</a:t>
+            </a:r>
+            <a:r>
+              <a:rPr lang="en-US" baseline="0" dirty="0" smtClean="0"/>
+              <a:t> favorite aspect of data analysis</a:t>
+            </a:r>
+          </a:p>
+          <a:p>
+            <a:endParaRPr lang="en-US" baseline="0" dirty="0" smtClean="0"/>
+          </a:p>
+          <a:p>
+            <a:r>
+              <a:rPr lang="en-US" baseline="0" dirty="0" smtClean="0"/>
+              <a:t>Keep an eye out for graphics that are used in your field, when they are used, and how</a:t>
+            </a:r>
+            <a:endParaRPr lang="en-US" dirty="0"/>
+          </a:p>
+        </p:txBody>
+      </p:sp>
+      <p:sp>
+        <p:nvSpPr>
+          <p:cNvPr id="4" name="Slide Number Placeholder 3"/>
+          <p:cNvSpPr>
+            <a:spLocks noGrp="1"/>
+          </p:cNvSpPr>
+          <p:nvPr>
+            <p:ph type="sldNum" sz="quarter" idx="10"/>
+          </p:nvPr>
+        </p:nvSpPr>
+        <p:spPr/>
+        <p:txBody>
+          <a:bodyPr/>
+          <a:lstStyle/>
+          <a:p>
+            <a:fld id="{AECF59C2-7033-4B4D-ACA3-71A130EDE93E}" type="slidenum">
+              <a:rPr lang="en-US" smtClean="0"/>
+              <a:t>23</a:t>
+            </a:fld>
+            <a:endParaRPr lang="en-US"/>
+          </a:p>
+        </p:txBody>
+      </p:sp>
+    </p:spTree>
+    <p:extLst>
+      <p:ext uri="{BB962C8B-B14F-4D97-AF65-F5344CB8AC3E}">
+        <p14:creationId xmlns:p14="http://schemas.microsoft.com/office/powerpoint/2010/main" val="254915083"/>
+      </p:ext>
+    </p:extLst>
+  </p:cSld>
+  <p:clrMapOvr>
+    <a:masterClrMapping/>
+  </p:clrMapOvr>
+</p:notes>
+</file>
+
+<file path=ppt/notesSlides/notesSlide11.xml><?xml version="1.0" encoding="utf-8"?>
+<p:notes xmlns:a="http://schemas.openxmlformats.org/drawingml/2006/main" xmlns:r="http://schemas.openxmlformats.org/officeDocument/2006/relationships" xmlns:p="http://schemas.openxmlformats.org/presentationml/2006/main">
+  <p:cSld>
+    <p:spTree>
+      <p:nvGrpSpPr>
+        <p:cNvPr id="1" name=""/>
+        <p:cNvGrpSpPr/>
+        <p:nvPr/>
+      </p:nvGrpSpPr>
+      <p:grpSpPr>
+        <a:xfrm>
+          <a:off x="0" y="0"/>
+          <a:ext cx="0" cy="0"/>
+          <a:chOff x="0" y="0"/>
+          <a:chExt cx="0" cy="0"/>
+        </a:xfrm>
+      </p:grpSpPr>
+      <p:sp>
+        <p:nvSpPr>
+          <p:cNvPr id="2" name="Slide Image Placeholder 1"/>
+          <p:cNvSpPr>
+            <a:spLocks noGrp="1" noRot="1" noChangeAspect="1"/>
+          </p:cNvSpPr>
+          <p:nvPr>
+            <p:ph type="sldImg"/>
+          </p:nvPr>
+        </p:nvSpPr>
+        <p:spPr/>
+      </p:sp>
+      <p:sp>
+        <p:nvSpPr>
+          <p:cNvPr id="3" name="Notes Placeholder 2"/>
+          <p:cNvSpPr>
+            <a:spLocks noGrp="1"/>
+          </p:cNvSpPr>
+          <p:nvPr>
+            <p:ph type="body" idx="1"/>
+          </p:nvPr>
+        </p:nvSpPr>
+        <p:spPr/>
+        <p:txBody>
+          <a:bodyPr/>
+          <a:lstStyle/>
+          <a:p>
+            <a:endParaRPr lang="en-US" dirty="0"/>
+          </a:p>
+        </p:txBody>
+      </p:sp>
+      <p:sp>
+        <p:nvSpPr>
+          <p:cNvPr id="4" name="Slide Number Placeholder 3"/>
+          <p:cNvSpPr>
+            <a:spLocks noGrp="1"/>
+          </p:cNvSpPr>
+          <p:nvPr>
+            <p:ph type="sldNum" sz="quarter" idx="10"/>
+          </p:nvPr>
+        </p:nvSpPr>
+        <p:spPr/>
+        <p:txBody>
+          <a:bodyPr/>
+          <a:lstStyle/>
+          <a:p>
+            <a:fld id="{AECF59C2-7033-4B4D-ACA3-71A130EDE93E}" type="slidenum">
+              <a:rPr lang="en-US" smtClean="0"/>
+              <a:t>24</a:t>
+            </a:fld>
+            <a:endParaRPr lang="en-US"/>
+          </a:p>
+        </p:txBody>
+      </p:sp>
+    </p:spTree>
+    <p:extLst>
+      <p:ext uri="{BB962C8B-B14F-4D97-AF65-F5344CB8AC3E}">
+        <p14:creationId xmlns:p14="http://schemas.microsoft.com/office/powerpoint/2010/main" val="2067728042"/>
+      </p:ext>
+    </p:extLst>
+  </p:cSld>
+  <p:clrMapOvr>
+    <a:masterClrMapping/>
+  </p:clrMapOvr>
+</p:notes>
+</file>
+
+<file path=ppt/notesSlides/notesSlide12.xml><?xml version="1.0" encoding="utf-8"?>
+<p:notes xmlns:a="http://schemas.openxmlformats.org/drawingml/2006/main" xmlns:r="http://schemas.openxmlformats.org/officeDocument/2006/relationships" xmlns:p="http://schemas.openxmlformats.org/presentationml/2006/main">
+  <p:cSld>
+    <p:spTree>
+      <p:nvGrpSpPr>
+        <p:cNvPr id="1" name=""/>
+        <p:cNvGrpSpPr/>
+        <p:nvPr/>
+      </p:nvGrpSpPr>
+      <p:grpSpPr>
+        <a:xfrm>
+          <a:off x="0" y="0"/>
+          <a:ext cx="0" cy="0"/>
+          <a:chOff x="0" y="0"/>
+          <a:chExt cx="0" cy="0"/>
+        </a:xfrm>
+      </p:grpSpPr>
+      <p:sp>
+        <p:nvSpPr>
+          <p:cNvPr id="2" name="Slide Image Placeholder 1"/>
+          <p:cNvSpPr>
+            <a:spLocks noGrp="1" noRot="1" noChangeAspect="1"/>
+          </p:cNvSpPr>
+          <p:nvPr>
+            <p:ph type="sldImg"/>
+          </p:nvPr>
+        </p:nvSpPr>
+        <p:spPr/>
+      </p:sp>
+      <p:sp>
+        <p:nvSpPr>
+          <p:cNvPr id="3" name="Notes Placeholder 2"/>
+          <p:cNvSpPr>
+            <a:spLocks noGrp="1"/>
+          </p:cNvSpPr>
+          <p:nvPr>
+            <p:ph type="body" idx="1"/>
+          </p:nvPr>
+        </p:nvSpPr>
+        <p:spPr/>
+        <p:txBody>
+          <a:bodyPr/>
+          <a:lstStyle/>
+          <a:p>
+            <a:endParaRPr lang="en-US" dirty="0"/>
+          </a:p>
+        </p:txBody>
+      </p:sp>
+      <p:sp>
+        <p:nvSpPr>
+          <p:cNvPr id="4" name="Slide Number Placeholder 3"/>
+          <p:cNvSpPr>
+            <a:spLocks noGrp="1"/>
+          </p:cNvSpPr>
+          <p:nvPr>
+            <p:ph type="sldNum" sz="quarter" idx="10"/>
+          </p:nvPr>
+        </p:nvSpPr>
+        <p:spPr/>
+        <p:txBody>
+          <a:bodyPr/>
+          <a:lstStyle/>
+          <a:p>
+            <a:fld id="{AECF59C2-7033-4B4D-ACA3-71A130EDE93E}" type="slidenum">
+              <a:rPr lang="en-US" smtClean="0"/>
+              <a:t>25</a:t>
+            </a:fld>
+            <a:endParaRPr lang="en-US"/>
+          </a:p>
+        </p:txBody>
+      </p:sp>
+    </p:spTree>
+    <p:extLst>
+      <p:ext uri="{BB962C8B-B14F-4D97-AF65-F5344CB8AC3E}">
+        <p14:creationId xmlns:p14="http://schemas.microsoft.com/office/powerpoint/2010/main" val="271184127"/>
+      </p:ext>
+    </p:extLst>
+  </p:cSld>
+  <p:clrMapOvr>
+    <a:masterClrMapping/>
+  </p:clrMapOvr>
+</p:notes>
+</file>
+
+<file path=ppt/notesSlides/notesSlide13.xml><?xml version="1.0" encoding="utf-8"?>
+<p:notes xmlns:a="http://schemas.openxmlformats.org/drawingml/2006/main" xmlns:r="http://schemas.openxmlformats.org/officeDocument/2006/relationships" xmlns:p="http://schemas.openxmlformats.org/presentationml/2006/main">
+  <p:cSld>
+    <p:spTree>
+      <p:nvGrpSpPr>
+        <p:cNvPr id="1" name=""/>
+        <p:cNvGrpSpPr/>
+        <p:nvPr/>
+      </p:nvGrpSpPr>
+      <p:grpSpPr>
+        <a:xfrm>
+          <a:off x="0" y="0"/>
+          <a:ext cx="0" cy="0"/>
+          <a:chOff x="0" y="0"/>
+          <a:chExt cx="0" cy="0"/>
+        </a:xfrm>
+      </p:grpSpPr>
+      <p:sp>
+        <p:nvSpPr>
+          <p:cNvPr id="2" name="Slide Image Placeholder 1"/>
+          <p:cNvSpPr>
+            <a:spLocks noGrp="1" noRot="1" noChangeAspect="1"/>
+          </p:cNvSpPr>
+          <p:nvPr>
+            <p:ph type="sldImg"/>
+          </p:nvPr>
+        </p:nvSpPr>
+        <p:spPr/>
+      </p:sp>
+      <p:sp>
+        <p:nvSpPr>
+          <p:cNvPr id="3" name="Notes Placeholder 2"/>
+          <p:cNvSpPr>
+            <a:spLocks noGrp="1"/>
+          </p:cNvSpPr>
+          <p:nvPr>
+            <p:ph type="body" idx="1"/>
+          </p:nvPr>
+        </p:nvSpPr>
+        <p:spPr/>
+        <p:txBody>
+          <a:bodyPr/>
+          <a:lstStyle/>
+          <a:p>
+            <a:endParaRPr lang="en-US" dirty="0"/>
+          </a:p>
+        </p:txBody>
+      </p:sp>
+      <p:sp>
+        <p:nvSpPr>
+          <p:cNvPr id="4" name="Slide Number Placeholder 3"/>
+          <p:cNvSpPr>
+            <a:spLocks noGrp="1"/>
+          </p:cNvSpPr>
+          <p:nvPr>
+            <p:ph type="sldNum" sz="quarter" idx="10"/>
+          </p:nvPr>
+        </p:nvSpPr>
+        <p:spPr/>
+        <p:txBody>
+          <a:bodyPr/>
+          <a:lstStyle/>
+          <a:p>
+            <a:fld id="{AECF59C2-7033-4B4D-ACA3-71A130EDE93E}" type="slidenum">
+              <a:rPr lang="en-US" smtClean="0"/>
+              <a:t>26</a:t>
+            </a:fld>
+            <a:endParaRPr lang="en-US"/>
+          </a:p>
+        </p:txBody>
+      </p:sp>
+    </p:spTree>
+    <p:extLst>
+      <p:ext uri="{BB962C8B-B14F-4D97-AF65-F5344CB8AC3E}">
+        <p14:creationId xmlns:p14="http://schemas.microsoft.com/office/powerpoint/2010/main" val="2045982167"/>
+      </p:ext>
+    </p:extLst>
+  </p:cSld>
+  <p:clrMapOvr>
+    <a:masterClrMapping/>
+  </p:clrMapOvr>
+</p:notes>
+</file>
+
+<file path=ppt/notesSlides/notesSlide14.xml><?xml version="1.0" encoding="utf-8"?>
+<p:notes xmlns:a="http://schemas.openxmlformats.org/drawingml/2006/main" xmlns:r="http://schemas.openxmlformats.org/officeDocument/2006/relationships" xmlns:p="http://schemas.openxmlformats.org/presentationml/2006/main">
+  <p:cSld>
+    <p:spTree>
+      <p:nvGrpSpPr>
+        <p:cNvPr id="1" name=""/>
+        <p:cNvGrpSpPr/>
+        <p:nvPr/>
+      </p:nvGrpSpPr>
+      <p:grpSpPr>
+        <a:xfrm>
+          <a:off x="0" y="0"/>
+          <a:ext cx="0" cy="0"/>
+          <a:chOff x="0" y="0"/>
+          <a:chExt cx="0" cy="0"/>
+        </a:xfrm>
+      </p:grpSpPr>
+      <p:sp>
+        <p:nvSpPr>
+          <p:cNvPr id="2" name="Slide Image Placeholder 1"/>
+          <p:cNvSpPr>
+            <a:spLocks noGrp="1" noRot="1" noChangeAspect="1"/>
+          </p:cNvSpPr>
+          <p:nvPr>
+            <p:ph type="sldImg"/>
+          </p:nvPr>
+        </p:nvSpPr>
+        <p:spPr/>
+      </p:sp>
+      <p:sp>
+        <p:nvSpPr>
+          <p:cNvPr id="3" name="Notes Placeholder 2"/>
+          <p:cNvSpPr>
+            <a:spLocks noGrp="1"/>
+          </p:cNvSpPr>
+          <p:nvPr>
+            <p:ph type="body" idx="1"/>
+          </p:nvPr>
+        </p:nvSpPr>
+        <p:spPr/>
+        <p:txBody>
+          <a:bodyPr/>
+          <a:lstStyle/>
+          <a:p>
+            <a:endParaRPr lang="en-US" dirty="0"/>
+          </a:p>
+        </p:txBody>
+      </p:sp>
+      <p:sp>
+        <p:nvSpPr>
+          <p:cNvPr id="4" name="Slide Number Placeholder 3"/>
+          <p:cNvSpPr>
+            <a:spLocks noGrp="1"/>
+          </p:cNvSpPr>
+          <p:nvPr>
+            <p:ph type="sldNum" sz="quarter" idx="10"/>
+          </p:nvPr>
+        </p:nvSpPr>
+        <p:spPr/>
+        <p:txBody>
+          <a:bodyPr/>
+          <a:lstStyle/>
+          <a:p>
+            <a:fld id="{AECF59C2-7033-4B4D-ACA3-71A130EDE93E}" type="slidenum">
+              <a:rPr lang="en-US" smtClean="0"/>
+              <a:t>27</a:t>
+            </a:fld>
+            <a:endParaRPr lang="en-US"/>
+          </a:p>
+        </p:txBody>
+      </p:sp>
+    </p:spTree>
+    <p:extLst>
+      <p:ext uri="{BB962C8B-B14F-4D97-AF65-F5344CB8AC3E}">
+        <p14:creationId xmlns:p14="http://schemas.microsoft.com/office/powerpoint/2010/main" val="325708016"/>
+      </p:ext>
+    </p:extLst>
+  </p:cSld>
+  <p:clrMapOvr>
+    <a:masterClrMapping/>
+  </p:clrMapOvr>
+</p:notes>
+</file>
+
+<file path=ppt/notesSlides/notesSlide15.xml><?xml version="1.0" encoding="utf-8"?>
+<p:notes xmlns:a="http://schemas.openxmlformats.org/drawingml/2006/main" xmlns:r="http://schemas.openxmlformats.org/officeDocument/2006/relationships" xmlns:p="http://schemas.openxmlformats.org/presentationml/2006/main">
+  <p:cSld>
+    <p:spTree>
+      <p:nvGrpSpPr>
+        <p:cNvPr id="1" name=""/>
+        <p:cNvGrpSpPr/>
+        <p:nvPr/>
+      </p:nvGrpSpPr>
+      <p:grpSpPr>
+        <a:xfrm>
+          <a:off x="0" y="0"/>
+          <a:ext cx="0" cy="0"/>
+          <a:chOff x="0" y="0"/>
+          <a:chExt cx="0" cy="0"/>
+        </a:xfrm>
+      </p:grpSpPr>
+      <p:sp>
+        <p:nvSpPr>
+          <p:cNvPr id="2" name="Slide Image Placeholder 1"/>
+          <p:cNvSpPr>
+            <a:spLocks noGrp="1" noRot="1" noChangeAspect="1"/>
+          </p:cNvSpPr>
+          <p:nvPr>
+            <p:ph type="sldImg"/>
+          </p:nvPr>
+        </p:nvSpPr>
+        <p:spPr/>
+      </p:sp>
+      <p:sp>
+        <p:nvSpPr>
+          <p:cNvPr id="3" name="Notes Placeholder 2"/>
+          <p:cNvSpPr>
+            <a:spLocks noGrp="1"/>
+          </p:cNvSpPr>
+          <p:nvPr>
+            <p:ph type="body" idx="1"/>
+          </p:nvPr>
+        </p:nvSpPr>
+        <p:spPr/>
+        <p:txBody>
+          <a:bodyPr/>
+          <a:lstStyle/>
+          <a:p>
+            <a:endParaRPr lang="en-US" dirty="0"/>
+          </a:p>
+        </p:txBody>
+      </p:sp>
+      <p:sp>
+        <p:nvSpPr>
+          <p:cNvPr id="4" name="Slide Number Placeholder 3"/>
+          <p:cNvSpPr>
+            <a:spLocks noGrp="1"/>
+          </p:cNvSpPr>
+          <p:nvPr>
+            <p:ph type="sldNum" sz="quarter" idx="10"/>
+          </p:nvPr>
+        </p:nvSpPr>
+        <p:spPr/>
+        <p:txBody>
+          <a:bodyPr/>
+          <a:lstStyle/>
+          <a:p>
+            <a:fld id="{AECF59C2-7033-4B4D-ACA3-71A130EDE93E}" type="slidenum">
+              <a:rPr lang="en-US" smtClean="0"/>
+              <a:t>28</a:t>
+            </a:fld>
+            <a:endParaRPr lang="en-US"/>
+          </a:p>
+        </p:txBody>
+      </p:sp>
+    </p:spTree>
+    <p:extLst>
+      <p:ext uri="{BB962C8B-B14F-4D97-AF65-F5344CB8AC3E}">
+        <p14:creationId xmlns:p14="http://schemas.microsoft.com/office/powerpoint/2010/main" val="1777133287"/>
+      </p:ext>
+    </p:extLst>
+  </p:cSld>
+  <p:clrMapOvr>
+    <a:masterClrMapping/>
+  </p:clrMapOvr>
+</p:notes>
+</file>
+
+<file path=ppt/notesSlides/notesSlide16.xml><?xml version="1.0" encoding="utf-8"?>
+<p:notes xmlns:a="http://schemas.openxmlformats.org/drawingml/2006/main" xmlns:r="http://schemas.openxmlformats.org/officeDocument/2006/relationships" xmlns:p="http://schemas.openxmlformats.org/presentationml/2006/main">
+  <p:cSld>
+    <p:spTree>
+      <p:nvGrpSpPr>
+        <p:cNvPr id="1" name=""/>
+        <p:cNvGrpSpPr/>
+        <p:nvPr/>
+      </p:nvGrpSpPr>
+      <p:grpSpPr>
+        <a:xfrm>
+          <a:off x="0" y="0"/>
+          <a:ext cx="0" cy="0"/>
+          <a:chOff x="0" y="0"/>
+          <a:chExt cx="0" cy="0"/>
+        </a:xfrm>
+      </p:grpSpPr>
+      <p:sp>
+        <p:nvSpPr>
+          <p:cNvPr id="2" name="Slide Image Placeholder 1"/>
+          <p:cNvSpPr>
+            <a:spLocks noGrp="1" noRot="1" noChangeAspect="1"/>
+          </p:cNvSpPr>
+          <p:nvPr>
+            <p:ph type="sldImg"/>
+          </p:nvPr>
+        </p:nvSpPr>
+        <p:spPr/>
+      </p:sp>
+      <p:sp>
+        <p:nvSpPr>
+          <p:cNvPr id="3" name="Notes Placeholder 2"/>
+          <p:cNvSpPr>
+            <a:spLocks noGrp="1"/>
+          </p:cNvSpPr>
+          <p:nvPr>
+            <p:ph type="body" idx="1"/>
+          </p:nvPr>
+        </p:nvSpPr>
+        <p:spPr/>
+        <p:txBody>
+          <a:bodyPr/>
+          <a:lstStyle/>
+          <a:p>
+            <a:endParaRPr lang="en-US" dirty="0"/>
+          </a:p>
+        </p:txBody>
+      </p:sp>
+      <p:sp>
+        <p:nvSpPr>
+          <p:cNvPr id="4" name="Slide Number Placeholder 3"/>
+          <p:cNvSpPr>
+            <a:spLocks noGrp="1"/>
+          </p:cNvSpPr>
+          <p:nvPr>
+            <p:ph type="sldNum" sz="quarter" idx="10"/>
+          </p:nvPr>
+        </p:nvSpPr>
+        <p:spPr/>
+        <p:txBody>
+          <a:bodyPr/>
+          <a:lstStyle/>
+          <a:p>
+            <a:fld id="{AECF59C2-7033-4B4D-ACA3-71A130EDE93E}" type="slidenum">
+              <a:rPr lang="en-US" smtClean="0"/>
+              <a:t>29</a:t>
+            </a:fld>
+            <a:endParaRPr lang="en-US"/>
+          </a:p>
+        </p:txBody>
+      </p:sp>
+    </p:spTree>
+    <p:extLst>
+      <p:ext uri="{BB962C8B-B14F-4D97-AF65-F5344CB8AC3E}">
+        <p14:creationId xmlns:p14="http://schemas.microsoft.com/office/powerpoint/2010/main" val="1142663417"/>
+      </p:ext>
+    </p:extLst>
+  </p:cSld>
+  <p:clrMapOvr>
+    <a:masterClrMapping/>
+  </p:clrMapOvr>
+</p:notes>
+</file>
+
+<file path=ppt/notesSlides/notesSlide17.xml><?xml version="1.0" encoding="utf-8"?>
+<p:notes xmlns:a="http://schemas.openxmlformats.org/drawingml/2006/main" xmlns:r="http://schemas.openxmlformats.org/officeDocument/2006/relationships" xmlns:p="http://schemas.openxmlformats.org/presentationml/2006/main">
+  <p:cSld>
+    <p:spTree>
+      <p:nvGrpSpPr>
+        <p:cNvPr id="1" name=""/>
+        <p:cNvGrpSpPr/>
+        <p:nvPr/>
+      </p:nvGrpSpPr>
+      <p:grpSpPr>
+        <a:xfrm>
+          <a:off x="0" y="0"/>
+          <a:ext cx="0" cy="0"/>
+          <a:chOff x="0" y="0"/>
+          <a:chExt cx="0" cy="0"/>
+        </a:xfrm>
+      </p:grpSpPr>
+      <p:sp>
+        <p:nvSpPr>
+          <p:cNvPr id="2" name="Slide Image Placeholder 1"/>
+          <p:cNvSpPr>
+            <a:spLocks noGrp="1" noRot="1" noChangeAspect="1"/>
+          </p:cNvSpPr>
+          <p:nvPr>
+            <p:ph type="sldImg"/>
+          </p:nvPr>
+        </p:nvSpPr>
+        <p:spPr/>
+      </p:sp>
+      <p:sp>
+        <p:nvSpPr>
+          <p:cNvPr id="3" name="Notes Placeholder 2"/>
+          <p:cNvSpPr>
+            <a:spLocks noGrp="1"/>
+          </p:cNvSpPr>
+          <p:nvPr>
+            <p:ph type="body" idx="1"/>
+          </p:nvPr>
+        </p:nvSpPr>
+        <p:spPr/>
+        <p:txBody>
+          <a:bodyPr/>
+          <a:lstStyle/>
+          <a:p>
+            <a:endParaRPr lang="en-US" dirty="0"/>
+          </a:p>
+        </p:txBody>
+      </p:sp>
+      <p:sp>
+        <p:nvSpPr>
+          <p:cNvPr id="4" name="Slide Number Placeholder 3"/>
+          <p:cNvSpPr>
+            <a:spLocks noGrp="1"/>
+          </p:cNvSpPr>
+          <p:nvPr>
+            <p:ph type="sldNum" sz="quarter" idx="10"/>
+          </p:nvPr>
+        </p:nvSpPr>
+        <p:spPr/>
+        <p:txBody>
+          <a:bodyPr/>
+          <a:lstStyle/>
+          <a:p>
+            <a:fld id="{AECF59C2-7033-4B4D-ACA3-71A130EDE93E}" type="slidenum">
+              <a:rPr lang="en-US" smtClean="0"/>
+              <a:t>30</a:t>
+            </a:fld>
+            <a:endParaRPr lang="en-US"/>
+          </a:p>
+        </p:txBody>
+      </p:sp>
+    </p:spTree>
+    <p:extLst>
+      <p:ext uri="{BB962C8B-B14F-4D97-AF65-F5344CB8AC3E}">
+        <p14:creationId xmlns:p14="http://schemas.microsoft.com/office/powerpoint/2010/main" val="1329013454"/>
+      </p:ext>
+    </p:extLst>
+  </p:cSld>
+  <p:clrMapOvr>
+    <a:masterClrMapping/>
+  </p:clrMapOvr>
+</p:notes>
+</file>
+
+<file path=ppt/notesSlides/notesSlide2.xml><?xml version="1.0" encoding="utf-8"?>
+<p:notes xmlns:a="http://schemas.openxmlformats.org/drawingml/2006/main" xmlns:r="http://schemas.openxmlformats.org/officeDocument/2006/relationships" xmlns:p="http://schemas.openxmlformats.org/presentationml/2006/main">
+  <p:cSld>
+    <p:spTree>
+      <p:nvGrpSpPr>
+        <p:cNvPr id="1" name=""/>
+        <p:cNvGrpSpPr/>
+        <p:nvPr/>
+      </p:nvGrpSpPr>
+      <p:grpSpPr>
+        <a:xfrm>
+          <a:off x="0" y="0"/>
+          <a:ext cx="0" cy="0"/>
+          <a:chOff x="0" y="0"/>
+          <a:chExt cx="0" cy="0"/>
+        </a:xfrm>
+      </p:grpSpPr>
+      <p:sp>
+        <p:nvSpPr>
+          <p:cNvPr id="2" name="Slide Image Placeholder 1"/>
+          <p:cNvSpPr>
+            <a:spLocks noGrp="1" noRot="1" noChangeAspect="1"/>
+          </p:cNvSpPr>
+          <p:nvPr>
+            <p:ph type="sldImg"/>
+          </p:nvPr>
+        </p:nvSpPr>
+        <p:spPr/>
+      </p:sp>
+      <p:sp>
+        <p:nvSpPr>
+          <p:cNvPr id="3" name="Notes Placeholder 2"/>
+          <p:cNvSpPr>
+            <a:spLocks noGrp="1"/>
+          </p:cNvSpPr>
+          <p:nvPr>
+            <p:ph type="body" idx="1"/>
+          </p:nvPr>
+        </p:nvSpPr>
+        <p:spPr/>
+        <p:txBody>
+          <a:bodyPr/>
+          <a:lstStyle/>
+          <a:p>
+            <a:r>
+              <a:rPr lang="en-US" dirty="0" smtClean="0"/>
+              <a:t>Statistics helps us make decisions using data</a:t>
+            </a:r>
+          </a:p>
+          <a:p>
+            <a:pPr marL="171450" indent="-171450">
+              <a:buFontTx/>
+              <a:buChar char="-"/>
+            </a:pPr>
+            <a:r>
+              <a:rPr lang="en-US" dirty="0" smtClean="0"/>
+              <a:t>Decisions about policy, intervention, practice</a:t>
+            </a:r>
+          </a:p>
+          <a:p>
+            <a:pPr marL="171450" indent="-171450">
+              <a:buFontTx/>
+              <a:buChar char="-"/>
+            </a:pPr>
+            <a:r>
+              <a:rPr lang="en-US" dirty="0" smtClean="0"/>
+              <a:t>Summaries are necessary</a:t>
+            </a:r>
+            <a:r>
+              <a:rPr lang="en-US" baseline="0" dirty="0" smtClean="0"/>
+              <a:t> to understand patterns in the data</a:t>
+            </a:r>
+          </a:p>
+          <a:p>
+            <a:pPr marL="171450" indent="-171450">
+              <a:buFontTx/>
+              <a:buChar char="-"/>
+            </a:pPr>
+            <a:r>
+              <a:rPr lang="en-US" baseline="0" dirty="0" smtClean="0"/>
+              <a:t>Sometimes we want to know what our data say about the broader picture</a:t>
+            </a:r>
+            <a:endParaRPr lang="en-US" dirty="0"/>
+          </a:p>
+        </p:txBody>
+      </p:sp>
+      <p:sp>
+        <p:nvSpPr>
+          <p:cNvPr id="4" name="Slide Number Placeholder 3"/>
+          <p:cNvSpPr>
+            <a:spLocks noGrp="1"/>
+          </p:cNvSpPr>
+          <p:nvPr>
+            <p:ph type="sldNum" sz="quarter" idx="10"/>
+          </p:nvPr>
+        </p:nvSpPr>
+        <p:spPr/>
+        <p:txBody>
+          <a:bodyPr/>
+          <a:lstStyle/>
+          <a:p>
+            <a:fld id="{AECF59C2-7033-4B4D-ACA3-71A130EDE93E}" type="slidenum">
+              <a:rPr lang="en-US" smtClean="0"/>
+              <a:t>6</a:t>
+            </a:fld>
+            <a:endParaRPr lang="en-US"/>
+          </a:p>
+        </p:txBody>
+      </p:sp>
+    </p:spTree>
+    <p:extLst>
+      <p:ext uri="{BB962C8B-B14F-4D97-AF65-F5344CB8AC3E}">
+        <p14:creationId xmlns:p14="http://schemas.microsoft.com/office/powerpoint/2010/main" val="264492968"/>
+      </p:ext>
+    </p:extLst>
+  </p:cSld>
+  <p:clrMapOvr>
+    <a:masterClrMapping/>
+  </p:clrMapOvr>
+</p:notes>
+</file>
+
+<file path=ppt/notesSlides/notesSlide3.xml><?xml version="1.0" encoding="utf-8"?>
+<p:notes xmlns:a="http://schemas.openxmlformats.org/drawingml/2006/main" xmlns:r="http://schemas.openxmlformats.org/officeDocument/2006/relationships" xmlns:p="http://schemas.openxmlformats.org/presentationml/2006/main">
+  <p:cSld>
+    <p:spTree>
+      <p:nvGrpSpPr>
+        <p:cNvPr id="1" name=""/>
+        <p:cNvGrpSpPr/>
+        <p:nvPr/>
+      </p:nvGrpSpPr>
+      <p:grpSpPr>
+        <a:xfrm>
+          <a:off x="0" y="0"/>
+          <a:ext cx="0" cy="0"/>
+          <a:chOff x="0" y="0"/>
+          <a:chExt cx="0" cy="0"/>
+        </a:xfrm>
+      </p:grpSpPr>
+      <p:sp>
+        <p:nvSpPr>
+          <p:cNvPr id="2" name="Slide Image Placeholder 1"/>
+          <p:cNvSpPr>
+            <a:spLocks noGrp="1" noRot="1" noChangeAspect="1"/>
+          </p:cNvSpPr>
+          <p:nvPr>
+            <p:ph type="sldImg"/>
+          </p:nvPr>
+        </p:nvSpPr>
+        <p:spPr/>
+      </p:sp>
+      <p:sp>
+        <p:nvSpPr>
+          <p:cNvPr id="3" name="Notes Placeholder 2"/>
+          <p:cNvSpPr>
+            <a:spLocks noGrp="1"/>
+          </p:cNvSpPr>
+          <p:nvPr>
+            <p:ph type="body" idx="1"/>
+          </p:nvPr>
+        </p:nvSpPr>
+        <p:spPr/>
+        <p:txBody>
+          <a:bodyPr/>
+          <a:lstStyle/>
+          <a:p>
+            <a:r>
+              <a:rPr lang="en-US" dirty="0" smtClean="0"/>
+              <a:t>A</a:t>
+            </a:r>
+            <a:r>
+              <a:rPr lang="en-US" baseline="0" dirty="0" smtClean="0"/>
+              <a:t> statistic provides information about patterns in the data</a:t>
+            </a:r>
+            <a:endParaRPr lang="en-US" dirty="0"/>
+          </a:p>
+        </p:txBody>
+      </p:sp>
+      <p:sp>
+        <p:nvSpPr>
+          <p:cNvPr id="4" name="Slide Number Placeholder 3"/>
+          <p:cNvSpPr>
+            <a:spLocks noGrp="1"/>
+          </p:cNvSpPr>
+          <p:nvPr>
+            <p:ph type="sldNum" sz="quarter" idx="10"/>
+          </p:nvPr>
+        </p:nvSpPr>
+        <p:spPr/>
+        <p:txBody>
+          <a:bodyPr/>
+          <a:lstStyle/>
+          <a:p>
+            <a:fld id="{AECF59C2-7033-4B4D-ACA3-71A130EDE93E}" type="slidenum">
+              <a:rPr lang="en-US" smtClean="0"/>
+              <a:t>7</a:t>
+            </a:fld>
+            <a:endParaRPr lang="en-US"/>
+          </a:p>
+        </p:txBody>
+      </p:sp>
+    </p:spTree>
+    <p:extLst>
+      <p:ext uri="{BB962C8B-B14F-4D97-AF65-F5344CB8AC3E}">
+        <p14:creationId xmlns:p14="http://schemas.microsoft.com/office/powerpoint/2010/main" val="321966051"/>
+      </p:ext>
+    </p:extLst>
+  </p:cSld>
+  <p:clrMapOvr>
+    <a:masterClrMapping/>
+  </p:clrMapOvr>
+</p:notes>
+</file>
+
+<file path=ppt/notesSlides/notesSlide4.xml><?xml version="1.0" encoding="utf-8"?>
+<p:notes xmlns:a="http://schemas.openxmlformats.org/drawingml/2006/main" xmlns:r="http://schemas.openxmlformats.org/officeDocument/2006/relationships" xmlns:p="http://schemas.openxmlformats.org/presentationml/2006/main">
+  <p:cSld>
+    <p:spTree>
+      <p:nvGrpSpPr>
+        <p:cNvPr id="1" name=""/>
+        <p:cNvGrpSpPr/>
+        <p:nvPr/>
+      </p:nvGrpSpPr>
+      <p:grpSpPr>
+        <a:xfrm>
+          <a:off x="0" y="0"/>
+          <a:ext cx="0" cy="0"/>
+          <a:chOff x="0" y="0"/>
+          <a:chExt cx="0" cy="0"/>
+        </a:xfrm>
+      </p:grpSpPr>
+      <p:sp>
+        <p:nvSpPr>
+          <p:cNvPr id="2" name="Slide Image Placeholder 1"/>
+          <p:cNvSpPr>
+            <a:spLocks noGrp="1" noRot="1" noChangeAspect="1"/>
+          </p:cNvSpPr>
+          <p:nvPr>
+            <p:ph type="sldImg"/>
+          </p:nvPr>
+        </p:nvSpPr>
+        <p:spPr/>
+      </p:sp>
+      <p:sp>
+        <p:nvSpPr>
+          <p:cNvPr id="3" name="Notes Placeholder 2"/>
+          <p:cNvSpPr>
+            <a:spLocks noGrp="1"/>
+          </p:cNvSpPr>
+          <p:nvPr>
+            <p:ph type="body" idx="1"/>
+          </p:nvPr>
+        </p:nvSpPr>
+        <p:spPr/>
+        <p:txBody>
+          <a:bodyPr/>
+          <a:lstStyle/>
+          <a:p>
+            <a:r>
+              <a:rPr lang="en-US" dirty="0" smtClean="0"/>
+              <a:t>Population is any group (all individuals/things included) that share a set of characteristics (pg.</a:t>
+            </a:r>
+            <a:r>
+              <a:rPr lang="en-US" baseline="0" dirty="0" smtClean="0"/>
+              <a:t> 7)</a:t>
+            </a:r>
+          </a:p>
+          <a:p>
+            <a:pPr marL="171450" indent="-171450">
+              <a:buFontTx/>
+              <a:buChar char="-"/>
+            </a:pPr>
+            <a:r>
+              <a:rPr lang="en-US" baseline="0" dirty="0" smtClean="0"/>
+              <a:t>Things about the population are often unknown (e.g., how many people have depression?)</a:t>
+            </a:r>
+          </a:p>
+          <a:p>
+            <a:pPr marL="171450" indent="-171450">
+              <a:buFontTx/>
+              <a:buChar char="-"/>
+            </a:pPr>
+            <a:r>
+              <a:rPr lang="en-US" baseline="0" dirty="0" smtClean="0"/>
+              <a:t>Usually not possible to collect data on the entire population</a:t>
+            </a:r>
+            <a:endParaRPr lang="en-US" dirty="0" smtClean="0"/>
+          </a:p>
+          <a:p>
+            <a:endParaRPr lang="en-US" dirty="0" smtClean="0"/>
+          </a:p>
+          <a:p>
+            <a:r>
+              <a:rPr lang="en-US" dirty="0" smtClean="0"/>
+              <a:t>Sample is a subset of the population</a:t>
+            </a:r>
+          </a:p>
+          <a:p>
+            <a:pPr marL="171450" indent="-171450">
+              <a:buFontTx/>
+              <a:buChar char="-"/>
+            </a:pPr>
+            <a:r>
+              <a:rPr lang="en-US" dirty="0" smtClean="0"/>
+              <a:t>The purpose of any</a:t>
+            </a:r>
+            <a:r>
+              <a:rPr lang="en-US" baseline="0" dirty="0" smtClean="0"/>
+              <a:t> sample is to represent the population from which it came (pg. 5)</a:t>
+            </a:r>
+          </a:p>
+          <a:p>
+            <a:pPr marL="171450" indent="-171450">
+              <a:buFontTx/>
+              <a:buChar char="-"/>
+            </a:pPr>
+            <a:endParaRPr lang="en-US" baseline="0" dirty="0" smtClean="0"/>
+          </a:p>
+          <a:p>
+            <a:pPr marL="0" indent="0">
+              <a:buFontTx/>
+              <a:buNone/>
+            </a:pPr>
+            <a:r>
+              <a:rPr lang="en-US" baseline="0" dirty="0" smtClean="0"/>
+              <a:t>Examples of Both</a:t>
+            </a:r>
+          </a:p>
+          <a:p>
+            <a:endParaRPr lang="en-US" dirty="0"/>
+          </a:p>
+        </p:txBody>
+      </p:sp>
+      <p:sp>
+        <p:nvSpPr>
+          <p:cNvPr id="4" name="Slide Number Placeholder 3"/>
+          <p:cNvSpPr>
+            <a:spLocks noGrp="1"/>
+          </p:cNvSpPr>
+          <p:nvPr>
+            <p:ph type="sldNum" sz="quarter" idx="10"/>
+          </p:nvPr>
+        </p:nvSpPr>
+        <p:spPr/>
+        <p:txBody>
+          <a:bodyPr/>
+          <a:lstStyle/>
+          <a:p>
+            <a:fld id="{AECF59C2-7033-4B4D-ACA3-71A130EDE93E}" type="slidenum">
+              <a:rPr lang="en-US" smtClean="0"/>
+              <a:t>8</a:t>
+            </a:fld>
+            <a:endParaRPr lang="en-US"/>
+          </a:p>
+        </p:txBody>
+      </p:sp>
+    </p:spTree>
+    <p:extLst>
+      <p:ext uri="{BB962C8B-B14F-4D97-AF65-F5344CB8AC3E}">
+        <p14:creationId xmlns:p14="http://schemas.microsoft.com/office/powerpoint/2010/main" val="991475595"/>
+      </p:ext>
+    </p:extLst>
+  </p:cSld>
+  <p:clrMapOvr>
+    <a:masterClrMapping/>
+  </p:clrMapOvr>
+</p:notes>
+</file>
+
+<file path=ppt/notesSlides/notesSlide5.xml><?xml version="1.0" encoding="utf-8"?>
+<p:notes xmlns:a="http://schemas.openxmlformats.org/drawingml/2006/main" xmlns:r="http://schemas.openxmlformats.org/officeDocument/2006/relationships" xmlns:p="http://schemas.openxmlformats.org/presentationml/2006/main">
+  <p:cSld>
+    <p:spTree>
+      <p:nvGrpSpPr>
+        <p:cNvPr id="1" name=""/>
+        <p:cNvGrpSpPr/>
+        <p:nvPr/>
+      </p:nvGrpSpPr>
+      <p:grpSpPr>
+        <a:xfrm>
+          <a:off x="0" y="0"/>
+          <a:ext cx="0" cy="0"/>
+          <a:chOff x="0" y="0"/>
+          <a:chExt cx="0" cy="0"/>
+        </a:xfrm>
+      </p:grpSpPr>
+      <p:sp>
+        <p:nvSpPr>
+          <p:cNvPr id="2" name="Slide Image Placeholder 1"/>
+          <p:cNvSpPr>
+            <a:spLocks noGrp="1" noRot="1" noChangeAspect="1"/>
+          </p:cNvSpPr>
+          <p:nvPr>
+            <p:ph type="sldImg"/>
+          </p:nvPr>
+        </p:nvSpPr>
+        <p:spPr/>
+      </p:sp>
+      <p:sp>
+        <p:nvSpPr>
+          <p:cNvPr id="3" name="Notes Placeholder 2"/>
+          <p:cNvSpPr>
+            <a:spLocks noGrp="1"/>
+          </p:cNvSpPr>
+          <p:nvPr>
+            <p:ph type="body" idx="1"/>
+          </p:nvPr>
+        </p:nvSpPr>
+        <p:spPr/>
+        <p:txBody>
+          <a:bodyPr/>
+          <a:lstStyle/>
+          <a:p>
+            <a:r>
+              <a:rPr lang="en-US" dirty="0" smtClean="0"/>
+              <a:t>Descriptive</a:t>
+            </a:r>
+            <a:r>
+              <a:rPr lang="en-US" baseline="0" dirty="0" smtClean="0"/>
+              <a:t> statistics</a:t>
+            </a:r>
+            <a:r>
+              <a:rPr lang="en-US" dirty="0" smtClean="0"/>
+              <a:t> describe your data</a:t>
+            </a:r>
+          </a:p>
+          <a:p>
+            <a:r>
+              <a:rPr lang="en-US" dirty="0" smtClean="0"/>
+              <a:t>Inferential statistics allow you to infer about the population</a:t>
+            </a:r>
+          </a:p>
+          <a:p>
+            <a:endParaRPr lang="en-US" dirty="0" smtClean="0"/>
+          </a:p>
+          <a:p>
+            <a:r>
+              <a:rPr lang="en-US" dirty="0" smtClean="0"/>
+              <a:t>These will make more sense as we discuss more vocabulary</a:t>
+            </a:r>
+            <a:r>
+              <a:rPr lang="en-US" baseline="0" dirty="0" smtClean="0"/>
+              <a:t> and think about examples</a:t>
+            </a:r>
+            <a:endParaRPr lang="en-US" dirty="0"/>
+          </a:p>
+        </p:txBody>
+      </p:sp>
+      <p:sp>
+        <p:nvSpPr>
+          <p:cNvPr id="4" name="Slide Number Placeholder 3"/>
+          <p:cNvSpPr>
+            <a:spLocks noGrp="1"/>
+          </p:cNvSpPr>
+          <p:nvPr>
+            <p:ph type="sldNum" sz="quarter" idx="10"/>
+          </p:nvPr>
+        </p:nvSpPr>
+        <p:spPr/>
+        <p:txBody>
+          <a:bodyPr/>
+          <a:lstStyle/>
+          <a:p>
+            <a:fld id="{AECF59C2-7033-4B4D-ACA3-71A130EDE93E}" type="slidenum">
+              <a:rPr lang="en-US" smtClean="0"/>
+              <a:t>9</a:t>
+            </a:fld>
+            <a:endParaRPr lang="en-US"/>
+          </a:p>
+        </p:txBody>
+      </p:sp>
+    </p:spTree>
+    <p:extLst>
+      <p:ext uri="{BB962C8B-B14F-4D97-AF65-F5344CB8AC3E}">
+        <p14:creationId xmlns:p14="http://schemas.microsoft.com/office/powerpoint/2010/main" val="639563207"/>
+      </p:ext>
+    </p:extLst>
+  </p:cSld>
+  <p:clrMapOvr>
+    <a:masterClrMapping/>
+  </p:clrMapOvr>
+</p:notes>
+</file>
+
+<file path=ppt/notesSlides/notesSlide6.xml><?xml version="1.0" encoding="utf-8"?>
+<p:notes xmlns:a="http://schemas.openxmlformats.org/drawingml/2006/main" xmlns:r="http://schemas.openxmlformats.org/officeDocument/2006/relationships" xmlns:p="http://schemas.openxmlformats.org/presentationml/2006/main">
+  <p:cSld>
+    <p:spTree>
+      <p:nvGrpSpPr>
+        <p:cNvPr id="1" name=""/>
+        <p:cNvGrpSpPr/>
+        <p:nvPr/>
+      </p:nvGrpSpPr>
+      <p:grpSpPr>
+        <a:xfrm>
+          <a:off x="0" y="0"/>
+          <a:ext cx="0" cy="0"/>
+          <a:chOff x="0" y="0"/>
+          <a:chExt cx="0" cy="0"/>
+        </a:xfrm>
+      </p:grpSpPr>
+      <p:sp>
+        <p:nvSpPr>
+          <p:cNvPr id="2" name="Slide Image Placeholder 1"/>
+          <p:cNvSpPr>
+            <a:spLocks noGrp="1" noRot="1" noChangeAspect="1"/>
+          </p:cNvSpPr>
+          <p:nvPr>
+            <p:ph type="sldImg"/>
+          </p:nvPr>
+        </p:nvSpPr>
+        <p:spPr/>
+      </p:sp>
+      <p:sp>
+        <p:nvSpPr>
+          <p:cNvPr id="3" name="Notes Placeholder 2"/>
+          <p:cNvSpPr>
+            <a:spLocks noGrp="1"/>
+          </p:cNvSpPr>
+          <p:nvPr>
+            <p:ph type="body" idx="1"/>
+          </p:nvPr>
+        </p:nvSpPr>
+        <p:spPr/>
+        <p:txBody>
+          <a:bodyPr/>
+          <a:lstStyle/>
+          <a:p>
+            <a:r>
+              <a:rPr lang="en-US" dirty="0" smtClean="0"/>
+              <a:t>Both NHST</a:t>
+            </a:r>
+            <a:r>
+              <a:rPr lang="en-US" baseline="0" dirty="0" smtClean="0"/>
+              <a:t> (null hypothesis significance testing) and effect sizes work together to tell a more complete story</a:t>
+            </a:r>
+            <a:endParaRPr lang="en-US" dirty="0"/>
+          </a:p>
+        </p:txBody>
+      </p:sp>
+      <p:sp>
+        <p:nvSpPr>
+          <p:cNvPr id="4" name="Slide Number Placeholder 3"/>
+          <p:cNvSpPr>
+            <a:spLocks noGrp="1"/>
+          </p:cNvSpPr>
+          <p:nvPr>
+            <p:ph type="sldNum" sz="quarter" idx="10"/>
+          </p:nvPr>
+        </p:nvSpPr>
+        <p:spPr/>
+        <p:txBody>
+          <a:bodyPr/>
+          <a:lstStyle/>
+          <a:p>
+            <a:fld id="{AECF59C2-7033-4B4D-ACA3-71A130EDE93E}" type="slidenum">
+              <a:rPr lang="en-US" smtClean="0"/>
+              <a:t>12</a:t>
+            </a:fld>
+            <a:endParaRPr lang="en-US"/>
+          </a:p>
+        </p:txBody>
+      </p:sp>
+    </p:spTree>
+    <p:extLst>
+      <p:ext uri="{BB962C8B-B14F-4D97-AF65-F5344CB8AC3E}">
+        <p14:creationId xmlns:p14="http://schemas.microsoft.com/office/powerpoint/2010/main" val="444014421"/>
+      </p:ext>
+    </p:extLst>
+  </p:cSld>
+  <p:clrMapOvr>
+    <a:masterClrMapping/>
+  </p:clrMapOvr>
+</p:notes>
+</file>
+
+<file path=ppt/notesSlides/notesSlide7.xml><?xml version="1.0" encoding="utf-8"?>
+<p:notes xmlns:a="http://schemas.openxmlformats.org/drawingml/2006/main" xmlns:r="http://schemas.openxmlformats.org/officeDocument/2006/relationships" xmlns:p="http://schemas.openxmlformats.org/presentationml/2006/main">
+  <p:cSld>
+    <p:spTree>
+      <p:nvGrpSpPr>
+        <p:cNvPr id="1" name=""/>
+        <p:cNvGrpSpPr/>
+        <p:nvPr/>
+      </p:nvGrpSpPr>
+      <p:grpSpPr>
+        <a:xfrm>
+          <a:off x="0" y="0"/>
+          <a:ext cx="0" cy="0"/>
+          <a:chOff x="0" y="0"/>
+          <a:chExt cx="0" cy="0"/>
+        </a:xfrm>
+      </p:grpSpPr>
+      <p:sp>
+        <p:nvSpPr>
+          <p:cNvPr id="2" name="Slide Image Placeholder 1"/>
+          <p:cNvSpPr>
+            <a:spLocks noGrp="1" noRot="1" noChangeAspect="1"/>
+          </p:cNvSpPr>
+          <p:nvPr>
+            <p:ph type="sldImg"/>
+          </p:nvPr>
+        </p:nvSpPr>
+        <p:spPr/>
+      </p:sp>
+      <p:sp>
+        <p:nvSpPr>
+          <p:cNvPr id="3" name="Notes Placeholder 2"/>
+          <p:cNvSpPr>
+            <a:spLocks noGrp="1"/>
+          </p:cNvSpPr>
+          <p:nvPr>
+            <p:ph type="body" idx="1"/>
+          </p:nvPr>
+        </p:nvSpPr>
+        <p:spPr/>
+        <p:txBody>
+          <a:bodyPr/>
+          <a:lstStyle/>
+          <a:p>
+            <a:r>
+              <a:rPr lang="en-US" dirty="0" smtClean="0"/>
+              <a:t>Complete thesis = graduation </a:t>
+            </a:r>
+            <a:r>
+              <a:rPr lang="en-US" dirty="0" smtClean="0">
+                <a:sym typeface="Wingdings"/>
+              </a:rPr>
+              <a:t>:)</a:t>
+            </a:r>
+            <a:endParaRPr lang="en-US" dirty="0"/>
+          </a:p>
+        </p:txBody>
+      </p:sp>
+      <p:sp>
+        <p:nvSpPr>
+          <p:cNvPr id="4" name="Slide Number Placeholder 3"/>
+          <p:cNvSpPr>
+            <a:spLocks noGrp="1"/>
+          </p:cNvSpPr>
+          <p:nvPr>
+            <p:ph type="sldNum" sz="quarter" idx="10"/>
+          </p:nvPr>
+        </p:nvSpPr>
+        <p:spPr/>
+        <p:txBody>
+          <a:bodyPr/>
+          <a:lstStyle/>
+          <a:p>
+            <a:fld id="{AECF59C2-7033-4B4D-ACA3-71A130EDE93E}" type="slidenum">
+              <a:rPr lang="en-US" smtClean="0"/>
+              <a:t>14</a:t>
+            </a:fld>
+            <a:endParaRPr lang="en-US"/>
+          </a:p>
+        </p:txBody>
+      </p:sp>
+    </p:spTree>
+    <p:extLst>
+      <p:ext uri="{BB962C8B-B14F-4D97-AF65-F5344CB8AC3E}">
+        <p14:creationId xmlns:p14="http://schemas.microsoft.com/office/powerpoint/2010/main" val="992833951"/>
+      </p:ext>
+    </p:extLst>
+  </p:cSld>
+  <p:clrMapOvr>
+    <a:masterClrMapping/>
+  </p:clrMapOvr>
+</p:notes>
+</file>
+
+<file path=ppt/notesSlides/notesSlide8.xml><?xml version="1.0" encoding="utf-8"?>
+<p:notes xmlns:a="http://schemas.openxmlformats.org/drawingml/2006/main" xmlns:r="http://schemas.openxmlformats.org/officeDocument/2006/relationships" xmlns:p="http://schemas.openxmlformats.org/presentationml/2006/main">
+  <p:cSld>
+    <p:spTree>
+      <p:nvGrpSpPr>
+        <p:cNvPr id="1" name=""/>
+        <p:cNvGrpSpPr/>
+        <p:nvPr/>
+      </p:nvGrpSpPr>
+      <p:grpSpPr>
+        <a:xfrm>
+          <a:off x="0" y="0"/>
+          <a:ext cx="0" cy="0"/>
+          <a:chOff x="0" y="0"/>
+          <a:chExt cx="0" cy="0"/>
+        </a:xfrm>
+      </p:grpSpPr>
+      <p:sp>
+        <p:nvSpPr>
+          <p:cNvPr id="2" name="Slide Image Placeholder 1"/>
+          <p:cNvSpPr>
+            <a:spLocks noGrp="1" noRot="1" noChangeAspect="1"/>
+          </p:cNvSpPr>
+          <p:nvPr>
+            <p:ph type="sldImg"/>
+          </p:nvPr>
+        </p:nvSpPr>
+        <p:spPr/>
+      </p:sp>
+      <p:sp>
+        <p:nvSpPr>
+          <p:cNvPr id="3" name="Notes Placeholder 2"/>
+          <p:cNvSpPr>
+            <a:spLocks noGrp="1"/>
+          </p:cNvSpPr>
+          <p:nvPr>
+            <p:ph type="body" idx="1"/>
+          </p:nvPr>
+        </p:nvSpPr>
+        <p:spPr/>
+        <p:txBody>
+          <a:bodyPr/>
+          <a:lstStyle/>
+          <a:p>
+            <a:r>
+              <a:rPr lang="en-US" dirty="0" smtClean="0"/>
+              <a:t>Reliable means it is precise (it is consistently good at measuring what you are measuring)</a:t>
+            </a:r>
+          </a:p>
+          <a:p>
+            <a:r>
+              <a:rPr lang="en-US" dirty="0" smtClean="0"/>
+              <a:t>Valid</a:t>
+            </a:r>
+            <a:r>
+              <a:rPr lang="en-US" baseline="0" dirty="0" smtClean="0"/>
+              <a:t> means it measures what we think it is measuring (pounds are measuring weight)</a:t>
+            </a:r>
+          </a:p>
+          <a:p>
+            <a:r>
+              <a:rPr lang="en-US" baseline="0" dirty="0" smtClean="0"/>
+              <a:t>Meaningful means it is in units that are meaningful to others</a:t>
+            </a:r>
+          </a:p>
+          <a:p>
+            <a:r>
+              <a:rPr lang="en-US" baseline="0" dirty="0" smtClean="0"/>
+              <a:t>A high degree of information means that the measure captures the important facets of the thing you are measuring </a:t>
+            </a:r>
+          </a:p>
+          <a:p>
+            <a:pPr marL="171450" indent="-171450">
+              <a:buFontTx/>
+              <a:buChar char="-"/>
+            </a:pPr>
+            <a:r>
+              <a:rPr lang="en-US" baseline="0" dirty="0" smtClean="0"/>
+              <a:t>measuring age based on “old” or “young” doesn’t have as much information as measuring the actual age in years</a:t>
+            </a:r>
+          </a:p>
+        </p:txBody>
+      </p:sp>
+      <p:sp>
+        <p:nvSpPr>
+          <p:cNvPr id="4" name="Slide Number Placeholder 3"/>
+          <p:cNvSpPr>
+            <a:spLocks noGrp="1"/>
+          </p:cNvSpPr>
+          <p:nvPr>
+            <p:ph type="sldNum" sz="quarter" idx="10"/>
+          </p:nvPr>
+        </p:nvSpPr>
+        <p:spPr/>
+        <p:txBody>
+          <a:bodyPr/>
+          <a:lstStyle/>
+          <a:p>
+            <a:fld id="{AECF59C2-7033-4B4D-ACA3-71A130EDE93E}" type="slidenum">
+              <a:rPr lang="en-US" smtClean="0"/>
+              <a:t>15</a:t>
+            </a:fld>
+            <a:endParaRPr lang="en-US"/>
+          </a:p>
+        </p:txBody>
+      </p:sp>
+    </p:spTree>
+    <p:extLst>
+      <p:ext uri="{BB962C8B-B14F-4D97-AF65-F5344CB8AC3E}">
+        <p14:creationId xmlns:p14="http://schemas.microsoft.com/office/powerpoint/2010/main" val="1911297108"/>
+      </p:ext>
+    </p:extLst>
+  </p:cSld>
+  <p:clrMapOvr>
+    <a:masterClrMapping/>
+  </p:clrMapOvr>
+</p:notes>
+</file>
+
+<file path=ppt/notesSlides/notesSlide9.xml><?xml version="1.0" encoding="utf-8"?>
+<p:notes xmlns:a="http://schemas.openxmlformats.org/drawingml/2006/main" xmlns:r="http://schemas.openxmlformats.org/officeDocument/2006/relationships" xmlns:p="http://schemas.openxmlformats.org/presentationml/2006/main">
+  <p:cSld>
+    <p:spTree>
+      <p:nvGrpSpPr>
+        <p:cNvPr id="1" name=""/>
+        <p:cNvGrpSpPr/>
+        <p:nvPr/>
+      </p:nvGrpSpPr>
+      <p:grpSpPr>
+        <a:xfrm>
+          <a:off x="0" y="0"/>
+          <a:ext cx="0" cy="0"/>
+          <a:chOff x="0" y="0"/>
+          <a:chExt cx="0" cy="0"/>
+        </a:xfrm>
+      </p:grpSpPr>
+      <p:sp>
+        <p:nvSpPr>
+          <p:cNvPr id="2" name="Slide Image Placeholder 1"/>
+          <p:cNvSpPr>
+            <a:spLocks noGrp="1" noRot="1" noChangeAspect="1"/>
+          </p:cNvSpPr>
+          <p:nvPr>
+            <p:ph type="sldImg"/>
+          </p:nvPr>
+        </p:nvSpPr>
+        <p:spPr/>
+      </p:sp>
+      <p:sp>
+        <p:nvSpPr>
+          <p:cNvPr id="3" name="Notes Placeholder 2"/>
+          <p:cNvSpPr>
+            <a:spLocks noGrp="1"/>
+          </p:cNvSpPr>
+          <p:nvPr>
+            <p:ph type="body" idx="1"/>
+          </p:nvPr>
+        </p:nvSpPr>
+        <p:spPr/>
+        <p:txBody>
+          <a:bodyPr/>
+          <a:lstStyle/>
+          <a:p>
+            <a:r>
+              <a:rPr lang="en-US" dirty="0" smtClean="0"/>
+              <a:t>Another way of categorizing variables is by discrete</a:t>
+            </a:r>
+            <a:r>
+              <a:rPr lang="en-US" baseline="0" dirty="0" smtClean="0"/>
+              <a:t> vs. continuous</a:t>
+            </a:r>
+            <a:endParaRPr lang="en-US" dirty="0"/>
+          </a:p>
+        </p:txBody>
+      </p:sp>
+      <p:sp>
+        <p:nvSpPr>
+          <p:cNvPr id="4" name="Slide Number Placeholder 3"/>
+          <p:cNvSpPr>
+            <a:spLocks noGrp="1"/>
+          </p:cNvSpPr>
+          <p:nvPr>
+            <p:ph type="sldNum" sz="quarter" idx="10"/>
+          </p:nvPr>
+        </p:nvSpPr>
+        <p:spPr/>
+        <p:txBody>
+          <a:bodyPr/>
+          <a:lstStyle/>
+          <a:p>
+            <a:fld id="{AECF59C2-7033-4B4D-ACA3-71A130EDE93E}" type="slidenum">
+              <a:rPr lang="en-US" smtClean="0"/>
+              <a:t>21</a:t>
+            </a:fld>
+            <a:endParaRPr lang="en-US"/>
+          </a:p>
+        </p:txBody>
+      </p:sp>
+    </p:spTree>
+    <p:extLst>
+      <p:ext uri="{BB962C8B-B14F-4D97-AF65-F5344CB8AC3E}">
+        <p14:creationId xmlns:p14="http://schemas.microsoft.com/office/powerpoint/2010/main" val="1952419408"/>
+      </p:ext>
+    </p:extLst>
+  </p:cSld>
+  <p:clrMapOvr>
+    <a:masterClrMapping/>
+  </p:clrMapOvr>
+</p:notes>
+</file>
+
 <file path=ppt/slideLayouts/slideLayout1.xml><?xml version="1.0" encoding="utf-8"?>
 <p:sldLayout xmlns:a="http://schemas.openxmlformats.org/drawingml/2006/main" xmlns:r="http://schemas.openxmlformats.org/officeDocument/2006/relationships" xmlns:p="http://schemas.openxmlformats.org/presentationml/2006/main" type="title" preserve="1">
   <p:cSld name="Title Slide">
@@ -696,7 +2281,7 @@
           <a:p>
             <a:fld id="{6B54304B-BE7E-0B46-811C-93731445F83C}" type="datetimeFigureOut">
               <a:rPr lang="en-US" smtClean="0"/>
-              <a:t>1/4/18</a:t>
+              <a:t>1/5/18</a:t>
             </a:fld>
             <a:endParaRPr lang="en-US"/>
           </a:p>
@@ -866,7 +2451,7 @@
           <a:p>
             <a:fld id="{6B54304B-BE7E-0B46-811C-93731445F83C}" type="datetimeFigureOut">
               <a:rPr lang="en-US" smtClean="0"/>
-              <a:t>1/4/18</a:t>
+              <a:t>1/5/18</a:t>
             </a:fld>
             <a:endParaRPr lang="en-US"/>
           </a:p>
@@ -1046,7 +2631,7 @@
           <a:p>
             <a:fld id="{6B54304B-BE7E-0B46-811C-93731445F83C}" type="datetimeFigureOut">
               <a:rPr lang="en-US" smtClean="0"/>
-              <a:t>1/4/18</a:t>
+              <a:t>1/5/18</a:t>
             </a:fld>
             <a:endParaRPr lang="en-US"/>
           </a:p>
@@ -1216,7 +2801,7 @@
           <a:p>
             <a:fld id="{6B54304B-BE7E-0B46-811C-93731445F83C}" type="datetimeFigureOut">
               <a:rPr lang="en-US" smtClean="0"/>
-              <a:t>1/4/18</a:t>
+              <a:t>1/5/18</a:t>
             </a:fld>
             <a:endParaRPr lang="en-US"/>
           </a:p>
@@ -1462,7 +3047,7 @@
           <a:p>
             <a:fld id="{6B54304B-BE7E-0B46-811C-93731445F83C}" type="datetimeFigureOut">
               <a:rPr lang="en-US" smtClean="0"/>
-              <a:t>1/4/18</a:t>
+              <a:t>1/5/18</a:t>
             </a:fld>
             <a:endParaRPr lang="en-US"/>
           </a:p>
@@ -1694,7 +3279,7 @@
           <a:p>
             <a:fld id="{6B54304B-BE7E-0B46-811C-93731445F83C}" type="datetimeFigureOut">
               <a:rPr lang="en-US" smtClean="0"/>
-              <a:t>1/4/18</a:t>
+              <a:t>1/5/18</a:t>
             </a:fld>
             <a:endParaRPr lang="en-US"/>
           </a:p>
@@ -2061,7 +3646,7 @@
           <a:p>
             <a:fld id="{6B54304B-BE7E-0B46-811C-93731445F83C}" type="datetimeFigureOut">
               <a:rPr lang="en-US" smtClean="0"/>
-              <a:t>1/4/18</a:t>
+              <a:t>1/5/18</a:t>
             </a:fld>
             <a:endParaRPr lang="en-US"/>
           </a:p>
@@ -2179,7 +3764,7 @@
           <a:p>
             <a:fld id="{6B54304B-BE7E-0B46-811C-93731445F83C}" type="datetimeFigureOut">
               <a:rPr lang="en-US" smtClean="0"/>
-              <a:t>1/4/18</a:t>
+              <a:t>1/5/18</a:t>
             </a:fld>
             <a:endParaRPr lang="en-US"/>
           </a:p>
@@ -2274,7 +3859,7 @@
           <a:p>
             <a:fld id="{6B54304B-BE7E-0B46-811C-93731445F83C}" type="datetimeFigureOut">
               <a:rPr lang="en-US" smtClean="0"/>
-              <a:t>1/4/18</a:t>
+              <a:t>1/5/18</a:t>
             </a:fld>
             <a:endParaRPr lang="en-US"/>
           </a:p>
@@ -2551,7 +4136,7 @@
           <a:p>
             <a:fld id="{6B54304B-BE7E-0B46-811C-93731445F83C}" type="datetimeFigureOut">
               <a:rPr lang="en-US" smtClean="0"/>
-              <a:t>1/4/18</a:t>
+              <a:t>1/5/18</a:t>
             </a:fld>
             <a:endParaRPr lang="en-US"/>
           </a:p>
@@ -2804,7 +4389,7 @@
           <a:p>
             <a:fld id="{6B54304B-BE7E-0B46-811C-93731445F83C}" type="datetimeFigureOut">
               <a:rPr lang="en-US" smtClean="0"/>
-              <a:t>1/4/18</a:t>
+              <a:t>1/5/18</a:t>
             </a:fld>
             <a:endParaRPr lang="en-US"/>
           </a:p>
@@ -3017,7 +4602,7 @@
           <a:p>
             <a:fld id="{6B54304B-BE7E-0B46-811C-93731445F83C}" type="datetimeFigureOut">
               <a:rPr lang="en-US" smtClean="0"/>
-              <a:t>1/4/18</a:t>
+              <a:t>1/5/18</a:t>
             </a:fld>
             <a:endParaRPr lang="en-US"/>
           </a:p>
@@ -4034,33 +5619,14 @@
             <a:r>
               <a:rPr lang="en-US" sz="4400" b="1" dirty="0" smtClean="0">
                 <a:solidFill>
-                  <a:schemeClr val="accent3"/>
-                </a:solidFill>
-                <a:latin typeface="Consolas" charset="0"/>
-                <a:ea typeface="Consolas" charset="0"/>
-                <a:cs typeface="Consolas" charset="0"/>
-              </a:rPr>
-              <a:t>Hypothesis Testing </a:t>
-            </a:r>
-            <a:r>
-              <a:rPr lang="en-US" sz="4400" b="1" smtClean="0">
-                <a:solidFill>
-                  <a:schemeClr val="accent3"/>
-                </a:solidFill>
-                <a:latin typeface="Consolas" charset="0"/>
-                <a:ea typeface="Consolas" charset="0"/>
-                <a:cs typeface="Consolas" charset="0"/>
-              </a:rPr>
-              <a:t>(Inferential Statistics)</a:t>
-            </a:r>
-            <a:endParaRPr lang="en-US" sz="4400" b="1" dirty="0" smtClean="0">
-              <a:solidFill>
-                <a:schemeClr val="accent3"/>
-              </a:solidFill>
-              <a:latin typeface="Consolas" charset="0"/>
-              <a:ea typeface="Consolas" charset="0"/>
-              <a:cs typeface="Consolas" charset="0"/>
-            </a:endParaRPr>
+                  <a:schemeClr val="accent2"/>
+                </a:solidFill>
+                <a:latin typeface="Consolas" charset="0"/>
+                <a:ea typeface="Consolas" charset="0"/>
+                <a:cs typeface="Consolas" charset="0"/>
+              </a:rPr>
+              <a:t>Hypothesis Testing (Inferential Statistics)</a:t>
+            </a:r>
           </a:p>
         </p:txBody>
       </p:sp>
@@ -4072,7 +5638,7 @@
         </p:nvSpPr>
         <p:spPr>
           <a:xfrm>
-            <a:off x="838200" y="3437690"/>
+            <a:off x="838200" y="3297538"/>
             <a:ext cx="8109857" cy="523220"/>
           </a:xfrm>
           <a:prstGeom prst="rect">
@@ -4086,6 +5652,17 @@
           <a:lstStyle/>
           <a:p>
             <a:r>
+              <a:rPr lang="en-US" sz="2800" b="1" smtClean="0">
+                <a:solidFill>
+                  <a:schemeClr val="accent6"/>
+                </a:solidFill>
+                <a:latin typeface="Consolas" charset="0"/>
+                <a:ea typeface="Consolas" charset="0"/>
+                <a:cs typeface="Consolas" charset="0"/>
+              </a:rPr>
+              <a:t>“Null </a:t>
+            </a:r>
+            <a:r>
               <a:rPr lang="en-US" sz="2800" b="1" dirty="0" smtClean="0">
                 <a:solidFill>
                   <a:schemeClr val="accent6"/>
@@ -4094,7 +5671,7 @@
                 <a:ea typeface="Consolas" charset="0"/>
                 <a:cs typeface="Consolas" charset="0"/>
               </a:rPr>
-              <a:t>Null Hypothesis </a:t>
+              <a:t>Hypothesis </a:t>
             </a:r>
             <a:r>
               <a:rPr lang="en-US" sz="2800" b="1" smtClean="0">
@@ -4105,7 +5682,7 @@
                 <a:ea typeface="Consolas" charset="0"/>
                 <a:cs typeface="Consolas" charset="0"/>
               </a:rPr>
-              <a:t>Significance Testing</a:t>
+              <a:t>Significance Testing”</a:t>
             </a:r>
             <a:endParaRPr lang="en-US" sz="2800" b="1" dirty="0" smtClean="0">
               <a:solidFill>
@@ -4153,7 +5730,7 @@
             <a:r>
               <a:rPr lang="en-US" sz="2800" b="1" dirty="0" smtClean="0">
                 <a:solidFill>
-                  <a:schemeClr val="accent2"/>
+                  <a:schemeClr val="accent3"/>
                 </a:solidFill>
                 <a:latin typeface="Consolas" charset="0"/>
                 <a:ea typeface="Consolas" charset="0"/>
@@ -4170,7 +5747,7 @@
                 <a:ea typeface="Consolas" charset="0"/>
                 <a:cs typeface="Consolas" charset="0"/>
               </a:rPr>
-              <a:t>)</a:t>
+              <a:t>) = “significance”</a:t>
             </a:r>
           </a:p>
         </p:txBody>
@@ -4252,6 +5829,83 @@
         <p:spPr>
           <a:xfrm>
             <a:off x="838200" y="1850988"/>
+            <a:ext cx="10515600" cy="1446550"/>
+          </a:xfrm>
+          <a:prstGeom prst="rect">
+            <a:avLst/>
+          </a:prstGeom>
+          <a:noFill/>
+          <a:ln>
+            <a:noFill/>
+          </a:ln>
+        </p:spPr>
+        <p:txBody>
+          <a:bodyPr wrap="square" rtlCol="0">
+            <a:spAutoFit/>
+          </a:bodyPr>
+          <a:lstStyle/>
+          <a:p>
+            <a:r>
+              <a:rPr lang="en-US" sz="4400" b="1" dirty="0" smtClean="0">
+                <a:solidFill>
+                  <a:schemeClr val="accent2">
+                    <a:lumMod val="20000"/>
+                    <a:lumOff val="80000"/>
+                  </a:schemeClr>
+                </a:solidFill>
+                <a:latin typeface="Consolas" charset="0"/>
+                <a:ea typeface="Consolas" charset="0"/>
+                <a:cs typeface="Consolas" charset="0"/>
+              </a:rPr>
+              <a:t>Hypothesis Testing (Inferential Statistics)</a:t>
+            </a:r>
+          </a:p>
+        </p:txBody>
+      </p:sp>
+      <p:sp>
+        <p:nvSpPr>
+          <p:cNvPr id="9" name="Rectangle 8"/>
+          <p:cNvSpPr/>
+          <p:nvPr/>
+        </p:nvSpPr>
+        <p:spPr>
+          <a:xfrm>
+            <a:off x="838200" y="5828510"/>
+            <a:ext cx="10515600" cy="523220"/>
+          </a:xfrm>
+          <a:prstGeom prst="rect">
+            <a:avLst/>
+          </a:prstGeom>
+        </p:spPr>
+        <p:txBody>
+          <a:bodyPr wrap="square">
+            <a:spAutoFit/>
+          </a:bodyPr>
+          <a:lstStyle/>
+          <a:p>
+            <a:r>
+              <a:rPr lang="en-US" sz="2800" b="1" dirty="0" smtClean="0">
+                <a:solidFill>
+                  <a:schemeClr val="tx2"/>
+                </a:solidFill>
+                <a:latin typeface="Consolas" charset="0"/>
+                <a:ea typeface="Consolas" charset="0"/>
+                <a:cs typeface="Consolas" charset="0"/>
+              </a:rPr>
+              <a:t>Tells us how big the effect is = “meaningfulness”</a:t>
+            </a:r>
+          </a:p>
+        </p:txBody>
+      </p:sp>
+      <p:sp>
+        <p:nvSpPr>
+          <p:cNvPr id="6" name="TextBox 5"/>
+          <p:cNvSpPr txBox="1"/>
+          <p:nvPr/>
+        </p:nvSpPr>
+        <p:spPr>
+          <a:xfrm>
+            <a:off x="838200" y="4227290"/>
             <a:ext cx="10515600" cy="769441"/>
           </a:xfrm>
           <a:prstGeom prst="rect">
@@ -4284,14 +5938,14 @@
       </p:sp>
       <p:sp>
         <p:nvSpPr>
-          <p:cNvPr id="9" name="Rectangle 8"/>
+          <p:cNvPr id="7" name="Rectangle 6"/>
           <p:cNvSpPr/>
           <p:nvPr/>
         </p:nvSpPr>
         <p:spPr>
           <a:xfrm>
-            <a:off x="838200" y="3100232"/>
-            <a:ext cx="10515600" cy="1384995"/>
+            <a:off x="838200" y="4996731"/>
+            <a:ext cx="8109857" cy="523220"/>
           </a:xfrm>
           <a:prstGeom prst="rect">
             <a:avLst/>
@@ -4306,43 +5960,98 @@
             <a:r>
               <a:rPr lang="en-US" sz="2800" b="1" dirty="0" smtClean="0">
                 <a:solidFill>
-                  <a:schemeClr val="tx2"/>
-                </a:solidFill>
-                <a:latin typeface="Consolas" charset="0"/>
-                <a:ea typeface="Consolas" charset="0"/>
-                <a:cs typeface="Consolas" charset="0"/>
-              </a:rPr>
-              <a:t>Gives us an idea about what the population may look like based on our sample (accounts for </a:t>
+                  <a:schemeClr val="accent6"/>
+                </a:solidFill>
+                <a:latin typeface="Consolas" charset="0"/>
+                <a:ea typeface="Consolas" charset="0"/>
+                <a:cs typeface="Consolas" charset="0"/>
+              </a:rPr>
+              <a:t>“Magnitude of the effect”</a:t>
+            </a:r>
+          </a:p>
+        </p:txBody>
+      </p:sp>
+      <p:sp>
+        <p:nvSpPr>
+          <p:cNvPr id="8" name="Rectangle 7"/>
+          <p:cNvSpPr/>
+          <p:nvPr/>
+        </p:nvSpPr>
+        <p:spPr>
+          <a:xfrm>
+            <a:off x="838200" y="3297538"/>
+            <a:ext cx="8109857" cy="523220"/>
+          </a:xfrm>
+          <a:prstGeom prst="rect">
+            <a:avLst/>
+          </a:prstGeom>
+        </p:spPr>
+        <p:txBody>
+          <a:bodyPr wrap="square">
+            <a:spAutoFit/>
+          </a:bodyPr>
+          <a:lstStyle/>
+          <a:p>
+            <a:r>
+              <a:rPr lang="en-US" sz="2800" b="1" smtClean="0">
+                <a:solidFill>
+                  <a:schemeClr val="accent6">
+                    <a:lumMod val="20000"/>
+                    <a:lumOff val="80000"/>
+                  </a:schemeClr>
+                </a:solidFill>
+                <a:latin typeface="Consolas" charset="0"/>
+                <a:ea typeface="Consolas" charset="0"/>
+                <a:cs typeface="Consolas" charset="0"/>
+              </a:rPr>
+              <a:t>“Null </a:t>
             </a:r>
             <a:r>
               <a:rPr lang="en-US" sz="2800" b="1" dirty="0" smtClean="0">
                 <a:solidFill>
-                  <a:schemeClr val="accent2"/>
-                </a:solidFill>
-                <a:latin typeface="Consolas" charset="0"/>
-                <a:ea typeface="Consolas" charset="0"/>
-                <a:cs typeface="Consolas" charset="0"/>
-              </a:rPr>
-              <a:t>sampling error</a:t>
-            </a:r>
-            <a:r>
-              <a:rPr lang="en-US" sz="2800" b="1" dirty="0" smtClean="0">
-                <a:solidFill>
-                  <a:schemeClr val="tx2"/>
-                </a:solidFill>
-                <a:latin typeface="Consolas" charset="0"/>
-                <a:ea typeface="Consolas" charset="0"/>
-                <a:cs typeface="Consolas" charset="0"/>
-              </a:rPr>
-              <a:t>)</a:t>
-            </a:r>
+                  <a:schemeClr val="accent6">
+                    <a:lumMod val="20000"/>
+                    <a:lumOff val="80000"/>
+                  </a:schemeClr>
+                </a:solidFill>
+                <a:latin typeface="Consolas" charset="0"/>
+                <a:ea typeface="Consolas" charset="0"/>
+                <a:cs typeface="Consolas" charset="0"/>
+              </a:rPr>
+              <a:t>Hypothesis </a:t>
+            </a:r>
+            <a:r>
+              <a:rPr lang="en-US" sz="2800" b="1" smtClean="0">
+                <a:solidFill>
+                  <a:schemeClr val="accent6">
+                    <a:lumMod val="20000"/>
+                    <a:lumOff val="80000"/>
+                  </a:schemeClr>
+                </a:solidFill>
+                <a:latin typeface="Consolas" charset="0"/>
+                <a:ea typeface="Consolas" charset="0"/>
+                <a:cs typeface="Consolas" charset="0"/>
+              </a:rPr>
+              <a:t>Significance Testing”</a:t>
+            </a:r>
+            <a:endParaRPr lang="en-US" sz="2800" b="1" dirty="0" smtClean="0">
+              <a:solidFill>
+                <a:schemeClr val="accent6">
+                  <a:lumMod val="20000"/>
+                  <a:lumOff val="80000"/>
+                </a:schemeClr>
+              </a:solidFill>
+              <a:latin typeface="Consolas" charset="0"/>
+              <a:ea typeface="Consolas" charset="0"/>
+              <a:cs typeface="Consolas" charset="0"/>
+            </a:endParaRPr>
           </a:p>
         </p:txBody>
       </p:sp>
     </p:spTree>
     <p:extLst>
       <p:ext uri="{BB962C8B-B14F-4D97-AF65-F5344CB8AC3E}">
-        <p14:creationId xmlns:p14="http://schemas.microsoft.com/office/powerpoint/2010/main" val="7901000"/>
+        <p14:creationId xmlns:p14="http://schemas.microsoft.com/office/powerpoint/2010/main" val="1552878294"/>
       </p:ext>
     </p:extLst>
   </p:cSld>
@@ -4378,45 +6087,14 @@
       </p:grpSpPr>
       <p:sp>
         <p:nvSpPr>
-          <p:cNvPr id="2" name="Title 1"/>
-          <p:cNvSpPr>
-            <a:spLocks noGrp="1"/>
-          </p:cNvSpPr>
-          <p:nvPr>
-            <p:ph type="title"/>
-          </p:nvPr>
-        </p:nvSpPr>
-        <p:spPr/>
-        <p:txBody>
-          <a:bodyPr/>
-          <a:lstStyle/>
-          <a:p>
-            <a:r>
-              <a:rPr lang="en-US" b="1" dirty="0" smtClean="0">
-                <a:latin typeface="Consolas" charset="0"/>
-                <a:ea typeface="Consolas" charset="0"/>
-                <a:cs typeface="Consolas" charset="0"/>
-              </a:rPr>
-              <a:t>Why Learn Statistics?</a:t>
-            </a:r>
-            <a:endParaRPr lang="en-US" b="1" dirty="0">
-              <a:latin typeface="Consolas" charset="0"/>
-              <a:ea typeface="Consolas" charset="0"/>
-              <a:cs typeface="Consolas" charset="0"/>
-            </a:endParaRPr>
-          </a:p>
-        </p:txBody>
-      </p:sp>
-      <p:sp>
-        <p:nvSpPr>
-          <p:cNvPr id="4" name="TextBox 3"/>
+          <p:cNvPr id="5" name="TextBox 4"/>
           <p:cNvSpPr txBox="1"/>
           <p:nvPr/>
         </p:nvSpPr>
         <p:spPr>
           <a:xfrm>
-            <a:off x="838199" y="1800565"/>
-            <a:ext cx="10967357" cy="1446550"/>
+            <a:off x="658586" y="2560978"/>
+            <a:ext cx="10967356" cy="1323439"/>
           </a:xfrm>
           <a:prstGeom prst="rect">
             <a:avLst/>
@@ -4429,55 +6107,9 @@
           </a:bodyPr>
           <a:lstStyle/>
           <a:p>
-            <a:r>
-              <a:rPr lang="en-US" sz="4400" b="1" dirty="0" smtClean="0">
-                <a:solidFill>
-                  <a:schemeClr val="accent3"/>
-                </a:solidFill>
-                <a:latin typeface="Consolas" charset="0"/>
-                <a:ea typeface="Consolas" charset="0"/>
-                <a:cs typeface="Consolas" charset="0"/>
-              </a:rPr>
-              <a:t>Simply: the understanding of data using summaries and probability</a:t>
-            </a:r>
-          </a:p>
-        </p:txBody>
-      </p:sp>
-      <p:sp>
-        <p:nvSpPr>
-          <p:cNvPr id="5" name="TextBox 4"/>
-          <p:cNvSpPr txBox="1"/>
-          <p:nvPr/>
-        </p:nvSpPr>
-        <p:spPr>
-          <a:xfrm>
-            <a:off x="838200" y="3606007"/>
-            <a:ext cx="10967356" cy="1446550"/>
-          </a:xfrm>
-          <a:prstGeom prst="rect">
-            <a:avLst/>
-          </a:prstGeom>
-          <a:noFill/>
-        </p:spPr>
-        <p:txBody>
-          <a:bodyPr wrap="square" rtlCol="0">
-            <a:spAutoFit/>
-          </a:bodyPr>
-          <a:lstStyle/>
-          <a:p>
-            <a:r>
-              <a:rPr lang="en-US" sz="4400" b="1" dirty="0" smtClean="0">
-                <a:solidFill>
-                  <a:schemeClr val="tx2"/>
-                </a:solidFill>
-                <a:latin typeface="Consolas" charset="0"/>
-                <a:ea typeface="Consolas" charset="0"/>
-                <a:cs typeface="Consolas" charset="0"/>
-              </a:rPr>
-              <a:t>A </a:t>
-            </a:r>
-            <a:r>
-              <a:rPr lang="en-US" sz="4400" b="1" dirty="0" smtClean="0">
+            <a:pPr algn="ctr"/>
+            <a:r>
+              <a:rPr lang="en-US" sz="8000" b="1" smtClean="0">
                 <a:solidFill>
                   <a:schemeClr val="accent6"/>
                 </a:solidFill>
@@ -4485,84 +6117,23 @@
                 <a:ea typeface="Consolas" charset="0"/>
                 <a:cs typeface="Consolas" charset="0"/>
               </a:rPr>
-              <a:t>statistic</a:t>
-            </a:r>
-            <a:r>
-              <a:rPr lang="en-US" sz="4400" b="1" dirty="0" smtClean="0">
-                <a:solidFill>
-                  <a:schemeClr val="tx2"/>
-                </a:solidFill>
-                <a:latin typeface="Consolas" charset="0"/>
-                <a:ea typeface="Consolas" charset="0"/>
-                <a:cs typeface="Consolas" charset="0"/>
-              </a:rPr>
-              <a:t> is some sort of summary of the data</a:t>
-            </a:r>
-          </a:p>
-        </p:txBody>
-      </p:sp>
-      <p:sp>
-        <p:nvSpPr>
-          <p:cNvPr id="7" name="TextBox 6"/>
-          <p:cNvSpPr txBox="1"/>
-          <p:nvPr/>
-        </p:nvSpPr>
-        <p:spPr>
-          <a:xfrm>
-            <a:off x="838200" y="5815871"/>
-            <a:ext cx="10515600" cy="584775"/>
-          </a:xfrm>
-          <a:prstGeom prst="rect">
-            <a:avLst/>
-          </a:prstGeom>
-          <a:noFill/>
-        </p:spPr>
-        <p:txBody>
-          <a:bodyPr wrap="square" rtlCol="0">
-            <a:spAutoFit/>
-          </a:bodyPr>
-          <a:lstStyle/>
-          <a:p>
-            <a:r>
-              <a:rPr lang="en-US" sz="3200" b="1" dirty="0" smtClean="0">
-                <a:solidFill>
-                  <a:schemeClr val="tx2"/>
-                </a:solidFill>
-                <a:latin typeface="Consolas" charset="0"/>
-                <a:ea typeface="Consolas" charset="0"/>
-                <a:cs typeface="Consolas" charset="0"/>
-              </a:rPr>
-              <a:t>The </a:t>
-            </a:r>
-            <a:r>
-              <a:rPr lang="en-US" sz="3200" b="1" dirty="0" smtClean="0">
-                <a:solidFill>
-                  <a:schemeClr val="accent2"/>
-                </a:solidFill>
-                <a:latin typeface="Consolas" charset="0"/>
-                <a:ea typeface="Consolas" charset="0"/>
-                <a:cs typeface="Consolas" charset="0"/>
-              </a:rPr>
-              <a:t>average</a:t>
-            </a:r>
-            <a:r>
-              <a:rPr lang="en-US" sz="3200" b="1" dirty="0" smtClean="0">
-                <a:solidFill>
-                  <a:schemeClr val="tx2"/>
-                </a:solidFill>
-                <a:latin typeface="Consolas" charset="0"/>
-                <a:ea typeface="Consolas" charset="0"/>
-                <a:cs typeface="Consolas" charset="0"/>
-              </a:rPr>
-              <a:t> is a statistic</a:t>
-            </a:r>
+              <a:t>Break Time</a:t>
+            </a:r>
+            <a:endParaRPr lang="en-US" sz="8000" b="1" dirty="0" smtClean="0">
+              <a:solidFill>
+                <a:schemeClr val="accent6"/>
+              </a:solidFill>
+              <a:latin typeface="Consolas" charset="0"/>
+              <a:ea typeface="Consolas" charset="0"/>
+              <a:cs typeface="Consolas" charset="0"/>
+            </a:endParaRPr>
           </a:p>
         </p:txBody>
       </p:sp>
     </p:spTree>
     <p:extLst>
       <p:ext uri="{BB962C8B-B14F-4D97-AF65-F5344CB8AC3E}">
-        <p14:creationId xmlns:p14="http://schemas.microsoft.com/office/powerpoint/2010/main" val="2002727311"/>
+        <p14:creationId xmlns:p14="http://schemas.microsoft.com/office/powerpoint/2010/main" val="1581108796"/>
       </p:ext>
     </p:extLst>
   </p:cSld>
@@ -4598,14 +6169,45 @@
       </p:grpSpPr>
       <p:sp>
         <p:nvSpPr>
-          <p:cNvPr id="5" name="TextBox 4"/>
+          <p:cNvPr id="2" name="Title 1"/>
+          <p:cNvSpPr>
+            <a:spLocks noGrp="1"/>
+          </p:cNvSpPr>
+          <p:nvPr>
+            <p:ph type="title"/>
+          </p:nvPr>
+        </p:nvSpPr>
+        <p:spPr/>
+        <p:txBody>
+          <a:bodyPr/>
+          <a:lstStyle/>
+          <a:p>
+            <a:r>
+              <a:rPr lang="en-US" b="1" dirty="0" smtClean="0">
+                <a:latin typeface="Consolas" charset="0"/>
+                <a:ea typeface="Consolas" charset="0"/>
+                <a:cs typeface="Consolas" charset="0"/>
+              </a:rPr>
+              <a:t>Why Learn Statistics?</a:t>
+            </a:r>
+            <a:endParaRPr lang="en-US" b="1" dirty="0">
+              <a:latin typeface="Consolas" charset="0"/>
+              <a:ea typeface="Consolas" charset="0"/>
+              <a:cs typeface="Consolas" charset="0"/>
+            </a:endParaRPr>
+          </a:p>
+        </p:txBody>
+      </p:sp>
+      <p:sp>
+        <p:nvSpPr>
+          <p:cNvPr id="4" name="TextBox 3"/>
           <p:cNvSpPr txBox="1"/>
           <p:nvPr/>
         </p:nvSpPr>
         <p:spPr>
           <a:xfrm>
-            <a:off x="658586" y="2560978"/>
-            <a:ext cx="10967356" cy="1323439"/>
+            <a:off x="838199" y="1744096"/>
+            <a:ext cx="10967357" cy="1446550"/>
           </a:xfrm>
           <a:prstGeom prst="rect">
             <a:avLst/>
@@ -4618,33 +6220,222 @@
           </a:bodyPr>
           <a:lstStyle/>
           <a:p>
-            <a:pPr algn="ctr"/>
-            <a:r>
-              <a:rPr lang="en-US" sz="8000" b="1" smtClean="0">
-                <a:solidFill>
-                  <a:schemeClr val="accent6"/>
-                </a:solidFill>
-                <a:latin typeface="Consolas" charset="0"/>
-                <a:ea typeface="Consolas" charset="0"/>
-                <a:cs typeface="Consolas" charset="0"/>
-              </a:rPr>
-              <a:t>Break Time</a:t>
-            </a:r>
-            <a:endParaRPr lang="en-US" sz="8000" b="1" dirty="0" smtClean="0">
+            <a:r>
+              <a:rPr lang="en-US" sz="4400" b="1" dirty="0" smtClean="0">
+                <a:solidFill>
+                  <a:schemeClr val="tx2"/>
+                </a:solidFill>
+                <a:latin typeface="Consolas" charset="0"/>
+                <a:ea typeface="Consolas" charset="0"/>
+                <a:cs typeface="Consolas" charset="0"/>
+              </a:rPr>
+              <a:t>It is the </a:t>
+            </a:r>
+            <a:r>
+              <a:rPr lang="en-US" sz="4400" b="1" dirty="0" smtClean="0">
+                <a:solidFill>
+                  <a:schemeClr val="accent2"/>
+                </a:solidFill>
+                <a:latin typeface="Consolas" charset="0"/>
+                <a:ea typeface="Consolas" charset="0"/>
+                <a:cs typeface="Consolas" charset="0"/>
+              </a:rPr>
+              <a:t>language</a:t>
+            </a:r>
+            <a:r>
+              <a:rPr lang="en-US" sz="4400" b="1" dirty="0" smtClean="0">
+                <a:solidFill>
+                  <a:schemeClr val="tx2"/>
+                </a:solidFill>
+                <a:latin typeface="Consolas" charset="0"/>
+                <a:ea typeface="Consolas" charset="0"/>
+                <a:cs typeface="Consolas" charset="0"/>
+              </a:rPr>
+              <a:t> of understanding data (and data are everywhere)</a:t>
+            </a:r>
+          </a:p>
+        </p:txBody>
+      </p:sp>
+      <p:sp>
+        <p:nvSpPr>
+          <p:cNvPr id="5" name="TextBox 4"/>
+          <p:cNvSpPr txBox="1"/>
+          <p:nvPr/>
+        </p:nvSpPr>
+        <p:spPr>
+          <a:xfrm>
+            <a:off x="838200" y="3356992"/>
+            <a:ext cx="10967356" cy="3046988"/>
+          </a:xfrm>
+          <a:prstGeom prst="rect">
+            <a:avLst/>
+          </a:prstGeom>
+          <a:noFill/>
+        </p:spPr>
+        <p:txBody>
+          <a:bodyPr wrap="square" rtlCol="0">
+            <a:spAutoFit/>
+          </a:bodyPr>
+          <a:lstStyle/>
+          <a:p>
+            <a:pPr marL="571500" indent="-571500">
+              <a:buFontTx/>
+              <a:buChar char="-"/>
+            </a:pPr>
+            <a:r>
+              <a:rPr lang="en-US" sz="3200" b="1" dirty="0" smtClean="0">
+                <a:solidFill>
+                  <a:schemeClr val="tx2"/>
+                </a:solidFill>
+                <a:latin typeface="Consolas" charset="0"/>
+                <a:ea typeface="Consolas" charset="0"/>
+                <a:cs typeface="Consolas" charset="0"/>
+              </a:rPr>
+              <a:t>Allows you to </a:t>
+            </a:r>
+            <a:r>
+              <a:rPr lang="en-US" sz="3200" b="1" dirty="0" smtClean="0">
+                <a:solidFill>
+                  <a:schemeClr val="accent3"/>
+                </a:solidFill>
+                <a:latin typeface="Consolas" charset="0"/>
+                <a:ea typeface="Consolas" charset="0"/>
+                <a:cs typeface="Consolas" charset="0"/>
+              </a:rPr>
+              <a:t>complete your thesis</a:t>
+            </a:r>
+            <a:r>
+              <a:rPr lang="en-US" sz="3200" b="1" dirty="0" smtClean="0">
+                <a:solidFill>
+                  <a:schemeClr val="tx2"/>
+                </a:solidFill>
+                <a:latin typeface="Consolas" charset="0"/>
+                <a:ea typeface="Consolas" charset="0"/>
+                <a:cs typeface="Consolas" charset="0"/>
+              </a:rPr>
+              <a:t>!</a:t>
+            </a:r>
+            <a:endParaRPr lang="en-US" sz="3200" b="1" dirty="0">
               <a:solidFill>
-                <a:schemeClr val="accent6"/>
+                <a:schemeClr val="tx2"/>
               </a:solidFill>
               <a:latin typeface="Consolas" charset="0"/>
               <a:ea typeface="Consolas" charset="0"/>
               <a:cs typeface="Consolas" charset="0"/>
             </a:endParaRPr>
           </a:p>
+          <a:p>
+            <a:pPr marL="571500" indent="-571500">
+              <a:buFontTx/>
+              <a:buChar char="-"/>
+            </a:pPr>
+            <a:r>
+              <a:rPr lang="en-US" sz="3200" b="1" dirty="0" smtClean="0">
+                <a:solidFill>
+                  <a:schemeClr val="tx2"/>
+                </a:solidFill>
+                <a:latin typeface="Consolas" charset="0"/>
+                <a:ea typeface="Consolas" charset="0"/>
+                <a:cs typeface="Consolas" charset="0"/>
+              </a:rPr>
+              <a:t>Helps you </a:t>
+            </a:r>
+            <a:r>
+              <a:rPr lang="en-US" sz="3200" b="1" dirty="0" smtClean="0">
+                <a:solidFill>
+                  <a:schemeClr val="accent2"/>
+                </a:solidFill>
+                <a:latin typeface="Consolas" charset="0"/>
+                <a:ea typeface="Consolas" charset="0"/>
+                <a:cs typeface="Consolas" charset="0"/>
+              </a:rPr>
+              <a:t>communicate</a:t>
+            </a:r>
+            <a:r>
+              <a:rPr lang="en-US" sz="3200" b="1" dirty="0" smtClean="0">
+                <a:solidFill>
+                  <a:schemeClr val="tx2"/>
+                </a:solidFill>
+                <a:latin typeface="Consolas" charset="0"/>
+                <a:ea typeface="Consolas" charset="0"/>
+                <a:cs typeface="Consolas" charset="0"/>
+              </a:rPr>
+              <a:t> with other data people you work with</a:t>
+            </a:r>
+          </a:p>
+          <a:p>
+            <a:pPr marL="571500" indent="-571500">
+              <a:buFontTx/>
+              <a:buChar char="-"/>
+            </a:pPr>
+            <a:r>
+              <a:rPr lang="en-US" sz="3200" b="1" dirty="0" smtClean="0">
+                <a:solidFill>
+                  <a:schemeClr val="tx2"/>
+                </a:solidFill>
+                <a:latin typeface="Consolas" charset="0"/>
+                <a:ea typeface="Consolas" charset="0"/>
+                <a:cs typeface="Consolas" charset="0"/>
+              </a:rPr>
+              <a:t>Gives you power to </a:t>
+            </a:r>
+            <a:r>
+              <a:rPr lang="en-US" sz="3200" b="1" dirty="0" smtClean="0">
+                <a:solidFill>
+                  <a:schemeClr val="accent6"/>
+                </a:solidFill>
+                <a:latin typeface="Consolas" charset="0"/>
+                <a:ea typeface="Consolas" charset="0"/>
+                <a:cs typeface="Consolas" charset="0"/>
+              </a:rPr>
+              <a:t>convince stakeholders with evidence</a:t>
+            </a:r>
+          </a:p>
+          <a:p>
+            <a:pPr marL="571500" indent="-571500">
+              <a:buFontTx/>
+              <a:buChar char="-"/>
+            </a:pPr>
+            <a:r>
+              <a:rPr lang="en-US" sz="3200" b="1" dirty="0" smtClean="0">
+                <a:solidFill>
+                  <a:schemeClr val="tx2"/>
+                </a:solidFill>
+                <a:latin typeface="Consolas" charset="0"/>
+                <a:ea typeface="Consolas" charset="0"/>
+                <a:cs typeface="Consolas" charset="0"/>
+              </a:rPr>
+              <a:t>Opens up </a:t>
+            </a:r>
+            <a:r>
+              <a:rPr lang="en-US" sz="3200" b="1" dirty="0" smtClean="0">
+                <a:solidFill>
+                  <a:schemeClr val="accent1"/>
+                </a:solidFill>
+                <a:latin typeface="Consolas" charset="0"/>
+                <a:ea typeface="Consolas" charset="0"/>
+                <a:cs typeface="Consolas" charset="0"/>
+              </a:rPr>
+              <a:t>job</a:t>
+            </a:r>
+            <a:r>
+              <a:rPr lang="en-US" sz="3200" b="1" dirty="0" smtClean="0">
+                <a:solidFill>
+                  <a:schemeClr val="tx2"/>
+                </a:solidFill>
+                <a:latin typeface="Consolas" charset="0"/>
+                <a:ea typeface="Consolas" charset="0"/>
+                <a:cs typeface="Consolas" charset="0"/>
+              </a:rPr>
+              <a:t> opportunities</a:t>
+            </a:r>
+          </a:p>
         </p:txBody>
       </p:sp>
     </p:spTree>
     <p:extLst>
       <p:ext uri="{BB962C8B-B14F-4D97-AF65-F5344CB8AC3E}">
-        <p14:creationId xmlns:p14="http://schemas.microsoft.com/office/powerpoint/2010/main" val="1581108796"/>
+        <p14:creationId xmlns:p14="http://schemas.microsoft.com/office/powerpoint/2010/main" val="2002727311"/>
       </p:ext>
     </p:extLst>
   </p:cSld>
@@ -4699,7 +6490,7 @@
                 <a:ea typeface="Consolas" charset="0"/>
                 <a:cs typeface="Consolas" charset="0"/>
               </a:rPr>
-              <a:t>Why Learn Statistics?</a:t>
+              <a:t>Scales of Measurement</a:t>
             </a:r>
             <a:endParaRPr lang="en-US" b="1" dirty="0">
               <a:latin typeface="Consolas" charset="0"/>
@@ -4718,7 +6509,7 @@
         <p:spPr>
           <a:xfrm>
             <a:off x="838199" y="1800565"/>
-            <a:ext cx="10967357" cy="1446550"/>
+            <a:ext cx="10967357" cy="1938992"/>
           </a:xfrm>
           <a:prstGeom prst="rect">
             <a:avLst/>
@@ -4732,7 +6523,7 @@
           <a:lstStyle/>
           <a:p>
             <a:r>
-              <a:rPr lang="en-US" sz="4400" b="1" dirty="0" smtClean="0">
+              <a:rPr lang="en-US" sz="4000" b="1">
                 <a:solidFill>
                   <a:schemeClr val="accent3"/>
                 </a:solidFill>
@@ -4740,7 +6531,73 @@
                 <a:ea typeface="Consolas" charset="0"/>
                 <a:cs typeface="Consolas" charset="0"/>
               </a:rPr>
-              <a:t>Simply: the understanding of data using summaries and probability</a:t>
+              <a:t>"</a:t>
+            </a:r>
+            <a:r>
+              <a:rPr lang="en-US" sz="4000" b="1" smtClean="0">
+                <a:solidFill>
+                  <a:schemeClr val="accent3"/>
+                </a:solidFill>
+                <a:latin typeface="Consolas" charset="0"/>
+                <a:ea typeface="Consolas" charset="0"/>
+                <a:cs typeface="Consolas" charset="0"/>
+              </a:rPr>
+              <a:t>The </a:t>
+            </a:r>
+            <a:r>
+              <a:rPr lang="en-US" sz="4000" b="1" dirty="0" smtClean="0">
+                <a:solidFill>
+                  <a:schemeClr val="accent3"/>
+                </a:solidFill>
+                <a:latin typeface="Consolas" charset="0"/>
+                <a:ea typeface="Consolas" charset="0"/>
+                <a:cs typeface="Consolas" charset="0"/>
+              </a:rPr>
+              <a:t>way a variable is measured determines the kinds of statistical procedures that can </a:t>
+            </a:r>
+            <a:r>
+              <a:rPr lang="en-US" sz="4000" b="1" smtClean="0">
+                <a:solidFill>
+                  <a:schemeClr val="accent3"/>
+                </a:solidFill>
+                <a:latin typeface="Consolas" charset="0"/>
+                <a:ea typeface="Consolas" charset="0"/>
+                <a:cs typeface="Consolas" charset="0"/>
+              </a:rPr>
+              <a:t>be used” </a:t>
+            </a:r>
+            <a:r>
+              <a:rPr lang="en-US" sz="4000" b="1" dirty="0" smtClean="0">
+                <a:solidFill>
+                  <a:schemeClr val="accent3"/>
+                </a:solidFill>
+                <a:latin typeface="Consolas" charset="0"/>
+                <a:ea typeface="Consolas" charset="0"/>
+                <a:cs typeface="Consolas" charset="0"/>
+              </a:rPr>
+              <a:t>(</a:t>
+            </a:r>
+            <a:r>
+              <a:rPr lang="en-US" sz="4000" b="1" dirty="0" err="1" smtClean="0">
+                <a:solidFill>
+                  <a:schemeClr val="accent3"/>
+                </a:solidFill>
+                <a:latin typeface="Consolas" charset="0"/>
+                <a:ea typeface="Consolas" charset="0"/>
+                <a:cs typeface="Consolas" charset="0"/>
+              </a:rPr>
+              <a:t>pg</a:t>
+            </a:r>
+            <a:r>
+              <a:rPr lang="en-US" sz="4000" b="1" dirty="0" smtClean="0">
+                <a:solidFill>
+                  <a:schemeClr val="accent3"/>
+                </a:solidFill>
+                <a:latin typeface="Consolas" charset="0"/>
+                <a:ea typeface="Consolas" charset="0"/>
+                <a:cs typeface="Consolas" charset="0"/>
+              </a:rPr>
+              <a:t> 10)</a:t>
             </a:r>
           </a:p>
         </p:txBody>
@@ -4753,8 +6610,8 @@
         </p:nvSpPr>
         <p:spPr>
           <a:xfrm>
-            <a:off x="838200" y="3606007"/>
-            <a:ext cx="10967356" cy="1446550"/>
+            <a:off x="838199" y="3849434"/>
+            <a:ext cx="10967356" cy="2554545"/>
           </a:xfrm>
           <a:prstGeom prst="rect">
             <a:avLst/>
@@ -4768,7 +6625,7 @@
           <a:lstStyle/>
           <a:p>
             <a:r>
-              <a:rPr lang="en-US" sz="4400" b="1" dirty="0" smtClean="0">
+              <a:rPr lang="en-US" sz="3200" b="1" dirty="0" smtClean="0">
                 <a:solidFill>
                   <a:schemeClr val="tx2"/>
                 </a:solidFill>
@@ -4776,21 +6633,12 @@
                 <a:ea typeface="Consolas" charset="0"/>
                 <a:cs typeface="Consolas" charset="0"/>
               </a:rPr>
-              <a:t>A </a:t>
-            </a:r>
-            <a:r>
-              <a:rPr lang="en-US" sz="4400" b="1" dirty="0" smtClean="0">
-                <a:solidFill>
-                  <a:schemeClr val="accent6"/>
-                </a:solidFill>
-                <a:latin typeface="Consolas" charset="0"/>
-                <a:ea typeface="Consolas" charset="0"/>
-                <a:cs typeface="Consolas" charset="0"/>
-              </a:rPr>
-              <a:t>statistic</a:t>
-            </a:r>
-            <a:r>
-              <a:rPr lang="en-US" sz="4400" b="1" dirty="0" smtClean="0">
+              <a:t>Want measures that:</a:t>
+            </a:r>
+          </a:p>
+          <a:p>
+            <a:r>
+              <a:rPr lang="en-US" sz="3200" b="1" dirty="0" smtClean="0">
                 <a:solidFill>
                   <a:schemeClr val="tx2"/>
                 </a:solidFill>
@@ -4798,32 +6646,17 @@
                 <a:ea typeface="Consolas" charset="0"/>
                 <a:cs typeface="Consolas" charset="0"/>
               </a:rPr>
-              <a:t> is some sort of summary of the data</a:t>
-            </a:r>
-          </a:p>
-        </p:txBody>
-      </p:sp>
-      <p:sp>
-        <p:nvSpPr>
-          <p:cNvPr id="7" name="TextBox 6"/>
-          <p:cNvSpPr txBox="1"/>
-          <p:nvPr/>
-        </p:nvSpPr>
-        <p:spPr>
-          <a:xfrm>
-            <a:off x="838200" y="5815871"/>
-            <a:ext cx="10515600" cy="584775"/>
-          </a:xfrm>
-          <a:prstGeom prst="rect">
-            <a:avLst/>
-          </a:prstGeom>
-          <a:noFill/>
-        </p:spPr>
-        <p:txBody>
-          <a:bodyPr wrap="square" rtlCol="0">
-            <a:spAutoFit/>
-          </a:bodyPr>
-          <a:lstStyle/>
+              <a:t>1. Are reliable</a:t>
+            </a:r>
+            <a:endParaRPr lang="en-US" sz="3200" b="1" dirty="0">
+              <a:solidFill>
+                <a:schemeClr val="tx2"/>
+              </a:solidFill>
+              <a:latin typeface="Consolas" charset="0"/>
+              <a:ea typeface="Consolas" charset="0"/>
+              <a:cs typeface="Consolas" charset="0"/>
+            </a:endParaRPr>
+          </a:p>
           <a:p>
             <a:r>
               <a:rPr lang="en-US" sz="3200" b="1" dirty="0" smtClean="0">
@@ -4834,19 +6667,23 @@
                 <a:ea typeface="Consolas" charset="0"/>
                 <a:cs typeface="Consolas" charset="0"/>
               </a:rPr>
-              <a:t>The </a:t>
-            </a:r>
+              <a:t>2. Are valid</a:t>
+            </a:r>
+          </a:p>
+          <a:p>
             <a:r>
               <a:rPr lang="en-US" sz="3200" b="1" dirty="0" smtClean="0">
                 <a:solidFill>
-                  <a:schemeClr val="accent2"/>
-                </a:solidFill>
-                <a:latin typeface="Consolas" charset="0"/>
-                <a:ea typeface="Consolas" charset="0"/>
-                <a:cs typeface="Consolas" charset="0"/>
-              </a:rPr>
-              <a:t>average</a:t>
-            </a:r>
+                  <a:schemeClr val="tx2"/>
+                </a:solidFill>
+                <a:latin typeface="Consolas" charset="0"/>
+                <a:ea typeface="Consolas" charset="0"/>
+                <a:cs typeface="Consolas" charset="0"/>
+              </a:rPr>
+              <a:t>3. Are meaningful</a:t>
+            </a:r>
+          </a:p>
+          <a:p>
             <a:r>
               <a:rPr lang="en-US" sz="3200" b="1" dirty="0" smtClean="0">
                 <a:solidFill>
@@ -4856,7 +6693,7 @@
                 <a:ea typeface="Consolas" charset="0"/>
                 <a:cs typeface="Consolas" charset="0"/>
               </a:rPr>
-              <a:t> is a statistic</a:t>
+              <a:t>4. Have a high degree of information</a:t>
             </a:r>
           </a:p>
         </p:txBody>
@@ -4900,49 +6737,546 @@
       </p:grpSpPr>
       <p:sp>
         <p:nvSpPr>
-          <p:cNvPr id="4" name="Rectangle 3"/>
-          <p:cNvSpPr/>
+          <p:cNvPr id="2" name="Title 1"/>
+          <p:cNvSpPr>
+            <a:spLocks noGrp="1"/>
+          </p:cNvSpPr>
+          <p:nvPr>
+            <p:ph type="title"/>
+          </p:nvPr>
+        </p:nvSpPr>
+        <p:spPr/>
+        <p:txBody>
+          <a:bodyPr/>
+          <a:lstStyle/>
+          <a:p>
+            <a:r>
+              <a:rPr lang="en-US" b="1" dirty="0" smtClean="0">
+                <a:latin typeface="Consolas" charset="0"/>
+                <a:ea typeface="Consolas" charset="0"/>
+                <a:cs typeface="Consolas" charset="0"/>
+              </a:rPr>
+              <a:t>Scales of Measurement</a:t>
+            </a:r>
+            <a:endParaRPr lang="en-US" b="1" dirty="0">
+              <a:latin typeface="Consolas" charset="0"/>
+              <a:ea typeface="Consolas" charset="0"/>
+              <a:cs typeface="Consolas" charset="0"/>
+            </a:endParaRPr>
+          </a:p>
+        </p:txBody>
+      </p:sp>
+      <p:sp>
+        <p:nvSpPr>
+          <p:cNvPr id="4" name="TextBox 3"/>
+          <p:cNvSpPr txBox="1"/>
           <p:nvPr/>
         </p:nvSpPr>
         <p:spPr>
           <a:xfrm>
-            <a:off x="408214" y="2754477"/>
-            <a:ext cx="11413671" cy="1446550"/>
+            <a:off x="612320" y="1715862"/>
+            <a:ext cx="10967357" cy="523220"/>
           </a:xfrm>
           <a:prstGeom prst="rect">
             <a:avLst/>
           </a:prstGeom>
+          <a:noFill/>
         </p:spPr>
         <p:txBody>
-          <a:bodyPr wrap="square">
+          <a:bodyPr wrap="square" rtlCol="0">
             <a:spAutoFit/>
           </a:bodyPr>
           <a:lstStyle/>
           <a:p>
             <a:pPr algn="ctr"/>
             <a:r>
-              <a:rPr lang="en-US" sz="8800" b="1" dirty="0" smtClean="0">
-                <a:solidFill>
-                  <a:schemeClr val="accent3"/>
-                </a:solidFill>
-                <a:latin typeface="Consolas" charset="0"/>
-                <a:ea typeface="Consolas" charset="0"/>
-                <a:cs typeface="Consolas" charset="0"/>
-              </a:rPr>
-              <a:t>Questions?</a:t>
-            </a:r>
-            <a:endParaRPr lang="en-US" sz="8800" dirty="0">
-              <a:solidFill>
-                <a:schemeClr val="accent3"/>
-              </a:solidFill>
-            </a:endParaRPr>
-          </a:p>
-        </p:txBody>
-      </p:sp>
+              <a:rPr lang="en-US" sz="2800" b="1" dirty="0" smtClean="0">
+                <a:solidFill>
+                  <a:schemeClr val="tx2"/>
+                </a:solidFill>
+                <a:latin typeface="Consolas" charset="0"/>
+                <a:ea typeface="Consolas" charset="0"/>
+                <a:cs typeface="Consolas" charset="0"/>
+              </a:rPr>
+              <a:t>4 General Types (see pg. 11)</a:t>
+            </a:r>
+          </a:p>
+        </p:txBody>
+      </p:sp>
+      <p:graphicFrame>
+        <p:nvGraphicFramePr>
+          <p:cNvPr id="3" name="Table 2"/>
+          <p:cNvGraphicFramePr>
+            <a:graphicFrameLocks noGrp="1"/>
+          </p:cNvGraphicFramePr>
+          <p:nvPr>
+            <p:extLst>
+              <p:ext uri="{D42A27DB-BD31-4B8C-83A1-F6EECF244321}">
+                <p14:modId xmlns:p14="http://schemas.microsoft.com/office/powerpoint/2010/main" val="1540864225"/>
+              </p:ext>
+            </p:extLst>
+          </p:nvPr>
+        </p:nvGraphicFramePr>
+        <p:xfrm>
+          <a:off x="838200" y="2264256"/>
+          <a:ext cx="10918371" cy="4206240"/>
+        </p:xfrm>
+        <a:graphic>
+          <a:graphicData uri="http://schemas.openxmlformats.org/drawingml/2006/table">
+            <a:tbl>
+              <a:tblPr firstRow="1" bandRow="1">
+                <a:tableStyleId>{5C22544A-7EE6-4342-B048-85BDC9FD1C3A}</a:tableStyleId>
+              </a:tblPr>
+              <a:tblGrid>
+                <a:gridCol w="1709057"/>
+                <a:gridCol w="4327072"/>
+                <a:gridCol w="4882242"/>
+              </a:tblGrid>
+              <a:tr h="370840">
+                <a:tc>
+                  <a:txBody>
+                    <a:bodyPr/>
+                    <a:lstStyle/>
+                    <a:p>
+                      <a:r>
+                        <a:rPr lang="en-US" sz="2400" i="1" dirty="0" smtClean="0">
+                          <a:latin typeface="Consolas" charset="0"/>
+                          <a:ea typeface="Consolas" charset="0"/>
+                          <a:cs typeface="Consolas" charset="0"/>
+                        </a:rPr>
+                        <a:t>Scale</a:t>
+                      </a:r>
+                      <a:endParaRPr lang="en-US" sz="2400" i="1" dirty="0">
+                        <a:latin typeface="Consolas" charset="0"/>
+                        <a:ea typeface="Consolas" charset="0"/>
+                        <a:cs typeface="Consolas" charset="0"/>
+                      </a:endParaRPr>
+                    </a:p>
+                  </a:txBody>
+                  <a:tcPr/>
+                </a:tc>
+                <a:tc>
+                  <a:txBody>
+                    <a:bodyPr/>
+                    <a:lstStyle/>
+                    <a:p>
+                      <a:r>
+                        <a:rPr lang="en-US" sz="2400" i="1" dirty="0" smtClean="0">
+                          <a:latin typeface="Consolas" charset="0"/>
+                          <a:ea typeface="Consolas" charset="0"/>
+                          <a:cs typeface="Consolas" charset="0"/>
+                        </a:rPr>
+                        <a:t>Definition</a:t>
+                      </a:r>
+                      <a:endParaRPr lang="en-US" sz="2400" i="1" dirty="0">
+                        <a:latin typeface="Consolas" charset="0"/>
+                        <a:ea typeface="Consolas" charset="0"/>
+                        <a:cs typeface="Consolas" charset="0"/>
+                      </a:endParaRPr>
+                    </a:p>
+                  </a:txBody>
+                  <a:tcPr/>
+                </a:tc>
+                <a:tc>
+                  <a:txBody>
+                    <a:bodyPr/>
+                    <a:lstStyle/>
+                    <a:p>
+                      <a:r>
+                        <a:rPr lang="en-US" sz="2400" i="1" dirty="0" smtClean="0">
+                          <a:latin typeface="Consolas" charset="0"/>
+                          <a:ea typeface="Consolas" charset="0"/>
+                          <a:cs typeface="Consolas" charset="0"/>
+                        </a:rPr>
+                        <a:t>What the scale allows you to do</a:t>
+                      </a:r>
+                      <a:endParaRPr lang="en-US" sz="2400" i="1" dirty="0">
+                        <a:latin typeface="Consolas" charset="0"/>
+                        <a:ea typeface="Consolas" charset="0"/>
+                        <a:cs typeface="Consolas" charset="0"/>
+                      </a:endParaRPr>
+                    </a:p>
+                  </a:txBody>
+                  <a:tcPr/>
+                </a:tc>
+              </a:tr>
+              <a:tr h="370840">
+                <a:tc>
+                  <a:txBody>
+                    <a:bodyPr/>
+                    <a:lstStyle/>
+                    <a:p>
+                      <a:r>
+                        <a:rPr lang="en-US" sz="2400" b="1" dirty="0" smtClean="0">
+                          <a:latin typeface="Consolas" charset="0"/>
+                          <a:ea typeface="Consolas" charset="0"/>
+                          <a:cs typeface="Consolas" charset="0"/>
+                        </a:rPr>
+                        <a:t>Nominal</a:t>
+                      </a:r>
+                      <a:endParaRPr lang="en-US" sz="2400" b="1" dirty="0">
+                        <a:latin typeface="Consolas" charset="0"/>
+                        <a:ea typeface="Consolas" charset="0"/>
+                        <a:cs typeface="Consolas" charset="0"/>
+                      </a:endParaRPr>
+                    </a:p>
+                  </a:txBody>
+                  <a:tcPr/>
+                </a:tc>
+                <a:tc>
+                  <a:txBody>
+                    <a:bodyPr/>
+                    <a:lstStyle/>
+                    <a:p>
+                      <a:r>
+                        <a:rPr lang="en-US" sz="1800" dirty="0" smtClean="0">
+                          <a:latin typeface="Consolas" charset="0"/>
+                          <a:ea typeface="Consolas" charset="0"/>
+                          <a:cs typeface="Consolas" charset="0"/>
+                        </a:rPr>
+                        <a:t>Categories based on qualitative similarity (no order to the categories)</a:t>
+                      </a:r>
+                      <a:endParaRPr lang="en-US" sz="1800" dirty="0">
+                        <a:latin typeface="Consolas" charset="0"/>
+                        <a:ea typeface="Consolas" charset="0"/>
+                        <a:cs typeface="Consolas" charset="0"/>
+                      </a:endParaRPr>
+                    </a:p>
+                  </a:txBody>
+                  <a:tcPr/>
+                </a:tc>
+                <a:tc>
+                  <a:txBody>
+                    <a:bodyPr/>
+                    <a:lstStyle/>
+                    <a:p>
+                      <a:r>
+                        <a:rPr lang="en-US" sz="1800" dirty="0" smtClean="0">
+                          <a:latin typeface="Consolas" charset="0"/>
+                          <a:ea typeface="Consolas" charset="0"/>
+                          <a:cs typeface="Consolas" charset="0"/>
+                        </a:rPr>
+                        <a:t>Count</a:t>
+                      </a:r>
+                      <a:r>
+                        <a:rPr lang="en-US" sz="1800" baseline="0" dirty="0" smtClean="0">
+                          <a:latin typeface="Consolas" charset="0"/>
+                          <a:ea typeface="Consolas" charset="0"/>
+                          <a:cs typeface="Consolas" charset="0"/>
+                        </a:rPr>
+                        <a:t> the number of things in the categories</a:t>
+                      </a:r>
+                      <a:endParaRPr lang="en-US" sz="1800" dirty="0">
+                        <a:latin typeface="Consolas" charset="0"/>
+                        <a:ea typeface="Consolas" charset="0"/>
+                        <a:cs typeface="Consolas" charset="0"/>
+                      </a:endParaRPr>
+                    </a:p>
+                  </a:txBody>
+                  <a:tcPr/>
+                </a:tc>
+              </a:tr>
+              <a:tr h="370840">
+                <a:tc>
+                  <a:txBody>
+                    <a:bodyPr/>
+                    <a:lstStyle/>
+                    <a:p>
+                      <a:r>
+                        <a:rPr lang="en-US" sz="2400" b="1" dirty="0" smtClean="0">
+                          <a:latin typeface="Consolas" charset="0"/>
+                          <a:ea typeface="Consolas" charset="0"/>
+                          <a:cs typeface="Consolas" charset="0"/>
+                        </a:rPr>
+                        <a:t>Ordinal</a:t>
+                      </a:r>
+                      <a:endParaRPr lang="en-US" sz="2400" b="1" dirty="0">
+                        <a:latin typeface="Consolas" charset="0"/>
+                        <a:ea typeface="Consolas" charset="0"/>
+                        <a:cs typeface="Consolas" charset="0"/>
+                      </a:endParaRPr>
+                    </a:p>
+                  </a:txBody>
+                  <a:tcPr/>
+                </a:tc>
+                <a:tc>
+                  <a:txBody>
+                    <a:bodyPr/>
+                    <a:lstStyle/>
+                    <a:p>
+                      <a:r>
+                        <a:rPr lang="en-US" sz="1800" dirty="0" smtClean="0">
+                          <a:latin typeface="Consolas" charset="0"/>
+                          <a:ea typeface="Consolas" charset="0"/>
+                          <a:cs typeface="Consolas" charset="0"/>
+                        </a:rPr>
+                        <a:t>Like</a:t>
+                      </a:r>
+                      <a:r>
+                        <a:rPr lang="en-US" sz="1800" baseline="0" dirty="0" smtClean="0">
+                          <a:latin typeface="Consolas" charset="0"/>
+                          <a:ea typeface="Consolas" charset="0"/>
+                          <a:cs typeface="Consolas" charset="0"/>
+                        </a:rPr>
+                        <a:t> nominal, but the categories can be ranked</a:t>
+                      </a:r>
+                      <a:endParaRPr lang="en-US" sz="1800" dirty="0">
+                        <a:latin typeface="Consolas" charset="0"/>
+                        <a:ea typeface="Consolas" charset="0"/>
+                        <a:cs typeface="Consolas" charset="0"/>
+                      </a:endParaRPr>
+                    </a:p>
+                  </a:txBody>
+                  <a:tcPr/>
+                </a:tc>
+                <a:tc>
+                  <a:txBody>
+                    <a:bodyPr/>
+                    <a:lstStyle/>
+                    <a:p>
+                      <a:r>
+                        <a:rPr lang="en-US" sz="1800" dirty="0" smtClean="0">
+                          <a:latin typeface="Consolas" charset="0"/>
+                          <a:ea typeface="Consolas" charset="0"/>
+                          <a:cs typeface="Consolas" charset="0"/>
+                        </a:rPr>
+                        <a:t>Count and rank</a:t>
+                      </a:r>
+                      <a:r>
+                        <a:rPr lang="en-US" sz="1800" baseline="0" dirty="0" smtClean="0">
+                          <a:latin typeface="Consolas" charset="0"/>
+                          <a:ea typeface="Consolas" charset="0"/>
+                          <a:cs typeface="Consolas" charset="0"/>
+                        </a:rPr>
+                        <a:t> the number of things in each category</a:t>
+                      </a:r>
+                      <a:endParaRPr lang="en-US" sz="1800" dirty="0">
+                        <a:latin typeface="Consolas" charset="0"/>
+                        <a:ea typeface="Consolas" charset="0"/>
+                        <a:cs typeface="Consolas" charset="0"/>
+                      </a:endParaRPr>
+                    </a:p>
+                  </a:txBody>
+                  <a:tcPr/>
+                </a:tc>
+              </a:tr>
+              <a:tr h="370840">
+                <a:tc>
+                  <a:txBody>
+                    <a:bodyPr/>
+                    <a:lstStyle/>
+                    <a:p>
+                      <a:r>
+                        <a:rPr lang="en-US" sz="2400" b="1" dirty="0" smtClean="0">
+                          <a:solidFill>
+                            <a:schemeClr val="bg1">
+                              <a:lumMod val="95000"/>
+                            </a:schemeClr>
+                          </a:solidFill>
+                          <a:latin typeface="Consolas" charset="0"/>
+                          <a:ea typeface="Consolas" charset="0"/>
+                          <a:cs typeface="Consolas" charset="0"/>
+                        </a:rPr>
+                        <a:t>Interval</a:t>
+                      </a:r>
+                      <a:endParaRPr lang="en-US" sz="2400" b="1" dirty="0">
+                        <a:solidFill>
+                          <a:schemeClr val="bg1">
+                            <a:lumMod val="95000"/>
+                          </a:schemeClr>
+                        </a:solidFill>
+                        <a:latin typeface="Consolas" charset="0"/>
+                        <a:ea typeface="Consolas" charset="0"/>
+                        <a:cs typeface="Consolas" charset="0"/>
+                      </a:endParaRPr>
+                    </a:p>
+                  </a:txBody>
+                  <a:tcPr/>
+                </a:tc>
+                <a:tc>
+                  <a:txBody>
+                    <a:bodyPr/>
+                    <a:lstStyle/>
+                    <a:p>
+                      <a:r>
+                        <a:rPr lang="en-US" sz="1800" dirty="0" smtClean="0">
+                          <a:solidFill>
+                            <a:schemeClr val="bg1">
+                              <a:lumMod val="95000"/>
+                            </a:schemeClr>
+                          </a:solidFill>
+                          <a:latin typeface="Consolas" charset="0"/>
+                          <a:ea typeface="Consolas" charset="0"/>
+                          <a:cs typeface="Consolas" charset="0"/>
+                        </a:rPr>
+                        <a:t>Quantify how much of something</a:t>
+                      </a:r>
+                      <a:endParaRPr lang="en-US" sz="1800" dirty="0">
+                        <a:solidFill>
+                          <a:schemeClr val="bg1">
+                            <a:lumMod val="95000"/>
+                          </a:schemeClr>
+                        </a:solidFill>
+                        <a:latin typeface="Consolas" charset="0"/>
+                        <a:ea typeface="Consolas" charset="0"/>
+                        <a:cs typeface="Consolas" charset="0"/>
+                      </a:endParaRPr>
+                    </a:p>
+                  </a:txBody>
+                  <a:tcPr/>
+                </a:tc>
+                <a:tc>
+                  <a:txBody>
+                    <a:bodyPr/>
+                    <a:lstStyle/>
+                    <a:p>
+                      <a:r>
+                        <a:rPr lang="en-US" sz="1800" dirty="0" smtClean="0">
+                          <a:solidFill>
+                            <a:schemeClr val="bg1">
+                              <a:lumMod val="95000"/>
+                            </a:schemeClr>
+                          </a:solidFill>
+                          <a:latin typeface="Consolas" charset="0"/>
+                          <a:ea typeface="Consolas" charset="0"/>
+                          <a:cs typeface="Consolas" charset="0"/>
+                        </a:rPr>
+                        <a:t>Count, rank, and quantify how much of something there is (zero does not mean there’s nothing)</a:t>
+                      </a:r>
+                      <a:endParaRPr lang="en-US" sz="1800" dirty="0">
+                        <a:solidFill>
+                          <a:schemeClr val="bg1">
+                            <a:lumMod val="95000"/>
+                          </a:schemeClr>
+                        </a:solidFill>
+                        <a:latin typeface="Consolas" charset="0"/>
+                        <a:ea typeface="Consolas" charset="0"/>
+                        <a:cs typeface="Consolas" charset="0"/>
+                      </a:endParaRPr>
+                    </a:p>
+                  </a:txBody>
+                  <a:tcPr/>
+                </a:tc>
+              </a:tr>
+              <a:tr h="370840">
+                <a:tc>
+                  <a:txBody>
+                    <a:bodyPr/>
+                    <a:lstStyle/>
+                    <a:p>
+                      <a:r>
+                        <a:rPr lang="en-US" sz="2400" b="1" dirty="0" smtClean="0">
+                          <a:solidFill>
+                            <a:schemeClr val="bg1">
+                              <a:lumMod val="95000"/>
+                            </a:schemeClr>
+                          </a:solidFill>
+                          <a:latin typeface="Consolas" charset="0"/>
+                          <a:ea typeface="Consolas" charset="0"/>
+                          <a:cs typeface="Consolas" charset="0"/>
+                        </a:rPr>
+                        <a:t>Ratio</a:t>
+                      </a:r>
+                      <a:endParaRPr lang="en-US" sz="2400" b="1" dirty="0">
+                        <a:solidFill>
+                          <a:schemeClr val="bg1">
+                            <a:lumMod val="95000"/>
+                          </a:schemeClr>
+                        </a:solidFill>
+                        <a:latin typeface="Consolas" charset="0"/>
+                        <a:ea typeface="Consolas" charset="0"/>
+                        <a:cs typeface="Consolas" charset="0"/>
+                      </a:endParaRPr>
+                    </a:p>
+                  </a:txBody>
+                  <a:tcPr/>
+                </a:tc>
+                <a:tc>
+                  <a:txBody>
+                    <a:bodyPr/>
+                    <a:lstStyle/>
+                    <a:p>
+                      <a:r>
+                        <a:rPr lang="en-US" sz="1800" dirty="0" smtClean="0">
+                          <a:solidFill>
+                            <a:schemeClr val="bg1">
+                              <a:lumMod val="95000"/>
+                            </a:schemeClr>
+                          </a:solidFill>
+                          <a:latin typeface="Consolas" charset="0"/>
+                          <a:ea typeface="Consolas" charset="0"/>
+                          <a:cs typeface="Consolas" charset="0"/>
+                        </a:rPr>
+                        <a:t>Quantify</a:t>
+                      </a:r>
+                      <a:r>
+                        <a:rPr lang="en-US" sz="1800" baseline="0" dirty="0" smtClean="0">
+                          <a:solidFill>
+                            <a:schemeClr val="bg1">
+                              <a:lumMod val="95000"/>
+                            </a:schemeClr>
+                          </a:solidFill>
+                          <a:latin typeface="Consolas" charset="0"/>
+                          <a:ea typeface="Consolas" charset="0"/>
+                          <a:cs typeface="Consolas" charset="0"/>
+                        </a:rPr>
+                        <a:t> how much of something (zero means there is none of that thing)</a:t>
+                      </a:r>
+                      <a:endParaRPr lang="en-US" sz="1800" dirty="0">
+                        <a:solidFill>
+                          <a:schemeClr val="bg1">
+                            <a:lumMod val="95000"/>
+                          </a:schemeClr>
+                        </a:solidFill>
+                        <a:latin typeface="Consolas" charset="0"/>
+                        <a:ea typeface="Consolas" charset="0"/>
+                        <a:cs typeface="Consolas" charset="0"/>
+                      </a:endParaRPr>
+                    </a:p>
+                  </a:txBody>
+                  <a:tcPr/>
+                </a:tc>
+                <a:tc>
+                  <a:txBody>
+                    <a:bodyPr/>
+                    <a:lstStyle/>
+                    <a:p>
+                      <a:r>
+                        <a:rPr lang="en-US" sz="1800" dirty="0" smtClean="0">
+                          <a:solidFill>
+                            <a:schemeClr val="bg1">
+                              <a:lumMod val="95000"/>
+                            </a:schemeClr>
+                          </a:solidFill>
+                          <a:latin typeface="Consolas" charset="0"/>
+                          <a:ea typeface="Consolas" charset="0"/>
+                          <a:cs typeface="Consolas" charset="0"/>
+                        </a:rPr>
+                        <a:t>Count, rank, and quantify how much of something there is with a meaningful zero</a:t>
+                      </a:r>
+                      <a:endParaRPr lang="en-US" sz="1800" dirty="0">
+                        <a:solidFill>
+                          <a:schemeClr val="bg1">
+                            <a:lumMod val="95000"/>
+                          </a:schemeClr>
+                        </a:solidFill>
+                        <a:latin typeface="Consolas" charset="0"/>
+                        <a:ea typeface="Consolas" charset="0"/>
+                        <a:cs typeface="Consolas" charset="0"/>
+                      </a:endParaRPr>
+                    </a:p>
+                  </a:txBody>
+                  <a:tcPr/>
+                </a:tc>
+              </a:tr>
+            </a:tbl>
+          </a:graphicData>
+        </a:graphic>
+      </p:graphicFrame>
     </p:spTree>
     <p:extLst>
       <p:ext uri="{BB962C8B-B14F-4D97-AF65-F5344CB8AC3E}">
-        <p14:creationId xmlns:p14="http://schemas.microsoft.com/office/powerpoint/2010/main" val="693437782"/>
+        <p14:creationId xmlns:p14="http://schemas.microsoft.com/office/powerpoint/2010/main" val="1731929209"/>
       </p:ext>
     </p:extLst>
   </p:cSld>
@@ -4978,27 +7312,60 @@
       </p:grpSpPr>
       <p:sp>
         <p:nvSpPr>
-          <p:cNvPr id="4" name="Rectangle 3"/>
-          <p:cNvSpPr/>
+          <p:cNvPr id="2" name="Title 1"/>
+          <p:cNvSpPr>
+            <a:spLocks noGrp="1"/>
+          </p:cNvSpPr>
+          <p:nvPr>
+            <p:ph type="title"/>
+          </p:nvPr>
+        </p:nvSpPr>
+        <p:spPr/>
+        <p:txBody>
+          <a:bodyPr/>
+          <a:lstStyle/>
+          <a:p>
+            <a:r>
+              <a:rPr lang="en-US" b="1" dirty="0" smtClean="0">
+                <a:latin typeface="Consolas" charset="0"/>
+                <a:ea typeface="Consolas" charset="0"/>
+                <a:cs typeface="Consolas" charset="0"/>
+              </a:rPr>
+              <a:t>Scales of Measurement</a:t>
+            </a:r>
+            <a:endParaRPr lang="en-US" b="1" dirty="0">
+              <a:latin typeface="Consolas" charset="0"/>
+              <a:ea typeface="Consolas" charset="0"/>
+              <a:cs typeface="Consolas" charset="0"/>
+            </a:endParaRPr>
+          </a:p>
+        </p:txBody>
+      </p:sp>
+      <p:sp>
+        <p:nvSpPr>
+          <p:cNvPr id="4" name="TextBox 3"/>
+          <p:cNvSpPr txBox="1"/>
           <p:nvPr/>
         </p:nvSpPr>
         <p:spPr>
           <a:xfrm>
-            <a:off x="571499" y="354177"/>
-            <a:ext cx="11413671" cy="1446550"/>
+            <a:off x="612320" y="1715862"/>
+            <a:ext cx="10967357" cy="523220"/>
           </a:xfrm>
           <a:prstGeom prst="rect">
             <a:avLst/>
           </a:prstGeom>
+          <a:noFill/>
         </p:spPr>
         <p:txBody>
-          <a:bodyPr wrap="square">
+          <a:bodyPr wrap="square" rtlCol="0">
             <a:spAutoFit/>
           </a:bodyPr>
           <a:lstStyle/>
           <a:p>
-            <a:r>
-              <a:rPr lang="en-US" sz="8800" b="1" dirty="0" smtClean="0">
+            <a:pPr algn="ctr"/>
+            <a:r>
+              <a:rPr lang="en-US" sz="2800" b="1" dirty="0" smtClean="0">
                 <a:solidFill>
                   <a:schemeClr val="tx2"/>
                 </a:solidFill>
@@ -5006,66 +7373,963 @@
                 <a:ea typeface="Consolas" charset="0"/>
                 <a:cs typeface="Consolas" charset="0"/>
               </a:rPr>
-              <a:t>Next week:</a:t>
-            </a:r>
-            <a:endParaRPr lang="en-US" sz="8800" dirty="0">
-              <a:solidFill>
-                <a:schemeClr val="tx2"/>
-              </a:solidFill>
+              <a:t>4 General Types (see pg. 11)</a:t>
+            </a:r>
+          </a:p>
+        </p:txBody>
+      </p:sp>
+      <p:graphicFrame>
+        <p:nvGraphicFramePr>
+          <p:cNvPr id="3" name="Table 2"/>
+          <p:cNvGraphicFramePr>
+            <a:graphicFrameLocks noGrp="1"/>
+          </p:cNvGraphicFramePr>
+          <p:nvPr>
+            <p:extLst>
+              <p:ext uri="{D42A27DB-BD31-4B8C-83A1-F6EECF244321}">
+                <p14:modId xmlns:p14="http://schemas.microsoft.com/office/powerpoint/2010/main" val="1186604693"/>
+              </p:ext>
+            </p:extLst>
+          </p:nvPr>
+        </p:nvGraphicFramePr>
+        <p:xfrm>
+          <a:off x="838200" y="2264256"/>
+          <a:ext cx="10918371" cy="4206240"/>
+        </p:xfrm>
+        <a:graphic>
+          <a:graphicData uri="http://schemas.openxmlformats.org/drawingml/2006/table">
+            <a:tbl>
+              <a:tblPr firstRow="1" bandRow="1">
+                <a:tableStyleId>{5C22544A-7EE6-4342-B048-85BDC9FD1C3A}</a:tableStyleId>
+              </a:tblPr>
+              <a:tblGrid>
+                <a:gridCol w="1709057"/>
+                <a:gridCol w="4327072"/>
+                <a:gridCol w="4882242"/>
+              </a:tblGrid>
+              <a:tr h="370840">
+                <a:tc>
+                  <a:txBody>
+                    <a:bodyPr/>
+                    <a:lstStyle/>
+                    <a:p>
+                      <a:r>
+                        <a:rPr lang="en-US" sz="2400" i="1" dirty="0" smtClean="0">
+                          <a:latin typeface="Consolas" charset="0"/>
+                          <a:ea typeface="Consolas" charset="0"/>
+                          <a:cs typeface="Consolas" charset="0"/>
+                        </a:rPr>
+                        <a:t>Scale</a:t>
+                      </a:r>
+                      <a:endParaRPr lang="en-US" sz="2400" i="1" dirty="0">
+                        <a:latin typeface="Consolas" charset="0"/>
+                        <a:ea typeface="Consolas" charset="0"/>
+                        <a:cs typeface="Consolas" charset="0"/>
+                      </a:endParaRPr>
+                    </a:p>
+                  </a:txBody>
+                  <a:tcPr/>
+                </a:tc>
+                <a:tc>
+                  <a:txBody>
+                    <a:bodyPr/>
+                    <a:lstStyle/>
+                    <a:p>
+                      <a:r>
+                        <a:rPr lang="en-US" sz="2400" i="1" dirty="0" smtClean="0">
+                          <a:latin typeface="Consolas" charset="0"/>
+                          <a:ea typeface="Consolas" charset="0"/>
+                          <a:cs typeface="Consolas" charset="0"/>
+                        </a:rPr>
+                        <a:t>Definition</a:t>
+                      </a:r>
+                      <a:endParaRPr lang="en-US" sz="2400" i="1" dirty="0">
+                        <a:latin typeface="Consolas" charset="0"/>
+                        <a:ea typeface="Consolas" charset="0"/>
+                        <a:cs typeface="Consolas" charset="0"/>
+                      </a:endParaRPr>
+                    </a:p>
+                  </a:txBody>
+                  <a:tcPr/>
+                </a:tc>
+                <a:tc>
+                  <a:txBody>
+                    <a:bodyPr/>
+                    <a:lstStyle/>
+                    <a:p>
+                      <a:r>
+                        <a:rPr lang="en-US" sz="2400" i="1" dirty="0" smtClean="0">
+                          <a:latin typeface="Consolas" charset="0"/>
+                          <a:ea typeface="Consolas" charset="0"/>
+                          <a:cs typeface="Consolas" charset="0"/>
+                        </a:rPr>
+                        <a:t>What the scale allows you to do</a:t>
+                      </a:r>
+                      <a:endParaRPr lang="en-US" sz="2400" i="1" dirty="0">
+                        <a:latin typeface="Consolas" charset="0"/>
+                        <a:ea typeface="Consolas" charset="0"/>
+                        <a:cs typeface="Consolas" charset="0"/>
+                      </a:endParaRPr>
+                    </a:p>
+                  </a:txBody>
+                  <a:tcPr/>
+                </a:tc>
+              </a:tr>
+              <a:tr h="370840">
+                <a:tc>
+                  <a:txBody>
+                    <a:bodyPr/>
+                    <a:lstStyle/>
+                    <a:p>
+                      <a:r>
+                        <a:rPr lang="en-US" sz="2400" b="1" dirty="0" smtClean="0">
+                          <a:latin typeface="Consolas" charset="0"/>
+                          <a:ea typeface="Consolas" charset="0"/>
+                          <a:cs typeface="Consolas" charset="0"/>
+                        </a:rPr>
+                        <a:t>Nominal</a:t>
+                      </a:r>
+                      <a:endParaRPr lang="en-US" sz="2400" b="1" dirty="0">
+                        <a:latin typeface="Consolas" charset="0"/>
+                        <a:ea typeface="Consolas" charset="0"/>
+                        <a:cs typeface="Consolas" charset="0"/>
+                      </a:endParaRPr>
+                    </a:p>
+                  </a:txBody>
+                  <a:tcPr/>
+                </a:tc>
+                <a:tc>
+                  <a:txBody>
+                    <a:bodyPr/>
+                    <a:lstStyle/>
+                    <a:p>
+                      <a:r>
+                        <a:rPr lang="en-US" sz="1800" dirty="0" smtClean="0">
+                          <a:latin typeface="Consolas" charset="0"/>
+                          <a:ea typeface="Consolas" charset="0"/>
+                          <a:cs typeface="Consolas" charset="0"/>
+                        </a:rPr>
+                        <a:t>Categories based on qualitative similarity (no order to the categories)</a:t>
+                      </a:r>
+                      <a:endParaRPr lang="en-US" sz="1800" dirty="0">
+                        <a:latin typeface="Consolas" charset="0"/>
+                        <a:ea typeface="Consolas" charset="0"/>
+                        <a:cs typeface="Consolas" charset="0"/>
+                      </a:endParaRPr>
+                    </a:p>
+                  </a:txBody>
+                  <a:tcPr/>
+                </a:tc>
+                <a:tc>
+                  <a:txBody>
+                    <a:bodyPr/>
+                    <a:lstStyle/>
+                    <a:p>
+                      <a:r>
+                        <a:rPr lang="en-US" sz="1800" dirty="0" smtClean="0">
+                          <a:latin typeface="Consolas" charset="0"/>
+                          <a:ea typeface="Consolas" charset="0"/>
+                          <a:cs typeface="Consolas" charset="0"/>
+                        </a:rPr>
+                        <a:t>Count</a:t>
+                      </a:r>
+                      <a:r>
+                        <a:rPr lang="en-US" sz="1800" baseline="0" dirty="0" smtClean="0">
+                          <a:latin typeface="Consolas" charset="0"/>
+                          <a:ea typeface="Consolas" charset="0"/>
+                          <a:cs typeface="Consolas" charset="0"/>
+                        </a:rPr>
+                        <a:t> the number of things in the categories</a:t>
+                      </a:r>
+                      <a:endParaRPr lang="en-US" sz="1800" dirty="0">
+                        <a:latin typeface="Consolas" charset="0"/>
+                        <a:ea typeface="Consolas" charset="0"/>
+                        <a:cs typeface="Consolas" charset="0"/>
+                      </a:endParaRPr>
+                    </a:p>
+                  </a:txBody>
+                  <a:tcPr/>
+                </a:tc>
+              </a:tr>
+              <a:tr h="370840">
+                <a:tc>
+                  <a:txBody>
+                    <a:bodyPr/>
+                    <a:lstStyle/>
+                    <a:p>
+                      <a:r>
+                        <a:rPr lang="en-US" sz="2400" b="1" dirty="0" smtClean="0">
+                          <a:latin typeface="Consolas" charset="0"/>
+                          <a:ea typeface="Consolas" charset="0"/>
+                          <a:cs typeface="Consolas" charset="0"/>
+                        </a:rPr>
+                        <a:t>Ordinal</a:t>
+                      </a:r>
+                      <a:endParaRPr lang="en-US" sz="2400" b="1" dirty="0">
+                        <a:latin typeface="Consolas" charset="0"/>
+                        <a:ea typeface="Consolas" charset="0"/>
+                        <a:cs typeface="Consolas" charset="0"/>
+                      </a:endParaRPr>
+                    </a:p>
+                  </a:txBody>
+                  <a:tcPr/>
+                </a:tc>
+                <a:tc>
+                  <a:txBody>
+                    <a:bodyPr/>
+                    <a:lstStyle/>
+                    <a:p>
+                      <a:r>
+                        <a:rPr lang="en-US" sz="1800" dirty="0" smtClean="0">
+                          <a:latin typeface="Consolas" charset="0"/>
+                          <a:ea typeface="Consolas" charset="0"/>
+                          <a:cs typeface="Consolas" charset="0"/>
+                        </a:rPr>
+                        <a:t>Like</a:t>
+                      </a:r>
+                      <a:r>
+                        <a:rPr lang="en-US" sz="1800" baseline="0" dirty="0" smtClean="0">
+                          <a:latin typeface="Consolas" charset="0"/>
+                          <a:ea typeface="Consolas" charset="0"/>
+                          <a:cs typeface="Consolas" charset="0"/>
+                        </a:rPr>
+                        <a:t> nominal, but the categories can be ranked</a:t>
+                      </a:r>
+                      <a:endParaRPr lang="en-US" sz="1800" dirty="0">
+                        <a:latin typeface="Consolas" charset="0"/>
+                        <a:ea typeface="Consolas" charset="0"/>
+                        <a:cs typeface="Consolas" charset="0"/>
+                      </a:endParaRPr>
+                    </a:p>
+                  </a:txBody>
+                  <a:tcPr/>
+                </a:tc>
+                <a:tc>
+                  <a:txBody>
+                    <a:bodyPr/>
+                    <a:lstStyle/>
+                    <a:p>
+                      <a:r>
+                        <a:rPr lang="en-US" sz="1800" dirty="0" smtClean="0">
+                          <a:latin typeface="Consolas" charset="0"/>
+                          <a:ea typeface="Consolas" charset="0"/>
+                          <a:cs typeface="Consolas" charset="0"/>
+                        </a:rPr>
+                        <a:t>Count and rank</a:t>
+                      </a:r>
+                      <a:r>
+                        <a:rPr lang="en-US" sz="1800" baseline="0" dirty="0" smtClean="0">
+                          <a:latin typeface="Consolas" charset="0"/>
+                          <a:ea typeface="Consolas" charset="0"/>
+                          <a:cs typeface="Consolas" charset="0"/>
+                        </a:rPr>
+                        <a:t> the number of things in each category</a:t>
+                      </a:r>
+                      <a:endParaRPr lang="en-US" sz="1800" dirty="0">
+                        <a:latin typeface="Consolas" charset="0"/>
+                        <a:ea typeface="Consolas" charset="0"/>
+                        <a:cs typeface="Consolas" charset="0"/>
+                      </a:endParaRPr>
+                    </a:p>
+                  </a:txBody>
+                  <a:tcPr/>
+                </a:tc>
+              </a:tr>
+              <a:tr h="370840">
+                <a:tc>
+                  <a:txBody>
+                    <a:bodyPr/>
+                    <a:lstStyle/>
+                    <a:p>
+                      <a:r>
+                        <a:rPr lang="en-US" sz="2400" b="1" dirty="0" smtClean="0">
+                          <a:latin typeface="Consolas" charset="0"/>
+                          <a:ea typeface="Consolas" charset="0"/>
+                          <a:cs typeface="Consolas" charset="0"/>
+                        </a:rPr>
+                        <a:t>Interval</a:t>
+                      </a:r>
+                      <a:endParaRPr lang="en-US" sz="2400" b="1" dirty="0">
+                        <a:latin typeface="Consolas" charset="0"/>
+                        <a:ea typeface="Consolas" charset="0"/>
+                        <a:cs typeface="Consolas" charset="0"/>
+                      </a:endParaRPr>
+                    </a:p>
+                  </a:txBody>
+                  <a:tcPr/>
+                </a:tc>
+                <a:tc>
+                  <a:txBody>
+                    <a:bodyPr/>
+                    <a:lstStyle/>
+                    <a:p>
+                      <a:r>
+                        <a:rPr lang="en-US" sz="1800" dirty="0" smtClean="0">
+                          <a:latin typeface="Consolas" charset="0"/>
+                          <a:ea typeface="Consolas" charset="0"/>
+                          <a:cs typeface="Consolas" charset="0"/>
+                        </a:rPr>
+                        <a:t>Quantify how much of something</a:t>
+                      </a:r>
+                      <a:endParaRPr lang="en-US" sz="1800" dirty="0">
+                        <a:latin typeface="Consolas" charset="0"/>
+                        <a:ea typeface="Consolas" charset="0"/>
+                        <a:cs typeface="Consolas" charset="0"/>
+                      </a:endParaRPr>
+                    </a:p>
+                  </a:txBody>
+                  <a:tcPr/>
+                </a:tc>
+                <a:tc>
+                  <a:txBody>
+                    <a:bodyPr/>
+                    <a:lstStyle/>
+                    <a:p>
+                      <a:r>
+                        <a:rPr lang="en-US" sz="1800" dirty="0" smtClean="0">
+                          <a:latin typeface="Consolas" charset="0"/>
+                          <a:ea typeface="Consolas" charset="0"/>
+                          <a:cs typeface="Consolas" charset="0"/>
+                        </a:rPr>
+                        <a:t>Count, rank, and quantify how much of something there is (zero does not mean there’s nothing)</a:t>
+                      </a:r>
+                      <a:endParaRPr lang="en-US" sz="1800" dirty="0">
+                        <a:latin typeface="Consolas" charset="0"/>
+                        <a:ea typeface="Consolas" charset="0"/>
+                        <a:cs typeface="Consolas" charset="0"/>
+                      </a:endParaRPr>
+                    </a:p>
+                  </a:txBody>
+                  <a:tcPr/>
+                </a:tc>
+              </a:tr>
+              <a:tr h="370840">
+                <a:tc>
+                  <a:txBody>
+                    <a:bodyPr/>
+                    <a:lstStyle/>
+                    <a:p>
+                      <a:r>
+                        <a:rPr lang="en-US" sz="2400" b="1" dirty="0" smtClean="0">
+                          <a:latin typeface="Consolas" charset="0"/>
+                          <a:ea typeface="Consolas" charset="0"/>
+                          <a:cs typeface="Consolas" charset="0"/>
+                        </a:rPr>
+                        <a:t>Ratio</a:t>
+                      </a:r>
+                      <a:endParaRPr lang="en-US" sz="2400" b="1" dirty="0">
+                        <a:latin typeface="Consolas" charset="0"/>
+                        <a:ea typeface="Consolas" charset="0"/>
+                        <a:cs typeface="Consolas" charset="0"/>
+                      </a:endParaRPr>
+                    </a:p>
+                  </a:txBody>
+                  <a:tcPr/>
+                </a:tc>
+                <a:tc>
+                  <a:txBody>
+                    <a:bodyPr/>
+                    <a:lstStyle/>
+                    <a:p>
+                      <a:r>
+                        <a:rPr lang="en-US" sz="1800" dirty="0" smtClean="0">
+                          <a:latin typeface="Consolas" charset="0"/>
+                          <a:ea typeface="Consolas" charset="0"/>
+                          <a:cs typeface="Consolas" charset="0"/>
+                        </a:rPr>
+                        <a:t>Quantify</a:t>
+                      </a:r>
+                      <a:r>
+                        <a:rPr lang="en-US" sz="1800" baseline="0" dirty="0" smtClean="0">
+                          <a:latin typeface="Consolas" charset="0"/>
+                          <a:ea typeface="Consolas" charset="0"/>
+                          <a:cs typeface="Consolas" charset="0"/>
+                        </a:rPr>
+                        <a:t> how much of something (zero means there is none of that thing)</a:t>
+                      </a:r>
+                      <a:endParaRPr lang="en-US" sz="1800" dirty="0">
+                        <a:latin typeface="Consolas" charset="0"/>
+                        <a:ea typeface="Consolas" charset="0"/>
+                        <a:cs typeface="Consolas" charset="0"/>
+                      </a:endParaRPr>
+                    </a:p>
+                  </a:txBody>
+                  <a:tcPr/>
+                </a:tc>
+                <a:tc>
+                  <a:txBody>
+                    <a:bodyPr/>
+                    <a:lstStyle/>
+                    <a:p>
+                      <a:r>
+                        <a:rPr lang="en-US" sz="1800" dirty="0" smtClean="0">
+                          <a:latin typeface="Consolas" charset="0"/>
+                          <a:ea typeface="Consolas" charset="0"/>
+                          <a:cs typeface="Consolas" charset="0"/>
+                        </a:rPr>
+                        <a:t>Count, rank, and quantify how much of something there is with a meaningful zero</a:t>
+                      </a:r>
+                      <a:endParaRPr lang="en-US" sz="1800" dirty="0">
+                        <a:latin typeface="Consolas" charset="0"/>
+                        <a:ea typeface="Consolas" charset="0"/>
+                        <a:cs typeface="Consolas" charset="0"/>
+                      </a:endParaRPr>
+                    </a:p>
+                  </a:txBody>
+                  <a:tcPr/>
+                </a:tc>
+              </a:tr>
+            </a:tbl>
+          </a:graphicData>
+        </a:graphic>
+      </p:graphicFrame>
+    </p:spTree>
+    <p:extLst>
+      <p:ext uri="{BB962C8B-B14F-4D97-AF65-F5344CB8AC3E}">
+        <p14:creationId xmlns:p14="http://schemas.microsoft.com/office/powerpoint/2010/main" val="166474386"/>
+      </p:ext>
+    </p:extLst>
+  </p:cSld>
+  <p:clrMapOvr>
+    <a:masterClrMapping/>
+  </p:clrMapOvr>
+  <p:timing>
+    <p:tnLst>
+      <p:par>
+        <p:cTn id="1" dur="indefinite" restart="never" nodeType="tmRoot"/>
+      </p:par>
+    </p:tnLst>
+  </p:timing>
+</p:sld>
+</file>
+
+<file path=ppt/slides/slide18.xml><?xml version="1.0" encoding="utf-8"?>
+<p:sld xmlns:a="http://schemas.openxmlformats.org/drawingml/2006/main" xmlns:r="http://schemas.openxmlformats.org/officeDocument/2006/relationships" xmlns:p="http://schemas.openxmlformats.org/presentationml/2006/main">
+  <p:cSld>
+    <p:spTree>
+      <p:nvGrpSpPr>
+        <p:cNvPr id="1" name=""/>
+        <p:cNvGrpSpPr/>
+        <p:nvPr/>
+      </p:nvGrpSpPr>
+      <p:grpSpPr>
+        <a:xfrm>
+          <a:off x="0" y="0"/>
+          <a:ext cx="0" cy="0"/>
+          <a:chOff x="0" y="0"/>
+          <a:chExt cx="0" cy="0"/>
+        </a:xfrm>
+      </p:grpSpPr>
+      <p:sp>
+        <p:nvSpPr>
+          <p:cNvPr id="2" name="Title 1"/>
+          <p:cNvSpPr>
+            <a:spLocks noGrp="1"/>
+          </p:cNvSpPr>
+          <p:nvPr>
+            <p:ph type="title"/>
+          </p:nvPr>
+        </p:nvSpPr>
+        <p:spPr/>
+        <p:txBody>
+          <a:bodyPr/>
+          <a:lstStyle/>
+          <a:p>
+            <a:r>
+              <a:rPr lang="en-US" b="1" dirty="0" smtClean="0">
+                <a:latin typeface="Consolas" charset="0"/>
+                <a:ea typeface="Consolas" charset="0"/>
+                <a:cs typeface="Consolas" charset="0"/>
+              </a:rPr>
+              <a:t>Scales of Measurement</a:t>
+            </a:r>
+            <a:endParaRPr lang="en-US" b="1" dirty="0">
+              <a:latin typeface="Consolas" charset="0"/>
+              <a:ea typeface="Consolas" charset="0"/>
+              <a:cs typeface="Consolas" charset="0"/>
             </a:endParaRPr>
           </a:p>
         </p:txBody>
       </p:sp>
       <p:sp>
         <p:nvSpPr>
-          <p:cNvPr id="3" name="Rectangle 2"/>
-          <p:cNvSpPr/>
+          <p:cNvPr id="4" name="TextBox 3"/>
+          <p:cNvSpPr txBox="1"/>
           <p:nvPr/>
         </p:nvSpPr>
         <p:spPr>
           <a:xfrm>
-            <a:off x="865411" y="2404885"/>
-            <a:ext cx="10825845" cy="3231654"/>
+            <a:off x="612320" y="1715862"/>
+            <a:ext cx="10967357" cy="523220"/>
           </a:xfrm>
           <a:prstGeom prst="rect">
             <a:avLst/>
           </a:prstGeom>
+          <a:noFill/>
         </p:spPr>
         <p:txBody>
-          <a:bodyPr wrap="square">
+          <a:bodyPr wrap="square" rtlCol="0">
             <a:spAutoFit/>
           </a:bodyPr>
           <a:lstStyle/>
           <a:p>
-            <a:pPr marL="742950" indent="-742950">
-              <a:buFont typeface="+mj-lt"/>
-              <a:buAutoNum type="arabicPeriod"/>
-            </a:pPr>
-            <a:r>
-              <a:rPr lang="en-US" sz="4000" dirty="0">
-                <a:solidFill>
-                  <a:schemeClr val="accent3"/>
-                </a:solidFill>
-                <a:latin typeface="Consolas" charset="0"/>
-                <a:ea typeface="Consolas" charset="0"/>
-                <a:cs typeface="Consolas" charset="0"/>
-              </a:rPr>
-              <a:t>Statistics terminology </a:t>
-            </a:r>
-            <a:r>
-              <a:rPr lang="en-US" sz="2800" dirty="0">
-                <a:solidFill>
-                  <a:schemeClr val="accent3"/>
-                </a:solidFill>
-                <a:latin typeface="Consolas" charset="0"/>
-                <a:ea typeface="Consolas" charset="0"/>
-                <a:cs typeface="Consolas" charset="0"/>
-              </a:rPr>
-              <a:t>(Hypothesis, IV and DV, Measurement, Validity and Reliability, Correlation and Experimentation, Distributions, Central Tendency and Variability) </a:t>
-            </a:r>
-            <a:endParaRPr lang="en-US" sz="4000" dirty="0">
+            <a:pPr algn="ctr"/>
+            <a:r>
+              <a:rPr lang="en-US" sz="2800" b="1" dirty="0" smtClean="0">
+                <a:solidFill>
+                  <a:schemeClr val="tx2"/>
+                </a:solidFill>
+                <a:latin typeface="Consolas" charset="0"/>
+                <a:ea typeface="Consolas" charset="0"/>
+                <a:cs typeface="Consolas" charset="0"/>
+              </a:rPr>
+              <a:t>4 General Types (see pg. 11)</a:t>
+            </a:r>
+          </a:p>
+        </p:txBody>
+      </p:sp>
+      <p:graphicFrame>
+        <p:nvGraphicFramePr>
+          <p:cNvPr id="3" name="Table 2"/>
+          <p:cNvGraphicFramePr>
+            <a:graphicFrameLocks noGrp="1"/>
+          </p:cNvGraphicFramePr>
+          <p:nvPr>
+            <p:extLst>
+              <p:ext uri="{D42A27DB-BD31-4B8C-83A1-F6EECF244321}">
+                <p14:modId xmlns:p14="http://schemas.microsoft.com/office/powerpoint/2010/main" val="1186604693"/>
+              </p:ext>
+            </p:extLst>
+          </p:nvPr>
+        </p:nvGraphicFramePr>
+        <p:xfrm>
+          <a:off x="838200" y="2264256"/>
+          <a:ext cx="10918371" cy="4206240"/>
+        </p:xfrm>
+        <a:graphic>
+          <a:graphicData uri="http://schemas.openxmlformats.org/drawingml/2006/table">
+            <a:tbl>
+              <a:tblPr firstRow="1" bandRow="1">
+                <a:tableStyleId>{5C22544A-7EE6-4342-B048-85BDC9FD1C3A}</a:tableStyleId>
+              </a:tblPr>
+              <a:tblGrid>
+                <a:gridCol w="1709057"/>
+                <a:gridCol w="4327072"/>
+                <a:gridCol w="4882242"/>
+              </a:tblGrid>
+              <a:tr h="370840">
+                <a:tc>
+                  <a:txBody>
+                    <a:bodyPr/>
+                    <a:lstStyle/>
+                    <a:p>
+                      <a:r>
+                        <a:rPr lang="en-US" sz="2400" i="1" dirty="0" smtClean="0">
+                          <a:latin typeface="Consolas" charset="0"/>
+                          <a:ea typeface="Consolas" charset="0"/>
+                          <a:cs typeface="Consolas" charset="0"/>
+                        </a:rPr>
+                        <a:t>Scale</a:t>
+                      </a:r>
+                      <a:endParaRPr lang="en-US" sz="2400" i="1" dirty="0">
+                        <a:latin typeface="Consolas" charset="0"/>
+                        <a:ea typeface="Consolas" charset="0"/>
+                        <a:cs typeface="Consolas" charset="0"/>
+                      </a:endParaRPr>
+                    </a:p>
+                  </a:txBody>
+                  <a:tcPr/>
+                </a:tc>
+                <a:tc>
+                  <a:txBody>
+                    <a:bodyPr/>
+                    <a:lstStyle/>
+                    <a:p>
+                      <a:r>
+                        <a:rPr lang="en-US" sz="2400" i="1" dirty="0" smtClean="0">
+                          <a:latin typeface="Consolas" charset="0"/>
+                          <a:ea typeface="Consolas" charset="0"/>
+                          <a:cs typeface="Consolas" charset="0"/>
+                        </a:rPr>
+                        <a:t>Definition</a:t>
+                      </a:r>
+                      <a:endParaRPr lang="en-US" sz="2400" i="1" dirty="0">
+                        <a:latin typeface="Consolas" charset="0"/>
+                        <a:ea typeface="Consolas" charset="0"/>
+                        <a:cs typeface="Consolas" charset="0"/>
+                      </a:endParaRPr>
+                    </a:p>
+                  </a:txBody>
+                  <a:tcPr/>
+                </a:tc>
+                <a:tc>
+                  <a:txBody>
+                    <a:bodyPr/>
+                    <a:lstStyle/>
+                    <a:p>
+                      <a:r>
+                        <a:rPr lang="en-US" sz="2400" i="1" dirty="0" smtClean="0">
+                          <a:latin typeface="Consolas" charset="0"/>
+                          <a:ea typeface="Consolas" charset="0"/>
+                          <a:cs typeface="Consolas" charset="0"/>
+                        </a:rPr>
+                        <a:t>What the scale allows you to do</a:t>
+                      </a:r>
+                      <a:endParaRPr lang="en-US" sz="2400" i="1" dirty="0">
+                        <a:latin typeface="Consolas" charset="0"/>
+                        <a:ea typeface="Consolas" charset="0"/>
+                        <a:cs typeface="Consolas" charset="0"/>
+                      </a:endParaRPr>
+                    </a:p>
+                  </a:txBody>
+                  <a:tcPr/>
+                </a:tc>
+              </a:tr>
+              <a:tr h="370840">
+                <a:tc>
+                  <a:txBody>
+                    <a:bodyPr/>
+                    <a:lstStyle/>
+                    <a:p>
+                      <a:r>
+                        <a:rPr lang="en-US" sz="2400" b="1" dirty="0" smtClean="0">
+                          <a:latin typeface="Consolas" charset="0"/>
+                          <a:ea typeface="Consolas" charset="0"/>
+                          <a:cs typeface="Consolas" charset="0"/>
+                        </a:rPr>
+                        <a:t>Nominal</a:t>
+                      </a:r>
+                      <a:endParaRPr lang="en-US" sz="2400" b="1" dirty="0">
+                        <a:latin typeface="Consolas" charset="0"/>
+                        <a:ea typeface="Consolas" charset="0"/>
+                        <a:cs typeface="Consolas" charset="0"/>
+                      </a:endParaRPr>
+                    </a:p>
+                  </a:txBody>
+                  <a:tcPr/>
+                </a:tc>
+                <a:tc>
+                  <a:txBody>
+                    <a:bodyPr/>
+                    <a:lstStyle/>
+                    <a:p>
+                      <a:r>
+                        <a:rPr lang="en-US" sz="1800" dirty="0" smtClean="0">
+                          <a:latin typeface="Consolas" charset="0"/>
+                          <a:ea typeface="Consolas" charset="0"/>
+                          <a:cs typeface="Consolas" charset="0"/>
+                        </a:rPr>
+                        <a:t>Categories based on qualitative similarity (no order to the categories)</a:t>
+                      </a:r>
+                      <a:endParaRPr lang="en-US" sz="1800" dirty="0">
+                        <a:latin typeface="Consolas" charset="0"/>
+                        <a:ea typeface="Consolas" charset="0"/>
+                        <a:cs typeface="Consolas" charset="0"/>
+                      </a:endParaRPr>
+                    </a:p>
+                  </a:txBody>
+                  <a:tcPr/>
+                </a:tc>
+                <a:tc>
+                  <a:txBody>
+                    <a:bodyPr/>
+                    <a:lstStyle/>
+                    <a:p>
+                      <a:r>
+                        <a:rPr lang="en-US" sz="1800" dirty="0" smtClean="0">
+                          <a:latin typeface="Consolas" charset="0"/>
+                          <a:ea typeface="Consolas" charset="0"/>
+                          <a:cs typeface="Consolas" charset="0"/>
+                        </a:rPr>
+                        <a:t>Count</a:t>
+                      </a:r>
+                      <a:r>
+                        <a:rPr lang="en-US" sz="1800" baseline="0" dirty="0" smtClean="0">
+                          <a:latin typeface="Consolas" charset="0"/>
+                          <a:ea typeface="Consolas" charset="0"/>
+                          <a:cs typeface="Consolas" charset="0"/>
+                        </a:rPr>
+                        <a:t> the number of things in the categories</a:t>
+                      </a:r>
+                      <a:endParaRPr lang="en-US" sz="1800" dirty="0">
+                        <a:latin typeface="Consolas" charset="0"/>
+                        <a:ea typeface="Consolas" charset="0"/>
+                        <a:cs typeface="Consolas" charset="0"/>
+                      </a:endParaRPr>
+                    </a:p>
+                  </a:txBody>
+                  <a:tcPr/>
+                </a:tc>
+              </a:tr>
+              <a:tr h="370840">
+                <a:tc>
+                  <a:txBody>
+                    <a:bodyPr/>
+                    <a:lstStyle/>
+                    <a:p>
+                      <a:r>
+                        <a:rPr lang="en-US" sz="2400" b="1" dirty="0" smtClean="0">
+                          <a:latin typeface="Consolas" charset="0"/>
+                          <a:ea typeface="Consolas" charset="0"/>
+                          <a:cs typeface="Consolas" charset="0"/>
+                        </a:rPr>
+                        <a:t>Ordinal</a:t>
+                      </a:r>
+                      <a:endParaRPr lang="en-US" sz="2400" b="1" dirty="0">
+                        <a:latin typeface="Consolas" charset="0"/>
+                        <a:ea typeface="Consolas" charset="0"/>
+                        <a:cs typeface="Consolas" charset="0"/>
+                      </a:endParaRPr>
+                    </a:p>
+                  </a:txBody>
+                  <a:tcPr/>
+                </a:tc>
+                <a:tc>
+                  <a:txBody>
+                    <a:bodyPr/>
+                    <a:lstStyle/>
+                    <a:p>
+                      <a:r>
+                        <a:rPr lang="en-US" sz="1800" dirty="0" smtClean="0">
+                          <a:latin typeface="Consolas" charset="0"/>
+                          <a:ea typeface="Consolas" charset="0"/>
+                          <a:cs typeface="Consolas" charset="0"/>
+                        </a:rPr>
+                        <a:t>Like</a:t>
+                      </a:r>
+                      <a:r>
+                        <a:rPr lang="en-US" sz="1800" baseline="0" dirty="0" smtClean="0">
+                          <a:latin typeface="Consolas" charset="0"/>
+                          <a:ea typeface="Consolas" charset="0"/>
+                          <a:cs typeface="Consolas" charset="0"/>
+                        </a:rPr>
+                        <a:t> nominal, but the categories can be ranked</a:t>
+                      </a:r>
+                      <a:endParaRPr lang="en-US" sz="1800" dirty="0">
+                        <a:latin typeface="Consolas" charset="0"/>
+                        <a:ea typeface="Consolas" charset="0"/>
+                        <a:cs typeface="Consolas" charset="0"/>
+                      </a:endParaRPr>
+                    </a:p>
+                  </a:txBody>
+                  <a:tcPr/>
+                </a:tc>
+                <a:tc>
+                  <a:txBody>
+                    <a:bodyPr/>
+                    <a:lstStyle/>
+                    <a:p>
+                      <a:r>
+                        <a:rPr lang="en-US" sz="1800" dirty="0" smtClean="0">
+                          <a:latin typeface="Consolas" charset="0"/>
+                          <a:ea typeface="Consolas" charset="0"/>
+                          <a:cs typeface="Consolas" charset="0"/>
+                        </a:rPr>
+                        <a:t>Count and rank</a:t>
+                      </a:r>
+                      <a:r>
+                        <a:rPr lang="en-US" sz="1800" baseline="0" dirty="0" smtClean="0">
+                          <a:latin typeface="Consolas" charset="0"/>
+                          <a:ea typeface="Consolas" charset="0"/>
+                          <a:cs typeface="Consolas" charset="0"/>
+                        </a:rPr>
+                        <a:t> the number of things in each category</a:t>
+                      </a:r>
+                      <a:endParaRPr lang="en-US" sz="1800" dirty="0">
+                        <a:latin typeface="Consolas" charset="0"/>
+                        <a:ea typeface="Consolas" charset="0"/>
+                        <a:cs typeface="Consolas" charset="0"/>
+                      </a:endParaRPr>
+                    </a:p>
+                  </a:txBody>
+                  <a:tcPr/>
+                </a:tc>
+              </a:tr>
+              <a:tr h="370840">
+                <a:tc>
+                  <a:txBody>
+                    <a:bodyPr/>
+                    <a:lstStyle/>
+                    <a:p>
+                      <a:r>
+                        <a:rPr lang="en-US" sz="2400" b="1" dirty="0" smtClean="0">
+                          <a:latin typeface="Consolas" charset="0"/>
+                          <a:ea typeface="Consolas" charset="0"/>
+                          <a:cs typeface="Consolas" charset="0"/>
+                        </a:rPr>
+                        <a:t>Interval</a:t>
+                      </a:r>
+                      <a:endParaRPr lang="en-US" sz="2400" b="1" dirty="0">
+                        <a:latin typeface="Consolas" charset="0"/>
+                        <a:ea typeface="Consolas" charset="0"/>
+                        <a:cs typeface="Consolas" charset="0"/>
+                      </a:endParaRPr>
+                    </a:p>
+                  </a:txBody>
+                  <a:tcPr/>
+                </a:tc>
+                <a:tc>
+                  <a:txBody>
+                    <a:bodyPr/>
+                    <a:lstStyle/>
+                    <a:p>
+                      <a:r>
+                        <a:rPr lang="en-US" sz="1800" dirty="0" smtClean="0">
+                          <a:latin typeface="Consolas" charset="0"/>
+                          <a:ea typeface="Consolas" charset="0"/>
+                          <a:cs typeface="Consolas" charset="0"/>
+                        </a:rPr>
+                        <a:t>Quantify how much of something</a:t>
+                      </a:r>
+                      <a:endParaRPr lang="en-US" sz="1800" dirty="0">
+                        <a:latin typeface="Consolas" charset="0"/>
+                        <a:ea typeface="Consolas" charset="0"/>
+                        <a:cs typeface="Consolas" charset="0"/>
+                      </a:endParaRPr>
+                    </a:p>
+                  </a:txBody>
+                  <a:tcPr/>
+                </a:tc>
+                <a:tc>
+                  <a:txBody>
+                    <a:bodyPr/>
+                    <a:lstStyle/>
+                    <a:p>
+                      <a:r>
+                        <a:rPr lang="en-US" sz="1800" dirty="0" smtClean="0">
+                          <a:latin typeface="Consolas" charset="0"/>
+                          <a:ea typeface="Consolas" charset="0"/>
+                          <a:cs typeface="Consolas" charset="0"/>
+                        </a:rPr>
+                        <a:t>Count, rank, and quantify how much of something there is (zero does not mean there’s nothing)</a:t>
+                      </a:r>
+                      <a:endParaRPr lang="en-US" sz="1800" dirty="0">
+                        <a:latin typeface="Consolas" charset="0"/>
+                        <a:ea typeface="Consolas" charset="0"/>
+                        <a:cs typeface="Consolas" charset="0"/>
+                      </a:endParaRPr>
+                    </a:p>
+                  </a:txBody>
+                  <a:tcPr/>
+                </a:tc>
+              </a:tr>
+              <a:tr h="370840">
+                <a:tc>
+                  <a:txBody>
+                    <a:bodyPr/>
+                    <a:lstStyle/>
+                    <a:p>
+                      <a:r>
+                        <a:rPr lang="en-US" sz="2400" b="1" dirty="0" smtClean="0">
+                          <a:latin typeface="Consolas" charset="0"/>
+                          <a:ea typeface="Consolas" charset="0"/>
+                          <a:cs typeface="Consolas" charset="0"/>
+                        </a:rPr>
+                        <a:t>Ratio</a:t>
+                      </a:r>
+                      <a:endParaRPr lang="en-US" sz="2400" b="1" dirty="0">
+                        <a:latin typeface="Consolas" charset="0"/>
+                        <a:ea typeface="Consolas" charset="0"/>
+                        <a:cs typeface="Consolas" charset="0"/>
+                      </a:endParaRPr>
+                    </a:p>
+                  </a:txBody>
+                  <a:tcPr/>
+                </a:tc>
+                <a:tc>
+                  <a:txBody>
+                    <a:bodyPr/>
+                    <a:lstStyle/>
+                    <a:p>
+                      <a:r>
+                        <a:rPr lang="en-US" sz="1800" dirty="0" smtClean="0">
+                          <a:latin typeface="Consolas" charset="0"/>
+                          <a:ea typeface="Consolas" charset="0"/>
+                          <a:cs typeface="Consolas" charset="0"/>
+                        </a:rPr>
+                        <a:t>Quantify</a:t>
+                      </a:r>
+                      <a:r>
+                        <a:rPr lang="en-US" sz="1800" baseline="0" dirty="0" smtClean="0">
+                          <a:latin typeface="Consolas" charset="0"/>
+                          <a:ea typeface="Consolas" charset="0"/>
+                          <a:cs typeface="Consolas" charset="0"/>
+                        </a:rPr>
+                        <a:t> how much of something (zero means there is none of that thing)</a:t>
+                      </a:r>
+                      <a:endParaRPr lang="en-US" sz="1800" dirty="0">
+                        <a:latin typeface="Consolas" charset="0"/>
+                        <a:ea typeface="Consolas" charset="0"/>
+                        <a:cs typeface="Consolas" charset="0"/>
+                      </a:endParaRPr>
+                    </a:p>
+                  </a:txBody>
+                  <a:tcPr/>
+                </a:tc>
+                <a:tc>
+                  <a:txBody>
+                    <a:bodyPr/>
+                    <a:lstStyle/>
+                    <a:p>
+                      <a:r>
+                        <a:rPr lang="en-US" sz="1800" dirty="0" smtClean="0">
+                          <a:latin typeface="Consolas" charset="0"/>
+                          <a:ea typeface="Consolas" charset="0"/>
+                          <a:cs typeface="Consolas" charset="0"/>
+                        </a:rPr>
+                        <a:t>Count, rank, and quantify how much of something there is with a meaningful zero</a:t>
+                      </a:r>
+                      <a:endParaRPr lang="en-US" sz="1800" dirty="0">
+                        <a:latin typeface="Consolas" charset="0"/>
+                        <a:ea typeface="Consolas" charset="0"/>
+                        <a:cs typeface="Consolas" charset="0"/>
+                      </a:endParaRPr>
+                    </a:p>
+                  </a:txBody>
+                  <a:tcPr/>
+                </a:tc>
+              </a:tr>
+            </a:tbl>
+          </a:graphicData>
+        </a:graphic>
+      </p:graphicFrame>
+      <p:sp>
+        <p:nvSpPr>
+          <p:cNvPr id="5" name="TextBox 4"/>
+          <p:cNvSpPr txBox="1"/>
+          <p:nvPr/>
+        </p:nvSpPr>
+        <p:spPr>
+          <a:xfrm>
+            <a:off x="2547257" y="2264256"/>
+            <a:ext cx="9209314" cy="4216539"/>
+          </a:xfrm>
+          <a:prstGeom prst="rect">
+            <a:avLst/>
+          </a:prstGeom>
+          <a:solidFill>
+            <a:srgbClr val="F2F2F2">
+              <a:alpha val="96863"/>
+            </a:srgbClr>
+          </a:solidFill>
+          <a:ln>
+            <a:solidFill>
+              <a:schemeClr val="bg1">
+                <a:lumMod val="95000"/>
+              </a:schemeClr>
+            </a:solidFill>
+          </a:ln>
+        </p:spPr>
+        <p:txBody>
+          <a:bodyPr wrap="square" rtlCol="0">
+            <a:spAutoFit/>
+          </a:bodyPr>
+          <a:lstStyle/>
+          <a:p>
+            <a:pPr algn="ctr"/>
+            <a:endParaRPr lang="en-US" sz="2800" b="1" dirty="0" smtClean="0">
               <a:solidFill>
-                <a:schemeClr val="accent3"/>
+                <a:schemeClr val="accent6"/>
               </a:solidFill>
               <a:latin typeface="Consolas" charset="0"/>
               <a:ea typeface="Consolas" charset="0"/>
@@ -5073,53 +8337,751 @@
             </a:endParaRPr>
           </a:p>
           <a:p>
-            <a:pPr marL="742950" indent="-742950">
-              <a:buFont typeface="+mj-lt"/>
-              <a:buAutoNum type="arabicPeriod"/>
-            </a:pPr>
-            <a:r>
-              <a:rPr lang="en-US" sz="4000" dirty="0" smtClean="0">
-                <a:solidFill>
-                  <a:schemeClr val="accent3"/>
-                </a:solidFill>
-                <a:latin typeface="Consolas" charset="0"/>
-                <a:ea typeface="Consolas" charset="0"/>
-                <a:cs typeface="Consolas" charset="0"/>
-              </a:rPr>
-              <a:t>Chapters 1, 2, and 3 in Book</a:t>
-            </a:r>
-          </a:p>
-          <a:p>
-            <a:pPr marL="742950" indent="-742950">
-              <a:buFont typeface="+mj-lt"/>
-              <a:buAutoNum type="arabicPeriod"/>
-            </a:pPr>
-            <a:r>
-              <a:rPr lang="en-US" sz="4000" dirty="0" smtClean="0">
-                <a:solidFill>
-                  <a:schemeClr val="accent3"/>
-                </a:solidFill>
-                <a:latin typeface="Consolas" charset="0"/>
-                <a:ea typeface="Consolas" charset="0"/>
-                <a:cs typeface="Consolas" charset="0"/>
-              </a:rPr>
-              <a:t>Start looking for articles</a:t>
-            </a:r>
-            <a:endParaRPr lang="en-US" sz="4000" dirty="0">
+            <a:pPr algn="ctr"/>
+            <a:endParaRPr lang="en-US" sz="2800" b="1" dirty="0">
               <a:solidFill>
-                <a:schemeClr val="accent3"/>
+                <a:schemeClr val="accent6"/>
               </a:solidFill>
               <a:latin typeface="Consolas" charset="0"/>
               <a:ea typeface="Consolas" charset="0"/>
               <a:cs typeface="Consolas" charset="0"/>
             </a:endParaRPr>
           </a:p>
-        </p:txBody>
-      </p:sp>
+          <a:p>
+            <a:pPr algn="ctr"/>
+            <a:endParaRPr lang="en-US" sz="2800" b="1" dirty="0" smtClean="0">
+              <a:solidFill>
+                <a:schemeClr val="accent6"/>
+              </a:solidFill>
+              <a:latin typeface="Consolas" charset="0"/>
+              <a:ea typeface="Consolas" charset="0"/>
+              <a:cs typeface="Consolas" charset="0"/>
+            </a:endParaRPr>
+          </a:p>
+          <a:p>
+            <a:pPr algn="ctr"/>
+            <a:endParaRPr lang="en-US" sz="2800" b="1" dirty="0" smtClean="0">
+              <a:solidFill>
+                <a:schemeClr val="accent6"/>
+              </a:solidFill>
+              <a:latin typeface="Consolas" charset="0"/>
+              <a:ea typeface="Consolas" charset="0"/>
+              <a:cs typeface="Consolas" charset="0"/>
+            </a:endParaRPr>
+          </a:p>
+          <a:p>
+            <a:pPr algn="ctr"/>
+            <a:r>
+              <a:rPr lang="en-US" sz="2800" b="1" dirty="0" smtClean="0">
+                <a:solidFill>
+                  <a:schemeClr val="accent6"/>
+                </a:solidFill>
+                <a:latin typeface="Consolas" charset="0"/>
+                <a:ea typeface="Consolas" charset="0"/>
+                <a:cs typeface="Consolas" charset="0"/>
+              </a:rPr>
+              <a:t>Increasing degree of information</a:t>
+            </a:r>
+          </a:p>
+          <a:p>
+            <a:pPr algn="ctr"/>
+            <a:endParaRPr lang="en-US" sz="2800" b="1" dirty="0">
+              <a:solidFill>
+                <a:schemeClr val="accent6"/>
+              </a:solidFill>
+              <a:latin typeface="Consolas" charset="0"/>
+              <a:ea typeface="Consolas" charset="0"/>
+              <a:cs typeface="Consolas" charset="0"/>
+            </a:endParaRPr>
+          </a:p>
+          <a:p>
+            <a:pPr algn="ctr"/>
+            <a:endParaRPr lang="en-US" sz="2800" b="1" dirty="0" smtClean="0">
+              <a:solidFill>
+                <a:schemeClr val="accent6"/>
+              </a:solidFill>
+              <a:latin typeface="Consolas" charset="0"/>
+              <a:ea typeface="Consolas" charset="0"/>
+              <a:cs typeface="Consolas" charset="0"/>
+            </a:endParaRPr>
+          </a:p>
+          <a:p>
+            <a:pPr algn="ctr"/>
+            <a:endParaRPr lang="en-US" sz="2800" b="1" dirty="0">
+              <a:solidFill>
+                <a:schemeClr val="accent6"/>
+              </a:solidFill>
+              <a:latin typeface="Consolas" charset="0"/>
+              <a:ea typeface="Consolas" charset="0"/>
+              <a:cs typeface="Consolas" charset="0"/>
+            </a:endParaRPr>
+          </a:p>
+          <a:p>
+            <a:pPr algn="ctr"/>
+            <a:endParaRPr lang="en-US" sz="2800" b="1" dirty="0">
+              <a:solidFill>
+                <a:schemeClr val="accent6"/>
+              </a:solidFill>
+              <a:latin typeface="Consolas" charset="0"/>
+              <a:ea typeface="Consolas" charset="0"/>
+              <a:cs typeface="Consolas" charset="0"/>
+            </a:endParaRPr>
+          </a:p>
+          <a:p>
+            <a:pPr algn="ctr"/>
+            <a:endParaRPr lang="en-US" sz="1200" b="1" dirty="0" smtClean="0">
+              <a:solidFill>
+                <a:schemeClr val="accent6"/>
+              </a:solidFill>
+              <a:latin typeface="Consolas" charset="0"/>
+              <a:ea typeface="Consolas" charset="0"/>
+              <a:cs typeface="Consolas" charset="0"/>
+            </a:endParaRPr>
+          </a:p>
+        </p:txBody>
+      </p:sp>
+      <p:cxnSp>
+        <p:nvCxnSpPr>
+          <p:cNvPr id="7" name="Straight Arrow Connector 6"/>
+          <p:cNvCxnSpPr/>
+          <p:nvPr/>
+        </p:nvCxnSpPr>
+        <p:spPr>
+          <a:xfrm>
+            <a:off x="3216729" y="2775857"/>
+            <a:ext cx="0" cy="3167743"/>
+          </a:xfrm>
+          <a:prstGeom prst="straightConnector1">
+            <a:avLst/>
+          </a:prstGeom>
+          <a:ln w="76200">
+            <a:solidFill>
+              <a:schemeClr val="accent6"/>
+            </a:solidFill>
+            <a:tailEnd type="triangle"/>
+          </a:ln>
+        </p:spPr>
+        <p:style>
+          <a:lnRef idx="1">
+            <a:schemeClr val="accent1"/>
+          </a:lnRef>
+          <a:fillRef idx="0">
+            <a:schemeClr val="accent1"/>
+          </a:fillRef>
+          <a:effectRef idx="0">
+            <a:schemeClr val="accent1"/>
+          </a:effectRef>
+          <a:fontRef idx="minor">
+            <a:schemeClr val="tx1"/>
+          </a:fontRef>
+        </p:style>
+      </p:cxnSp>
     </p:spTree>
     <p:extLst>
       <p:ext uri="{BB962C8B-B14F-4D97-AF65-F5344CB8AC3E}">
-        <p14:creationId xmlns:p14="http://schemas.microsoft.com/office/powerpoint/2010/main" val="368682267"/>
+        <p14:creationId xmlns:p14="http://schemas.microsoft.com/office/powerpoint/2010/main" val="407861202"/>
+      </p:ext>
+    </p:extLst>
+  </p:cSld>
+  <p:clrMapOvr>
+    <a:masterClrMapping/>
+  </p:clrMapOvr>
+  <p:timing>
+    <p:tnLst>
+      <p:par>
+        <p:cTn id="1" dur="indefinite" restart="never" nodeType="tmRoot"/>
+      </p:par>
+    </p:tnLst>
+  </p:timing>
+</p:sld>
+</file>
+
+<file path=ppt/slides/slide19.xml><?xml version="1.0" encoding="utf-8"?>
+<p:sld xmlns:a="http://schemas.openxmlformats.org/drawingml/2006/main" xmlns:r="http://schemas.openxmlformats.org/officeDocument/2006/relationships" xmlns:p="http://schemas.openxmlformats.org/presentationml/2006/main">
+  <p:cSld>
+    <p:spTree>
+      <p:nvGrpSpPr>
+        <p:cNvPr id="1" name=""/>
+        <p:cNvGrpSpPr/>
+        <p:nvPr/>
+      </p:nvGrpSpPr>
+      <p:grpSpPr>
+        <a:xfrm>
+          <a:off x="0" y="0"/>
+          <a:ext cx="0" cy="0"/>
+          <a:chOff x="0" y="0"/>
+          <a:chExt cx="0" cy="0"/>
+        </a:xfrm>
+      </p:grpSpPr>
+      <p:sp>
+        <p:nvSpPr>
+          <p:cNvPr id="2" name="Title 1"/>
+          <p:cNvSpPr>
+            <a:spLocks noGrp="1"/>
+          </p:cNvSpPr>
+          <p:nvPr>
+            <p:ph type="title"/>
+          </p:nvPr>
+        </p:nvSpPr>
+        <p:spPr/>
+        <p:txBody>
+          <a:bodyPr/>
+          <a:lstStyle/>
+          <a:p>
+            <a:r>
+              <a:rPr lang="en-US" b="1" dirty="0" smtClean="0">
+                <a:latin typeface="Consolas" charset="0"/>
+                <a:ea typeface="Consolas" charset="0"/>
+                <a:cs typeface="Consolas" charset="0"/>
+              </a:rPr>
+              <a:t>Scales of Measurement</a:t>
+            </a:r>
+            <a:endParaRPr lang="en-US" b="1" dirty="0">
+              <a:latin typeface="Consolas" charset="0"/>
+              <a:ea typeface="Consolas" charset="0"/>
+              <a:cs typeface="Consolas" charset="0"/>
+            </a:endParaRPr>
+          </a:p>
+        </p:txBody>
+      </p:sp>
+      <p:sp>
+        <p:nvSpPr>
+          <p:cNvPr id="4" name="TextBox 3"/>
+          <p:cNvSpPr txBox="1"/>
+          <p:nvPr/>
+        </p:nvSpPr>
+        <p:spPr>
+          <a:xfrm>
+            <a:off x="612320" y="1715862"/>
+            <a:ext cx="10967357" cy="523220"/>
+          </a:xfrm>
+          <a:prstGeom prst="rect">
+            <a:avLst/>
+          </a:prstGeom>
+          <a:noFill/>
+        </p:spPr>
+        <p:txBody>
+          <a:bodyPr wrap="square" rtlCol="0">
+            <a:spAutoFit/>
+          </a:bodyPr>
+          <a:lstStyle/>
+          <a:p>
+            <a:pPr algn="ctr"/>
+            <a:r>
+              <a:rPr lang="en-US" sz="2800" b="1" dirty="0" smtClean="0">
+                <a:solidFill>
+                  <a:schemeClr val="tx2"/>
+                </a:solidFill>
+                <a:latin typeface="Consolas" charset="0"/>
+                <a:ea typeface="Consolas" charset="0"/>
+                <a:cs typeface="Consolas" charset="0"/>
+              </a:rPr>
+              <a:t>4 General Types (see pg. 11)</a:t>
+            </a:r>
+          </a:p>
+        </p:txBody>
+      </p:sp>
+      <p:graphicFrame>
+        <p:nvGraphicFramePr>
+          <p:cNvPr id="3" name="Table 2"/>
+          <p:cNvGraphicFramePr>
+            <a:graphicFrameLocks noGrp="1"/>
+          </p:cNvGraphicFramePr>
+          <p:nvPr>
+            <p:extLst>
+              <p:ext uri="{D42A27DB-BD31-4B8C-83A1-F6EECF244321}">
+                <p14:modId xmlns:p14="http://schemas.microsoft.com/office/powerpoint/2010/main" val="1186604693"/>
+              </p:ext>
+            </p:extLst>
+          </p:nvPr>
+        </p:nvGraphicFramePr>
+        <p:xfrm>
+          <a:off x="838200" y="2264256"/>
+          <a:ext cx="10918371" cy="4206240"/>
+        </p:xfrm>
+        <a:graphic>
+          <a:graphicData uri="http://schemas.openxmlformats.org/drawingml/2006/table">
+            <a:tbl>
+              <a:tblPr firstRow="1" bandRow="1">
+                <a:tableStyleId>{5C22544A-7EE6-4342-B048-85BDC9FD1C3A}</a:tableStyleId>
+              </a:tblPr>
+              <a:tblGrid>
+                <a:gridCol w="1709057"/>
+                <a:gridCol w="4327072"/>
+                <a:gridCol w="4882242"/>
+              </a:tblGrid>
+              <a:tr h="370840">
+                <a:tc>
+                  <a:txBody>
+                    <a:bodyPr/>
+                    <a:lstStyle/>
+                    <a:p>
+                      <a:r>
+                        <a:rPr lang="en-US" sz="2400" i="1" dirty="0" smtClean="0">
+                          <a:latin typeface="Consolas" charset="0"/>
+                          <a:ea typeface="Consolas" charset="0"/>
+                          <a:cs typeface="Consolas" charset="0"/>
+                        </a:rPr>
+                        <a:t>Scale</a:t>
+                      </a:r>
+                      <a:endParaRPr lang="en-US" sz="2400" i="1" dirty="0">
+                        <a:latin typeface="Consolas" charset="0"/>
+                        <a:ea typeface="Consolas" charset="0"/>
+                        <a:cs typeface="Consolas" charset="0"/>
+                      </a:endParaRPr>
+                    </a:p>
+                  </a:txBody>
+                  <a:tcPr/>
+                </a:tc>
+                <a:tc>
+                  <a:txBody>
+                    <a:bodyPr/>
+                    <a:lstStyle/>
+                    <a:p>
+                      <a:r>
+                        <a:rPr lang="en-US" sz="2400" i="1" dirty="0" smtClean="0">
+                          <a:latin typeface="Consolas" charset="0"/>
+                          <a:ea typeface="Consolas" charset="0"/>
+                          <a:cs typeface="Consolas" charset="0"/>
+                        </a:rPr>
+                        <a:t>Definition</a:t>
+                      </a:r>
+                      <a:endParaRPr lang="en-US" sz="2400" i="1" dirty="0">
+                        <a:latin typeface="Consolas" charset="0"/>
+                        <a:ea typeface="Consolas" charset="0"/>
+                        <a:cs typeface="Consolas" charset="0"/>
+                      </a:endParaRPr>
+                    </a:p>
+                  </a:txBody>
+                  <a:tcPr/>
+                </a:tc>
+                <a:tc>
+                  <a:txBody>
+                    <a:bodyPr/>
+                    <a:lstStyle/>
+                    <a:p>
+                      <a:r>
+                        <a:rPr lang="en-US" sz="2400" i="1" dirty="0" smtClean="0">
+                          <a:latin typeface="Consolas" charset="0"/>
+                          <a:ea typeface="Consolas" charset="0"/>
+                          <a:cs typeface="Consolas" charset="0"/>
+                        </a:rPr>
+                        <a:t>What the scale allows you to do</a:t>
+                      </a:r>
+                      <a:endParaRPr lang="en-US" sz="2400" i="1" dirty="0">
+                        <a:latin typeface="Consolas" charset="0"/>
+                        <a:ea typeface="Consolas" charset="0"/>
+                        <a:cs typeface="Consolas" charset="0"/>
+                      </a:endParaRPr>
+                    </a:p>
+                  </a:txBody>
+                  <a:tcPr/>
+                </a:tc>
+              </a:tr>
+              <a:tr h="370840">
+                <a:tc>
+                  <a:txBody>
+                    <a:bodyPr/>
+                    <a:lstStyle/>
+                    <a:p>
+                      <a:r>
+                        <a:rPr lang="en-US" sz="2400" b="1" dirty="0" smtClean="0">
+                          <a:latin typeface="Consolas" charset="0"/>
+                          <a:ea typeface="Consolas" charset="0"/>
+                          <a:cs typeface="Consolas" charset="0"/>
+                        </a:rPr>
+                        <a:t>Nominal</a:t>
+                      </a:r>
+                      <a:endParaRPr lang="en-US" sz="2400" b="1" dirty="0">
+                        <a:latin typeface="Consolas" charset="0"/>
+                        <a:ea typeface="Consolas" charset="0"/>
+                        <a:cs typeface="Consolas" charset="0"/>
+                      </a:endParaRPr>
+                    </a:p>
+                  </a:txBody>
+                  <a:tcPr/>
+                </a:tc>
+                <a:tc>
+                  <a:txBody>
+                    <a:bodyPr/>
+                    <a:lstStyle/>
+                    <a:p>
+                      <a:r>
+                        <a:rPr lang="en-US" sz="1800" dirty="0" smtClean="0">
+                          <a:latin typeface="Consolas" charset="0"/>
+                          <a:ea typeface="Consolas" charset="0"/>
+                          <a:cs typeface="Consolas" charset="0"/>
+                        </a:rPr>
+                        <a:t>Categories based on qualitative similarity (no order to the categories)</a:t>
+                      </a:r>
+                      <a:endParaRPr lang="en-US" sz="1800" dirty="0">
+                        <a:latin typeface="Consolas" charset="0"/>
+                        <a:ea typeface="Consolas" charset="0"/>
+                        <a:cs typeface="Consolas" charset="0"/>
+                      </a:endParaRPr>
+                    </a:p>
+                  </a:txBody>
+                  <a:tcPr/>
+                </a:tc>
+                <a:tc>
+                  <a:txBody>
+                    <a:bodyPr/>
+                    <a:lstStyle/>
+                    <a:p>
+                      <a:r>
+                        <a:rPr lang="en-US" sz="1800" dirty="0" smtClean="0">
+                          <a:latin typeface="Consolas" charset="0"/>
+                          <a:ea typeface="Consolas" charset="0"/>
+                          <a:cs typeface="Consolas" charset="0"/>
+                        </a:rPr>
+                        <a:t>Count</a:t>
+                      </a:r>
+                      <a:r>
+                        <a:rPr lang="en-US" sz="1800" baseline="0" dirty="0" smtClean="0">
+                          <a:latin typeface="Consolas" charset="0"/>
+                          <a:ea typeface="Consolas" charset="0"/>
+                          <a:cs typeface="Consolas" charset="0"/>
+                        </a:rPr>
+                        <a:t> the number of things in the categories</a:t>
+                      </a:r>
+                      <a:endParaRPr lang="en-US" sz="1800" dirty="0">
+                        <a:latin typeface="Consolas" charset="0"/>
+                        <a:ea typeface="Consolas" charset="0"/>
+                        <a:cs typeface="Consolas" charset="0"/>
+                      </a:endParaRPr>
+                    </a:p>
+                  </a:txBody>
+                  <a:tcPr/>
+                </a:tc>
+              </a:tr>
+              <a:tr h="370840">
+                <a:tc>
+                  <a:txBody>
+                    <a:bodyPr/>
+                    <a:lstStyle/>
+                    <a:p>
+                      <a:r>
+                        <a:rPr lang="en-US" sz="2400" b="1" dirty="0" smtClean="0">
+                          <a:latin typeface="Consolas" charset="0"/>
+                          <a:ea typeface="Consolas" charset="0"/>
+                          <a:cs typeface="Consolas" charset="0"/>
+                        </a:rPr>
+                        <a:t>Ordinal</a:t>
+                      </a:r>
+                      <a:endParaRPr lang="en-US" sz="2400" b="1" dirty="0">
+                        <a:latin typeface="Consolas" charset="0"/>
+                        <a:ea typeface="Consolas" charset="0"/>
+                        <a:cs typeface="Consolas" charset="0"/>
+                      </a:endParaRPr>
+                    </a:p>
+                  </a:txBody>
+                  <a:tcPr/>
+                </a:tc>
+                <a:tc>
+                  <a:txBody>
+                    <a:bodyPr/>
+                    <a:lstStyle/>
+                    <a:p>
+                      <a:r>
+                        <a:rPr lang="en-US" sz="1800" dirty="0" smtClean="0">
+                          <a:latin typeface="Consolas" charset="0"/>
+                          <a:ea typeface="Consolas" charset="0"/>
+                          <a:cs typeface="Consolas" charset="0"/>
+                        </a:rPr>
+                        <a:t>Like</a:t>
+                      </a:r>
+                      <a:r>
+                        <a:rPr lang="en-US" sz="1800" baseline="0" dirty="0" smtClean="0">
+                          <a:latin typeface="Consolas" charset="0"/>
+                          <a:ea typeface="Consolas" charset="0"/>
+                          <a:cs typeface="Consolas" charset="0"/>
+                        </a:rPr>
+                        <a:t> nominal, but the categories can be ranked</a:t>
+                      </a:r>
+                      <a:endParaRPr lang="en-US" sz="1800" dirty="0">
+                        <a:latin typeface="Consolas" charset="0"/>
+                        <a:ea typeface="Consolas" charset="0"/>
+                        <a:cs typeface="Consolas" charset="0"/>
+                      </a:endParaRPr>
+                    </a:p>
+                  </a:txBody>
+                  <a:tcPr/>
+                </a:tc>
+                <a:tc>
+                  <a:txBody>
+                    <a:bodyPr/>
+                    <a:lstStyle/>
+                    <a:p>
+                      <a:r>
+                        <a:rPr lang="en-US" sz="1800" dirty="0" smtClean="0">
+                          <a:latin typeface="Consolas" charset="0"/>
+                          <a:ea typeface="Consolas" charset="0"/>
+                          <a:cs typeface="Consolas" charset="0"/>
+                        </a:rPr>
+                        <a:t>Count and rank</a:t>
+                      </a:r>
+                      <a:r>
+                        <a:rPr lang="en-US" sz="1800" baseline="0" dirty="0" smtClean="0">
+                          <a:latin typeface="Consolas" charset="0"/>
+                          <a:ea typeface="Consolas" charset="0"/>
+                          <a:cs typeface="Consolas" charset="0"/>
+                        </a:rPr>
+                        <a:t> the number of things in each category</a:t>
+                      </a:r>
+                      <a:endParaRPr lang="en-US" sz="1800" dirty="0">
+                        <a:latin typeface="Consolas" charset="0"/>
+                        <a:ea typeface="Consolas" charset="0"/>
+                        <a:cs typeface="Consolas" charset="0"/>
+                      </a:endParaRPr>
+                    </a:p>
+                  </a:txBody>
+                  <a:tcPr/>
+                </a:tc>
+              </a:tr>
+              <a:tr h="370840">
+                <a:tc>
+                  <a:txBody>
+                    <a:bodyPr/>
+                    <a:lstStyle/>
+                    <a:p>
+                      <a:r>
+                        <a:rPr lang="en-US" sz="2400" b="1" dirty="0" smtClean="0">
+                          <a:latin typeface="Consolas" charset="0"/>
+                          <a:ea typeface="Consolas" charset="0"/>
+                          <a:cs typeface="Consolas" charset="0"/>
+                        </a:rPr>
+                        <a:t>Interval</a:t>
+                      </a:r>
+                      <a:endParaRPr lang="en-US" sz="2400" b="1" dirty="0">
+                        <a:latin typeface="Consolas" charset="0"/>
+                        <a:ea typeface="Consolas" charset="0"/>
+                        <a:cs typeface="Consolas" charset="0"/>
+                      </a:endParaRPr>
+                    </a:p>
+                  </a:txBody>
+                  <a:tcPr/>
+                </a:tc>
+                <a:tc>
+                  <a:txBody>
+                    <a:bodyPr/>
+                    <a:lstStyle/>
+                    <a:p>
+                      <a:r>
+                        <a:rPr lang="en-US" sz="1800" dirty="0" smtClean="0">
+                          <a:latin typeface="Consolas" charset="0"/>
+                          <a:ea typeface="Consolas" charset="0"/>
+                          <a:cs typeface="Consolas" charset="0"/>
+                        </a:rPr>
+                        <a:t>Quantify how much of something</a:t>
+                      </a:r>
+                      <a:endParaRPr lang="en-US" sz="1800" dirty="0">
+                        <a:latin typeface="Consolas" charset="0"/>
+                        <a:ea typeface="Consolas" charset="0"/>
+                        <a:cs typeface="Consolas" charset="0"/>
+                      </a:endParaRPr>
+                    </a:p>
+                  </a:txBody>
+                  <a:tcPr/>
+                </a:tc>
+                <a:tc>
+                  <a:txBody>
+                    <a:bodyPr/>
+                    <a:lstStyle/>
+                    <a:p>
+                      <a:r>
+                        <a:rPr lang="en-US" sz="1800" dirty="0" smtClean="0">
+                          <a:latin typeface="Consolas" charset="0"/>
+                          <a:ea typeface="Consolas" charset="0"/>
+                          <a:cs typeface="Consolas" charset="0"/>
+                        </a:rPr>
+                        <a:t>Count, rank, and quantify how much of something there is (zero does not mean there’s nothing)</a:t>
+                      </a:r>
+                      <a:endParaRPr lang="en-US" sz="1800" dirty="0">
+                        <a:latin typeface="Consolas" charset="0"/>
+                        <a:ea typeface="Consolas" charset="0"/>
+                        <a:cs typeface="Consolas" charset="0"/>
+                      </a:endParaRPr>
+                    </a:p>
+                  </a:txBody>
+                  <a:tcPr/>
+                </a:tc>
+              </a:tr>
+              <a:tr h="370840">
+                <a:tc>
+                  <a:txBody>
+                    <a:bodyPr/>
+                    <a:lstStyle/>
+                    <a:p>
+                      <a:r>
+                        <a:rPr lang="en-US" sz="2400" b="1" dirty="0" smtClean="0">
+                          <a:latin typeface="Consolas" charset="0"/>
+                          <a:ea typeface="Consolas" charset="0"/>
+                          <a:cs typeface="Consolas" charset="0"/>
+                        </a:rPr>
+                        <a:t>Ratio</a:t>
+                      </a:r>
+                      <a:endParaRPr lang="en-US" sz="2400" b="1" dirty="0">
+                        <a:latin typeface="Consolas" charset="0"/>
+                        <a:ea typeface="Consolas" charset="0"/>
+                        <a:cs typeface="Consolas" charset="0"/>
+                      </a:endParaRPr>
+                    </a:p>
+                  </a:txBody>
+                  <a:tcPr/>
+                </a:tc>
+                <a:tc>
+                  <a:txBody>
+                    <a:bodyPr/>
+                    <a:lstStyle/>
+                    <a:p>
+                      <a:r>
+                        <a:rPr lang="en-US" sz="1800" dirty="0" smtClean="0">
+                          <a:latin typeface="Consolas" charset="0"/>
+                          <a:ea typeface="Consolas" charset="0"/>
+                          <a:cs typeface="Consolas" charset="0"/>
+                        </a:rPr>
+                        <a:t>Quantify</a:t>
+                      </a:r>
+                      <a:r>
+                        <a:rPr lang="en-US" sz="1800" baseline="0" dirty="0" smtClean="0">
+                          <a:latin typeface="Consolas" charset="0"/>
+                          <a:ea typeface="Consolas" charset="0"/>
+                          <a:cs typeface="Consolas" charset="0"/>
+                        </a:rPr>
+                        <a:t> how much of something (zero means there is none of that thing)</a:t>
+                      </a:r>
+                      <a:endParaRPr lang="en-US" sz="1800" dirty="0">
+                        <a:latin typeface="Consolas" charset="0"/>
+                        <a:ea typeface="Consolas" charset="0"/>
+                        <a:cs typeface="Consolas" charset="0"/>
+                      </a:endParaRPr>
+                    </a:p>
+                  </a:txBody>
+                  <a:tcPr/>
+                </a:tc>
+                <a:tc>
+                  <a:txBody>
+                    <a:bodyPr/>
+                    <a:lstStyle/>
+                    <a:p>
+                      <a:r>
+                        <a:rPr lang="en-US" sz="1800" dirty="0" smtClean="0">
+                          <a:latin typeface="Consolas" charset="0"/>
+                          <a:ea typeface="Consolas" charset="0"/>
+                          <a:cs typeface="Consolas" charset="0"/>
+                        </a:rPr>
+                        <a:t>Count, rank, and quantify how much of something there is with a meaningful zero</a:t>
+                      </a:r>
+                      <a:endParaRPr lang="en-US" sz="1800" dirty="0">
+                        <a:latin typeface="Consolas" charset="0"/>
+                        <a:ea typeface="Consolas" charset="0"/>
+                        <a:cs typeface="Consolas" charset="0"/>
+                      </a:endParaRPr>
+                    </a:p>
+                  </a:txBody>
+                  <a:tcPr/>
+                </a:tc>
+              </a:tr>
+            </a:tbl>
+          </a:graphicData>
+        </a:graphic>
+      </p:graphicFrame>
+      <p:sp>
+        <p:nvSpPr>
+          <p:cNvPr id="5" name="TextBox 4"/>
+          <p:cNvSpPr txBox="1"/>
+          <p:nvPr/>
+        </p:nvSpPr>
+        <p:spPr>
+          <a:xfrm>
+            <a:off x="2547257" y="2264256"/>
+            <a:ext cx="9209314" cy="4216539"/>
+          </a:xfrm>
+          <a:prstGeom prst="rect">
+            <a:avLst/>
+          </a:prstGeom>
+          <a:solidFill>
+            <a:srgbClr val="F2F2F2">
+              <a:alpha val="96863"/>
+            </a:srgbClr>
+          </a:solidFill>
+          <a:ln>
+            <a:solidFill>
+              <a:schemeClr val="bg1">
+                <a:lumMod val="95000"/>
+              </a:schemeClr>
+            </a:solidFill>
+          </a:ln>
+        </p:spPr>
+        <p:txBody>
+          <a:bodyPr wrap="square" rtlCol="0">
+            <a:spAutoFit/>
+          </a:bodyPr>
+          <a:lstStyle/>
+          <a:p>
+            <a:pPr algn="ctr"/>
+            <a:endParaRPr lang="en-US" sz="5400" b="1" dirty="0" smtClean="0">
+              <a:solidFill>
+                <a:schemeClr val="accent6"/>
+              </a:solidFill>
+              <a:latin typeface="Consolas" charset="0"/>
+              <a:ea typeface="Consolas" charset="0"/>
+              <a:cs typeface="Consolas" charset="0"/>
+            </a:endParaRPr>
+          </a:p>
+          <a:p>
+            <a:pPr algn="ctr"/>
+            <a:r>
+              <a:rPr lang="en-US" sz="5400" b="1" dirty="0" smtClean="0">
+                <a:solidFill>
+                  <a:schemeClr val="accent6"/>
+                </a:solidFill>
+                <a:latin typeface="Consolas" charset="0"/>
+                <a:ea typeface="Consolas" charset="0"/>
+                <a:cs typeface="Consolas" charset="0"/>
+              </a:rPr>
+              <a:t>Let’s think of some examples of each type</a:t>
+            </a:r>
+          </a:p>
+          <a:p>
+            <a:pPr algn="ctr"/>
+            <a:endParaRPr lang="en-US" sz="5400" b="1" dirty="0">
+              <a:solidFill>
+                <a:schemeClr val="accent6"/>
+              </a:solidFill>
+              <a:latin typeface="Consolas" charset="0"/>
+              <a:ea typeface="Consolas" charset="0"/>
+              <a:cs typeface="Consolas" charset="0"/>
+            </a:endParaRPr>
+          </a:p>
+          <a:p>
+            <a:pPr algn="ctr"/>
+            <a:endParaRPr lang="en-US" sz="2800" b="1" dirty="0" smtClean="0">
+              <a:solidFill>
+                <a:schemeClr val="accent6"/>
+              </a:solidFill>
+              <a:latin typeface="Consolas" charset="0"/>
+              <a:ea typeface="Consolas" charset="0"/>
+              <a:cs typeface="Consolas" charset="0"/>
+            </a:endParaRPr>
+          </a:p>
+          <a:p>
+            <a:pPr algn="ctr"/>
+            <a:endParaRPr lang="en-US" sz="2400" b="1" dirty="0" smtClean="0">
+              <a:solidFill>
+                <a:schemeClr val="accent6"/>
+              </a:solidFill>
+              <a:latin typeface="Consolas" charset="0"/>
+              <a:ea typeface="Consolas" charset="0"/>
+              <a:cs typeface="Consolas" charset="0"/>
+            </a:endParaRPr>
+          </a:p>
+        </p:txBody>
+      </p:sp>
+    </p:spTree>
+    <p:extLst>
+      <p:ext uri="{BB962C8B-B14F-4D97-AF65-F5344CB8AC3E}">
+        <p14:creationId xmlns:p14="http://schemas.microsoft.com/office/powerpoint/2010/main" val="439339337"/>
       </p:ext>
     </p:extLst>
   </p:cSld>
@@ -5346,6 +9308,2118 @@
 </p:sld>
 </file>
 
+<file path=ppt/slides/slide20.xml><?xml version="1.0" encoding="utf-8"?>
+<p:sld xmlns:a="http://schemas.openxmlformats.org/drawingml/2006/main" xmlns:r="http://schemas.openxmlformats.org/officeDocument/2006/relationships" xmlns:p="http://schemas.openxmlformats.org/presentationml/2006/main">
+  <p:cSld>
+    <p:spTree>
+      <p:nvGrpSpPr>
+        <p:cNvPr id="1" name=""/>
+        <p:cNvGrpSpPr/>
+        <p:nvPr/>
+      </p:nvGrpSpPr>
+      <p:grpSpPr>
+        <a:xfrm>
+          <a:off x="0" y="0"/>
+          <a:ext cx="0" cy="0"/>
+          <a:chOff x="0" y="0"/>
+          <a:chExt cx="0" cy="0"/>
+        </a:xfrm>
+      </p:grpSpPr>
+      <p:sp>
+        <p:nvSpPr>
+          <p:cNvPr id="2" name="Title 1"/>
+          <p:cNvSpPr>
+            <a:spLocks noGrp="1"/>
+          </p:cNvSpPr>
+          <p:nvPr>
+            <p:ph type="title"/>
+          </p:nvPr>
+        </p:nvSpPr>
+        <p:spPr/>
+        <p:txBody>
+          <a:bodyPr/>
+          <a:lstStyle/>
+          <a:p>
+            <a:r>
+              <a:rPr lang="en-US" b="1" dirty="0" smtClean="0">
+                <a:latin typeface="Consolas" charset="0"/>
+                <a:ea typeface="Consolas" charset="0"/>
+                <a:cs typeface="Consolas" charset="0"/>
+              </a:rPr>
+              <a:t>Scales of Measurement</a:t>
+            </a:r>
+            <a:endParaRPr lang="en-US" b="1" dirty="0">
+              <a:latin typeface="Consolas" charset="0"/>
+              <a:ea typeface="Consolas" charset="0"/>
+              <a:cs typeface="Consolas" charset="0"/>
+            </a:endParaRPr>
+          </a:p>
+        </p:txBody>
+      </p:sp>
+      <p:sp>
+        <p:nvSpPr>
+          <p:cNvPr id="4" name="TextBox 3"/>
+          <p:cNvSpPr txBox="1"/>
+          <p:nvPr/>
+        </p:nvSpPr>
+        <p:spPr>
+          <a:xfrm>
+            <a:off x="838200" y="1715862"/>
+            <a:ext cx="10741477" cy="1200329"/>
+          </a:xfrm>
+          <a:prstGeom prst="rect">
+            <a:avLst/>
+          </a:prstGeom>
+          <a:noFill/>
+        </p:spPr>
+        <p:txBody>
+          <a:bodyPr wrap="square" rtlCol="0">
+            <a:spAutoFit/>
+          </a:bodyPr>
+          <a:lstStyle/>
+          <a:p>
+            <a:r>
+              <a:rPr lang="en-US" sz="3600" b="1" dirty="0" smtClean="0">
+                <a:solidFill>
+                  <a:schemeClr val="tx2"/>
+                </a:solidFill>
+                <a:latin typeface="Consolas" charset="0"/>
+                <a:ea typeface="Consolas" charset="0"/>
+                <a:cs typeface="Consolas" charset="0"/>
+              </a:rPr>
+              <a:t>These lie on a </a:t>
+            </a:r>
+            <a:r>
+              <a:rPr lang="en-US" sz="3600" b="1" smtClean="0">
+                <a:solidFill>
+                  <a:schemeClr val="tx2"/>
+                </a:solidFill>
+                <a:latin typeface="Consolas" charset="0"/>
+                <a:ea typeface="Consolas" charset="0"/>
+                <a:cs typeface="Consolas" charset="0"/>
+              </a:rPr>
+              <a:t>spectrum from qualitative to quantitative</a:t>
+            </a:r>
+            <a:endParaRPr lang="en-US" sz="3600" b="1" dirty="0" smtClean="0">
+              <a:solidFill>
+                <a:schemeClr val="tx2"/>
+              </a:solidFill>
+              <a:latin typeface="Consolas" charset="0"/>
+              <a:ea typeface="Consolas" charset="0"/>
+              <a:cs typeface="Consolas" charset="0"/>
+            </a:endParaRPr>
+          </a:p>
+        </p:txBody>
+      </p:sp>
+      <p:sp>
+        <p:nvSpPr>
+          <p:cNvPr id="7" name="TextBox 6"/>
+          <p:cNvSpPr txBox="1"/>
+          <p:nvPr/>
+        </p:nvSpPr>
+        <p:spPr>
+          <a:xfrm>
+            <a:off x="612320" y="5199291"/>
+            <a:ext cx="10967357" cy="584775"/>
+          </a:xfrm>
+          <a:prstGeom prst="rect">
+            <a:avLst/>
+          </a:prstGeom>
+          <a:noFill/>
+        </p:spPr>
+        <p:txBody>
+          <a:bodyPr wrap="square" rtlCol="0">
+            <a:spAutoFit/>
+          </a:bodyPr>
+          <a:lstStyle/>
+          <a:p>
+            <a:pPr algn="ctr"/>
+            <a:r>
+              <a:rPr lang="en-US" sz="3200" b="1" dirty="0" smtClean="0">
+                <a:solidFill>
+                  <a:schemeClr val="accent2"/>
+                </a:solidFill>
+                <a:latin typeface="Consolas" charset="0"/>
+                <a:ea typeface="Consolas" charset="0"/>
+                <a:cs typeface="Consolas" charset="0"/>
+              </a:rPr>
+              <a:t>Qualitative</a:t>
+            </a:r>
+            <a:r>
+              <a:rPr lang="en-US" sz="3200" b="1" dirty="0" smtClean="0">
+                <a:solidFill>
+                  <a:schemeClr val="tx2"/>
+                </a:solidFill>
+                <a:latin typeface="Consolas" charset="0"/>
+                <a:ea typeface="Consolas" charset="0"/>
+                <a:cs typeface="Consolas" charset="0"/>
+              </a:rPr>
+              <a:t>                     </a:t>
+            </a:r>
+            <a:r>
+              <a:rPr lang="en-US" sz="3200" b="1" dirty="0" smtClean="0">
+                <a:solidFill>
+                  <a:schemeClr val="accent6"/>
+                </a:solidFill>
+                <a:latin typeface="Consolas" charset="0"/>
+                <a:ea typeface="Consolas" charset="0"/>
+                <a:cs typeface="Consolas" charset="0"/>
+              </a:rPr>
+              <a:t>Quantitative</a:t>
+            </a:r>
+          </a:p>
+        </p:txBody>
+      </p:sp>
+      <p:cxnSp>
+        <p:nvCxnSpPr>
+          <p:cNvPr id="9" name="Straight Arrow Connector 8"/>
+          <p:cNvCxnSpPr/>
+          <p:nvPr/>
+        </p:nvCxnSpPr>
+        <p:spPr>
+          <a:xfrm>
+            <a:off x="1025976" y="4963885"/>
+            <a:ext cx="10140043" cy="0"/>
+          </a:xfrm>
+          <a:prstGeom prst="straightConnector1">
+            <a:avLst/>
+          </a:prstGeom>
+          <a:ln w="76200">
+            <a:solidFill>
+              <a:schemeClr val="accent3"/>
+            </a:solidFill>
+            <a:headEnd type="triangle"/>
+            <a:tailEnd type="triangle"/>
+          </a:ln>
+        </p:spPr>
+        <p:style>
+          <a:lnRef idx="1">
+            <a:schemeClr val="accent1"/>
+          </a:lnRef>
+          <a:fillRef idx="0">
+            <a:schemeClr val="accent1"/>
+          </a:fillRef>
+          <a:effectRef idx="0">
+            <a:schemeClr val="accent1"/>
+          </a:effectRef>
+          <a:fontRef idx="minor">
+            <a:schemeClr val="tx1"/>
+          </a:fontRef>
+        </p:style>
+      </p:cxnSp>
+      <p:sp>
+        <p:nvSpPr>
+          <p:cNvPr id="15" name="TextBox 14"/>
+          <p:cNvSpPr txBox="1"/>
+          <p:nvPr/>
+        </p:nvSpPr>
+        <p:spPr>
+          <a:xfrm>
+            <a:off x="612318" y="4066122"/>
+            <a:ext cx="10967357" cy="584775"/>
+          </a:xfrm>
+          <a:prstGeom prst="rect">
+            <a:avLst/>
+          </a:prstGeom>
+          <a:noFill/>
+        </p:spPr>
+        <p:txBody>
+          <a:bodyPr wrap="square" rtlCol="0">
+            <a:spAutoFit/>
+          </a:bodyPr>
+          <a:lstStyle/>
+          <a:p>
+            <a:pPr algn="ctr"/>
+            <a:r>
+              <a:rPr lang="en-US" sz="3200" b="1" dirty="0" smtClean="0">
+                <a:solidFill>
+                  <a:schemeClr val="accent2"/>
+                </a:solidFill>
+                <a:latin typeface="Consolas" charset="0"/>
+                <a:ea typeface="Consolas" charset="0"/>
+                <a:cs typeface="Consolas" charset="0"/>
+              </a:rPr>
+              <a:t>Nominal</a:t>
+            </a:r>
+            <a:r>
+              <a:rPr lang="en-US" sz="3200" b="1" dirty="0" smtClean="0">
+                <a:solidFill>
+                  <a:schemeClr val="tx2"/>
+                </a:solidFill>
+                <a:latin typeface="Consolas" charset="0"/>
+                <a:ea typeface="Consolas" charset="0"/>
+                <a:cs typeface="Consolas" charset="0"/>
+              </a:rPr>
+              <a:t>     </a:t>
+            </a:r>
+            <a:r>
+              <a:rPr lang="en-US" sz="3200" b="1" dirty="0" smtClean="0">
+                <a:solidFill>
+                  <a:schemeClr val="accent5"/>
+                </a:solidFill>
+                <a:latin typeface="Consolas" charset="0"/>
+                <a:ea typeface="Consolas" charset="0"/>
+                <a:cs typeface="Consolas" charset="0"/>
+              </a:rPr>
+              <a:t>Ordinal</a:t>
+            </a:r>
+            <a:r>
+              <a:rPr lang="en-US" sz="3200" b="1" dirty="0" smtClean="0">
+                <a:solidFill>
+                  <a:schemeClr val="tx2"/>
+                </a:solidFill>
+                <a:latin typeface="Consolas" charset="0"/>
+                <a:ea typeface="Consolas" charset="0"/>
+                <a:cs typeface="Consolas" charset="0"/>
+              </a:rPr>
+              <a:t>     </a:t>
+            </a:r>
+            <a:r>
+              <a:rPr lang="en-US" sz="3200" b="1" dirty="0" smtClean="0">
+                <a:solidFill>
+                  <a:schemeClr val="accent3"/>
+                </a:solidFill>
+                <a:latin typeface="Consolas" charset="0"/>
+                <a:ea typeface="Consolas" charset="0"/>
+                <a:cs typeface="Consolas" charset="0"/>
+              </a:rPr>
+              <a:t>Interval</a:t>
+            </a:r>
+            <a:r>
+              <a:rPr lang="en-US" sz="3200" b="1" dirty="0" smtClean="0">
+                <a:solidFill>
+                  <a:schemeClr val="tx2"/>
+                </a:solidFill>
+                <a:latin typeface="Consolas" charset="0"/>
+                <a:ea typeface="Consolas" charset="0"/>
+                <a:cs typeface="Consolas" charset="0"/>
+              </a:rPr>
+              <a:t>     </a:t>
+            </a:r>
+            <a:r>
+              <a:rPr lang="en-US" sz="3200" b="1" dirty="0" smtClean="0">
+                <a:solidFill>
+                  <a:schemeClr val="accent6"/>
+                </a:solidFill>
+                <a:latin typeface="Consolas" charset="0"/>
+                <a:ea typeface="Consolas" charset="0"/>
+                <a:cs typeface="Consolas" charset="0"/>
+              </a:rPr>
+              <a:t>Ratio</a:t>
+            </a:r>
+          </a:p>
+        </p:txBody>
+      </p:sp>
+    </p:spTree>
+    <p:extLst>
+      <p:ext uri="{BB962C8B-B14F-4D97-AF65-F5344CB8AC3E}">
+        <p14:creationId xmlns:p14="http://schemas.microsoft.com/office/powerpoint/2010/main" val="1226687662"/>
+      </p:ext>
+    </p:extLst>
+  </p:cSld>
+  <p:clrMapOvr>
+    <a:masterClrMapping/>
+  </p:clrMapOvr>
+  <p:timing>
+    <p:tnLst>
+      <p:par>
+        <p:cTn id="1" dur="indefinite" restart="never" nodeType="tmRoot"/>
+      </p:par>
+    </p:tnLst>
+  </p:timing>
+</p:sld>
+</file>
+
+<file path=ppt/slides/slide21.xml><?xml version="1.0" encoding="utf-8"?>
+<p:sld xmlns:a="http://schemas.openxmlformats.org/drawingml/2006/main" xmlns:r="http://schemas.openxmlformats.org/officeDocument/2006/relationships" xmlns:p="http://schemas.openxmlformats.org/presentationml/2006/main">
+  <p:cSld>
+    <p:spTree>
+      <p:nvGrpSpPr>
+        <p:cNvPr id="1" name=""/>
+        <p:cNvGrpSpPr/>
+        <p:nvPr/>
+      </p:nvGrpSpPr>
+      <p:grpSpPr>
+        <a:xfrm>
+          <a:off x="0" y="0"/>
+          <a:ext cx="0" cy="0"/>
+          <a:chOff x="0" y="0"/>
+          <a:chExt cx="0" cy="0"/>
+        </a:xfrm>
+      </p:grpSpPr>
+      <p:sp>
+        <p:nvSpPr>
+          <p:cNvPr id="2" name="Title 1"/>
+          <p:cNvSpPr>
+            <a:spLocks noGrp="1"/>
+          </p:cNvSpPr>
+          <p:nvPr>
+            <p:ph type="title"/>
+          </p:nvPr>
+        </p:nvSpPr>
+        <p:spPr/>
+        <p:txBody>
+          <a:bodyPr/>
+          <a:lstStyle/>
+          <a:p>
+            <a:r>
+              <a:rPr lang="en-US" b="1" dirty="0" smtClean="0">
+                <a:latin typeface="Consolas" charset="0"/>
+                <a:ea typeface="Consolas" charset="0"/>
+                <a:cs typeface="Consolas" charset="0"/>
+              </a:rPr>
+              <a:t>Scales of Measurement</a:t>
+            </a:r>
+            <a:endParaRPr lang="en-US" b="1" dirty="0">
+              <a:latin typeface="Consolas" charset="0"/>
+              <a:ea typeface="Consolas" charset="0"/>
+              <a:cs typeface="Consolas" charset="0"/>
+            </a:endParaRPr>
+          </a:p>
+        </p:txBody>
+      </p:sp>
+      <p:sp>
+        <p:nvSpPr>
+          <p:cNvPr id="4" name="TextBox 3"/>
+          <p:cNvSpPr txBox="1"/>
+          <p:nvPr/>
+        </p:nvSpPr>
+        <p:spPr>
+          <a:xfrm>
+            <a:off x="1785257" y="1715861"/>
+            <a:ext cx="2443843" cy="646331"/>
+          </a:xfrm>
+          <a:prstGeom prst="rect">
+            <a:avLst/>
+          </a:prstGeom>
+          <a:noFill/>
+        </p:spPr>
+        <p:txBody>
+          <a:bodyPr wrap="square" rtlCol="0">
+            <a:spAutoFit/>
+          </a:bodyPr>
+          <a:lstStyle/>
+          <a:p>
+            <a:pPr algn="ctr"/>
+            <a:r>
+              <a:rPr lang="en-US" sz="3600" b="1" smtClean="0">
+                <a:solidFill>
+                  <a:schemeClr val="accent2"/>
+                </a:solidFill>
+                <a:latin typeface="Consolas" charset="0"/>
+                <a:ea typeface="Consolas" charset="0"/>
+                <a:cs typeface="Consolas" charset="0"/>
+              </a:rPr>
+              <a:t>Discrete</a:t>
+            </a:r>
+            <a:endParaRPr lang="en-US" sz="3600" b="1" dirty="0" smtClean="0">
+              <a:solidFill>
+                <a:schemeClr val="accent2"/>
+              </a:solidFill>
+              <a:latin typeface="Consolas" charset="0"/>
+              <a:ea typeface="Consolas" charset="0"/>
+              <a:cs typeface="Consolas" charset="0"/>
+            </a:endParaRPr>
+          </a:p>
+        </p:txBody>
+      </p:sp>
+      <p:sp>
+        <p:nvSpPr>
+          <p:cNvPr id="8" name="TextBox 7"/>
+          <p:cNvSpPr txBox="1"/>
+          <p:nvPr/>
+        </p:nvSpPr>
+        <p:spPr>
+          <a:xfrm>
+            <a:off x="7527473" y="1715861"/>
+            <a:ext cx="2748643" cy="646331"/>
+          </a:xfrm>
+          <a:prstGeom prst="rect">
+            <a:avLst/>
+          </a:prstGeom>
+          <a:noFill/>
+        </p:spPr>
+        <p:txBody>
+          <a:bodyPr wrap="square" rtlCol="0">
+            <a:spAutoFit/>
+          </a:bodyPr>
+          <a:lstStyle/>
+          <a:p>
+            <a:pPr algn="ctr"/>
+            <a:r>
+              <a:rPr lang="en-US" sz="3600" b="1" dirty="0" smtClean="0">
+                <a:solidFill>
+                  <a:schemeClr val="accent6"/>
+                </a:solidFill>
+                <a:latin typeface="Consolas" charset="0"/>
+                <a:ea typeface="Consolas" charset="0"/>
+                <a:cs typeface="Consolas" charset="0"/>
+              </a:rPr>
+              <a:t>Continuous</a:t>
+            </a:r>
+          </a:p>
+        </p:txBody>
+      </p:sp>
+      <p:sp>
+        <p:nvSpPr>
+          <p:cNvPr id="10" name="TextBox 9"/>
+          <p:cNvSpPr txBox="1"/>
+          <p:nvPr/>
+        </p:nvSpPr>
+        <p:spPr>
+          <a:xfrm>
+            <a:off x="522514" y="2729402"/>
+            <a:ext cx="5192485" cy="1754326"/>
+          </a:xfrm>
+          <a:prstGeom prst="rect">
+            <a:avLst/>
+          </a:prstGeom>
+          <a:noFill/>
+        </p:spPr>
+        <p:txBody>
+          <a:bodyPr wrap="square" rtlCol="0">
+            <a:spAutoFit/>
+          </a:bodyPr>
+          <a:lstStyle/>
+          <a:p>
+            <a:pPr algn="ctr"/>
+            <a:r>
+              <a:rPr lang="en-US" sz="3600" b="1" dirty="0" smtClean="0">
+                <a:solidFill>
+                  <a:schemeClr val="tx2"/>
+                </a:solidFill>
+                <a:latin typeface="Consolas" charset="0"/>
+                <a:ea typeface="Consolas" charset="0"/>
+                <a:cs typeface="Consolas" charset="0"/>
+              </a:rPr>
+              <a:t>Cannot be broken down </a:t>
+            </a:r>
+            <a:r>
+              <a:rPr lang="en-US" sz="3600" b="1" smtClean="0">
+                <a:solidFill>
+                  <a:schemeClr val="tx2"/>
+                </a:solidFill>
+                <a:latin typeface="Consolas" charset="0"/>
+                <a:ea typeface="Consolas" charset="0"/>
+                <a:cs typeface="Consolas" charset="0"/>
+              </a:rPr>
+              <a:t>into smaller units</a:t>
+            </a:r>
+            <a:endParaRPr lang="en-US" sz="3600" b="1" dirty="0" smtClean="0">
+              <a:solidFill>
+                <a:schemeClr val="tx2"/>
+              </a:solidFill>
+              <a:latin typeface="Consolas" charset="0"/>
+              <a:ea typeface="Consolas" charset="0"/>
+              <a:cs typeface="Consolas" charset="0"/>
+            </a:endParaRPr>
+          </a:p>
+        </p:txBody>
+      </p:sp>
+      <p:sp>
+        <p:nvSpPr>
+          <p:cNvPr id="11" name="TextBox 10"/>
+          <p:cNvSpPr txBox="1"/>
+          <p:nvPr/>
+        </p:nvSpPr>
+        <p:spPr>
+          <a:xfrm>
+            <a:off x="6305551" y="2729402"/>
+            <a:ext cx="5192485" cy="1200329"/>
+          </a:xfrm>
+          <a:prstGeom prst="rect">
+            <a:avLst/>
+          </a:prstGeom>
+          <a:noFill/>
+        </p:spPr>
+        <p:txBody>
+          <a:bodyPr wrap="square" rtlCol="0">
+            <a:spAutoFit/>
+          </a:bodyPr>
+          <a:lstStyle/>
+          <a:p>
+            <a:pPr algn="ctr"/>
+            <a:r>
+              <a:rPr lang="en-US" sz="3600" b="1" dirty="0" smtClean="0">
+                <a:solidFill>
+                  <a:schemeClr val="tx2"/>
+                </a:solidFill>
+                <a:latin typeface="Consolas" charset="0"/>
+                <a:ea typeface="Consolas" charset="0"/>
+                <a:cs typeface="Consolas" charset="0"/>
+              </a:rPr>
+              <a:t>Can be broken into smaller units</a:t>
+            </a:r>
+          </a:p>
+        </p:txBody>
+      </p:sp>
+      <p:sp>
+        <p:nvSpPr>
+          <p:cNvPr id="12" name="TextBox 11"/>
+          <p:cNvSpPr txBox="1"/>
+          <p:nvPr/>
+        </p:nvSpPr>
+        <p:spPr>
+          <a:xfrm>
+            <a:off x="522513" y="5045388"/>
+            <a:ext cx="5192485" cy="1384995"/>
+          </a:xfrm>
+          <a:prstGeom prst="rect">
+            <a:avLst/>
+          </a:prstGeom>
+          <a:noFill/>
+        </p:spPr>
+        <p:txBody>
+          <a:bodyPr wrap="square" rtlCol="0">
+            <a:spAutoFit/>
+          </a:bodyPr>
+          <a:lstStyle/>
+          <a:p>
+            <a:pPr algn="ctr"/>
+            <a:r>
+              <a:rPr lang="en-US" sz="2800" b="1" i="1" dirty="0" smtClean="0">
+                <a:solidFill>
+                  <a:schemeClr val="tx2"/>
+                </a:solidFill>
+                <a:latin typeface="Consolas" charset="0"/>
+                <a:ea typeface="Consolas" charset="0"/>
+                <a:cs typeface="Consolas" charset="0"/>
+              </a:rPr>
+              <a:t>Number of siblings, racial groups, have the disease or not</a:t>
+            </a:r>
+          </a:p>
+        </p:txBody>
+      </p:sp>
+      <p:sp>
+        <p:nvSpPr>
+          <p:cNvPr id="13" name="TextBox 12"/>
+          <p:cNvSpPr txBox="1"/>
+          <p:nvPr/>
+        </p:nvSpPr>
+        <p:spPr>
+          <a:xfrm>
+            <a:off x="6305551" y="5045388"/>
+            <a:ext cx="5192485" cy="954107"/>
+          </a:xfrm>
+          <a:prstGeom prst="rect">
+            <a:avLst/>
+          </a:prstGeom>
+          <a:noFill/>
+        </p:spPr>
+        <p:txBody>
+          <a:bodyPr wrap="square" rtlCol="0">
+            <a:spAutoFit/>
+          </a:bodyPr>
+          <a:lstStyle/>
+          <a:p>
+            <a:pPr algn="ctr"/>
+            <a:r>
+              <a:rPr lang="en-US" sz="2800" b="1" i="1" dirty="0" smtClean="0">
+                <a:solidFill>
+                  <a:schemeClr val="tx2"/>
+                </a:solidFill>
+                <a:latin typeface="Consolas" charset="0"/>
+                <a:ea typeface="Consolas" charset="0"/>
+                <a:cs typeface="Consolas" charset="0"/>
+              </a:rPr>
+              <a:t>Time to finish an exam, height of a person</a:t>
+            </a:r>
+          </a:p>
+        </p:txBody>
+      </p:sp>
+      <p:cxnSp>
+        <p:nvCxnSpPr>
+          <p:cNvPr id="5" name="Straight Connector 4"/>
+          <p:cNvCxnSpPr/>
+          <p:nvPr/>
+        </p:nvCxnSpPr>
+        <p:spPr>
+          <a:xfrm>
+            <a:off x="5943600" y="1894114"/>
+            <a:ext cx="0" cy="4536269"/>
+          </a:xfrm>
+          <a:prstGeom prst="line">
+            <a:avLst/>
+          </a:prstGeom>
+          <a:ln w="76200">
+            <a:solidFill>
+              <a:schemeClr val="accent3"/>
+            </a:solidFill>
+            <a:prstDash val="sysDash"/>
+          </a:ln>
+        </p:spPr>
+        <p:style>
+          <a:lnRef idx="1">
+            <a:schemeClr val="accent1"/>
+          </a:lnRef>
+          <a:fillRef idx="0">
+            <a:schemeClr val="accent1"/>
+          </a:fillRef>
+          <a:effectRef idx="0">
+            <a:schemeClr val="accent1"/>
+          </a:effectRef>
+          <a:fontRef idx="minor">
+            <a:schemeClr val="tx1"/>
+          </a:fontRef>
+        </p:style>
+      </p:cxnSp>
+    </p:spTree>
+    <p:extLst>
+      <p:ext uri="{BB962C8B-B14F-4D97-AF65-F5344CB8AC3E}">
+        <p14:creationId xmlns:p14="http://schemas.microsoft.com/office/powerpoint/2010/main" val="1614690946"/>
+      </p:ext>
+    </p:extLst>
+  </p:cSld>
+  <p:clrMapOvr>
+    <a:masterClrMapping/>
+  </p:clrMapOvr>
+  <p:timing>
+    <p:tnLst>
+      <p:par>
+        <p:cTn id="1" dur="indefinite" restart="never" nodeType="tmRoot"/>
+      </p:par>
+    </p:tnLst>
+  </p:timing>
+</p:sld>
+</file>
+
+<file path=ppt/slides/slide22.xml><?xml version="1.0" encoding="utf-8"?>
+<p:sld xmlns:a="http://schemas.openxmlformats.org/drawingml/2006/main" xmlns:r="http://schemas.openxmlformats.org/officeDocument/2006/relationships" xmlns:p="http://schemas.openxmlformats.org/presentationml/2006/main">
+  <p:cSld>
+    <p:spTree>
+      <p:nvGrpSpPr>
+        <p:cNvPr id="1" name=""/>
+        <p:cNvGrpSpPr/>
+        <p:nvPr/>
+      </p:nvGrpSpPr>
+      <p:grpSpPr>
+        <a:xfrm>
+          <a:off x="0" y="0"/>
+          <a:ext cx="0" cy="0"/>
+          <a:chOff x="0" y="0"/>
+          <a:chExt cx="0" cy="0"/>
+        </a:xfrm>
+      </p:grpSpPr>
+      <p:sp>
+        <p:nvSpPr>
+          <p:cNvPr id="5" name="TextBox 4"/>
+          <p:cNvSpPr txBox="1"/>
+          <p:nvPr/>
+        </p:nvSpPr>
+        <p:spPr>
+          <a:xfrm>
+            <a:off x="658586" y="2560978"/>
+            <a:ext cx="10967356" cy="1323439"/>
+          </a:xfrm>
+          <a:prstGeom prst="rect">
+            <a:avLst/>
+          </a:prstGeom>
+          <a:noFill/>
+        </p:spPr>
+        <p:txBody>
+          <a:bodyPr wrap="square" rtlCol="0">
+            <a:spAutoFit/>
+          </a:bodyPr>
+          <a:lstStyle/>
+          <a:p>
+            <a:pPr algn="ctr"/>
+            <a:r>
+              <a:rPr lang="en-US" sz="8000" b="1" smtClean="0">
+                <a:solidFill>
+                  <a:schemeClr val="accent6"/>
+                </a:solidFill>
+                <a:latin typeface="Consolas" charset="0"/>
+                <a:ea typeface="Consolas" charset="0"/>
+                <a:cs typeface="Consolas" charset="0"/>
+              </a:rPr>
+              <a:t>Break Time</a:t>
+            </a:r>
+            <a:endParaRPr lang="en-US" sz="8000" b="1" dirty="0" smtClean="0">
+              <a:solidFill>
+                <a:schemeClr val="accent6"/>
+              </a:solidFill>
+              <a:latin typeface="Consolas" charset="0"/>
+              <a:ea typeface="Consolas" charset="0"/>
+              <a:cs typeface="Consolas" charset="0"/>
+            </a:endParaRPr>
+          </a:p>
+        </p:txBody>
+      </p:sp>
+    </p:spTree>
+    <p:extLst>
+      <p:ext uri="{BB962C8B-B14F-4D97-AF65-F5344CB8AC3E}">
+        <p14:creationId xmlns:p14="http://schemas.microsoft.com/office/powerpoint/2010/main" val="907502188"/>
+      </p:ext>
+    </p:extLst>
+  </p:cSld>
+  <p:clrMapOvr>
+    <a:masterClrMapping/>
+  </p:clrMapOvr>
+  <p:timing>
+    <p:tnLst>
+      <p:par>
+        <p:cTn id="1" dur="indefinite" restart="never" nodeType="tmRoot"/>
+      </p:par>
+    </p:tnLst>
+  </p:timing>
+</p:sld>
+</file>
+
+<file path=ppt/slides/slide23.xml><?xml version="1.0" encoding="utf-8"?>
+<p:sld xmlns:a="http://schemas.openxmlformats.org/drawingml/2006/main" xmlns:r="http://schemas.openxmlformats.org/officeDocument/2006/relationships" xmlns:p="http://schemas.openxmlformats.org/presentationml/2006/main">
+  <p:cSld>
+    <p:spTree>
+      <p:nvGrpSpPr>
+        <p:cNvPr id="1" name=""/>
+        <p:cNvGrpSpPr/>
+        <p:nvPr/>
+      </p:nvGrpSpPr>
+      <p:grpSpPr>
+        <a:xfrm>
+          <a:off x="0" y="0"/>
+          <a:ext cx="0" cy="0"/>
+          <a:chOff x="0" y="0"/>
+          <a:chExt cx="0" cy="0"/>
+        </a:xfrm>
+      </p:grpSpPr>
+      <p:sp>
+        <p:nvSpPr>
+          <p:cNvPr id="2" name="Title 1"/>
+          <p:cNvSpPr>
+            <a:spLocks noGrp="1"/>
+          </p:cNvSpPr>
+          <p:nvPr>
+            <p:ph type="title"/>
+          </p:nvPr>
+        </p:nvSpPr>
+        <p:spPr/>
+        <p:txBody>
+          <a:bodyPr/>
+          <a:lstStyle/>
+          <a:p>
+            <a:r>
+              <a:rPr lang="en-US" b="1" dirty="0" smtClean="0">
+                <a:latin typeface="Consolas" charset="0"/>
+                <a:ea typeface="Consolas" charset="0"/>
+                <a:cs typeface="Consolas" charset="0"/>
+              </a:rPr>
+              <a:t>Graphing Data</a:t>
+            </a:r>
+            <a:endParaRPr lang="en-US" b="1" dirty="0">
+              <a:latin typeface="Consolas" charset="0"/>
+              <a:ea typeface="Consolas" charset="0"/>
+              <a:cs typeface="Consolas" charset="0"/>
+            </a:endParaRPr>
+          </a:p>
+        </p:txBody>
+      </p:sp>
+      <p:sp>
+        <p:nvSpPr>
+          <p:cNvPr id="8" name="TextBox 7"/>
+          <p:cNvSpPr txBox="1"/>
+          <p:nvPr/>
+        </p:nvSpPr>
+        <p:spPr>
+          <a:xfrm>
+            <a:off x="838200" y="1690688"/>
+            <a:ext cx="10325100" cy="646331"/>
+          </a:xfrm>
+          <a:prstGeom prst="rect">
+            <a:avLst/>
+          </a:prstGeom>
+          <a:noFill/>
+        </p:spPr>
+        <p:txBody>
+          <a:bodyPr wrap="square" rtlCol="0">
+            <a:spAutoFit/>
+          </a:bodyPr>
+          <a:lstStyle/>
+          <a:p>
+            <a:r>
+              <a:rPr lang="en-US" sz="3600" b="1" dirty="0" smtClean="0">
+                <a:solidFill>
+                  <a:schemeClr val="accent3"/>
+                </a:solidFill>
+                <a:latin typeface="Consolas" charset="0"/>
+                <a:ea typeface="Consolas" charset="0"/>
+                <a:cs typeface="Consolas" charset="0"/>
+              </a:rPr>
+              <a:t>A VERY </a:t>
+            </a:r>
+            <a:r>
+              <a:rPr lang="en-US" sz="3600" b="1" dirty="0" smtClean="0">
+                <a:solidFill>
+                  <a:schemeClr val="accent3"/>
+                </a:solidFill>
+                <a:latin typeface="Consolas" charset="0"/>
+                <a:ea typeface="Consolas" charset="0"/>
+                <a:cs typeface="Consolas" charset="0"/>
+              </a:rPr>
+              <a:t>IMPORTANT part </a:t>
+            </a:r>
+            <a:r>
+              <a:rPr lang="en-US" sz="3600" b="1" dirty="0" smtClean="0">
+                <a:solidFill>
+                  <a:schemeClr val="accent3"/>
+                </a:solidFill>
+                <a:latin typeface="Consolas" charset="0"/>
+                <a:ea typeface="Consolas" charset="0"/>
+                <a:cs typeface="Consolas" charset="0"/>
+              </a:rPr>
+              <a:t>of data analysis</a:t>
+            </a:r>
+          </a:p>
+        </p:txBody>
+      </p:sp>
+      <p:sp>
+        <p:nvSpPr>
+          <p:cNvPr id="4" name="TextBox 3"/>
+          <p:cNvSpPr txBox="1"/>
+          <p:nvPr/>
+        </p:nvSpPr>
+        <p:spPr>
+          <a:xfrm>
+            <a:off x="838200" y="2769285"/>
+            <a:ext cx="10325100" cy="2308324"/>
+          </a:xfrm>
+          <a:prstGeom prst="rect">
+            <a:avLst/>
+          </a:prstGeom>
+          <a:noFill/>
+        </p:spPr>
+        <p:txBody>
+          <a:bodyPr wrap="square" rtlCol="0">
+            <a:spAutoFit/>
+          </a:bodyPr>
+          <a:lstStyle/>
+          <a:p>
+            <a:r>
+              <a:rPr lang="en-US" sz="3600" b="1" dirty="0" smtClean="0">
+                <a:solidFill>
+                  <a:schemeClr val="tx2"/>
+                </a:solidFill>
+                <a:latin typeface="Consolas" charset="0"/>
+                <a:ea typeface="Consolas" charset="0"/>
+                <a:cs typeface="Consolas" charset="0"/>
+              </a:rPr>
+              <a:t>It is useful for both:</a:t>
+            </a:r>
+          </a:p>
+          <a:p>
+            <a:pPr marL="742950" indent="-742950">
+              <a:buAutoNum type="arabicPeriod"/>
+            </a:pPr>
+            <a:r>
+              <a:rPr lang="en-US" sz="3600" b="1" dirty="0" smtClean="0">
+                <a:solidFill>
+                  <a:schemeClr val="accent1"/>
+                </a:solidFill>
+                <a:latin typeface="Consolas" charset="0"/>
+                <a:ea typeface="Consolas" charset="0"/>
+                <a:cs typeface="Consolas" charset="0"/>
+              </a:rPr>
+              <a:t>Understanding patterns </a:t>
+            </a:r>
+            <a:r>
+              <a:rPr lang="en-US" sz="3600" b="1" dirty="0" smtClean="0">
+                <a:solidFill>
+                  <a:schemeClr val="tx2"/>
+                </a:solidFill>
+                <a:latin typeface="Consolas" charset="0"/>
+                <a:ea typeface="Consolas" charset="0"/>
+                <a:cs typeface="Consolas" charset="0"/>
+              </a:rPr>
+              <a:t>in the data</a:t>
+            </a:r>
+          </a:p>
+          <a:p>
+            <a:pPr marL="742950" indent="-742950">
+              <a:buAutoNum type="arabicPeriod"/>
+            </a:pPr>
+            <a:r>
+              <a:rPr lang="en-US" sz="3600" b="1" dirty="0" smtClean="0">
+                <a:solidFill>
+                  <a:schemeClr val="accent2"/>
+                </a:solidFill>
+                <a:latin typeface="Consolas" charset="0"/>
+                <a:ea typeface="Consolas" charset="0"/>
+                <a:cs typeface="Consolas" charset="0"/>
+              </a:rPr>
+              <a:t>Communicating</a:t>
+            </a:r>
+            <a:r>
+              <a:rPr lang="en-US" sz="3600" b="1" dirty="0" smtClean="0">
+                <a:solidFill>
+                  <a:schemeClr val="accent6"/>
+                </a:solidFill>
+                <a:latin typeface="Consolas" charset="0"/>
+                <a:ea typeface="Consolas" charset="0"/>
+                <a:cs typeface="Consolas" charset="0"/>
+              </a:rPr>
+              <a:t> </a:t>
+            </a:r>
+            <a:r>
+              <a:rPr lang="en-US" sz="3600" b="1" dirty="0" smtClean="0">
+                <a:solidFill>
+                  <a:schemeClr val="tx2"/>
+                </a:solidFill>
+                <a:latin typeface="Consolas" charset="0"/>
+                <a:ea typeface="Consolas" charset="0"/>
+                <a:cs typeface="Consolas" charset="0"/>
+              </a:rPr>
+              <a:t>results in a much more meaningful way</a:t>
+            </a:r>
+            <a:endParaRPr lang="en-US" sz="3600" b="1" dirty="0" smtClean="0">
+              <a:solidFill>
+                <a:schemeClr val="tx2"/>
+              </a:solidFill>
+              <a:latin typeface="Consolas" charset="0"/>
+              <a:ea typeface="Consolas" charset="0"/>
+              <a:cs typeface="Consolas" charset="0"/>
+            </a:endParaRPr>
+          </a:p>
+        </p:txBody>
+      </p:sp>
+      <p:sp>
+        <p:nvSpPr>
+          <p:cNvPr id="5" name="TextBox 4"/>
+          <p:cNvSpPr txBox="1"/>
+          <p:nvPr/>
+        </p:nvSpPr>
+        <p:spPr>
+          <a:xfrm>
+            <a:off x="838200" y="5509875"/>
+            <a:ext cx="10325100" cy="646331"/>
+          </a:xfrm>
+          <a:prstGeom prst="rect">
+            <a:avLst/>
+          </a:prstGeom>
+          <a:noFill/>
+        </p:spPr>
+        <p:txBody>
+          <a:bodyPr wrap="square" rtlCol="0">
+            <a:spAutoFit/>
+          </a:bodyPr>
+          <a:lstStyle/>
+          <a:p>
+            <a:r>
+              <a:rPr lang="en-US" sz="3600" b="1" dirty="0" smtClean="0">
+                <a:solidFill>
+                  <a:schemeClr val="accent4"/>
+                </a:solidFill>
+                <a:latin typeface="Consolas" charset="0"/>
+                <a:ea typeface="Consolas" charset="0"/>
+                <a:cs typeface="Consolas" charset="0"/>
+              </a:rPr>
+              <a:t>Takes some practice</a:t>
+            </a:r>
+            <a:endParaRPr lang="en-US" sz="3600" b="1" dirty="0" smtClean="0">
+              <a:solidFill>
+                <a:schemeClr val="accent4"/>
+              </a:solidFill>
+              <a:latin typeface="Consolas" charset="0"/>
+              <a:ea typeface="Consolas" charset="0"/>
+              <a:cs typeface="Consolas" charset="0"/>
+            </a:endParaRPr>
+          </a:p>
+        </p:txBody>
+      </p:sp>
+    </p:spTree>
+    <p:extLst>
+      <p:ext uri="{BB962C8B-B14F-4D97-AF65-F5344CB8AC3E}">
+        <p14:creationId xmlns:p14="http://schemas.microsoft.com/office/powerpoint/2010/main" val="707111883"/>
+      </p:ext>
+    </p:extLst>
+  </p:cSld>
+  <p:clrMapOvr>
+    <a:masterClrMapping/>
+  </p:clrMapOvr>
+  <p:timing>
+    <p:tnLst>
+      <p:par>
+        <p:cTn id="1" dur="indefinite" restart="never" nodeType="tmRoot"/>
+      </p:par>
+    </p:tnLst>
+  </p:timing>
+</p:sld>
+</file>
+
+<file path=ppt/slides/slide24.xml><?xml version="1.0" encoding="utf-8"?>
+<p:sld xmlns:a="http://schemas.openxmlformats.org/drawingml/2006/main" xmlns:r="http://schemas.openxmlformats.org/officeDocument/2006/relationships" xmlns:p="http://schemas.openxmlformats.org/presentationml/2006/main">
+  <p:cSld>
+    <p:spTree>
+      <p:nvGrpSpPr>
+        <p:cNvPr id="1" name=""/>
+        <p:cNvGrpSpPr/>
+        <p:nvPr/>
+      </p:nvGrpSpPr>
+      <p:grpSpPr>
+        <a:xfrm>
+          <a:off x="0" y="0"/>
+          <a:ext cx="0" cy="0"/>
+          <a:chOff x="0" y="0"/>
+          <a:chExt cx="0" cy="0"/>
+        </a:xfrm>
+      </p:grpSpPr>
+      <p:sp>
+        <p:nvSpPr>
+          <p:cNvPr id="2" name="Title 1"/>
+          <p:cNvSpPr>
+            <a:spLocks noGrp="1"/>
+          </p:cNvSpPr>
+          <p:nvPr>
+            <p:ph type="title"/>
+          </p:nvPr>
+        </p:nvSpPr>
+        <p:spPr/>
+        <p:txBody>
+          <a:bodyPr/>
+          <a:lstStyle/>
+          <a:p>
+            <a:r>
+              <a:rPr lang="en-US" b="1" dirty="0" smtClean="0">
+                <a:latin typeface="Consolas" charset="0"/>
+                <a:ea typeface="Consolas" charset="0"/>
+                <a:cs typeface="Consolas" charset="0"/>
+              </a:rPr>
+              <a:t>Some Types </a:t>
+            </a:r>
+            <a:r>
+              <a:rPr lang="en-US" b="1" dirty="0" smtClean="0">
+                <a:latin typeface="Consolas" charset="0"/>
+                <a:ea typeface="Consolas" charset="0"/>
+                <a:cs typeface="Consolas" charset="0"/>
+              </a:rPr>
+              <a:t>of </a:t>
+            </a:r>
+            <a:r>
+              <a:rPr lang="en-US" b="1" dirty="0" smtClean="0">
+                <a:latin typeface="Consolas" charset="0"/>
+                <a:ea typeface="Consolas" charset="0"/>
+                <a:cs typeface="Consolas" charset="0"/>
+              </a:rPr>
+              <a:t>Data Graphics</a:t>
+            </a:r>
+            <a:endParaRPr lang="en-US" b="1" dirty="0">
+              <a:latin typeface="Consolas" charset="0"/>
+              <a:ea typeface="Consolas" charset="0"/>
+              <a:cs typeface="Consolas" charset="0"/>
+            </a:endParaRPr>
+          </a:p>
+        </p:txBody>
+      </p:sp>
+      <p:sp>
+        <p:nvSpPr>
+          <p:cNvPr id="8" name="TextBox 7"/>
+          <p:cNvSpPr txBox="1"/>
+          <p:nvPr/>
+        </p:nvSpPr>
+        <p:spPr>
+          <a:xfrm>
+            <a:off x="838200" y="1690688"/>
+            <a:ext cx="10325100" cy="1200329"/>
+          </a:xfrm>
+          <a:prstGeom prst="rect">
+            <a:avLst/>
+          </a:prstGeom>
+          <a:noFill/>
+        </p:spPr>
+        <p:txBody>
+          <a:bodyPr wrap="square" rtlCol="0">
+            <a:spAutoFit/>
+          </a:bodyPr>
+          <a:lstStyle/>
+          <a:p>
+            <a:r>
+              <a:rPr lang="en-US" sz="3600" b="1" dirty="0" smtClean="0">
+                <a:solidFill>
+                  <a:schemeClr val="accent3"/>
+                </a:solidFill>
+                <a:latin typeface="Consolas" charset="0"/>
+                <a:ea typeface="Consolas" charset="0"/>
+                <a:cs typeface="Consolas" charset="0"/>
+              </a:rPr>
+              <a:t>Each provide different insights into the data</a:t>
+            </a:r>
+          </a:p>
+        </p:txBody>
+      </p:sp>
+      <p:sp>
+        <p:nvSpPr>
+          <p:cNvPr id="5" name="TextBox 4"/>
+          <p:cNvSpPr txBox="1"/>
+          <p:nvPr/>
+        </p:nvSpPr>
+        <p:spPr>
+          <a:xfrm>
+            <a:off x="838200" y="3062418"/>
+            <a:ext cx="10325100" cy="2308324"/>
+          </a:xfrm>
+          <a:prstGeom prst="rect">
+            <a:avLst/>
+          </a:prstGeom>
+          <a:noFill/>
+        </p:spPr>
+        <p:txBody>
+          <a:bodyPr wrap="square" rtlCol="0">
+            <a:spAutoFit/>
+          </a:bodyPr>
+          <a:lstStyle/>
+          <a:p>
+            <a:pPr marL="742950" indent="-742950">
+              <a:buAutoNum type="arabicPeriod"/>
+            </a:pPr>
+            <a:r>
+              <a:rPr lang="en-US" sz="3600" b="1" dirty="0" smtClean="0">
+                <a:solidFill>
+                  <a:schemeClr val="tx2"/>
+                </a:solidFill>
+                <a:latin typeface="Consolas" charset="0"/>
+                <a:ea typeface="Consolas" charset="0"/>
+                <a:cs typeface="Consolas" charset="0"/>
+              </a:rPr>
+              <a:t>Line Graphs</a:t>
+            </a:r>
+          </a:p>
+          <a:p>
+            <a:pPr marL="742950" indent="-742950">
+              <a:buAutoNum type="arabicPeriod"/>
+            </a:pPr>
+            <a:r>
+              <a:rPr lang="en-US" sz="3600" b="1" dirty="0" smtClean="0">
+                <a:solidFill>
+                  <a:schemeClr val="tx2"/>
+                </a:solidFill>
+                <a:latin typeface="Consolas" charset="0"/>
+                <a:ea typeface="Consolas" charset="0"/>
+                <a:cs typeface="Consolas" charset="0"/>
+              </a:rPr>
+              <a:t>Bar Graphs and Histograms</a:t>
+            </a:r>
+          </a:p>
+          <a:p>
+            <a:pPr marL="742950" indent="-742950">
+              <a:buAutoNum type="arabicPeriod"/>
+            </a:pPr>
+            <a:r>
+              <a:rPr lang="en-US" sz="3600" b="1" dirty="0" smtClean="0">
+                <a:solidFill>
+                  <a:schemeClr val="tx2"/>
+                </a:solidFill>
+                <a:latin typeface="Consolas" charset="0"/>
+                <a:ea typeface="Consolas" charset="0"/>
+                <a:cs typeface="Consolas" charset="0"/>
+              </a:rPr>
+              <a:t>Scatterplots</a:t>
+            </a:r>
+          </a:p>
+          <a:p>
+            <a:pPr marL="742950" indent="-742950">
+              <a:buAutoNum type="arabicPeriod"/>
+            </a:pPr>
+            <a:r>
+              <a:rPr lang="en-US" sz="3600" b="1" dirty="0" smtClean="0">
+                <a:solidFill>
+                  <a:schemeClr val="tx2"/>
+                </a:solidFill>
+                <a:latin typeface="Consolas" charset="0"/>
+                <a:ea typeface="Consolas" charset="0"/>
+                <a:cs typeface="Consolas" charset="0"/>
+              </a:rPr>
+              <a:t>Boxplots</a:t>
+            </a:r>
+          </a:p>
+        </p:txBody>
+      </p:sp>
+    </p:spTree>
+    <p:extLst>
+      <p:ext uri="{BB962C8B-B14F-4D97-AF65-F5344CB8AC3E}">
+        <p14:creationId xmlns:p14="http://schemas.microsoft.com/office/powerpoint/2010/main" val="752962538"/>
+      </p:ext>
+    </p:extLst>
+  </p:cSld>
+  <p:clrMapOvr>
+    <a:masterClrMapping/>
+  </p:clrMapOvr>
+  <p:timing>
+    <p:tnLst>
+      <p:par>
+        <p:cTn id="1" dur="indefinite" restart="never" nodeType="tmRoot"/>
+      </p:par>
+    </p:tnLst>
+  </p:timing>
+</p:sld>
+</file>
+
+<file path=ppt/slides/slide25.xml><?xml version="1.0" encoding="utf-8"?>
+<p:sld xmlns:a="http://schemas.openxmlformats.org/drawingml/2006/main" xmlns:r="http://schemas.openxmlformats.org/officeDocument/2006/relationships" xmlns:p="http://schemas.openxmlformats.org/presentationml/2006/main">
+  <p:cSld>
+    <p:spTree>
+      <p:nvGrpSpPr>
+        <p:cNvPr id="1" name=""/>
+        <p:cNvGrpSpPr/>
+        <p:nvPr/>
+      </p:nvGrpSpPr>
+      <p:grpSpPr>
+        <a:xfrm>
+          <a:off x="0" y="0"/>
+          <a:ext cx="0" cy="0"/>
+          <a:chOff x="0" y="0"/>
+          <a:chExt cx="0" cy="0"/>
+        </a:xfrm>
+      </p:grpSpPr>
+      <p:sp>
+        <p:nvSpPr>
+          <p:cNvPr id="2" name="Title 1"/>
+          <p:cNvSpPr>
+            <a:spLocks noGrp="1"/>
+          </p:cNvSpPr>
+          <p:nvPr>
+            <p:ph type="title"/>
+          </p:nvPr>
+        </p:nvSpPr>
+        <p:spPr/>
+        <p:txBody>
+          <a:bodyPr/>
+          <a:lstStyle/>
+          <a:p>
+            <a:r>
+              <a:rPr lang="en-US" b="1" dirty="0" smtClean="0">
+                <a:latin typeface="Consolas" charset="0"/>
+                <a:ea typeface="Consolas" charset="0"/>
+                <a:cs typeface="Consolas" charset="0"/>
+              </a:rPr>
+              <a:t>Line Graphs</a:t>
+            </a:r>
+            <a:endParaRPr lang="en-US" b="1" dirty="0">
+              <a:latin typeface="Consolas" charset="0"/>
+              <a:ea typeface="Consolas" charset="0"/>
+              <a:cs typeface="Consolas" charset="0"/>
+            </a:endParaRPr>
+          </a:p>
+        </p:txBody>
+      </p:sp>
+      <p:sp>
+        <p:nvSpPr>
+          <p:cNvPr id="8" name="TextBox 7"/>
+          <p:cNvSpPr txBox="1"/>
+          <p:nvPr/>
+        </p:nvSpPr>
+        <p:spPr>
+          <a:xfrm>
+            <a:off x="838200" y="1690688"/>
+            <a:ext cx="4660900" cy="2308324"/>
+          </a:xfrm>
+          <a:prstGeom prst="rect">
+            <a:avLst/>
+          </a:prstGeom>
+          <a:noFill/>
+        </p:spPr>
+        <p:txBody>
+          <a:bodyPr wrap="square" rtlCol="0">
+            <a:spAutoFit/>
+          </a:bodyPr>
+          <a:lstStyle/>
+          <a:p>
+            <a:r>
+              <a:rPr lang="en-US" sz="3600" b="1" dirty="0" smtClean="0">
+                <a:solidFill>
+                  <a:schemeClr val="accent6"/>
+                </a:solidFill>
+                <a:latin typeface="Consolas" charset="0"/>
+                <a:ea typeface="Consolas" charset="0"/>
+                <a:cs typeface="Consolas" charset="0"/>
+              </a:rPr>
+              <a:t>Generally shows trends and patterns across groups</a:t>
+            </a:r>
+            <a:endParaRPr lang="en-US" sz="3600" b="1" dirty="0" smtClean="0">
+              <a:solidFill>
+                <a:schemeClr val="accent6"/>
+              </a:solidFill>
+              <a:latin typeface="Consolas" charset="0"/>
+              <a:ea typeface="Consolas" charset="0"/>
+              <a:cs typeface="Consolas" charset="0"/>
+            </a:endParaRPr>
+          </a:p>
+        </p:txBody>
+      </p:sp>
+      <p:pic>
+        <p:nvPicPr>
+          <p:cNvPr id="3" name="Picture 2"/>
+          <p:cNvPicPr>
+            <a:picLocks noChangeAspect="1"/>
+          </p:cNvPicPr>
+          <p:nvPr/>
+        </p:nvPicPr>
+        <p:blipFill>
+          <a:blip r:embed="rId3"/>
+          <a:stretch>
+            <a:fillRect/>
+          </a:stretch>
+        </p:blipFill>
+        <p:spPr>
+          <a:xfrm>
+            <a:off x="5664200" y="365125"/>
+            <a:ext cx="6400800" cy="6400800"/>
+          </a:xfrm>
+          <a:prstGeom prst="rect">
+            <a:avLst/>
+          </a:prstGeom>
+        </p:spPr>
+      </p:pic>
+    </p:spTree>
+    <p:extLst>
+      <p:ext uri="{BB962C8B-B14F-4D97-AF65-F5344CB8AC3E}">
+        <p14:creationId xmlns:p14="http://schemas.microsoft.com/office/powerpoint/2010/main" val="1724826140"/>
+      </p:ext>
+    </p:extLst>
+  </p:cSld>
+  <p:clrMapOvr>
+    <a:masterClrMapping/>
+  </p:clrMapOvr>
+  <p:timing>
+    <p:tnLst>
+      <p:par>
+        <p:cTn id="1" dur="indefinite" restart="never" nodeType="tmRoot"/>
+      </p:par>
+    </p:tnLst>
+  </p:timing>
+</p:sld>
+</file>
+
+<file path=ppt/slides/slide26.xml><?xml version="1.0" encoding="utf-8"?>
+<p:sld xmlns:a="http://schemas.openxmlformats.org/drawingml/2006/main" xmlns:r="http://schemas.openxmlformats.org/officeDocument/2006/relationships" xmlns:p="http://schemas.openxmlformats.org/presentationml/2006/main">
+  <p:cSld>
+    <p:spTree>
+      <p:nvGrpSpPr>
+        <p:cNvPr id="1" name=""/>
+        <p:cNvGrpSpPr/>
+        <p:nvPr/>
+      </p:nvGrpSpPr>
+      <p:grpSpPr>
+        <a:xfrm>
+          <a:off x="0" y="0"/>
+          <a:ext cx="0" cy="0"/>
+          <a:chOff x="0" y="0"/>
+          <a:chExt cx="0" cy="0"/>
+        </a:xfrm>
+      </p:grpSpPr>
+      <p:pic>
+        <p:nvPicPr>
+          <p:cNvPr id="3" name="Picture 2"/>
+          <p:cNvPicPr>
+            <a:picLocks noChangeAspect="1"/>
+          </p:cNvPicPr>
+          <p:nvPr/>
+        </p:nvPicPr>
+        <p:blipFill>
+          <a:blip r:embed="rId3"/>
+          <a:stretch>
+            <a:fillRect/>
+          </a:stretch>
+        </p:blipFill>
+        <p:spPr>
+          <a:xfrm>
+            <a:off x="6096000" y="762000"/>
+            <a:ext cx="6096000" cy="6096000"/>
+          </a:xfrm>
+          <a:prstGeom prst="rect">
+            <a:avLst/>
+          </a:prstGeom>
+        </p:spPr>
+      </p:pic>
+      <p:sp>
+        <p:nvSpPr>
+          <p:cNvPr id="2" name="Title 1"/>
+          <p:cNvSpPr>
+            <a:spLocks noGrp="1"/>
+          </p:cNvSpPr>
+          <p:nvPr>
+            <p:ph type="title"/>
+          </p:nvPr>
+        </p:nvSpPr>
+        <p:spPr>
+          <a:xfrm>
+            <a:off x="838200" y="555625"/>
+            <a:ext cx="10515600" cy="1325563"/>
+          </a:xfrm>
+        </p:spPr>
+        <p:txBody>
+          <a:bodyPr/>
+          <a:lstStyle/>
+          <a:p>
+            <a:r>
+              <a:rPr lang="en-US" b="1" dirty="0" smtClean="0">
+                <a:latin typeface="Consolas" charset="0"/>
+                <a:ea typeface="Consolas" charset="0"/>
+                <a:cs typeface="Consolas" charset="0"/>
+              </a:rPr>
+              <a:t>Bar Graphs </a:t>
+            </a:r>
+            <a:r>
+              <a:rPr lang="en-US" b="1" smtClean="0">
+                <a:latin typeface="Consolas" charset="0"/>
+                <a:ea typeface="Consolas" charset="0"/>
+                <a:cs typeface="Consolas" charset="0"/>
+              </a:rPr>
+              <a:t>and </a:t>
+            </a:r>
+            <a:r>
+              <a:rPr lang="en-US" b="1" smtClean="0">
+                <a:latin typeface="Consolas" charset="0"/>
+                <a:ea typeface="Consolas" charset="0"/>
+                <a:cs typeface="Consolas" charset="0"/>
+              </a:rPr>
+              <a:t/>
+            </a:r>
+            <a:br>
+              <a:rPr lang="en-US" b="1" smtClean="0">
+                <a:latin typeface="Consolas" charset="0"/>
+                <a:ea typeface="Consolas" charset="0"/>
+                <a:cs typeface="Consolas" charset="0"/>
+              </a:rPr>
+            </a:br>
+            <a:r>
+              <a:rPr lang="en-US" b="1" smtClean="0">
+                <a:latin typeface="Consolas" charset="0"/>
+                <a:ea typeface="Consolas" charset="0"/>
+                <a:cs typeface="Consolas" charset="0"/>
+              </a:rPr>
+              <a:t>Histograms</a:t>
+            </a:r>
+            <a:endParaRPr lang="en-US" b="1" dirty="0">
+              <a:latin typeface="Consolas" charset="0"/>
+              <a:ea typeface="Consolas" charset="0"/>
+              <a:cs typeface="Consolas" charset="0"/>
+            </a:endParaRPr>
+          </a:p>
+        </p:txBody>
+      </p:sp>
+      <p:sp>
+        <p:nvSpPr>
+          <p:cNvPr id="6" name="TextBox 5"/>
+          <p:cNvSpPr txBox="1"/>
+          <p:nvPr/>
+        </p:nvSpPr>
+        <p:spPr>
+          <a:xfrm>
+            <a:off x="838200" y="2371855"/>
+            <a:ext cx="4521200" cy="2308324"/>
+          </a:xfrm>
+          <a:prstGeom prst="rect">
+            <a:avLst/>
+          </a:prstGeom>
+          <a:noFill/>
+        </p:spPr>
+        <p:txBody>
+          <a:bodyPr wrap="square" rtlCol="0">
+            <a:spAutoFit/>
+          </a:bodyPr>
+          <a:lstStyle/>
+          <a:p>
+            <a:r>
+              <a:rPr lang="en-US" sz="3600" b="1" dirty="0" smtClean="0">
+                <a:solidFill>
+                  <a:schemeClr val="accent6"/>
+                </a:solidFill>
+                <a:latin typeface="Consolas" charset="0"/>
+                <a:ea typeface="Consolas" charset="0"/>
+                <a:cs typeface="Consolas" charset="0"/>
+              </a:rPr>
+              <a:t>These help us understand distributions and frequencies</a:t>
+            </a:r>
+            <a:endParaRPr lang="en-US" sz="3600" b="1" dirty="0" smtClean="0">
+              <a:solidFill>
+                <a:schemeClr val="accent6"/>
+              </a:solidFill>
+              <a:latin typeface="Consolas" charset="0"/>
+              <a:ea typeface="Consolas" charset="0"/>
+              <a:cs typeface="Consolas" charset="0"/>
+            </a:endParaRPr>
+          </a:p>
+        </p:txBody>
+      </p:sp>
+    </p:spTree>
+    <p:extLst>
+      <p:ext uri="{BB962C8B-B14F-4D97-AF65-F5344CB8AC3E}">
+        <p14:creationId xmlns:p14="http://schemas.microsoft.com/office/powerpoint/2010/main" val="877795630"/>
+      </p:ext>
+    </p:extLst>
+  </p:cSld>
+  <p:clrMapOvr>
+    <a:masterClrMapping/>
+  </p:clrMapOvr>
+  <p:timing>
+    <p:tnLst>
+      <p:par>
+        <p:cTn id="1" dur="indefinite" restart="never" nodeType="tmRoot"/>
+      </p:par>
+    </p:tnLst>
+  </p:timing>
+</p:sld>
+</file>
+
+<file path=ppt/slides/slide27.xml><?xml version="1.0" encoding="utf-8"?>
+<p:sld xmlns:a="http://schemas.openxmlformats.org/drawingml/2006/main" xmlns:r="http://schemas.openxmlformats.org/officeDocument/2006/relationships" xmlns:p="http://schemas.openxmlformats.org/presentationml/2006/main">
+  <p:cSld>
+    <p:spTree>
+      <p:nvGrpSpPr>
+        <p:cNvPr id="1" name=""/>
+        <p:cNvGrpSpPr/>
+        <p:nvPr/>
+      </p:nvGrpSpPr>
+      <p:grpSpPr>
+        <a:xfrm>
+          <a:off x="0" y="0"/>
+          <a:ext cx="0" cy="0"/>
+          <a:chOff x="0" y="0"/>
+          <a:chExt cx="0" cy="0"/>
+        </a:xfrm>
+      </p:grpSpPr>
+      <p:cxnSp>
+        <p:nvCxnSpPr>
+          <p:cNvPr id="4" name="Straight Arrow Connector 3"/>
+          <p:cNvCxnSpPr/>
+          <p:nvPr/>
+        </p:nvCxnSpPr>
+        <p:spPr>
+          <a:xfrm>
+            <a:off x="4127500" y="4076701"/>
+            <a:ext cx="1117600" cy="974855"/>
+          </a:xfrm>
+          <a:prstGeom prst="straightConnector1">
+            <a:avLst/>
+          </a:prstGeom>
+          <a:ln w="57150">
+            <a:solidFill>
+              <a:schemeClr val="accent2"/>
+            </a:solidFill>
+            <a:tailEnd type="triangle"/>
+          </a:ln>
+        </p:spPr>
+        <p:style>
+          <a:lnRef idx="1">
+            <a:schemeClr val="accent1"/>
+          </a:lnRef>
+          <a:fillRef idx="0">
+            <a:schemeClr val="accent1"/>
+          </a:fillRef>
+          <a:effectRef idx="0">
+            <a:schemeClr val="accent1"/>
+          </a:effectRef>
+          <a:fontRef idx="minor">
+            <a:schemeClr val="tx1"/>
+          </a:fontRef>
+        </p:style>
+      </p:cxnSp>
+      <p:sp>
+        <p:nvSpPr>
+          <p:cNvPr id="6" name="TextBox 5"/>
+          <p:cNvSpPr txBox="1"/>
+          <p:nvPr/>
+        </p:nvSpPr>
+        <p:spPr>
+          <a:xfrm>
+            <a:off x="4686300" y="4899156"/>
+            <a:ext cx="7404100" cy="1754326"/>
+          </a:xfrm>
+          <a:prstGeom prst="rect">
+            <a:avLst/>
+          </a:prstGeom>
+          <a:noFill/>
+        </p:spPr>
+        <p:txBody>
+          <a:bodyPr wrap="square" rtlCol="0">
+            <a:spAutoFit/>
+          </a:bodyPr>
+          <a:lstStyle/>
+          <a:p>
+            <a:pPr algn="ctr"/>
+            <a:r>
+              <a:rPr lang="en-US" sz="3600" b="1" dirty="0" smtClean="0">
+                <a:solidFill>
+                  <a:schemeClr val="accent1"/>
+                </a:solidFill>
+                <a:latin typeface="Consolas" charset="0"/>
+                <a:ea typeface="Consolas" charset="0"/>
+                <a:cs typeface="Consolas" charset="0"/>
+              </a:rPr>
+              <a:t>Symmetric vs. Asymmetric</a:t>
+            </a:r>
+          </a:p>
+          <a:p>
+            <a:pPr algn="ctr"/>
+            <a:r>
+              <a:rPr lang="en-US" sz="3600" b="1" dirty="0" smtClean="0">
+                <a:solidFill>
+                  <a:schemeClr val="accent3"/>
+                </a:solidFill>
+                <a:latin typeface="Consolas" charset="0"/>
+                <a:ea typeface="Consolas" charset="0"/>
+                <a:cs typeface="Consolas" charset="0"/>
+              </a:rPr>
+              <a:t>Unimodal vs. Multimodal</a:t>
+            </a:r>
+          </a:p>
+          <a:p>
+            <a:pPr algn="ctr"/>
+            <a:r>
+              <a:rPr lang="en-US" sz="3600" b="1" dirty="0" smtClean="0">
+                <a:solidFill>
+                  <a:schemeClr val="accent5"/>
+                </a:solidFill>
+                <a:latin typeface="Consolas" charset="0"/>
+                <a:ea typeface="Consolas" charset="0"/>
+                <a:cs typeface="Consolas" charset="0"/>
+              </a:rPr>
+              <a:t>Short-tailed vs. long-tailed</a:t>
+            </a:r>
+            <a:endParaRPr lang="en-US" sz="3600" b="1" dirty="0" smtClean="0">
+              <a:solidFill>
+                <a:schemeClr val="accent5"/>
+              </a:solidFill>
+              <a:latin typeface="Consolas" charset="0"/>
+              <a:ea typeface="Consolas" charset="0"/>
+              <a:cs typeface="Consolas" charset="0"/>
+            </a:endParaRPr>
+          </a:p>
+        </p:txBody>
+      </p:sp>
+      <p:sp>
+        <p:nvSpPr>
+          <p:cNvPr id="9" name="Title 1"/>
+          <p:cNvSpPr>
+            <a:spLocks noGrp="1"/>
+          </p:cNvSpPr>
+          <p:nvPr>
+            <p:ph type="title"/>
+          </p:nvPr>
+        </p:nvSpPr>
+        <p:spPr>
+          <a:xfrm>
+            <a:off x="838200" y="555625"/>
+            <a:ext cx="10515600" cy="1325563"/>
+          </a:xfrm>
+        </p:spPr>
+        <p:txBody>
+          <a:bodyPr/>
+          <a:lstStyle/>
+          <a:p>
+            <a:r>
+              <a:rPr lang="en-US" b="1" dirty="0" smtClean="0">
+                <a:latin typeface="Consolas" charset="0"/>
+                <a:ea typeface="Consolas" charset="0"/>
+                <a:cs typeface="Consolas" charset="0"/>
+              </a:rPr>
+              <a:t>Bar Graphs </a:t>
+            </a:r>
+            <a:r>
+              <a:rPr lang="en-US" b="1" smtClean="0">
+                <a:latin typeface="Consolas" charset="0"/>
+                <a:ea typeface="Consolas" charset="0"/>
+                <a:cs typeface="Consolas" charset="0"/>
+              </a:rPr>
+              <a:t>and </a:t>
+            </a:r>
+            <a:r>
+              <a:rPr lang="en-US" b="1" smtClean="0">
+                <a:latin typeface="Consolas" charset="0"/>
+                <a:ea typeface="Consolas" charset="0"/>
+                <a:cs typeface="Consolas" charset="0"/>
+              </a:rPr>
+              <a:t/>
+            </a:r>
+            <a:br>
+              <a:rPr lang="en-US" b="1" smtClean="0">
+                <a:latin typeface="Consolas" charset="0"/>
+                <a:ea typeface="Consolas" charset="0"/>
+                <a:cs typeface="Consolas" charset="0"/>
+              </a:rPr>
+            </a:br>
+            <a:r>
+              <a:rPr lang="en-US" b="1" smtClean="0">
+                <a:latin typeface="Consolas" charset="0"/>
+                <a:ea typeface="Consolas" charset="0"/>
+                <a:cs typeface="Consolas" charset="0"/>
+              </a:rPr>
+              <a:t>Histograms</a:t>
+            </a:r>
+            <a:endParaRPr lang="en-US" b="1" dirty="0">
+              <a:latin typeface="Consolas" charset="0"/>
+              <a:ea typeface="Consolas" charset="0"/>
+              <a:cs typeface="Consolas" charset="0"/>
+            </a:endParaRPr>
+          </a:p>
+        </p:txBody>
+      </p:sp>
+      <p:sp>
+        <p:nvSpPr>
+          <p:cNvPr id="10" name="TextBox 9"/>
+          <p:cNvSpPr txBox="1"/>
+          <p:nvPr/>
+        </p:nvSpPr>
+        <p:spPr>
+          <a:xfrm>
+            <a:off x="838200" y="2371855"/>
+            <a:ext cx="4521200" cy="2308324"/>
+          </a:xfrm>
+          <a:prstGeom prst="rect">
+            <a:avLst/>
+          </a:prstGeom>
+          <a:noFill/>
+        </p:spPr>
+        <p:txBody>
+          <a:bodyPr wrap="square" rtlCol="0">
+            <a:spAutoFit/>
+          </a:bodyPr>
+          <a:lstStyle/>
+          <a:p>
+            <a:r>
+              <a:rPr lang="en-US" sz="3600" b="1" dirty="0" smtClean="0">
+                <a:solidFill>
+                  <a:schemeClr val="accent6"/>
+                </a:solidFill>
+                <a:latin typeface="Consolas" charset="0"/>
+                <a:ea typeface="Consolas" charset="0"/>
+                <a:cs typeface="Consolas" charset="0"/>
+              </a:rPr>
+              <a:t>These help us understand </a:t>
+            </a:r>
+            <a:r>
+              <a:rPr lang="en-US" sz="3600" b="1" dirty="0" smtClean="0">
+                <a:solidFill>
+                  <a:schemeClr val="accent2"/>
+                </a:solidFill>
+                <a:latin typeface="Consolas" charset="0"/>
+                <a:ea typeface="Consolas" charset="0"/>
+                <a:cs typeface="Consolas" charset="0"/>
+              </a:rPr>
+              <a:t>distributions</a:t>
+            </a:r>
+            <a:r>
+              <a:rPr lang="en-US" sz="3600" b="1" dirty="0" smtClean="0">
+                <a:solidFill>
+                  <a:schemeClr val="accent6"/>
+                </a:solidFill>
+                <a:latin typeface="Consolas" charset="0"/>
+                <a:ea typeface="Consolas" charset="0"/>
+                <a:cs typeface="Consolas" charset="0"/>
+              </a:rPr>
+              <a:t> and frequencies</a:t>
+            </a:r>
+            <a:endParaRPr lang="en-US" sz="3600" b="1" dirty="0" smtClean="0">
+              <a:solidFill>
+                <a:schemeClr val="accent6"/>
+              </a:solidFill>
+              <a:latin typeface="Consolas" charset="0"/>
+              <a:ea typeface="Consolas" charset="0"/>
+              <a:cs typeface="Consolas" charset="0"/>
+            </a:endParaRPr>
+          </a:p>
+        </p:txBody>
+      </p:sp>
+    </p:spTree>
+    <p:extLst>
+      <p:ext uri="{BB962C8B-B14F-4D97-AF65-F5344CB8AC3E}">
+        <p14:creationId xmlns:p14="http://schemas.microsoft.com/office/powerpoint/2010/main" val="751708931"/>
+      </p:ext>
+    </p:extLst>
+  </p:cSld>
+  <p:clrMapOvr>
+    <a:masterClrMapping/>
+  </p:clrMapOvr>
+  <p:timing>
+    <p:tnLst>
+      <p:par>
+        <p:cTn id="1" dur="indefinite" restart="never" nodeType="tmRoot"/>
+      </p:par>
+    </p:tnLst>
+  </p:timing>
+</p:sld>
+</file>
+
+<file path=ppt/slides/slide28.xml><?xml version="1.0" encoding="utf-8"?>
+<p:sld xmlns:a="http://schemas.openxmlformats.org/drawingml/2006/main" xmlns:r="http://schemas.openxmlformats.org/officeDocument/2006/relationships" xmlns:p="http://schemas.openxmlformats.org/presentationml/2006/main">
+  <p:cSld>
+    <p:spTree>
+      <p:nvGrpSpPr>
+        <p:cNvPr id="1" name=""/>
+        <p:cNvGrpSpPr/>
+        <p:nvPr/>
+      </p:nvGrpSpPr>
+      <p:grpSpPr>
+        <a:xfrm>
+          <a:off x="0" y="0"/>
+          <a:ext cx="0" cy="0"/>
+          <a:chOff x="0" y="0"/>
+          <a:chExt cx="0" cy="0"/>
+        </a:xfrm>
+      </p:grpSpPr>
+      <p:sp>
+        <p:nvSpPr>
+          <p:cNvPr id="2" name="Title 1"/>
+          <p:cNvSpPr>
+            <a:spLocks noGrp="1"/>
+          </p:cNvSpPr>
+          <p:nvPr>
+            <p:ph type="title"/>
+          </p:nvPr>
+        </p:nvSpPr>
+        <p:spPr/>
+        <p:txBody>
+          <a:bodyPr/>
+          <a:lstStyle/>
+          <a:p>
+            <a:r>
+              <a:rPr lang="en-US" b="1" dirty="0" smtClean="0">
+                <a:latin typeface="Consolas" charset="0"/>
+                <a:ea typeface="Consolas" charset="0"/>
+                <a:cs typeface="Consolas" charset="0"/>
+              </a:rPr>
+              <a:t>Scatterplots</a:t>
+            </a:r>
+            <a:endParaRPr lang="en-US" b="1" dirty="0">
+              <a:latin typeface="Consolas" charset="0"/>
+              <a:ea typeface="Consolas" charset="0"/>
+              <a:cs typeface="Consolas" charset="0"/>
+            </a:endParaRPr>
+          </a:p>
+        </p:txBody>
+      </p:sp>
+      <p:sp>
+        <p:nvSpPr>
+          <p:cNvPr id="8" name="TextBox 7"/>
+          <p:cNvSpPr txBox="1"/>
+          <p:nvPr/>
+        </p:nvSpPr>
+        <p:spPr>
+          <a:xfrm>
+            <a:off x="838200" y="1690688"/>
+            <a:ext cx="3708400" cy="2308324"/>
+          </a:xfrm>
+          <a:prstGeom prst="rect">
+            <a:avLst/>
+          </a:prstGeom>
+          <a:noFill/>
+        </p:spPr>
+        <p:txBody>
+          <a:bodyPr wrap="square" rtlCol="0">
+            <a:spAutoFit/>
+          </a:bodyPr>
+          <a:lstStyle/>
+          <a:p>
+            <a:r>
+              <a:rPr lang="en-US" sz="3600" b="1" dirty="0" smtClean="0">
+                <a:solidFill>
+                  <a:schemeClr val="accent6"/>
+                </a:solidFill>
+                <a:latin typeface="Consolas" charset="0"/>
+                <a:ea typeface="Consolas" charset="0"/>
+                <a:cs typeface="Consolas" charset="0"/>
+              </a:rPr>
+              <a:t>Show us how two (or more</a:t>
+            </a:r>
+            <a:r>
+              <a:rPr lang="en-US" sz="3600" b="1" smtClean="0">
+                <a:solidFill>
+                  <a:schemeClr val="accent6"/>
+                </a:solidFill>
+                <a:latin typeface="Consolas" charset="0"/>
+                <a:ea typeface="Consolas" charset="0"/>
+                <a:cs typeface="Consolas" charset="0"/>
+              </a:rPr>
+              <a:t>) variables are related</a:t>
+            </a:r>
+            <a:endParaRPr lang="en-US" sz="3600" b="1" dirty="0" smtClean="0">
+              <a:solidFill>
+                <a:schemeClr val="accent6"/>
+              </a:solidFill>
+              <a:latin typeface="Consolas" charset="0"/>
+              <a:ea typeface="Consolas" charset="0"/>
+              <a:cs typeface="Consolas" charset="0"/>
+            </a:endParaRPr>
+          </a:p>
+        </p:txBody>
+      </p:sp>
+      <p:pic>
+        <p:nvPicPr>
+          <p:cNvPr id="3" name="Picture 2"/>
+          <p:cNvPicPr>
+            <a:picLocks noChangeAspect="1"/>
+          </p:cNvPicPr>
+          <p:nvPr/>
+        </p:nvPicPr>
+        <p:blipFill>
+          <a:blip r:embed="rId3"/>
+          <a:stretch>
+            <a:fillRect/>
+          </a:stretch>
+        </p:blipFill>
+        <p:spPr>
+          <a:xfrm>
+            <a:off x="4711700" y="520700"/>
+            <a:ext cx="7315200" cy="6096000"/>
+          </a:xfrm>
+          <a:prstGeom prst="rect">
+            <a:avLst/>
+          </a:prstGeom>
+        </p:spPr>
+      </p:pic>
+    </p:spTree>
+    <p:extLst>
+      <p:ext uri="{BB962C8B-B14F-4D97-AF65-F5344CB8AC3E}">
+        <p14:creationId xmlns:p14="http://schemas.microsoft.com/office/powerpoint/2010/main" val="1314125005"/>
+      </p:ext>
+    </p:extLst>
+  </p:cSld>
+  <p:clrMapOvr>
+    <a:masterClrMapping/>
+  </p:clrMapOvr>
+  <p:timing>
+    <p:tnLst>
+      <p:par>
+        <p:cTn id="1" dur="indefinite" restart="never" nodeType="tmRoot"/>
+      </p:par>
+    </p:tnLst>
+  </p:timing>
+</p:sld>
+</file>
+
+<file path=ppt/slides/slide29.xml><?xml version="1.0" encoding="utf-8"?>
+<p:sld xmlns:a="http://schemas.openxmlformats.org/drawingml/2006/main" xmlns:r="http://schemas.openxmlformats.org/officeDocument/2006/relationships" xmlns:p="http://schemas.openxmlformats.org/presentationml/2006/main">
+  <p:cSld>
+    <p:spTree>
+      <p:nvGrpSpPr>
+        <p:cNvPr id="1" name=""/>
+        <p:cNvGrpSpPr/>
+        <p:nvPr/>
+      </p:nvGrpSpPr>
+      <p:grpSpPr>
+        <a:xfrm>
+          <a:off x="0" y="0"/>
+          <a:ext cx="0" cy="0"/>
+          <a:chOff x="0" y="0"/>
+          <a:chExt cx="0" cy="0"/>
+        </a:xfrm>
+      </p:grpSpPr>
+      <p:pic>
+        <p:nvPicPr>
+          <p:cNvPr id="3" name="Picture 2"/>
+          <p:cNvPicPr>
+            <a:picLocks noChangeAspect="1"/>
+          </p:cNvPicPr>
+          <p:nvPr/>
+        </p:nvPicPr>
+        <p:blipFill rotWithShape="1">
+          <a:blip r:embed="rId3"/>
+          <a:srcRect l="-11204" r="11204"/>
+          <a:stretch/>
+        </p:blipFill>
+        <p:spPr>
+          <a:xfrm>
+            <a:off x="3643630" y="520700"/>
+            <a:ext cx="8321040" cy="5943600"/>
+          </a:xfrm>
+          <a:prstGeom prst="rect">
+            <a:avLst/>
+          </a:prstGeom>
+        </p:spPr>
+      </p:pic>
+      <p:sp>
+        <p:nvSpPr>
+          <p:cNvPr id="2" name="Title 1"/>
+          <p:cNvSpPr>
+            <a:spLocks noGrp="1"/>
+          </p:cNvSpPr>
+          <p:nvPr>
+            <p:ph type="title"/>
+          </p:nvPr>
+        </p:nvSpPr>
+        <p:spPr/>
+        <p:txBody>
+          <a:bodyPr/>
+          <a:lstStyle/>
+          <a:p>
+            <a:r>
+              <a:rPr lang="en-US" b="1" dirty="0" smtClean="0">
+                <a:latin typeface="Consolas" charset="0"/>
+                <a:ea typeface="Consolas" charset="0"/>
+                <a:cs typeface="Consolas" charset="0"/>
+              </a:rPr>
+              <a:t>Boxplots</a:t>
+            </a:r>
+            <a:endParaRPr lang="en-US" b="1" dirty="0">
+              <a:latin typeface="Consolas" charset="0"/>
+              <a:ea typeface="Consolas" charset="0"/>
+              <a:cs typeface="Consolas" charset="0"/>
+            </a:endParaRPr>
+          </a:p>
+        </p:txBody>
+      </p:sp>
+      <p:sp>
+        <p:nvSpPr>
+          <p:cNvPr id="8" name="TextBox 7"/>
+          <p:cNvSpPr txBox="1"/>
+          <p:nvPr/>
+        </p:nvSpPr>
+        <p:spPr>
+          <a:xfrm>
+            <a:off x="838200" y="1690688"/>
+            <a:ext cx="3848100" cy="3970318"/>
+          </a:xfrm>
+          <a:prstGeom prst="rect">
+            <a:avLst/>
+          </a:prstGeom>
+          <a:noFill/>
+        </p:spPr>
+        <p:txBody>
+          <a:bodyPr wrap="square" rtlCol="0">
+            <a:spAutoFit/>
+          </a:bodyPr>
+          <a:lstStyle/>
+          <a:p>
+            <a:r>
+              <a:rPr lang="en-US" sz="3600" b="1" dirty="0" smtClean="0">
+                <a:solidFill>
+                  <a:schemeClr val="accent6"/>
+                </a:solidFill>
+                <a:latin typeface="Consolas" charset="0"/>
+                <a:ea typeface="Consolas" charset="0"/>
+                <a:cs typeface="Consolas" charset="0"/>
+              </a:rPr>
+              <a:t>Show us the range and where most values are for a variable (usually across groups)</a:t>
+            </a:r>
+            <a:endParaRPr lang="en-US" sz="3600" b="1" dirty="0" smtClean="0">
+              <a:solidFill>
+                <a:schemeClr val="accent6"/>
+              </a:solidFill>
+              <a:latin typeface="Consolas" charset="0"/>
+              <a:ea typeface="Consolas" charset="0"/>
+              <a:cs typeface="Consolas" charset="0"/>
+            </a:endParaRPr>
+          </a:p>
+        </p:txBody>
+      </p:sp>
+    </p:spTree>
+    <p:extLst>
+      <p:ext uri="{BB962C8B-B14F-4D97-AF65-F5344CB8AC3E}">
+        <p14:creationId xmlns:p14="http://schemas.microsoft.com/office/powerpoint/2010/main" val="1499102803"/>
+      </p:ext>
+    </p:extLst>
+  </p:cSld>
+  <p:clrMapOvr>
+    <a:masterClrMapping/>
+  </p:clrMapOvr>
+  <p:timing>
+    <p:tnLst>
+      <p:par>
+        <p:cTn id="1" dur="indefinite" restart="never" nodeType="tmRoot"/>
+      </p:par>
+    </p:tnLst>
+  </p:timing>
+</p:sld>
+</file>
+
 <file path=ppt/slides/slide3.xml><?xml version="1.0" encoding="utf-8"?>
 <p:sld xmlns:a="http://schemas.openxmlformats.org/drawingml/2006/main" xmlns:r="http://schemas.openxmlformats.org/officeDocument/2006/relationships" xmlns:p="http://schemas.openxmlformats.org/presentationml/2006/main">
   <p:cSld>
@@ -5443,6 +11517,857 @@
     <p:extLst>
       <p:ext uri="{BB962C8B-B14F-4D97-AF65-F5344CB8AC3E}">
         <p14:creationId xmlns:p14="http://schemas.microsoft.com/office/powerpoint/2010/main" val="132851995"/>
+      </p:ext>
+    </p:extLst>
+  </p:cSld>
+  <p:clrMapOvr>
+    <a:masterClrMapping/>
+  </p:clrMapOvr>
+  <p:timing>
+    <p:tnLst>
+      <p:par>
+        <p:cTn id="1" dur="indefinite" restart="never" nodeType="tmRoot"/>
+      </p:par>
+    </p:tnLst>
+  </p:timing>
+</p:sld>
+</file>
+
+<file path=ppt/slides/slide30.xml><?xml version="1.0" encoding="utf-8"?>
+<p:sld xmlns:a="http://schemas.openxmlformats.org/drawingml/2006/main" xmlns:r="http://schemas.openxmlformats.org/officeDocument/2006/relationships" xmlns:p="http://schemas.openxmlformats.org/presentationml/2006/main">
+  <p:cSld>
+    <p:spTree>
+      <p:nvGrpSpPr>
+        <p:cNvPr id="1" name=""/>
+        <p:cNvGrpSpPr/>
+        <p:nvPr/>
+      </p:nvGrpSpPr>
+      <p:grpSpPr>
+        <a:xfrm>
+          <a:off x="0" y="0"/>
+          <a:ext cx="0" cy="0"/>
+          <a:chOff x="0" y="0"/>
+          <a:chExt cx="0" cy="0"/>
+        </a:xfrm>
+      </p:grpSpPr>
+      <p:sp>
+        <p:nvSpPr>
+          <p:cNvPr id="2" name="Title 1"/>
+          <p:cNvSpPr>
+            <a:spLocks noGrp="1"/>
+          </p:cNvSpPr>
+          <p:nvPr>
+            <p:ph type="title"/>
+          </p:nvPr>
+        </p:nvSpPr>
+        <p:spPr/>
+        <p:txBody>
+          <a:bodyPr/>
+          <a:lstStyle/>
+          <a:p>
+            <a:r>
+              <a:rPr lang="en-US" b="1" dirty="0" smtClean="0">
+                <a:latin typeface="Consolas" charset="0"/>
+                <a:ea typeface="Consolas" charset="0"/>
+                <a:cs typeface="Consolas" charset="0"/>
+              </a:rPr>
+              <a:t>Frequency Tables</a:t>
+            </a:r>
+            <a:endParaRPr lang="en-US" b="1" dirty="0">
+              <a:latin typeface="Consolas" charset="0"/>
+              <a:ea typeface="Consolas" charset="0"/>
+              <a:cs typeface="Consolas" charset="0"/>
+            </a:endParaRPr>
+          </a:p>
+        </p:txBody>
+      </p:sp>
+      <p:sp>
+        <p:nvSpPr>
+          <p:cNvPr id="8" name="TextBox 7"/>
+          <p:cNvSpPr txBox="1"/>
+          <p:nvPr/>
+        </p:nvSpPr>
+        <p:spPr>
+          <a:xfrm>
+            <a:off x="838200" y="1690688"/>
+            <a:ext cx="10325100" cy="1200329"/>
+          </a:xfrm>
+          <a:prstGeom prst="rect">
+            <a:avLst/>
+          </a:prstGeom>
+          <a:noFill/>
+        </p:spPr>
+        <p:txBody>
+          <a:bodyPr wrap="square" rtlCol="0">
+            <a:spAutoFit/>
+          </a:bodyPr>
+          <a:lstStyle/>
+          <a:p>
+            <a:r>
+              <a:rPr lang="en-US" sz="3600" b="1" dirty="0" smtClean="0">
+                <a:solidFill>
+                  <a:schemeClr val="accent6"/>
+                </a:solidFill>
+                <a:latin typeface="Consolas" charset="0"/>
+                <a:ea typeface="Consolas" charset="0"/>
+                <a:cs typeface="Consolas" charset="0"/>
+              </a:rPr>
+              <a:t>Tables can also be very valuable to understand patterns in the data</a:t>
+            </a:r>
+            <a:endParaRPr lang="en-US" sz="3600" b="1" dirty="0" smtClean="0">
+              <a:solidFill>
+                <a:schemeClr val="accent6"/>
+              </a:solidFill>
+              <a:latin typeface="Consolas" charset="0"/>
+              <a:ea typeface="Consolas" charset="0"/>
+              <a:cs typeface="Consolas" charset="0"/>
+            </a:endParaRPr>
+          </a:p>
+        </p:txBody>
+      </p:sp>
+      <p:graphicFrame>
+        <p:nvGraphicFramePr>
+          <p:cNvPr id="3" name="Table 2"/>
+          <p:cNvGraphicFramePr>
+            <a:graphicFrameLocks noGrp="1"/>
+          </p:cNvGraphicFramePr>
+          <p:nvPr>
+            <p:extLst>
+              <p:ext uri="{D42A27DB-BD31-4B8C-83A1-F6EECF244321}">
+                <p14:modId xmlns:p14="http://schemas.microsoft.com/office/powerpoint/2010/main" val="1598841790"/>
+              </p:ext>
+            </p:extLst>
+          </p:nvPr>
+        </p:nvGraphicFramePr>
+        <p:xfrm>
+          <a:off x="1235074" y="3360600"/>
+          <a:ext cx="9531352" cy="3017520"/>
+        </p:xfrm>
+        <a:graphic>
+          <a:graphicData uri="http://schemas.openxmlformats.org/drawingml/2006/table">
+            <a:tbl>
+              <a:tblPr firstRow="1" bandRow="1">
+                <a:tableStyleId>{5C22544A-7EE6-4342-B048-85BDC9FD1C3A}</a:tableStyleId>
+              </a:tblPr>
+              <a:tblGrid>
+                <a:gridCol w="2382838"/>
+                <a:gridCol w="2382838"/>
+                <a:gridCol w="2382838"/>
+                <a:gridCol w="2382838"/>
+              </a:tblGrid>
+              <a:tr h="370840">
+                <a:tc>
+                  <a:txBody>
+                    <a:bodyPr/>
+                    <a:lstStyle/>
+                    <a:p>
+                      <a:r>
+                        <a:rPr lang="en-US" sz="2800" dirty="0" smtClean="0">
+                          <a:latin typeface="Consolas" charset="0"/>
+                          <a:ea typeface="Consolas" charset="0"/>
+                          <a:cs typeface="Consolas" charset="0"/>
+                        </a:rPr>
+                        <a:t>Level</a:t>
+                      </a:r>
+                      <a:endParaRPr lang="en-US" sz="2800" dirty="0">
+                        <a:latin typeface="Consolas" charset="0"/>
+                        <a:ea typeface="Consolas" charset="0"/>
+                        <a:cs typeface="Consolas" charset="0"/>
+                      </a:endParaRPr>
+                    </a:p>
+                  </a:txBody>
+                  <a:tcPr/>
+                </a:tc>
+                <a:tc>
+                  <a:txBody>
+                    <a:bodyPr/>
+                    <a:lstStyle/>
+                    <a:p>
+                      <a:r>
+                        <a:rPr lang="en-US" sz="2800" dirty="0" smtClean="0">
+                          <a:latin typeface="Consolas" charset="0"/>
+                          <a:ea typeface="Consolas" charset="0"/>
+                          <a:cs typeface="Consolas" charset="0"/>
+                        </a:rPr>
+                        <a:t>Frequency</a:t>
+                      </a:r>
+                      <a:endParaRPr lang="en-US" sz="2800" dirty="0">
+                        <a:latin typeface="Consolas" charset="0"/>
+                        <a:ea typeface="Consolas" charset="0"/>
+                        <a:cs typeface="Consolas" charset="0"/>
+                      </a:endParaRPr>
+                    </a:p>
+                  </a:txBody>
+                  <a:tcPr/>
+                </a:tc>
+                <a:tc>
+                  <a:txBody>
+                    <a:bodyPr/>
+                    <a:lstStyle/>
+                    <a:p>
+                      <a:r>
+                        <a:rPr lang="en-US" sz="2800" dirty="0" smtClean="0">
+                          <a:latin typeface="Consolas" charset="0"/>
+                          <a:ea typeface="Consolas" charset="0"/>
+                          <a:cs typeface="Consolas" charset="0"/>
+                        </a:rPr>
+                        <a:t>Percent</a:t>
+                      </a:r>
+                      <a:endParaRPr lang="en-US" sz="2800" dirty="0">
+                        <a:latin typeface="Consolas" charset="0"/>
+                        <a:ea typeface="Consolas" charset="0"/>
+                        <a:cs typeface="Consolas" charset="0"/>
+                      </a:endParaRPr>
+                    </a:p>
+                  </a:txBody>
+                  <a:tcPr/>
+                </a:tc>
+                <a:tc>
+                  <a:txBody>
+                    <a:bodyPr/>
+                    <a:lstStyle/>
+                    <a:p>
+                      <a:r>
+                        <a:rPr lang="en-US" sz="2800" dirty="0" smtClean="0">
+                          <a:latin typeface="Consolas" charset="0"/>
+                          <a:ea typeface="Consolas" charset="0"/>
+                          <a:cs typeface="Consolas" charset="0"/>
+                        </a:rPr>
+                        <a:t>Cumulative Percent</a:t>
+                      </a:r>
+                      <a:endParaRPr lang="en-US" sz="2800" dirty="0">
+                        <a:latin typeface="Consolas" charset="0"/>
+                        <a:ea typeface="Consolas" charset="0"/>
+                        <a:cs typeface="Consolas" charset="0"/>
+                      </a:endParaRPr>
+                    </a:p>
+                  </a:txBody>
+                  <a:tcPr/>
+                </a:tc>
+              </a:tr>
+              <a:tr h="370840">
+                <a:tc>
+                  <a:txBody>
+                    <a:bodyPr/>
+                    <a:lstStyle/>
+                    <a:p>
+                      <a:r>
+                        <a:rPr lang="en-US" sz="2800" dirty="0" smtClean="0">
+                          <a:latin typeface="Consolas" charset="0"/>
+                          <a:ea typeface="Consolas" charset="0"/>
+                          <a:cs typeface="Consolas" charset="0"/>
+                        </a:rPr>
+                        <a:t>A</a:t>
+                      </a:r>
+                      <a:endParaRPr lang="en-US" sz="2800" dirty="0">
+                        <a:latin typeface="Consolas" charset="0"/>
+                        <a:ea typeface="Consolas" charset="0"/>
+                        <a:cs typeface="Consolas" charset="0"/>
+                      </a:endParaRPr>
+                    </a:p>
+                  </a:txBody>
+                  <a:tcPr/>
+                </a:tc>
+                <a:tc>
+                  <a:txBody>
+                    <a:bodyPr/>
+                    <a:lstStyle/>
+                    <a:p>
+                      <a:r>
+                        <a:rPr lang="en-US" sz="2800" dirty="0" smtClean="0">
+                          <a:latin typeface="Consolas" charset="0"/>
+                          <a:ea typeface="Consolas" charset="0"/>
+                          <a:cs typeface="Consolas" charset="0"/>
+                        </a:rPr>
+                        <a:t>10</a:t>
+                      </a:r>
+                      <a:endParaRPr lang="en-US" sz="2800" dirty="0">
+                        <a:latin typeface="Consolas" charset="0"/>
+                        <a:ea typeface="Consolas" charset="0"/>
+                        <a:cs typeface="Consolas" charset="0"/>
+                      </a:endParaRPr>
+                    </a:p>
+                  </a:txBody>
+                  <a:tcPr/>
+                </a:tc>
+                <a:tc>
+                  <a:txBody>
+                    <a:bodyPr/>
+                    <a:lstStyle/>
+                    <a:p>
+                      <a:r>
+                        <a:rPr lang="en-US" sz="2800" dirty="0" smtClean="0">
+                          <a:latin typeface="Consolas" charset="0"/>
+                          <a:ea typeface="Consolas" charset="0"/>
+                          <a:cs typeface="Consolas" charset="0"/>
+                        </a:rPr>
+                        <a:t>25.0%</a:t>
+                      </a:r>
+                      <a:endParaRPr lang="en-US" sz="2800" dirty="0">
+                        <a:latin typeface="Consolas" charset="0"/>
+                        <a:ea typeface="Consolas" charset="0"/>
+                        <a:cs typeface="Consolas" charset="0"/>
+                      </a:endParaRPr>
+                    </a:p>
+                  </a:txBody>
+                  <a:tcPr/>
+                </a:tc>
+                <a:tc>
+                  <a:txBody>
+                    <a:bodyPr/>
+                    <a:lstStyle/>
+                    <a:p>
+                      <a:r>
+                        <a:rPr lang="en-US" sz="2800" dirty="0" smtClean="0">
+                          <a:latin typeface="Consolas" charset="0"/>
+                          <a:ea typeface="Consolas" charset="0"/>
+                          <a:cs typeface="Consolas" charset="0"/>
+                        </a:rPr>
+                        <a:t>25.0%</a:t>
+                      </a:r>
+                      <a:endParaRPr lang="en-US" sz="2800" dirty="0">
+                        <a:latin typeface="Consolas" charset="0"/>
+                        <a:ea typeface="Consolas" charset="0"/>
+                        <a:cs typeface="Consolas" charset="0"/>
+                      </a:endParaRPr>
+                    </a:p>
+                  </a:txBody>
+                  <a:tcPr/>
+                </a:tc>
+              </a:tr>
+              <a:tr h="370840">
+                <a:tc>
+                  <a:txBody>
+                    <a:bodyPr/>
+                    <a:lstStyle/>
+                    <a:p>
+                      <a:r>
+                        <a:rPr lang="en-US" sz="2800" dirty="0" smtClean="0">
+                          <a:latin typeface="Consolas" charset="0"/>
+                          <a:ea typeface="Consolas" charset="0"/>
+                          <a:cs typeface="Consolas" charset="0"/>
+                        </a:rPr>
+                        <a:t>B</a:t>
+                      </a:r>
+                      <a:endParaRPr lang="en-US" sz="2800" dirty="0">
+                        <a:latin typeface="Consolas" charset="0"/>
+                        <a:ea typeface="Consolas" charset="0"/>
+                        <a:cs typeface="Consolas" charset="0"/>
+                      </a:endParaRPr>
+                    </a:p>
+                  </a:txBody>
+                  <a:tcPr/>
+                </a:tc>
+                <a:tc>
+                  <a:txBody>
+                    <a:bodyPr/>
+                    <a:lstStyle/>
+                    <a:p>
+                      <a:r>
+                        <a:rPr lang="en-US" sz="2800" dirty="0" smtClean="0">
+                          <a:latin typeface="Consolas" charset="0"/>
+                          <a:ea typeface="Consolas" charset="0"/>
+                          <a:cs typeface="Consolas" charset="0"/>
+                        </a:rPr>
+                        <a:t>5</a:t>
+                      </a:r>
+                      <a:endParaRPr lang="en-US" sz="2800" dirty="0">
+                        <a:latin typeface="Consolas" charset="0"/>
+                        <a:ea typeface="Consolas" charset="0"/>
+                        <a:cs typeface="Consolas" charset="0"/>
+                      </a:endParaRPr>
+                    </a:p>
+                  </a:txBody>
+                  <a:tcPr/>
+                </a:tc>
+                <a:tc>
+                  <a:txBody>
+                    <a:bodyPr/>
+                    <a:lstStyle/>
+                    <a:p>
+                      <a:r>
+                        <a:rPr lang="en-US" sz="2800" dirty="0" smtClean="0">
+                          <a:latin typeface="Consolas" charset="0"/>
+                          <a:ea typeface="Consolas" charset="0"/>
+                          <a:cs typeface="Consolas" charset="0"/>
+                        </a:rPr>
+                        <a:t>12.5%</a:t>
+                      </a:r>
+                      <a:endParaRPr lang="en-US" sz="2800" dirty="0">
+                        <a:latin typeface="Consolas" charset="0"/>
+                        <a:ea typeface="Consolas" charset="0"/>
+                        <a:cs typeface="Consolas" charset="0"/>
+                      </a:endParaRPr>
+                    </a:p>
+                  </a:txBody>
+                  <a:tcPr/>
+                </a:tc>
+                <a:tc>
+                  <a:txBody>
+                    <a:bodyPr/>
+                    <a:lstStyle/>
+                    <a:p>
+                      <a:r>
+                        <a:rPr lang="en-US" sz="2800" dirty="0" smtClean="0">
+                          <a:latin typeface="Consolas" charset="0"/>
+                          <a:ea typeface="Consolas" charset="0"/>
+                          <a:cs typeface="Consolas" charset="0"/>
+                        </a:rPr>
+                        <a:t>37.5%</a:t>
+                      </a:r>
+                      <a:endParaRPr lang="en-US" sz="2800" dirty="0">
+                        <a:latin typeface="Consolas" charset="0"/>
+                        <a:ea typeface="Consolas" charset="0"/>
+                        <a:cs typeface="Consolas" charset="0"/>
+                      </a:endParaRPr>
+                    </a:p>
+                  </a:txBody>
+                  <a:tcPr/>
+                </a:tc>
+              </a:tr>
+              <a:tr h="370840">
+                <a:tc>
+                  <a:txBody>
+                    <a:bodyPr/>
+                    <a:lstStyle/>
+                    <a:p>
+                      <a:r>
+                        <a:rPr lang="en-US" sz="2800" dirty="0" smtClean="0">
+                          <a:latin typeface="Consolas" charset="0"/>
+                          <a:ea typeface="Consolas" charset="0"/>
+                          <a:cs typeface="Consolas" charset="0"/>
+                        </a:rPr>
+                        <a:t>C</a:t>
+                      </a:r>
+                      <a:endParaRPr lang="en-US" sz="2800" dirty="0">
+                        <a:latin typeface="Consolas" charset="0"/>
+                        <a:ea typeface="Consolas" charset="0"/>
+                        <a:cs typeface="Consolas" charset="0"/>
+                      </a:endParaRPr>
+                    </a:p>
+                  </a:txBody>
+                  <a:tcPr/>
+                </a:tc>
+                <a:tc>
+                  <a:txBody>
+                    <a:bodyPr/>
+                    <a:lstStyle/>
+                    <a:p>
+                      <a:r>
+                        <a:rPr lang="en-US" sz="2800" dirty="0" smtClean="0">
+                          <a:latin typeface="Consolas" charset="0"/>
+                          <a:ea typeface="Consolas" charset="0"/>
+                          <a:cs typeface="Consolas" charset="0"/>
+                        </a:rPr>
+                        <a:t>20</a:t>
+                      </a:r>
+                      <a:endParaRPr lang="en-US" sz="2800" dirty="0">
+                        <a:latin typeface="Consolas" charset="0"/>
+                        <a:ea typeface="Consolas" charset="0"/>
+                        <a:cs typeface="Consolas" charset="0"/>
+                      </a:endParaRPr>
+                    </a:p>
+                  </a:txBody>
+                  <a:tcPr/>
+                </a:tc>
+                <a:tc>
+                  <a:txBody>
+                    <a:bodyPr/>
+                    <a:lstStyle/>
+                    <a:p>
+                      <a:r>
+                        <a:rPr lang="en-US" sz="2800" dirty="0" smtClean="0">
+                          <a:latin typeface="Consolas" charset="0"/>
+                          <a:ea typeface="Consolas" charset="0"/>
+                          <a:cs typeface="Consolas" charset="0"/>
+                        </a:rPr>
+                        <a:t>50.0%</a:t>
+                      </a:r>
+                      <a:endParaRPr lang="en-US" sz="2800" dirty="0">
+                        <a:latin typeface="Consolas" charset="0"/>
+                        <a:ea typeface="Consolas" charset="0"/>
+                        <a:cs typeface="Consolas" charset="0"/>
+                      </a:endParaRPr>
+                    </a:p>
+                  </a:txBody>
+                  <a:tcPr/>
+                </a:tc>
+                <a:tc>
+                  <a:txBody>
+                    <a:bodyPr/>
+                    <a:lstStyle/>
+                    <a:p>
+                      <a:r>
+                        <a:rPr lang="en-US" sz="2800" dirty="0" smtClean="0">
+                          <a:latin typeface="Consolas" charset="0"/>
+                          <a:ea typeface="Consolas" charset="0"/>
+                          <a:cs typeface="Consolas" charset="0"/>
+                        </a:rPr>
+                        <a:t>87.5%</a:t>
+                      </a:r>
+                      <a:endParaRPr lang="en-US" sz="2800" dirty="0">
+                        <a:latin typeface="Consolas" charset="0"/>
+                        <a:ea typeface="Consolas" charset="0"/>
+                        <a:cs typeface="Consolas" charset="0"/>
+                      </a:endParaRPr>
+                    </a:p>
+                  </a:txBody>
+                  <a:tcPr/>
+                </a:tc>
+              </a:tr>
+              <a:tr h="370840">
+                <a:tc>
+                  <a:txBody>
+                    <a:bodyPr/>
+                    <a:lstStyle/>
+                    <a:p>
+                      <a:r>
+                        <a:rPr lang="en-US" sz="2800" dirty="0" smtClean="0">
+                          <a:latin typeface="Consolas" charset="0"/>
+                          <a:ea typeface="Consolas" charset="0"/>
+                          <a:cs typeface="Consolas" charset="0"/>
+                        </a:rPr>
+                        <a:t>D</a:t>
+                      </a:r>
+                      <a:endParaRPr lang="en-US" sz="2800" dirty="0">
+                        <a:latin typeface="Consolas" charset="0"/>
+                        <a:ea typeface="Consolas" charset="0"/>
+                        <a:cs typeface="Consolas" charset="0"/>
+                      </a:endParaRPr>
+                    </a:p>
+                  </a:txBody>
+                  <a:tcPr/>
+                </a:tc>
+                <a:tc>
+                  <a:txBody>
+                    <a:bodyPr/>
+                    <a:lstStyle/>
+                    <a:p>
+                      <a:r>
+                        <a:rPr lang="en-US" sz="2800" dirty="0" smtClean="0">
+                          <a:latin typeface="Consolas" charset="0"/>
+                          <a:ea typeface="Consolas" charset="0"/>
+                          <a:cs typeface="Consolas" charset="0"/>
+                        </a:rPr>
+                        <a:t>5</a:t>
+                      </a:r>
+                      <a:endParaRPr lang="en-US" sz="2800" dirty="0">
+                        <a:latin typeface="Consolas" charset="0"/>
+                        <a:ea typeface="Consolas" charset="0"/>
+                        <a:cs typeface="Consolas" charset="0"/>
+                      </a:endParaRPr>
+                    </a:p>
+                  </a:txBody>
+                  <a:tcPr/>
+                </a:tc>
+                <a:tc>
+                  <a:txBody>
+                    <a:bodyPr/>
+                    <a:lstStyle/>
+                    <a:p>
+                      <a:r>
+                        <a:rPr lang="en-US" sz="2800" dirty="0" smtClean="0">
+                          <a:latin typeface="Consolas" charset="0"/>
+                          <a:ea typeface="Consolas" charset="0"/>
+                          <a:cs typeface="Consolas" charset="0"/>
+                        </a:rPr>
+                        <a:t>12.5%</a:t>
+                      </a:r>
+                      <a:endParaRPr lang="en-US" sz="2800" dirty="0">
+                        <a:latin typeface="Consolas" charset="0"/>
+                        <a:ea typeface="Consolas" charset="0"/>
+                        <a:cs typeface="Consolas" charset="0"/>
+                      </a:endParaRPr>
+                    </a:p>
+                  </a:txBody>
+                  <a:tcPr/>
+                </a:tc>
+                <a:tc>
+                  <a:txBody>
+                    <a:bodyPr/>
+                    <a:lstStyle/>
+                    <a:p>
+                      <a:r>
+                        <a:rPr lang="en-US" sz="2800" dirty="0" smtClean="0">
+                          <a:latin typeface="Consolas" charset="0"/>
+                          <a:ea typeface="Consolas" charset="0"/>
+                          <a:cs typeface="Consolas" charset="0"/>
+                        </a:rPr>
+                        <a:t>100%</a:t>
+                      </a:r>
+                      <a:endParaRPr lang="en-US" sz="2800" dirty="0">
+                        <a:latin typeface="Consolas" charset="0"/>
+                        <a:ea typeface="Consolas" charset="0"/>
+                        <a:cs typeface="Consolas" charset="0"/>
+                      </a:endParaRPr>
+                    </a:p>
+                  </a:txBody>
+                  <a:tcPr/>
+                </a:tc>
+              </a:tr>
+            </a:tbl>
+          </a:graphicData>
+        </a:graphic>
+      </p:graphicFrame>
+    </p:spTree>
+    <p:extLst>
+      <p:ext uri="{BB962C8B-B14F-4D97-AF65-F5344CB8AC3E}">
+        <p14:creationId xmlns:p14="http://schemas.microsoft.com/office/powerpoint/2010/main" val="986743484"/>
+      </p:ext>
+    </p:extLst>
+  </p:cSld>
+  <p:clrMapOvr>
+    <a:masterClrMapping/>
+  </p:clrMapOvr>
+  <p:timing>
+    <p:tnLst>
+      <p:par>
+        <p:cTn id="1" dur="indefinite" restart="never" nodeType="tmRoot"/>
+      </p:par>
+    </p:tnLst>
+  </p:timing>
+</p:sld>
+</file>
+
+<file path=ppt/slides/slide31.xml><?xml version="1.0" encoding="utf-8"?>
+<p:sld xmlns:a="http://schemas.openxmlformats.org/drawingml/2006/main" xmlns:r="http://schemas.openxmlformats.org/officeDocument/2006/relationships" xmlns:p="http://schemas.openxmlformats.org/presentationml/2006/main">
+  <p:cSld>
+    <p:spTree>
+      <p:nvGrpSpPr>
+        <p:cNvPr id="1" name=""/>
+        <p:cNvGrpSpPr/>
+        <p:nvPr/>
+      </p:nvGrpSpPr>
+      <p:grpSpPr>
+        <a:xfrm>
+          <a:off x="0" y="0"/>
+          <a:ext cx="0" cy="0"/>
+          <a:chOff x="0" y="0"/>
+          <a:chExt cx="0" cy="0"/>
+        </a:xfrm>
+      </p:grpSpPr>
+      <p:sp>
+        <p:nvSpPr>
+          <p:cNvPr id="4" name="Rectangle 3"/>
+          <p:cNvSpPr/>
+          <p:nvPr/>
+        </p:nvSpPr>
+        <p:spPr>
+          <a:xfrm>
+            <a:off x="408214" y="2754477"/>
+            <a:ext cx="11413671" cy="1446550"/>
+          </a:xfrm>
+          <a:prstGeom prst="rect">
+            <a:avLst/>
+          </a:prstGeom>
+        </p:spPr>
+        <p:txBody>
+          <a:bodyPr wrap="square">
+            <a:spAutoFit/>
+          </a:bodyPr>
+          <a:lstStyle/>
+          <a:p>
+            <a:pPr algn="ctr"/>
+            <a:r>
+              <a:rPr lang="en-US" sz="8800" b="1" dirty="0" smtClean="0">
+                <a:solidFill>
+                  <a:schemeClr val="accent3"/>
+                </a:solidFill>
+                <a:latin typeface="Consolas" charset="0"/>
+                <a:ea typeface="Consolas" charset="0"/>
+                <a:cs typeface="Consolas" charset="0"/>
+              </a:rPr>
+              <a:t>Questions?</a:t>
+            </a:r>
+            <a:endParaRPr lang="en-US" sz="8800" dirty="0">
+              <a:solidFill>
+                <a:schemeClr val="accent3"/>
+              </a:solidFill>
+            </a:endParaRPr>
+          </a:p>
+        </p:txBody>
+      </p:sp>
+    </p:spTree>
+    <p:extLst>
+      <p:ext uri="{BB962C8B-B14F-4D97-AF65-F5344CB8AC3E}">
+        <p14:creationId xmlns:p14="http://schemas.microsoft.com/office/powerpoint/2010/main" val="693437782"/>
+      </p:ext>
+    </p:extLst>
+  </p:cSld>
+  <p:clrMapOvr>
+    <a:masterClrMapping/>
+  </p:clrMapOvr>
+  <p:timing>
+    <p:tnLst>
+      <p:par>
+        <p:cTn id="1" dur="indefinite" restart="never" nodeType="tmRoot"/>
+      </p:par>
+    </p:tnLst>
+  </p:timing>
+</p:sld>
+</file>
+
+<file path=ppt/slides/slide32.xml><?xml version="1.0" encoding="utf-8"?>
+<p:sld xmlns:a="http://schemas.openxmlformats.org/drawingml/2006/main" xmlns:r="http://schemas.openxmlformats.org/officeDocument/2006/relationships" xmlns:p="http://schemas.openxmlformats.org/presentationml/2006/main">
+  <p:cSld>
+    <p:spTree>
+      <p:nvGrpSpPr>
+        <p:cNvPr id="1" name=""/>
+        <p:cNvGrpSpPr/>
+        <p:nvPr/>
+      </p:nvGrpSpPr>
+      <p:grpSpPr>
+        <a:xfrm>
+          <a:off x="0" y="0"/>
+          <a:ext cx="0" cy="0"/>
+          <a:chOff x="0" y="0"/>
+          <a:chExt cx="0" cy="0"/>
+        </a:xfrm>
+      </p:grpSpPr>
+      <p:sp>
+        <p:nvSpPr>
+          <p:cNvPr id="4" name="Rectangle 3"/>
+          <p:cNvSpPr/>
+          <p:nvPr/>
+        </p:nvSpPr>
+        <p:spPr>
+          <a:xfrm>
+            <a:off x="571499" y="354177"/>
+            <a:ext cx="11413671" cy="1446550"/>
+          </a:xfrm>
+          <a:prstGeom prst="rect">
+            <a:avLst/>
+          </a:prstGeom>
+        </p:spPr>
+        <p:txBody>
+          <a:bodyPr wrap="square">
+            <a:spAutoFit/>
+          </a:bodyPr>
+          <a:lstStyle/>
+          <a:p>
+            <a:r>
+              <a:rPr lang="en-US" sz="8800" b="1" dirty="0" smtClean="0">
+                <a:solidFill>
+                  <a:schemeClr val="tx2"/>
+                </a:solidFill>
+                <a:latin typeface="Consolas" charset="0"/>
+                <a:ea typeface="Consolas" charset="0"/>
+                <a:cs typeface="Consolas" charset="0"/>
+              </a:rPr>
+              <a:t>Next week:</a:t>
+            </a:r>
+            <a:endParaRPr lang="en-US" sz="8800" dirty="0">
+              <a:solidFill>
+                <a:schemeClr val="tx2"/>
+              </a:solidFill>
+            </a:endParaRPr>
+          </a:p>
+        </p:txBody>
+      </p:sp>
+      <p:sp>
+        <p:nvSpPr>
+          <p:cNvPr id="3" name="Rectangle 2"/>
+          <p:cNvSpPr/>
+          <p:nvPr/>
+        </p:nvSpPr>
+        <p:spPr>
+          <a:xfrm>
+            <a:off x="865411" y="2404885"/>
+            <a:ext cx="10825845" cy="3231654"/>
+          </a:xfrm>
+          <a:prstGeom prst="rect">
+            <a:avLst/>
+          </a:prstGeom>
+        </p:spPr>
+        <p:txBody>
+          <a:bodyPr wrap="square">
+            <a:spAutoFit/>
+          </a:bodyPr>
+          <a:lstStyle/>
+          <a:p>
+            <a:pPr marL="742950" indent="-742950">
+              <a:buFont typeface="+mj-lt"/>
+              <a:buAutoNum type="arabicPeriod"/>
+            </a:pPr>
+            <a:r>
+              <a:rPr lang="en-US" sz="4000" dirty="0">
+                <a:solidFill>
+                  <a:schemeClr val="accent3"/>
+                </a:solidFill>
+                <a:latin typeface="Consolas" charset="0"/>
+                <a:ea typeface="Consolas" charset="0"/>
+                <a:cs typeface="Consolas" charset="0"/>
+              </a:rPr>
+              <a:t>Statistics terminology </a:t>
+            </a:r>
+            <a:r>
+              <a:rPr lang="en-US" sz="2800" dirty="0">
+                <a:solidFill>
+                  <a:schemeClr val="accent3"/>
+                </a:solidFill>
+                <a:latin typeface="Consolas" charset="0"/>
+                <a:ea typeface="Consolas" charset="0"/>
+                <a:cs typeface="Consolas" charset="0"/>
+              </a:rPr>
+              <a:t>(Hypothesis, IV and DV, Measurement, Validity and Reliability, Correlation and Experimentation, Distributions, Central Tendency and Variability) </a:t>
+            </a:r>
+            <a:endParaRPr lang="en-US" sz="4000" dirty="0">
+              <a:solidFill>
+                <a:schemeClr val="accent3"/>
+              </a:solidFill>
+              <a:latin typeface="Consolas" charset="0"/>
+              <a:ea typeface="Consolas" charset="0"/>
+              <a:cs typeface="Consolas" charset="0"/>
+            </a:endParaRPr>
+          </a:p>
+          <a:p>
+            <a:pPr marL="742950" indent="-742950">
+              <a:buFont typeface="+mj-lt"/>
+              <a:buAutoNum type="arabicPeriod"/>
+            </a:pPr>
+            <a:r>
+              <a:rPr lang="en-US" sz="4000" dirty="0" smtClean="0">
+                <a:solidFill>
+                  <a:schemeClr val="accent2"/>
+                </a:solidFill>
+                <a:latin typeface="Consolas" charset="0"/>
+                <a:ea typeface="Consolas" charset="0"/>
+                <a:cs typeface="Consolas" charset="0"/>
+              </a:rPr>
+              <a:t>Chapters 1, 2, and 3 in Book</a:t>
+            </a:r>
+          </a:p>
+          <a:p>
+            <a:pPr marL="742950" indent="-742950">
+              <a:buFont typeface="+mj-lt"/>
+              <a:buAutoNum type="arabicPeriod"/>
+            </a:pPr>
+            <a:r>
+              <a:rPr lang="en-US" sz="4000" dirty="0" smtClean="0">
+                <a:solidFill>
+                  <a:schemeClr val="accent1"/>
+                </a:solidFill>
+                <a:latin typeface="Consolas" charset="0"/>
+                <a:ea typeface="Consolas" charset="0"/>
+                <a:cs typeface="Consolas" charset="0"/>
+              </a:rPr>
+              <a:t>Start looking for articles</a:t>
+            </a:r>
+            <a:endParaRPr lang="en-US" sz="4000" dirty="0">
+              <a:solidFill>
+                <a:schemeClr val="accent1"/>
+              </a:solidFill>
+              <a:latin typeface="Consolas" charset="0"/>
+              <a:ea typeface="Consolas" charset="0"/>
+              <a:cs typeface="Consolas" charset="0"/>
+            </a:endParaRPr>
+          </a:p>
+        </p:txBody>
+      </p:sp>
+    </p:spTree>
+    <p:extLst>
+      <p:ext uri="{BB962C8B-B14F-4D97-AF65-F5344CB8AC3E}">
+        <p14:creationId xmlns:p14="http://schemas.microsoft.com/office/powerpoint/2010/main" val="368682267"/>
       </p:ext>
     </p:extLst>
   </p:cSld>
@@ -5735,14 +12660,6 @@
               </a:rPr>
               <a:t>data dictionary </a:t>
             </a:r>
-            <a:endParaRPr lang="en-US" b="1" dirty="0">
-              <a:solidFill>
-                <a:schemeClr val="accent5"/>
-              </a:solidFill>
-              <a:latin typeface="Consolas" charset="0"/>
-              <a:ea typeface="Consolas" charset="0"/>
-              <a:cs typeface="Consolas" charset="0"/>
-            </a:endParaRPr>
           </a:p>
         </p:txBody>
       </p:sp>
@@ -6362,12 +13279,12 @@
           <p:nvPr/>
         </p:nvPicPr>
         <p:blipFill>
-          <a:blip r:embed="rId2">
+          <a:blip r:embed="rId3">
             <a:alphaModFix amt="58000"/>
             <a:extLst>
               <a:ext uri="{BEBA8EAE-BF5A-486C-A8C5-ECC9F3942E4B}">
                 <a14:imgProps xmlns:a14="http://schemas.microsoft.com/office/drawing/2010/main">
-                  <a14:imgLayer r:embed="rId3">
+                  <a14:imgLayer r:embed="rId4">
                     <a14:imgEffect>
                       <a14:artisticLineDrawing/>
                     </a14:imgEffect>
@@ -6488,7 +13405,7 @@
         <p:spPr>
           <a:xfrm>
             <a:off x="838200" y="3919374"/>
-            <a:ext cx="10515600" cy="769441"/>
+            <a:ext cx="10515600" cy="2123658"/>
           </a:xfrm>
           <a:prstGeom prst="rect">
             <a:avLst/>
@@ -6536,8 +13453,14 @@
                 <a:ea typeface="Consolas" charset="0"/>
                 <a:cs typeface="Consolas" charset="0"/>
               </a:rPr>
-              <a:t> is a </a:t>
-            </a:r>
+              <a:t> is a statistic</a:t>
+            </a:r>
+          </a:p>
+          <a:p>
+            <a:pPr marL="571500" indent="-571500">
+              <a:buFont typeface="Arial" charset="0"/>
+              <a:buChar char="•"/>
+            </a:pPr>
             <a:r>
               <a:rPr lang="en-US" sz="4400" b="1" dirty="0" smtClean="0">
                 <a:solidFill>
@@ -6547,7 +13470,51 @@
                 <a:ea typeface="Consolas" charset="0"/>
                 <a:cs typeface="Consolas" charset="0"/>
               </a:rPr>
-              <a:t>statistic</a:t>
+              <a:t>A </a:t>
+            </a:r>
+            <a:r>
+              <a:rPr lang="en-US" sz="4400" b="1" dirty="0" smtClean="0">
+                <a:solidFill>
+                  <a:schemeClr val="accent2"/>
+                </a:solidFill>
+                <a:latin typeface="Consolas" charset="0"/>
+                <a:ea typeface="Consolas" charset="0"/>
+                <a:cs typeface="Consolas" charset="0"/>
+              </a:rPr>
+              <a:t>frequency</a:t>
+            </a:r>
+            <a:r>
+              <a:rPr lang="en-US" sz="4400" b="1" dirty="0" smtClean="0">
+                <a:solidFill>
+                  <a:schemeClr val="tx2"/>
+                </a:solidFill>
+                <a:latin typeface="Consolas" charset="0"/>
+                <a:ea typeface="Consolas" charset="0"/>
+                <a:cs typeface="Consolas" charset="0"/>
+              </a:rPr>
+              <a:t> or </a:t>
+            </a:r>
+            <a:r>
+              <a:rPr lang="en-US" sz="4400" b="1" dirty="0" smtClean="0">
+                <a:solidFill>
+                  <a:schemeClr val="accent2"/>
+                </a:solidFill>
+                <a:latin typeface="Consolas" charset="0"/>
+                <a:ea typeface="Consolas" charset="0"/>
+                <a:cs typeface="Consolas" charset="0"/>
+              </a:rPr>
+              <a:t>count</a:t>
+            </a:r>
+            <a:r>
+              <a:rPr lang="en-US" sz="4400" b="1" dirty="0" smtClean="0">
+                <a:solidFill>
+                  <a:schemeClr val="tx2"/>
+                </a:solidFill>
+                <a:latin typeface="Consolas" charset="0"/>
+                <a:ea typeface="Consolas" charset="0"/>
+                <a:cs typeface="Consolas" charset="0"/>
+              </a:rPr>
+              <a:t> is a statistics</a:t>
             </a:r>
           </a:p>
         </p:txBody>

--- a/Slides/02_EDUC_6050_2018.pptx
+++ b/Slides/02_EDUC_6050_2018.pptx
@@ -1,6 +1,6 @@
 
 <file path=ppt/presentation.xml><?xml version="1.0" encoding="utf-8"?>
-<p:presentation xmlns:a="http://schemas.openxmlformats.org/drawingml/2006/main" xmlns:r="http://schemas.openxmlformats.org/officeDocument/2006/relationships" xmlns:p="http://schemas.openxmlformats.org/presentationml/2006/main" saveSubsetFonts="1" autoCompressPictures="0">
+<p:presentation xmlns:a="http://schemas.openxmlformats.org/drawingml/2006/main" xmlns:r="http://schemas.openxmlformats.org/officeDocument/2006/relationships" xmlns:p="http://schemas.openxmlformats.org/presentationml/2006/main" showSpecialPlsOnTitleSld="0" saveSubsetFonts="1" autoCompressPictures="0">
   <p:sldMasterIdLst>
     <p:sldMasterId id="2147483648" r:id="rId1"/>
   </p:sldMasterIdLst>
@@ -228,7 +228,7 @@
           <a:p>
             <a:fld id="{E2EB8C27-4EA0-7247-87A3-872976A07B51}" type="datetimeFigureOut">
               <a:rPr lang="en-US" smtClean="0"/>
-              <a:t>1/5/18</a:t>
+              <a:t>1/8/18</a:t>
             </a:fld>
             <a:endParaRPr lang="en-US"/>
           </a:p>
@@ -2279,9 +2279,9 @@
           <a:bodyPr/>
           <a:lstStyle/>
           <a:p>
-            <a:fld id="{6B54304B-BE7E-0B46-811C-93731445F83C}" type="datetimeFigureOut">
+            <a:fld id="{7F3B1BD2-AC91-014A-B76B-DDFF35BEA2F5}" type="datetime1">
               <a:rPr lang="en-US" smtClean="0"/>
-              <a:t>1/5/18</a:t>
+              <a:t>1/8/18</a:t>
             </a:fld>
             <a:endParaRPr lang="en-US"/>
           </a:p>
@@ -2449,9 +2449,9 @@
           <a:bodyPr/>
           <a:lstStyle/>
           <a:p>
-            <a:fld id="{6B54304B-BE7E-0B46-811C-93731445F83C}" type="datetimeFigureOut">
+            <a:fld id="{0AFA0ACC-2E59-0847-A07B-C25F513D5FE4}" type="datetime1">
               <a:rPr lang="en-US" smtClean="0"/>
-              <a:t>1/5/18</a:t>
+              <a:t>1/8/18</a:t>
             </a:fld>
             <a:endParaRPr lang="en-US"/>
           </a:p>
@@ -2629,9 +2629,9 @@
           <a:bodyPr/>
           <a:lstStyle/>
           <a:p>
-            <a:fld id="{6B54304B-BE7E-0B46-811C-93731445F83C}" type="datetimeFigureOut">
+            <a:fld id="{E323CD64-7C00-674E-9B78-8C8E4E5EB807}" type="datetime1">
               <a:rPr lang="en-US" smtClean="0"/>
-              <a:t>1/5/18</a:t>
+              <a:t>1/8/18</a:t>
             </a:fld>
             <a:endParaRPr lang="en-US"/>
           </a:p>
@@ -2799,9 +2799,9 @@
           <a:bodyPr/>
           <a:lstStyle/>
           <a:p>
-            <a:fld id="{6B54304B-BE7E-0B46-811C-93731445F83C}" type="datetimeFigureOut">
+            <a:fld id="{DC846460-0452-CC43-92FD-E4A2F42651F3}" type="datetime1">
               <a:rPr lang="en-US" smtClean="0"/>
-              <a:t>1/5/18</a:t>
+              <a:t>1/8/18</a:t>
             </a:fld>
             <a:endParaRPr lang="en-US"/>
           </a:p>
@@ -3045,9 +3045,9 @@
           <a:bodyPr/>
           <a:lstStyle/>
           <a:p>
-            <a:fld id="{6B54304B-BE7E-0B46-811C-93731445F83C}" type="datetimeFigureOut">
+            <a:fld id="{4F8B428D-E107-B04F-AA78-14E261719592}" type="datetime1">
               <a:rPr lang="en-US" smtClean="0"/>
-              <a:t>1/5/18</a:t>
+              <a:t>1/8/18</a:t>
             </a:fld>
             <a:endParaRPr lang="en-US"/>
           </a:p>
@@ -3277,9 +3277,9 @@
           <a:bodyPr/>
           <a:lstStyle/>
           <a:p>
-            <a:fld id="{6B54304B-BE7E-0B46-811C-93731445F83C}" type="datetimeFigureOut">
+            <a:fld id="{B39964FB-0EF9-7648-AB41-C2206787D0A8}" type="datetime1">
               <a:rPr lang="en-US" smtClean="0"/>
-              <a:t>1/5/18</a:t>
+              <a:t>1/8/18</a:t>
             </a:fld>
             <a:endParaRPr lang="en-US"/>
           </a:p>
@@ -3644,9 +3644,9 @@
           <a:bodyPr/>
           <a:lstStyle/>
           <a:p>
-            <a:fld id="{6B54304B-BE7E-0B46-811C-93731445F83C}" type="datetimeFigureOut">
+            <a:fld id="{FE040194-FD4D-EA40-BCE5-9341587863FA}" type="datetime1">
               <a:rPr lang="en-US" smtClean="0"/>
-              <a:t>1/5/18</a:t>
+              <a:t>1/8/18</a:t>
             </a:fld>
             <a:endParaRPr lang="en-US"/>
           </a:p>
@@ -3762,9 +3762,9 @@
           <a:bodyPr/>
           <a:lstStyle/>
           <a:p>
-            <a:fld id="{6B54304B-BE7E-0B46-811C-93731445F83C}" type="datetimeFigureOut">
+            <a:fld id="{1DAC5FA7-813C-794F-AF2A-637D648B10D6}" type="datetime1">
               <a:rPr lang="en-US" smtClean="0"/>
-              <a:t>1/5/18</a:t>
+              <a:t>1/8/18</a:t>
             </a:fld>
             <a:endParaRPr lang="en-US"/>
           </a:p>
@@ -3857,9 +3857,9 @@
           <a:bodyPr/>
           <a:lstStyle/>
           <a:p>
-            <a:fld id="{6B54304B-BE7E-0B46-811C-93731445F83C}" type="datetimeFigureOut">
+            <a:fld id="{030DA565-14DC-FC44-AEFA-A86B130DDB8E}" type="datetime1">
               <a:rPr lang="en-US" smtClean="0"/>
-              <a:t>1/5/18</a:t>
+              <a:t>1/8/18</a:t>
             </a:fld>
             <a:endParaRPr lang="en-US"/>
           </a:p>
@@ -4134,9 +4134,9 @@
           <a:bodyPr/>
           <a:lstStyle/>
           <a:p>
-            <a:fld id="{6B54304B-BE7E-0B46-811C-93731445F83C}" type="datetimeFigureOut">
+            <a:fld id="{29D6CD53-D3D9-A542-BE51-C1DDA69747BB}" type="datetime1">
               <a:rPr lang="en-US" smtClean="0"/>
-              <a:t>1/5/18</a:t>
+              <a:t>1/8/18</a:t>
             </a:fld>
             <a:endParaRPr lang="en-US"/>
           </a:p>
@@ -4387,9 +4387,9 @@
           <a:bodyPr/>
           <a:lstStyle/>
           <a:p>
-            <a:fld id="{6B54304B-BE7E-0B46-811C-93731445F83C}" type="datetimeFigureOut">
+            <a:fld id="{7DF876AC-35E1-D344-88D6-A85DF9D3AB9F}" type="datetime1">
               <a:rPr lang="en-US" smtClean="0"/>
-              <a:t>1/5/18</a:t>
+              <a:t>1/8/18</a:t>
             </a:fld>
             <a:endParaRPr lang="en-US"/>
           </a:p>
@@ -4600,9 +4600,9 @@
             </a:lvl1pPr>
           </a:lstStyle>
           <a:p>
-            <a:fld id="{6B54304B-BE7E-0B46-811C-93731445F83C}" type="datetimeFigureOut">
+            <a:fld id="{3EAF7E26-FB91-DB47-AE4F-39BFF9A8E89F}" type="datetime1">
               <a:rPr lang="en-US" smtClean="0"/>
-              <a:t>1/5/18</a:t>
+              <a:t>1/8/18</a:t>
             </a:fld>
             <a:endParaRPr lang="en-US"/>
           </a:p>
@@ -4707,6 +4707,7 @@
     <p:sldLayoutId id="2147483658" r:id="rId10"/>
     <p:sldLayoutId id="2147483659" r:id="rId11"/>
   </p:sldLayoutIdLst>
+  <p:hf hdr="0" ftr="0" dt="0"/>
   <p:txStyles>
     <p:titleStyle>
       <a:lvl1pPr algn="l" defTabSz="914400" rtl="0" eaLnBrk="1" latinLnBrk="0" hangingPunct="1">
@@ -5523,6 +5524,29 @@
           </a:p>
         </p:txBody>
       </p:sp>
+      <p:sp>
+        <p:nvSpPr>
+          <p:cNvPr id="5" name="Slide Number Placeholder 4"/>
+          <p:cNvSpPr>
+            <a:spLocks noGrp="1"/>
+          </p:cNvSpPr>
+          <p:nvPr>
+            <p:ph type="sldNum" sz="quarter" idx="12"/>
+          </p:nvPr>
+        </p:nvSpPr>
+        <p:spPr/>
+        <p:txBody>
+          <a:bodyPr/>
+          <a:lstStyle/>
+          <a:p>
+            <a:fld id="{4655F2EB-082D-1A4D-B2FA-EA5F6FE60629}" type="slidenum">
+              <a:rPr lang="en-US" smtClean="0"/>
+              <a:t>10</a:t>
+            </a:fld>
+            <a:endParaRPr lang="en-US"/>
+          </a:p>
+        </p:txBody>
+      </p:sp>
     </p:spTree>
     <p:extLst>
       <p:ext uri="{BB962C8B-B14F-4D97-AF65-F5344CB8AC3E}">
@@ -5752,6 +5776,29 @@
           </a:p>
         </p:txBody>
       </p:sp>
+      <p:sp>
+        <p:nvSpPr>
+          <p:cNvPr id="3" name="Slide Number Placeholder 2"/>
+          <p:cNvSpPr>
+            <a:spLocks noGrp="1"/>
+          </p:cNvSpPr>
+          <p:nvPr>
+            <p:ph type="sldNum" sz="quarter" idx="12"/>
+          </p:nvPr>
+        </p:nvSpPr>
+        <p:spPr/>
+        <p:txBody>
+          <a:bodyPr/>
+          <a:lstStyle/>
+          <a:p>
+            <a:fld id="{4655F2EB-082D-1A4D-B2FA-EA5F6FE60629}" type="slidenum">
+              <a:rPr lang="en-US" smtClean="0"/>
+              <a:t>11</a:t>
+            </a:fld>
+            <a:endParaRPr lang="en-US"/>
+          </a:p>
+        </p:txBody>
+      </p:sp>
     </p:spTree>
     <p:extLst>
       <p:ext uri="{BB962C8B-B14F-4D97-AF65-F5344CB8AC3E}">
@@ -6048,6 +6095,29 @@
           </a:p>
         </p:txBody>
       </p:sp>
+      <p:sp>
+        <p:nvSpPr>
+          <p:cNvPr id="3" name="Slide Number Placeholder 2"/>
+          <p:cNvSpPr>
+            <a:spLocks noGrp="1"/>
+          </p:cNvSpPr>
+          <p:nvPr>
+            <p:ph type="sldNum" sz="quarter" idx="12"/>
+          </p:nvPr>
+        </p:nvSpPr>
+        <p:spPr/>
+        <p:txBody>
+          <a:bodyPr/>
+          <a:lstStyle/>
+          <a:p>
+            <a:fld id="{4655F2EB-082D-1A4D-B2FA-EA5F6FE60629}" type="slidenum">
+              <a:rPr lang="en-US" smtClean="0"/>
+              <a:t>12</a:t>
+            </a:fld>
+            <a:endParaRPr lang="en-US"/>
+          </a:p>
+        </p:txBody>
+      </p:sp>
     </p:spTree>
     <p:extLst>
       <p:ext uri="{BB962C8B-B14F-4D97-AF65-F5344CB8AC3E}">
@@ -6130,6 +6200,29 @@
           </a:p>
         </p:txBody>
       </p:sp>
+      <p:sp>
+        <p:nvSpPr>
+          <p:cNvPr id="2" name="Slide Number Placeholder 1"/>
+          <p:cNvSpPr>
+            <a:spLocks noGrp="1"/>
+          </p:cNvSpPr>
+          <p:nvPr>
+            <p:ph type="sldNum" sz="quarter" idx="12"/>
+          </p:nvPr>
+        </p:nvSpPr>
+        <p:spPr/>
+        <p:txBody>
+          <a:bodyPr/>
+          <a:lstStyle/>
+          <a:p>
+            <a:fld id="{4655F2EB-082D-1A4D-B2FA-EA5F6FE60629}" type="slidenum">
+              <a:rPr lang="en-US" smtClean="0"/>
+              <a:t>13</a:t>
+            </a:fld>
+            <a:endParaRPr lang="en-US"/>
+          </a:p>
+        </p:txBody>
+      </p:sp>
     </p:spTree>
     <p:extLst>
       <p:ext uri="{BB962C8B-B14F-4D97-AF65-F5344CB8AC3E}">
@@ -6432,6 +6525,29 @@
           </a:p>
         </p:txBody>
       </p:sp>
+      <p:sp>
+        <p:nvSpPr>
+          <p:cNvPr id="3" name="Slide Number Placeholder 2"/>
+          <p:cNvSpPr>
+            <a:spLocks noGrp="1"/>
+          </p:cNvSpPr>
+          <p:nvPr>
+            <p:ph type="sldNum" sz="quarter" idx="12"/>
+          </p:nvPr>
+        </p:nvSpPr>
+        <p:spPr/>
+        <p:txBody>
+          <a:bodyPr/>
+          <a:lstStyle/>
+          <a:p>
+            <a:fld id="{4655F2EB-082D-1A4D-B2FA-EA5F6FE60629}" type="slidenum">
+              <a:rPr lang="en-US" smtClean="0"/>
+              <a:t>14</a:t>
+            </a:fld>
+            <a:endParaRPr lang="en-US"/>
+          </a:p>
+        </p:txBody>
+      </p:sp>
     </p:spTree>
     <p:extLst>
       <p:ext uri="{BB962C8B-B14F-4D97-AF65-F5344CB8AC3E}">
@@ -6695,6 +6811,29 @@
               </a:rPr>
               <a:t>4. Have a high degree of information</a:t>
             </a:r>
+          </a:p>
+        </p:txBody>
+      </p:sp>
+      <p:sp>
+        <p:nvSpPr>
+          <p:cNvPr id="3" name="Slide Number Placeholder 2"/>
+          <p:cNvSpPr>
+            <a:spLocks noGrp="1"/>
+          </p:cNvSpPr>
+          <p:nvPr>
+            <p:ph type="sldNum" sz="quarter" idx="12"/>
+          </p:nvPr>
+        </p:nvSpPr>
+        <p:spPr/>
+        <p:txBody>
+          <a:bodyPr/>
+          <a:lstStyle/>
+          <a:p>
+            <a:fld id="{4655F2EB-082D-1A4D-B2FA-EA5F6FE60629}" type="slidenum">
+              <a:rPr lang="en-US" smtClean="0"/>
+              <a:t>15</a:t>
+            </a:fld>
+            <a:endParaRPr lang="en-US"/>
           </a:p>
         </p:txBody>
       </p:sp>
@@ -7273,6 +7412,29 @@
           </a:graphicData>
         </a:graphic>
       </p:graphicFrame>
+      <p:sp>
+        <p:nvSpPr>
+          <p:cNvPr id="5" name="Slide Number Placeholder 4"/>
+          <p:cNvSpPr>
+            <a:spLocks noGrp="1"/>
+          </p:cNvSpPr>
+          <p:nvPr>
+            <p:ph type="sldNum" sz="quarter" idx="12"/>
+          </p:nvPr>
+        </p:nvSpPr>
+        <p:spPr/>
+        <p:txBody>
+          <a:bodyPr/>
+          <a:lstStyle/>
+          <a:p>
+            <a:fld id="{4655F2EB-082D-1A4D-B2FA-EA5F6FE60629}" type="slidenum">
+              <a:rPr lang="en-US" smtClean="0"/>
+              <a:t>16</a:t>
+            </a:fld>
+            <a:endParaRPr lang="en-US"/>
+          </a:p>
+        </p:txBody>
+      </p:sp>
     </p:spTree>
     <p:extLst>
       <p:ext uri="{BB962C8B-B14F-4D97-AF65-F5344CB8AC3E}">
@@ -7783,6 +7945,29 @@
           </a:graphicData>
         </a:graphic>
       </p:graphicFrame>
+      <p:sp>
+        <p:nvSpPr>
+          <p:cNvPr id="5" name="Slide Number Placeholder 4"/>
+          <p:cNvSpPr>
+            <a:spLocks noGrp="1"/>
+          </p:cNvSpPr>
+          <p:nvPr>
+            <p:ph type="sldNum" sz="quarter" idx="12"/>
+          </p:nvPr>
+        </p:nvSpPr>
+        <p:spPr/>
+        <p:txBody>
+          <a:bodyPr/>
+          <a:lstStyle/>
+          <a:p>
+            <a:fld id="{4655F2EB-082D-1A4D-B2FA-EA5F6FE60629}" type="slidenum">
+              <a:rPr lang="en-US" smtClean="0"/>
+              <a:t>17</a:t>
+            </a:fld>
+            <a:endParaRPr lang="en-US"/>
+          </a:p>
+        </p:txBody>
+      </p:sp>
     </p:spTree>
     <p:extLst>
       <p:ext uri="{BB962C8B-B14F-4D97-AF65-F5344CB8AC3E}">
@@ -8476,6 +8661,29 @@
           </a:fontRef>
         </p:style>
       </p:cxnSp>
+      <p:sp>
+        <p:nvSpPr>
+          <p:cNvPr id="6" name="Slide Number Placeholder 5"/>
+          <p:cNvSpPr>
+            <a:spLocks noGrp="1"/>
+          </p:cNvSpPr>
+          <p:nvPr>
+            <p:ph type="sldNum" sz="quarter" idx="12"/>
+          </p:nvPr>
+        </p:nvSpPr>
+        <p:spPr/>
+        <p:txBody>
+          <a:bodyPr/>
+          <a:lstStyle/>
+          <a:p>
+            <a:fld id="{4655F2EB-082D-1A4D-B2FA-EA5F6FE60629}" type="slidenum">
+              <a:rPr lang="en-US" smtClean="0"/>
+              <a:t>18</a:t>
+            </a:fld>
+            <a:endParaRPr lang="en-US"/>
+          </a:p>
+        </p:txBody>
+      </p:sp>
     </p:spTree>
     <p:extLst>
       <p:ext uri="{BB962C8B-B14F-4D97-AF65-F5344CB8AC3E}">
@@ -9078,6 +9286,29 @@
           </a:p>
         </p:txBody>
       </p:sp>
+      <p:sp>
+        <p:nvSpPr>
+          <p:cNvPr id="6" name="Slide Number Placeholder 5"/>
+          <p:cNvSpPr>
+            <a:spLocks noGrp="1"/>
+          </p:cNvSpPr>
+          <p:nvPr>
+            <p:ph type="sldNum" sz="quarter" idx="12"/>
+          </p:nvPr>
+        </p:nvSpPr>
+        <p:spPr/>
+        <p:txBody>
+          <a:bodyPr/>
+          <a:lstStyle/>
+          <a:p>
+            <a:fld id="{4655F2EB-082D-1A4D-B2FA-EA5F6FE60629}" type="slidenum">
+              <a:rPr lang="en-US" smtClean="0"/>
+              <a:t>19</a:t>
+            </a:fld>
+            <a:endParaRPr lang="en-US"/>
+          </a:p>
+        </p:txBody>
+      </p:sp>
     </p:spTree>
     <p:extLst>
       <p:ext uri="{BB962C8B-B14F-4D97-AF65-F5344CB8AC3E}">
@@ -9288,6 +9519,29 @@
           </a:p>
         </p:txBody>
       </p:sp>
+      <p:sp>
+        <p:nvSpPr>
+          <p:cNvPr id="3" name="Slide Number Placeholder 2"/>
+          <p:cNvSpPr>
+            <a:spLocks noGrp="1"/>
+          </p:cNvSpPr>
+          <p:nvPr>
+            <p:ph type="sldNum" sz="quarter" idx="12"/>
+          </p:nvPr>
+        </p:nvSpPr>
+        <p:spPr/>
+        <p:txBody>
+          <a:bodyPr/>
+          <a:lstStyle/>
+          <a:p>
+            <a:fld id="{4655F2EB-082D-1A4D-B2FA-EA5F6FE60629}" type="slidenum">
+              <a:rPr lang="en-US" smtClean="0"/>
+              <a:t>2</a:t>
+            </a:fld>
+            <a:endParaRPr lang="en-US"/>
+          </a:p>
+        </p:txBody>
+      </p:sp>
     </p:spTree>
     <p:extLst>
       <p:ext uri="{BB962C8B-B14F-4D97-AF65-F5344CB8AC3E}">
@@ -9610,6 +9864,29 @@
           </a:p>
         </p:txBody>
       </p:sp>
+      <p:sp>
+        <p:nvSpPr>
+          <p:cNvPr id="3" name="Slide Number Placeholder 2"/>
+          <p:cNvSpPr>
+            <a:spLocks noGrp="1"/>
+          </p:cNvSpPr>
+          <p:nvPr>
+            <p:ph type="sldNum" sz="quarter" idx="12"/>
+          </p:nvPr>
+        </p:nvSpPr>
+        <p:spPr/>
+        <p:txBody>
+          <a:bodyPr/>
+          <a:lstStyle/>
+          <a:p>
+            <a:fld id="{4655F2EB-082D-1A4D-B2FA-EA5F6FE60629}" type="slidenum">
+              <a:rPr lang="en-US" smtClean="0"/>
+              <a:t>20</a:t>
+            </a:fld>
+            <a:endParaRPr lang="en-US"/>
+          </a:p>
+        </p:txBody>
+      </p:sp>
     </p:spTree>
     <p:extLst>
       <p:ext uri="{BB962C8B-B14F-4D97-AF65-F5344CB8AC3E}">
@@ -9963,6 +10240,29 @@
           </a:fontRef>
         </p:style>
       </p:cxnSp>
+      <p:sp>
+        <p:nvSpPr>
+          <p:cNvPr id="3" name="Slide Number Placeholder 2"/>
+          <p:cNvSpPr>
+            <a:spLocks noGrp="1"/>
+          </p:cNvSpPr>
+          <p:nvPr>
+            <p:ph type="sldNum" sz="quarter" idx="12"/>
+          </p:nvPr>
+        </p:nvSpPr>
+        <p:spPr/>
+        <p:txBody>
+          <a:bodyPr/>
+          <a:lstStyle/>
+          <a:p>
+            <a:fld id="{4655F2EB-082D-1A4D-B2FA-EA5F6FE60629}" type="slidenum">
+              <a:rPr lang="en-US" smtClean="0"/>
+              <a:t>21</a:t>
+            </a:fld>
+            <a:endParaRPr lang="en-US"/>
+          </a:p>
+        </p:txBody>
+      </p:sp>
     </p:spTree>
     <p:extLst>
       <p:ext uri="{BB962C8B-B14F-4D97-AF65-F5344CB8AC3E}">
@@ -10045,6 +10345,29 @@
           </a:p>
         </p:txBody>
       </p:sp>
+      <p:sp>
+        <p:nvSpPr>
+          <p:cNvPr id="2" name="Slide Number Placeholder 1"/>
+          <p:cNvSpPr>
+            <a:spLocks noGrp="1"/>
+          </p:cNvSpPr>
+          <p:nvPr>
+            <p:ph type="sldNum" sz="quarter" idx="12"/>
+          </p:nvPr>
+        </p:nvSpPr>
+        <p:spPr/>
+        <p:txBody>
+          <a:bodyPr/>
+          <a:lstStyle/>
+          <a:p>
+            <a:fld id="{4655F2EB-082D-1A4D-B2FA-EA5F6FE60629}" type="slidenum">
+              <a:rPr lang="en-US" smtClean="0"/>
+              <a:t>22</a:t>
+            </a:fld>
+            <a:endParaRPr lang="en-US"/>
+          </a:p>
+        </p:txBody>
+      </p:sp>
     </p:spTree>
     <p:extLst>
       <p:ext uri="{BB962C8B-B14F-4D97-AF65-F5344CB8AC3E}">
@@ -10144,29 +10467,7 @@
                 <a:ea typeface="Consolas" charset="0"/>
                 <a:cs typeface="Consolas" charset="0"/>
               </a:rPr>
-              <a:t>A VERY </a:t>
-            </a:r>
-            <a:r>
-              <a:rPr lang="en-US" sz="3600" b="1" dirty="0" smtClean="0">
-                <a:solidFill>
-                  <a:schemeClr val="accent3"/>
-                </a:solidFill>
-                <a:latin typeface="Consolas" charset="0"/>
-                <a:ea typeface="Consolas" charset="0"/>
-                <a:cs typeface="Consolas" charset="0"/>
-              </a:rPr>
-              <a:t>IMPORTANT part </a:t>
-            </a:r>
-            <a:r>
-              <a:rPr lang="en-US" sz="3600" b="1" dirty="0" smtClean="0">
-                <a:solidFill>
-                  <a:schemeClr val="accent3"/>
-                </a:solidFill>
-                <a:latin typeface="Consolas" charset="0"/>
-                <a:ea typeface="Consolas" charset="0"/>
-                <a:cs typeface="Consolas" charset="0"/>
-              </a:rPr>
-              <a:t>of data analysis</a:t>
+              <a:t>A VERY IMPORTANT part of data analysis</a:t>
             </a:r>
           </a:p>
         </p:txBody>
@@ -10269,14 +10570,6 @@
               </a:rPr>
               <a:t>results in a much more meaningful way</a:t>
             </a:r>
-            <a:endParaRPr lang="en-US" sz="3600" b="1" dirty="0" smtClean="0">
-              <a:solidFill>
-                <a:schemeClr val="tx2"/>
-              </a:solidFill>
-              <a:latin typeface="Consolas" charset="0"/>
-              <a:ea typeface="Consolas" charset="0"/>
-              <a:cs typeface="Consolas" charset="0"/>
-            </a:endParaRPr>
           </a:p>
         </p:txBody>
       </p:sp>
@@ -10313,14 +10606,29 @@
               </a:rPr>
               <a:t>Takes some practice</a:t>
             </a:r>
-            <a:endParaRPr lang="en-US" sz="3600" b="1" dirty="0" smtClean="0">
-              <a:solidFill>
-                <a:schemeClr val="accent4"/>
-              </a:solidFill>
-              <a:latin typeface="Consolas" charset="0"/>
-              <a:ea typeface="Consolas" charset="0"/>
-              <a:cs typeface="Consolas" charset="0"/>
-            </a:endParaRPr>
+          </a:p>
+        </p:txBody>
+      </p:sp>
+      <p:sp>
+        <p:nvSpPr>
+          <p:cNvPr id="3" name="Slide Number Placeholder 2"/>
+          <p:cNvSpPr>
+            <a:spLocks noGrp="1"/>
+          </p:cNvSpPr>
+          <p:nvPr>
+            <p:ph type="sldNum" sz="quarter" idx="12"/>
+          </p:nvPr>
+        </p:nvSpPr>
+        <p:spPr/>
+        <p:txBody>
+          <a:bodyPr/>
+          <a:lstStyle/>
+          <a:p>
+            <a:fld id="{4655F2EB-082D-1A4D-B2FA-EA5F6FE60629}" type="slidenum">
+              <a:rPr lang="en-US" smtClean="0"/>
+              <a:t>23</a:t>
+            </a:fld>
+            <a:endParaRPr lang="en-US"/>
           </a:p>
         </p:txBody>
       </p:sp>
@@ -10382,23 +10690,7 @@
                 <a:ea typeface="Consolas" charset="0"/>
                 <a:cs typeface="Consolas" charset="0"/>
               </a:rPr>
-              <a:t>Some Types </a:t>
-            </a:r>
-            <a:r>
-              <a:rPr lang="en-US" b="1" dirty="0" smtClean="0">
-                <a:latin typeface="Consolas" charset="0"/>
-                <a:ea typeface="Consolas" charset="0"/>
-                <a:cs typeface="Consolas" charset="0"/>
-              </a:rPr>
-              <a:t>of </a:t>
-            </a:r>
-            <a:r>
-              <a:rPr lang="en-US" b="1" dirty="0" smtClean="0">
-                <a:latin typeface="Consolas" charset="0"/>
-                <a:ea typeface="Consolas" charset="0"/>
-                <a:cs typeface="Consolas" charset="0"/>
-              </a:rPr>
-              <a:t>Data Graphics</a:t>
+              <a:t>Some Types of Data Graphics</a:t>
             </a:r>
             <a:endParaRPr lang="en-US" b="1" dirty="0">
               <a:latin typeface="Consolas" charset="0"/>
@@ -10528,6 +10820,29 @@
               </a:rPr>
               <a:t>Boxplots</a:t>
             </a:r>
+          </a:p>
+        </p:txBody>
+      </p:sp>
+      <p:sp>
+        <p:nvSpPr>
+          <p:cNvPr id="3" name="Slide Number Placeholder 2"/>
+          <p:cNvSpPr>
+            <a:spLocks noGrp="1"/>
+          </p:cNvSpPr>
+          <p:nvPr>
+            <p:ph type="sldNum" sz="quarter" idx="12"/>
+          </p:nvPr>
+        </p:nvSpPr>
+        <p:spPr/>
+        <p:txBody>
+          <a:bodyPr/>
+          <a:lstStyle/>
+          <a:p>
+            <a:fld id="{4655F2EB-082D-1A4D-B2FA-EA5F6FE60629}" type="slidenum">
+              <a:rPr lang="en-US" smtClean="0"/>
+              <a:t>24</a:t>
+            </a:fld>
+            <a:endParaRPr lang="en-US"/>
           </a:p>
         </p:txBody>
       </p:sp>
@@ -10632,14 +10947,6 @@
               </a:rPr>
               <a:t>Generally shows trends and patterns across groups</a:t>
             </a:r>
-            <a:endParaRPr lang="en-US" sz="3600" b="1" dirty="0" smtClean="0">
-              <a:solidFill>
-                <a:schemeClr val="accent6"/>
-              </a:solidFill>
-              <a:latin typeface="Consolas" charset="0"/>
-              <a:ea typeface="Consolas" charset="0"/>
-              <a:cs typeface="Consolas" charset="0"/>
-            </a:endParaRPr>
           </a:p>
         </p:txBody>
       </p:sp>
@@ -10667,6 +10974,29 @@
           </a:prstGeom>
         </p:spPr>
       </p:pic>
+      <p:sp>
+        <p:nvSpPr>
+          <p:cNvPr id="4" name="Slide Number Placeholder 3"/>
+          <p:cNvSpPr>
+            <a:spLocks noGrp="1"/>
+          </p:cNvSpPr>
+          <p:nvPr>
+            <p:ph type="sldNum" sz="quarter" idx="12"/>
+          </p:nvPr>
+        </p:nvSpPr>
+        <p:spPr/>
+        <p:txBody>
+          <a:bodyPr/>
+          <a:lstStyle/>
+          <a:p>
+            <a:fld id="{4655F2EB-082D-1A4D-B2FA-EA5F6FE60629}" type="slidenum">
+              <a:rPr lang="en-US" smtClean="0"/>
+              <a:t>25</a:t>
+            </a:fld>
+            <a:endParaRPr lang="en-US"/>
+          </a:p>
+        </p:txBody>
+      </p:sp>
     </p:spTree>
     <p:extLst>
       <p:ext uri="{BB962C8B-B14F-4D97-AF65-F5344CB8AC3E}">
@@ -10764,14 +11094,6 @@
               </a:rPr>
               <a:t>and </a:t>
             </a:r>
-            <a:r>
-              <a:rPr lang="en-US" b="1" smtClean="0">
-                <a:latin typeface="Consolas" charset="0"/>
-                <a:ea typeface="Consolas" charset="0"/>
-                <a:cs typeface="Consolas" charset="0"/>
-              </a:rPr>
-              <a:t/>
-            </a:r>
             <a:br>
               <a:rPr lang="en-US" b="1" smtClean="0">
                 <a:latin typeface="Consolas" charset="0"/>
@@ -10828,14 +11150,29 @@
               </a:rPr>
               <a:t>These help us understand distributions and frequencies</a:t>
             </a:r>
-            <a:endParaRPr lang="en-US" sz="3600" b="1" dirty="0" smtClean="0">
-              <a:solidFill>
-                <a:schemeClr val="accent6"/>
-              </a:solidFill>
-              <a:latin typeface="Consolas" charset="0"/>
-              <a:ea typeface="Consolas" charset="0"/>
-              <a:cs typeface="Consolas" charset="0"/>
-            </a:endParaRPr>
+          </a:p>
+        </p:txBody>
+      </p:sp>
+      <p:sp>
+        <p:nvSpPr>
+          <p:cNvPr id="4" name="Slide Number Placeholder 3"/>
+          <p:cNvSpPr>
+            <a:spLocks noGrp="1"/>
+          </p:cNvSpPr>
+          <p:nvPr>
+            <p:ph type="sldNum" sz="quarter" idx="12"/>
+          </p:nvPr>
+        </p:nvSpPr>
+        <p:spPr/>
+        <p:txBody>
+          <a:bodyPr/>
+          <a:lstStyle/>
+          <a:p>
+            <a:fld id="{4655F2EB-082D-1A4D-B2FA-EA5F6FE60629}" type="slidenum">
+              <a:rPr lang="en-US" smtClean="0"/>
+              <a:t>26</a:t>
+            </a:fld>
+            <a:endParaRPr lang="en-US"/>
           </a:p>
         </p:txBody>
       </p:sp>
@@ -10974,14 +11311,6 @@
               </a:rPr>
               <a:t>Short-tailed vs. long-tailed</a:t>
             </a:r>
-            <a:endParaRPr lang="en-US" sz="3600" b="1" dirty="0" smtClean="0">
-              <a:solidFill>
-                <a:schemeClr val="accent5"/>
-              </a:solidFill>
-              <a:latin typeface="Consolas" charset="0"/>
-              <a:ea typeface="Consolas" charset="0"/>
-              <a:cs typeface="Consolas" charset="0"/>
-            </a:endParaRPr>
           </a:p>
         </p:txBody>
       </p:sp>
@@ -11020,14 +11349,6 @@
                 <a:cs typeface="Consolas" charset="0"/>
               </a:rPr>
               <a:t>and </a:t>
-            </a:r>
-            <a:r>
-              <a:rPr lang="en-US" b="1" smtClean="0">
-                <a:latin typeface="Consolas" charset="0"/>
-                <a:ea typeface="Consolas" charset="0"/>
-                <a:cs typeface="Consolas" charset="0"/>
-              </a:rPr>
-              <a:t/>
             </a:r>
             <a:br>
               <a:rPr lang="en-US" b="1" smtClean="0">
@@ -11107,14 +11428,29 @@
               </a:rPr>
               <a:t> and frequencies</a:t>
             </a:r>
-            <a:endParaRPr lang="en-US" sz="3600" b="1" dirty="0" smtClean="0">
-              <a:solidFill>
-                <a:schemeClr val="accent6"/>
-              </a:solidFill>
-              <a:latin typeface="Consolas" charset="0"/>
-              <a:ea typeface="Consolas" charset="0"/>
-              <a:cs typeface="Consolas" charset="0"/>
-            </a:endParaRPr>
+          </a:p>
+        </p:txBody>
+      </p:sp>
+      <p:sp>
+        <p:nvSpPr>
+          <p:cNvPr id="2" name="Slide Number Placeholder 1"/>
+          <p:cNvSpPr>
+            <a:spLocks noGrp="1"/>
+          </p:cNvSpPr>
+          <p:nvPr>
+            <p:ph type="sldNum" sz="quarter" idx="12"/>
+          </p:nvPr>
+        </p:nvSpPr>
+        <p:spPr/>
+        <p:txBody>
+          <a:bodyPr/>
+          <a:lstStyle/>
+          <a:p>
+            <a:fld id="{4655F2EB-082D-1A4D-B2FA-EA5F6FE60629}" type="slidenum">
+              <a:rPr lang="en-US" smtClean="0"/>
+              <a:t>27</a:t>
+            </a:fld>
+            <a:endParaRPr lang="en-US"/>
           </a:p>
         </p:txBody>
       </p:sp>
@@ -11265,6 +11601,29 @@
           </a:prstGeom>
         </p:spPr>
       </p:pic>
+      <p:sp>
+        <p:nvSpPr>
+          <p:cNvPr id="4" name="Slide Number Placeholder 3"/>
+          <p:cNvSpPr>
+            <a:spLocks noGrp="1"/>
+          </p:cNvSpPr>
+          <p:nvPr>
+            <p:ph type="sldNum" sz="quarter" idx="12"/>
+          </p:nvPr>
+        </p:nvSpPr>
+        <p:spPr/>
+        <p:txBody>
+          <a:bodyPr/>
+          <a:lstStyle/>
+          <a:p>
+            <a:fld id="{4655F2EB-082D-1A4D-B2FA-EA5F6FE60629}" type="slidenum">
+              <a:rPr lang="en-US" smtClean="0"/>
+              <a:t>28</a:t>
+            </a:fld>
+            <a:endParaRPr lang="en-US"/>
+          </a:p>
+        </p:txBody>
+      </p:sp>
     </p:spTree>
     <p:extLst>
       <p:ext uri="{BB962C8B-B14F-4D97-AF65-F5344CB8AC3E}">
@@ -11389,14 +11748,29 @@
               </a:rPr>
               <a:t>Show us the range and where most values are for a variable (usually across groups)</a:t>
             </a:r>
-            <a:endParaRPr lang="en-US" sz="3600" b="1" dirty="0" smtClean="0">
-              <a:solidFill>
-                <a:schemeClr val="accent6"/>
-              </a:solidFill>
-              <a:latin typeface="Consolas" charset="0"/>
-              <a:ea typeface="Consolas" charset="0"/>
-              <a:cs typeface="Consolas" charset="0"/>
-            </a:endParaRPr>
+          </a:p>
+        </p:txBody>
+      </p:sp>
+      <p:sp>
+        <p:nvSpPr>
+          <p:cNvPr id="4" name="Slide Number Placeholder 3"/>
+          <p:cNvSpPr>
+            <a:spLocks noGrp="1"/>
+          </p:cNvSpPr>
+          <p:nvPr>
+            <p:ph type="sldNum" sz="quarter" idx="12"/>
+          </p:nvPr>
+        </p:nvSpPr>
+        <p:spPr/>
+        <p:txBody>
+          <a:bodyPr/>
+          <a:lstStyle/>
+          <a:p>
+            <a:fld id="{4655F2EB-082D-1A4D-B2FA-EA5F6FE60629}" type="slidenum">
+              <a:rPr lang="en-US" smtClean="0"/>
+              <a:t>29</a:t>
+            </a:fld>
+            <a:endParaRPr lang="en-US"/>
           </a:p>
         </p:txBody>
       </p:sp>
@@ -11513,6 +11887,29 @@
           </a:p>
         </p:txBody>
       </p:sp>
+      <p:sp>
+        <p:nvSpPr>
+          <p:cNvPr id="4" name="Slide Number Placeholder 3"/>
+          <p:cNvSpPr>
+            <a:spLocks noGrp="1"/>
+          </p:cNvSpPr>
+          <p:nvPr>
+            <p:ph type="sldNum" sz="quarter" idx="12"/>
+          </p:nvPr>
+        </p:nvSpPr>
+        <p:spPr/>
+        <p:txBody>
+          <a:bodyPr/>
+          <a:lstStyle/>
+          <a:p>
+            <a:fld id="{4655F2EB-082D-1A4D-B2FA-EA5F6FE60629}" type="slidenum">
+              <a:rPr lang="en-US" smtClean="0"/>
+              <a:t>3</a:t>
+            </a:fld>
+            <a:endParaRPr lang="en-US"/>
+          </a:p>
+        </p:txBody>
+      </p:sp>
     </p:spTree>
     <p:extLst>
       <p:ext uri="{BB962C8B-B14F-4D97-AF65-F5344CB8AC3E}">
@@ -11614,14 +12011,6 @@
               </a:rPr>
               <a:t>Tables can also be very valuable to understand patterns in the data</a:t>
             </a:r>
-            <a:endParaRPr lang="en-US" sz="3600" b="1" dirty="0" smtClean="0">
-              <a:solidFill>
-                <a:schemeClr val="accent6"/>
-              </a:solidFill>
-              <a:latin typeface="Consolas" charset="0"/>
-              <a:ea typeface="Consolas" charset="0"/>
-              <a:cs typeface="Consolas" charset="0"/>
-            </a:endParaRPr>
           </a:p>
         </p:txBody>
       </p:sp>
@@ -12109,6 +12498,29 @@
           </a:graphicData>
         </a:graphic>
       </p:graphicFrame>
+      <p:sp>
+        <p:nvSpPr>
+          <p:cNvPr id="4" name="Slide Number Placeholder 3"/>
+          <p:cNvSpPr>
+            <a:spLocks noGrp="1"/>
+          </p:cNvSpPr>
+          <p:nvPr>
+            <p:ph type="sldNum" sz="quarter" idx="12"/>
+          </p:nvPr>
+        </p:nvSpPr>
+        <p:spPr/>
+        <p:txBody>
+          <a:bodyPr/>
+          <a:lstStyle/>
+          <a:p>
+            <a:fld id="{4655F2EB-082D-1A4D-B2FA-EA5F6FE60629}" type="slidenum">
+              <a:rPr lang="en-US" smtClean="0"/>
+              <a:t>30</a:t>
+            </a:fld>
+            <a:endParaRPr lang="en-US"/>
+          </a:p>
+        </p:txBody>
+      </p:sp>
     </p:spTree>
     <p:extLst>
       <p:ext uri="{BB962C8B-B14F-4D97-AF65-F5344CB8AC3E}">
@@ -12187,6 +12599,29 @@
           </a:p>
         </p:txBody>
       </p:sp>
+      <p:sp>
+        <p:nvSpPr>
+          <p:cNvPr id="2" name="Slide Number Placeholder 1"/>
+          <p:cNvSpPr>
+            <a:spLocks noGrp="1"/>
+          </p:cNvSpPr>
+          <p:nvPr>
+            <p:ph type="sldNum" sz="quarter" idx="12"/>
+          </p:nvPr>
+        </p:nvSpPr>
+        <p:spPr/>
+        <p:txBody>
+          <a:bodyPr/>
+          <a:lstStyle/>
+          <a:p>
+            <a:fld id="{4655F2EB-082D-1A4D-B2FA-EA5F6FE60629}" type="slidenum">
+              <a:rPr lang="en-US" smtClean="0"/>
+              <a:t>31</a:t>
+            </a:fld>
+            <a:endParaRPr lang="en-US"/>
+          </a:p>
+        </p:txBody>
+      </p:sp>
     </p:spTree>
     <p:extLst>
       <p:ext uri="{BB962C8B-B14F-4D97-AF65-F5344CB8AC3E}">
@@ -12364,6 +12799,29 @@
           </a:p>
         </p:txBody>
       </p:sp>
+      <p:sp>
+        <p:nvSpPr>
+          <p:cNvPr id="2" name="Slide Number Placeholder 1"/>
+          <p:cNvSpPr>
+            <a:spLocks noGrp="1"/>
+          </p:cNvSpPr>
+          <p:nvPr>
+            <p:ph type="sldNum" sz="quarter" idx="12"/>
+          </p:nvPr>
+        </p:nvSpPr>
+        <p:spPr/>
+        <p:txBody>
+          <a:bodyPr/>
+          <a:lstStyle/>
+          <a:p>
+            <a:fld id="{4655F2EB-082D-1A4D-B2FA-EA5F6FE60629}" type="slidenum">
+              <a:rPr lang="en-US" smtClean="0"/>
+              <a:t>32</a:t>
+            </a:fld>
+            <a:endParaRPr lang="en-US"/>
+          </a:p>
+        </p:txBody>
+      </p:sp>
     </p:spTree>
     <p:extLst>
       <p:ext uri="{BB962C8B-B14F-4D97-AF65-F5344CB8AC3E}">
@@ -12708,6 +13166,29 @@
           </a:p>
         </p:txBody>
       </p:sp>
+      <p:sp>
+        <p:nvSpPr>
+          <p:cNvPr id="4" name="Slide Number Placeholder 3"/>
+          <p:cNvSpPr>
+            <a:spLocks noGrp="1"/>
+          </p:cNvSpPr>
+          <p:nvPr>
+            <p:ph type="sldNum" sz="quarter" idx="12"/>
+          </p:nvPr>
+        </p:nvSpPr>
+        <p:spPr/>
+        <p:txBody>
+          <a:bodyPr/>
+          <a:lstStyle/>
+          <a:p>
+            <a:fld id="{4655F2EB-082D-1A4D-B2FA-EA5F6FE60629}" type="slidenum">
+              <a:rPr lang="en-US" smtClean="0"/>
+              <a:t>4</a:t>
+            </a:fld>
+            <a:endParaRPr lang="en-US"/>
+          </a:p>
+        </p:txBody>
+      </p:sp>
     </p:spTree>
     <p:extLst>
       <p:ext uri="{BB962C8B-B14F-4D97-AF65-F5344CB8AC3E}">
@@ -12865,6 +13346,29 @@
               <a:ea typeface="Consolas" charset="0"/>
               <a:cs typeface="Consolas" charset="0"/>
             </a:endParaRPr>
+          </a:p>
+        </p:txBody>
+      </p:sp>
+      <p:sp>
+        <p:nvSpPr>
+          <p:cNvPr id="4" name="Slide Number Placeholder 3"/>
+          <p:cNvSpPr>
+            <a:spLocks noGrp="1"/>
+          </p:cNvSpPr>
+          <p:nvPr>
+            <p:ph type="sldNum" sz="quarter" idx="12"/>
+          </p:nvPr>
+        </p:nvSpPr>
+        <p:spPr/>
+        <p:txBody>
+          <a:bodyPr/>
+          <a:lstStyle/>
+          <a:p>
+            <a:fld id="{4655F2EB-082D-1A4D-B2FA-EA5F6FE60629}" type="slidenum">
+              <a:rPr lang="en-US" smtClean="0"/>
+              <a:t>5</a:t>
+            </a:fld>
+            <a:endParaRPr lang="en-US"/>
           </a:p>
         </p:txBody>
       </p:sp>
@@ -13222,6 +13726,29 @@
               <a:ea typeface="Consolas" charset="0"/>
               <a:cs typeface="Consolas" charset="0"/>
             </a:endParaRPr>
+          </a:p>
+        </p:txBody>
+      </p:sp>
+      <p:sp>
+        <p:nvSpPr>
+          <p:cNvPr id="4" name="Slide Number Placeholder 3"/>
+          <p:cNvSpPr>
+            <a:spLocks noGrp="1"/>
+          </p:cNvSpPr>
+          <p:nvPr>
+            <p:ph type="sldNum" sz="quarter" idx="12"/>
+          </p:nvPr>
+        </p:nvSpPr>
+        <p:spPr/>
+        <p:txBody>
+          <a:bodyPr/>
+          <a:lstStyle/>
+          <a:p>
+            <a:fld id="{4655F2EB-082D-1A4D-B2FA-EA5F6FE60629}" type="slidenum">
+              <a:rPr lang="en-US" smtClean="0"/>
+              <a:t>6</a:t>
+            </a:fld>
+            <a:endParaRPr lang="en-US"/>
           </a:p>
         </p:txBody>
       </p:sp>
@@ -13519,6 +14046,29 @@
           </a:p>
         </p:txBody>
       </p:sp>
+      <p:sp>
+        <p:nvSpPr>
+          <p:cNvPr id="3" name="Slide Number Placeholder 2"/>
+          <p:cNvSpPr>
+            <a:spLocks noGrp="1"/>
+          </p:cNvSpPr>
+          <p:nvPr>
+            <p:ph type="sldNum" sz="quarter" idx="12"/>
+          </p:nvPr>
+        </p:nvSpPr>
+        <p:spPr/>
+        <p:txBody>
+          <a:bodyPr/>
+          <a:lstStyle/>
+          <a:p>
+            <a:fld id="{4655F2EB-082D-1A4D-B2FA-EA5F6FE60629}" type="slidenum">
+              <a:rPr lang="en-US" smtClean="0"/>
+              <a:t>7</a:t>
+            </a:fld>
+            <a:endParaRPr lang="en-US"/>
+          </a:p>
+        </p:txBody>
+      </p:sp>
     </p:spTree>
     <p:extLst>
       <p:ext uri="{BB962C8B-B14F-4D97-AF65-F5344CB8AC3E}">
@@ -13768,6 +14318,29 @@
           </a:p>
         </p:txBody>
       </p:sp>
+      <p:sp>
+        <p:nvSpPr>
+          <p:cNvPr id="5" name="Slide Number Placeholder 4"/>
+          <p:cNvSpPr>
+            <a:spLocks noGrp="1"/>
+          </p:cNvSpPr>
+          <p:nvPr>
+            <p:ph type="sldNum" sz="quarter" idx="12"/>
+          </p:nvPr>
+        </p:nvSpPr>
+        <p:spPr/>
+        <p:txBody>
+          <a:bodyPr/>
+          <a:lstStyle/>
+          <a:p>
+            <a:fld id="{4655F2EB-082D-1A4D-B2FA-EA5F6FE60629}" type="slidenum">
+              <a:rPr lang="en-US" smtClean="0"/>
+              <a:t>8</a:t>
+            </a:fld>
+            <a:endParaRPr lang="en-US"/>
+          </a:p>
+        </p:txBody>
+      </p:sp>
     </p:spTree>
     <p:extLst>
       <p:ext uri="{BB962C8B-B14F-4D97-AF65-F5344CB8AC3E}">
@@ -14000,6 +14573,29 @@
               <a:ea typeface="Consolas" charset="0"/>
               <a:cs typeface="Consolas" charset="0"/>
             </a:endParaRPr>
+          </a:p>
+        </p:txBody>
+      </p:sp>
+      <p:sp>
+        <p:nvSpPr>
+          <p:cNvPr id="7" name="Slide Number Placeholder 6"/>
+          <p:cNvSpPr>
+            <a:spLocks noGrp="1"/>
+          </p:cNvSpPr>
+          <p:nvPr>
+            <p:ph type="sldNum" sz="quarter" idx="12"/>
+          </p:nvPr>
+        </p:nvSpPr>
+        <p:spPr/>
+        <p:txBody>
+          <a:bodyPr/>
+          <a:lstStyle/>
+          <a:p>
+            <a:fld id="{4655F2EB-082D-1A4D-B2FA-EA5F6FE60629}" type="slidenum">
+              <a:rPr lang="en-US" smtClean="0"/>
+              <a:t>9</a:t>
+            </a:fld>
+            <a:endParaRPr lang="en-US"/>
           </a:p>
         </p:txBody>
       </p:sp>
